--- a/prezentace diplomka/DP_Diani.pptx
+++ b/prezentace diplomka/DP_Diani.pptx
@@ -5,7 +5,7 @@
     <p:sldMasterId id="2147483648" r:id="rId1"/>
   </p:sldMasterIdLst>
   <p:notesMasterIdLst>
-    <p:notesMasterId r:id="rId26"/>
+    <p:notesMasterId r:id="rId25"/>
   </p:notesMasterIdLst>
   <p:sldIdLst>
     <p:sldId id="256" r:id="rId2"/>
@@ -17,21 +17,20 @@
     <p:sldId id="277" r:id="rId8"/>
     <p:sldId id="258" r:id="rId9"/>
     <p:sldId id="268" r:id="rId10"/>
-    <p:sldId id="263" r:id="rId11"/>
-    <p:sldId id="281" r:id="rId12"/>
-    <p:sldId id="259" r:id="rId13"/>
-    <p:sldId id="282" r:id="rId14"/>
-    <p:sldId id="269" r:id="rId15"/>
-    <p:sldId id="278" r:id="rId16"/>
-    <p:sldId id="279" r:id="rId17"/>
-    <p:sldId id="280" r:id="rId18"/>
-    <p:sldId id="283" r:id="rId19"/>
-    <p:sldId id="285" r:id="rId20"/>
-    <p:sldId id="284" r:id="rId21"/>
-    <p:sldId id="264" r:id="rId22"/>
-    <p:sldId id="262" r:id="rId23"/>
-    <p:sldId id="270" r:id="rId24"/>
-    <p:sldId id="265" r:id="rId25"/>
+    <p:sldId id="281" r:id="rId11"/>
+    <p:sldId id="259" r:id="rId12"/>
+    <p:sldId id="282" r:id="rId13"/>
+    <p:sldId id="269" r:id="rId14"/>
+    <p:sldId id="279" r:id="rId15"/>
+    <p:sldId id="286" r:id="rId16"/>
+    <p:sldId id="280" r:id="rId17"/>
+    <p:sldId id="283" r:id="rId18"/>
+    <p:sldId id="285" r:id="rId19"/>
+    <p:sldId id="284" r:id="rId20"/>
+    <p:sldId id="264" r:id="rId21"/>
+    <p:sldId id="262" r:id="rId22"/>
+    <p:sldId id="270" r:id="rId23"/>
+    <p:sldId id="265" r:id="rId24"/>
   </p:sldIdLst>
   <p:sldSz cx="12192000" cy="6858000"/>
   <p:notesSz cx="6858000" cy="9144000"/>
@@ -653,33 +652,14 @@
           <a:p>
             <a:r>
               <a:rPr lang="cs-CZ" dirty="0" smtClean="0"/>
-              <a:t>Jako zatím</a:t>
-            </a:r>
-            <a:r>
-              <a:rPr lang="cs-CZ" baseline="0" dirty="0" smtClean="0"/>
-              <a:t> poslední inovací je doplnění systém o analytické moduly. Snahou těchto modulů je pomoci při práci lékaři a popř. navést zkušenějšího pacienta k hledání  specifických situací.</a:t>
-            </a:r>
-          </a:p>
-          <a:p>
-            <a:r>
+              <a:t>Do systému bylo implementováno</a:t>
+            </a:r>
+            <a:br>
               <a:rPr lang="cs-CZ" dirty="0" smtClean="0"/>
-              <a:t>Modul pro hledání glykemických situací má pomoci</a:t>
-            </a:r>
-            <a:r>
-              <a:rPr lang="cs-CZ" baseline="0" dirty="0" smtClean="0"/>
-              <a:t> nalézt prudké poklesy glykémie při specifické výši aktivity. Kdy zadavatel může vyhledávat nejenom podle horního resp. dolního prahu aktivity ale i podle délky nalezeného segmentu a velikost poklesu glykémie v daném segmentu.</a:t>
-            </a:r>
-          </a:p>
-          <a:p>
-            <a:r>
-              <a:rPr lang="cs-CZ" baseline="0" dirty="0" smtClean="0"/>
-              <a:t>Modul pro vyhledávání jídelní situací umožňuje nalézt situace kdy pacient přijmu sacharidy za daných kritérií glykémie a aktivity před a po jídle.</a:t>
-            </a:r>
-          </a:p>
-          <a:p>
-            <a:r>
-              <a:rPr lang="cs-CZ" baseline="0" dirty="0" smtClean="0"/>
-              <a:t>Oba dva tyto moduly jsou v současné době jsou součástí výzkumu pro další využití.</a:t>
+            </a:br>
+            <a:r>
+              <a:rPr lang="cs-CZ" dirty="0" smtClean="0"/>
+              <a:t>Položky na levé straně byli implementovány mnou</a:t>
             </a:r>
             <a:endParaRPr lang="cs-CZ" dirty="0"/>
           </a:p>
@@ -702,7 +682,7 @@
           <a:p>
             <a:fld id="{FD9D58AD-6389-4BE8-9750-33B383CC1FA5}" type="slidenum">
               <a:rPr lang="en-US" smtClean="0"/>
-              <a:t>14</a:t>
+              <a:t>10</a:t>
             </a:fld>
             <a:endParaRPr lang="en-US"/>
           </a:p>
@@ -711,7 +691,7 @@
     </p:spTree>
     <p:extLst>
       <p:ext uri="{BB962C8B-B14F-4D97-AF65-F5344CB8AC3E}">
-        <p14:creationId xmlns:p14="http://schemas.microsoft.com/office/powerpoint/2010/main" val="2577638144"/>
+        <p14:creationId xmlns:p14="http://schemas.microsoft.com/office/powerpoint/2010/main" val="1692056350"/>
       </p:ext>
     </p:extLst>
   </p:cSld>
@@ -767,13 +747,44 @@
           <a:p>
             <a:r>
               <a:rPr lang="cs-CZ" dirty="0" smtClean="0"/>
-              <a:t>V</a:t>
+              <a:t>Na levé straně je vidět úvodní</a:t>
             </a:r>
             <a:r>
               <a:rPr lang="cs-CZ" baseline="0" dirty="0" smtClean="0"/>
-              <a:t> rámci ročního sběru dat zpětné vazby jsem web postupem času optimalizoval i pro mobilní zařízení. Na obrázku vlevo si můžete všimnout upozornění pro uživatele aby zařízení použil v horizontálním položení. Z praktického důvodu lepšího zobrazení grafů. V Částech webu kde toto rozložení není třeba se tato informace při vertikálním použití nezobrazuje.</a:t>
-            </a:r>
-            <a:endParaRPr lang="cs-CZ" dirty="0"/>
+              <a:t> stránka přehledových grafů. Hlavním přínosem je možnost porovnat glykemická data s aktivitou v přímé časové vazbě bez přepínání mezi okny.</a:t>
+            </a:r>
+            <a:br>
+              <a:rPr lang="cs-CZ" baseline="0" dirty="0" smtClean="0"/>
+            </a:br>
+            <a:r>
+              <a:rPr lang="cs-CZ" baseline="0" dirty="0" smtClean="0"/>
+              <a:t>Na pravé straně jsou vidět glykemické profily, které jsou nedílnou součástí většiny systémů pro sledování glykémie.</a:t>
+            </a:r>
+          </a:p>
+          <a:p>
+            <a:r>
+              <a:rPr lang="cs-CZ" baseline="0" dirty="0" smtClean="0"/>
+              <a:t>Systém dovoluje krom zobrazení těchto grafů také správu zařízení (konkrétně </a:t>
+            </a:r>
+            <a:r>
+              <a:rPr lang="cs-CZ" baseline="0" dirty="0" err="1" smtClean="0"/>
+              <a:t>Fibit</a:t>
+            </a:r>
+            <a:r>
+              <a:rPr lang="cs-CZ" baseline="0" dirty="0" smtClean="0"/>
+              <a:t>), vedení karty pacienta, správu uživatelů analýzu specifických situací (o kterých se zmíním později</a:t>
+            </a:r>
+            <a:r>
+              <a:rPr lang="cs-CZ" baseline="0" dirty="0" smtClean="0"/>
+              <a:t>).</a:t>
+            </a:r>
+          </a:p>
+          <a:p>
+            <a:r>
+              <a:rPr lang="cs-CZ" baseline="0" dirty="0" smtClean="0"/>
+              <a:t>Aplikace jak jsem zmínil umožňuje správu zařízení, pacientů a jejich propojení dále správu uživatelů import dat a export.</a:t>
+            </a:r>
+            <a:endParaRPr lang="en-US" dirty="0"/>
           </a:p>
         </p:txBody>
       </p:sp>
@@ -794,7 +805,7 @@
           <a:p>
             <a:fld id="{FD9D58AD-6389-4BE8-9750-33B383CC1FA5}" type="slidenum">
               <a:rPr lang="en-US" smtClean="0"/>
-              <a:t>21</a:t>
+              <a:t>11</a:t>
             </a:fld>
             <a:endParaRPr lang="en-US"/>
           </a:p>
@@ -803,7 +814,7 @@
     </p:spTree>
     <p:extLst>
       <p:ext uri="{BB962C8B-B14F-4D97-AF65-F5344CB8AC3E}">
-        <p14:creationId xmlns:p14="http://schemas.microsoft.com/office/powerpoint/2010/main" val="4152797229"/>
+        <p14:creationId xmlns:p14="http://schemas.microsoft.com/office/powerpoint/2010/main" val="1932669746"/>
       </p:ext>
     </p:extLst>
   </p:cSld>
@@ -859,57 +870,13 @@
           <a:p>
             <a:r>
               <a:rPr lang="cs-CZ" dirty="0" smtClean="0"/>
-              <a:t>V současné době je aplikace nasazena a</a:t>
+              <a:t>Zde</a:t>
             </a:r>
             <a:r>
               <a:rPr lang="cs-CZ" baseline="0" dirty="0" smtClean="0"/>
-              <a:t> data jsou sbírána ve FN </a:t>
-            </a:r>
-            <a:r>
-              <a:rPr lang="cs-CZ" baseline="0" dirty="0" err="1" smtClean="0"/>
-              <a:t>motol</a:t>
-            </a:r>
-            <a:r>
-              <a:rPr lang="cs-CZ" baseline="0" dirty="0" smtClean="0"/>
-              <a:t>.</a:t>
-            </a:r>
-          </a:p>
-          <a:p>
-            <a:r>
-              <a:rPr lang="cs-CZ" baseline="0" dirty="0" smtClean="0"/>
-              <a:t>Pomocí této webové aplikace jsou data vyhodnocována a spravována v anonymizované formě.</a:t>
-            </a:r>
-          </a:p>
-          <a:p>
-            <a:r>
-              <a:rPr lang="cs-CZ" baseline="0" dirty="0" smtClean="0"/>
-              <a:t>Posledními novými funkcionalitami jsou moduly pro analýzu data (Hledání glykemických situací a jídelních situací), které jsou součástí výzkumné práce.</a:t>
-            </a:r>
-          </a:p>
-          <a:p>
-            <a:r>
-              <a:rPr lang="cs-CZ" baseline="0" dirty="0" smtClean="0"/>
-              <a:t>Ačkoliv je aplikace zejména orientována pro výzkumnou činnost v průběhu roku jsem žádal testovací uživatele aby vyplnili </a:t>
-            </a:r>
-            <a:r>
-              <a:rPr lang="cs-CZ" baseline="0" dirty="0" err="1" smtClean="0"/>
-              <a:t>dotazní</a:t>
-            </a:r>
-            <a:r>
-              <a:rPr lang="cs-CZ" baseline="0" dirty="0" smtClean="0"/>
-              <a:t> o vhodnosti aplikace.</a:t>
-            </a:r>
-          </a:p>
-          <a:p>
-            <a:r>
-              <a:rPr lang="cs-CZ" sz="1200" dirty="0" smtClean="0"/>
-              <a:t>Aplikace</a:t>
-            </a:r>
-            <a:r>
-              <a:rPr lang="cs-CZ" sz="1200" baseline="0" dirty="0" smtClean="0"/>
-              <a:t> je stabilní a střední doba bezporuchového provozu je cca 2100 hodin</a:t>
-            </a:r>
-            <a:endParaRPr lang="en-US" dirty="0"/>
+              <a:t> je vidět karta pacienta která obsahuje krom klasických rubrik jako je jméno, přímení, datum narození a pohlaví zobrazuje kromě propojených zařízení, také naměřené veličiny jako např. glykovaný hemoglobin, hmotnost….</a:t>
+            </a:r>
+            <a:endParaRPr lang="cs-CZ" dirty="0"/>
           </a:p>
         </p:txBody>
       </p:sp>
@@ -930,7 +897,7 @@
           <a:p>
             <a:fld id="{FD9D58AD-6389-4BE8-9750-33B383CC1FA5}" type="slidenum">
               <a:rPr lang="en-US" smtClean="0"/>
-              <a:t>22</a:t>
+              <a:t>12</a:t>
             </a:fld>
             <a:endParaRPr lang="en-US"/>
           </a:p>
@@ -939,7 +906,7 @@
     </p:spTree>
     <p:extLst>
       <p:ext uri="{BB962C8B-B14F-4D97-AF65-F5344CB8AC3E}">
-        <p14:creationId xmlns:p14="http://schemas.microsoft.com/office/powerpoint/2010/main" val="3699835620"/>
+        <p14:creationId xmlns:p14="http://schemas.microsoft.com/office/powerpoint/2010/main" val="4126041753"/>
       </p:ext>
     </p:extLst>
   </p:cSld>
@@ -995,77 +962,33 @@
           <a:p>
             <a:r>
               <a:rPr lang="cs-CZ" dirty="0" smtClean="0"/>
-              <a:t>Výsledky</a:t>
+              <a:t>Jako zatím</a:t>
             </a:r>
             <a:r>
               <a:rPr lang="cs-CZ" baseline="0" dirty="0" smtClean="0"/>
-              <a:t> práce jsem publikoval jako autor na Diabetologických dne v Luhačovicích</a:t>
-            </a:r>
-          </a:p>
-          <a:p>
+              <a:t> poslední inovací je doplnění systém o analytické moduly. Snahou těchto modulů je pomoci při práci lékaři a popř. navést zkušenějšího pacienta k hledání  specifických situací.</a:t>
+            </a:r>
+          </a:p>
+          <a:p>
+            <a:r>
+              <a:rPr lang="cs-CZ" dirty="0" smtClean="0"/>
+              <a:t>Modul pro hledání glykemických situací má pomoci</a:t>
+            </a:r>
             <a:r>
               <a:rPr lang="cs-CZ" baseline="0" dirty="0" smtClean="0"/>
-              <a:t>Na konferencích </a:t>
-            </a:r>
-            <a:r>
-              <a:rPr lang="cs-CZ" baseline="0" dirty="0" err="1" smtClean="0"/>
-              <a:t>Advanced</a:t>
-            </a:r>
+              <a:t> nalézt prudké poklesy glykémie při specifické výši aktivity. Kdy zadavatel může vyhledávat nejenom podle horního resp. dolního prahu aktivity ale i podle délky nalezeného segmentu a velikost poklesu glykémie v daném segmentu.</a:t>
+            </a:r>
+          </a:p>
+          <a:p>
             <a:r>
               <a:rPr lang="cs-CZ" baseline="0" dirty="0" smtClean="0"/>
-              <a:t> Technologies and </a:t>
-            </a:r>
-            <a:r>
-              <a:rPr lang="cs-CZ" baseline="0" dirty="0" err="1" smtClean="0"/>
-              <a:t>treatments</a:t>
-            </a:r>
+              <a:t>Modul pro vyhledávání jídelní situací umožňuje nalézt situace kdy pacient přijmu sacharidy za daných kritérií glykémie a aktivity před a po jídle.</a:t>
+            </a:r>
+          </a:p>
+          <a:p>
             <a:r>
               <a:rPr lang="cs-CZ" baseline="0" dirty="0" smtClean="0"/>
-              <a:t> </a:t>
-            </a:r>
-            <a:r>
-              <a:rPr lang="cs-CZ" baseline="0" dirty="0" err="1" smtClean="0"/>
-              <a:t>for</a:t>
-            </a:r>
-            <a:r>
-              <a:rPr lang="cs-CZ" baseline="0" dirty="0" smtClean="0"/>
-              <a:t> diabetes jsem byl spoluautorem jako článku v </a:t>
-            </a:r>
-            <a:r>
-              <a:rPr lang="cs-CZ" baseline="0" dirty="0" err="1" smtClean="0"/>
-              <a:t>The</a:t>
-            </a:r>
-            <a:r>
-              <a:rPr lang="cs-CZ" baseline="0" dirty="0" smtClean="0"/>
-              <a:t> </a:t>
-            </a:r>
-            <a:r>
-              <a:rPr lang="cs-CZ" baseline="0" dirty="0" err="1" smtClean="0"/>
-              <a:t>Internation</a:t>
-            </a:r>
-            <a:r>
-              <a:rPr lang="cs-CZ" baseline="0" dirty="0" smtClean="0"/>
-              <a:t> </a:t>
-            </a:r>
-            <a:r>
-              <a:rPr lang="cs-CZ" baseline="0" dirty="0" err="1" smtClean="0"/>
-              <a:t>Journal</a:t>
-            </a:r>
-            <a:r>
-              <a:rPr lang="cs-CZ" baseline="0" dirty="0" smtClean="0"/>
-              <a:t> on </a:t>
-            </a:r>
-            <a:r>
-              <a:rPr lang="cs-CZ" baseline="0" dirty="0" err="1" smtClean="0"/>
-              <a:t>Biomedicine</a:t>
-            </a:r>
-            <a:r>
-              <a:rPr lang="cs-CZ" baseline="0" dirty="0" smtClean="0"/>
-              <a:t> and </a:t>
-            </a:r>
-            <a:r>
-              <a:rPr lang="cs-CZ" baseline="0" dirty="0" err="1" smtClean="0"/>
-              <a:t>Healthcare</a:t>
+              <a:t>Oba dva tyto moduly jsou v současné době jsou součástí výzkumu pro další využití.</a:t>
             </a:r>
             <a:endParaRPr lang="cs-CZ" dirty="0"/>
           </a:p>
@@ -1088,7 +1011,7 @@
           <a:p>
             <a:fld id="{FD9D58AD-6389-4BE8-9750-33B383CC1FA5}" type="slidenum">
               <a:rPr lang="en-US" smtClean="0"/>
-              <a:t>23</a:t>
+              <a:t>13</a:t>
             </a:fld>
             <a:endParaRPr lang="en-US"/>
           </a:p>
@@ -1097,7 +1020,539 @@
     </p:spTree>
     <p:extLst>
       <p:ext uri="{BB962C8B-B14F-4D97-AF65-F5344CB8AC3E}">
-        <p14:creationId xmlns:p14="http://schemas.microsoft.com/office/powerpoint/2010/main" val="1003222178"/>
+        <p14:creationId xmlns:p14="http://schemas.microsoft.com/office/powerpoint/2010/main" val="2577638144"/>
+      </p:ext>
+    </p:extLst>
+  </p:cSld>
+  <p:clrMapOvr>
+    <a:masterClrMapping/>
+  </p:clrMapOvr>
+</p:notes>
+</file>
+
+<file path=ppt/notesSlides/notesSlide14.xml><?xml version="1.0" encoding="utf-8"?>
+<p:notes xmlns:a="http://schemas.openxmlformats.org/drawingml/2006/main" xmlns:r="http://schemas.openxmlformats.org/officeDocument/2006/relationships" xmlns:p="http://schemas.openxmlformats.org/presentationml/2006/main">
+  <p:cSld>
+    <p:spTree>
+      <p:nvGrpSpPr>
+        <p:cNvPr id="1" name=""/>
+        <p:cNvGrpSpPr/>
+        <p:nvPr/>
+      </p:nvGrpSpPr>
+      <p:grpSpPr>
+        <a:xfrm>
+          <a:off x="0" y="0"/>
+          <a:ext cx="0" cy="0"/>
+          <a:chOff x="0" y="0"/>
+          <a:chExt cx="0" cy="0"/>
+        </a:xfrm>
+      </p:grpSpPr>
+      <p:sp>
+        <p:nvSpPr>
+          <p:cNvPr id="2" name="Zástupný symbol pro obrázek snímku 1"/>
+          <p:cNvSpPr>
+            <a:spLocks noGrp="1" noRot="1" noChangeAspect="1"/>
+          </p:cNvSpPr>
+          <p:nvPr>
+            <p:ph type="sldImg"/>
+          </p:nvPr>
+        </p:nvSpPr>
+        <p:spPr/>
+      </p:sp>
+      <p:sp>
+        <p:nvSpPr>
+          <p:cNvPr id="3" name="Zástupný symbol pro poznámky 2"/>
+          <p:cNvSpPr>
+            <a:spLocks noGrp="1"/>
+          </p:cNvSpPr>
+          <p:nvPr>
+            <p:ph type="body" idx="1"/>
+          </p:nvPr>
+        </p:nvSpPr>
+        <p:spPr/>
+        <p:txBody>
+          <a:bodyPr/>
+          <a:lstStyle/>
+          <a:p>
+            <a:r>
+              <a:rPr lang="cs-CZ" dirty="0" smtClean="0"/>
+              <a:t>Zde je vidět zjednodušený diagram  modulu pro hledání jídelních situací</a:t>
+            </a:r>
+            <a:endParaRPr lang="cs-CZ" dirty="0"/>
+          </a:p>
+        </p:txBody>
+      </p:sp>
+      <p:sp>
+        <p:nvSpPr>
+          <p:cNvPr id="4" name="Zástupný symbol pro číslo snímku 3"/>
+          <p:cNvSpPr>
+            <a:spLocks noGrp="1"/>
+          </p:cNvSpPr>
+          <p:nvPr>
+            <p:ph type="sldNum" sz="quarter" idx="10"/>
+          </p:nvPr>
+        </p:nvSpPr>
+        <p:spPr/>
+        <p:txBody>
+          <a:bodyPr/>
+          <a:lstStyle/>
+          <a:p>
+            <a:fld id="{FD9D58AD-6389-4BE8-9750-33B383CC1FA5}" type="slidenum">
+              <a:rPr lang="en-US" smtClean="0"/>
+              <a:t>14</a:t>
+            </a:fld>
+            <a:endParaRPr lang="en-US"/>
+          </a:p>
+        </p:txBody>
+      </p:sp>
+    </p:spTree>
+    <p:extLst>
+      <p:ext uri="{BB962C8B-B14F-4D97-AF65-F5344CB8AC3E}">
+        <p14:creationId xmlns:p14="http://schemas.microsoft.com/office/powerpoint/2010/main" val="2181000521"/>
+      </p:ext>
+    </p:extLst>
+  </p:cSld>
+  <p:clrMapOvr>
+    <a:masterClrMapping/>
+  </p:clrMapOvr>
+</p:notes>
+</file>
+
+<file path=ppt/notesSlides/notesSlide15.xml><?xml version="1.0" encoding="utf-8"?>
+<p:notes xmlns:a="http://schemas.openxmlformats.org/drawingml/2006/main" xmlns:r="http://schemas.openxmlformats.org/officeDocument/2006/relationships" xmlns:p="http://schemas.openxmlformats.org/presentationml/2006/main">
+  <p:cSld>
+    <p:spTree>
+      <p:nvGrpSpPr>
+        <p:cNvPr id="1" name=""/>
+        <p:cNvGrpSpPr/>
+        <p:nvPr/>
+      </p:nvGrpSpPr>
+      <p:grpSpPr>
+        <a:xfrm>
+          <a:off x="0" y="0"/>
+          <a:ext cx="0" cy="0"/>
+          <a:chOff x="0" y="0"/>
+          <a:chExt cx="0" cy="0"/>
+        </a:xfrm>
+      </p:grpSpPr>
+      <p:sp>
+        <p:nvSpPr>
+          <p:cNvPr id="2" name="Zástupný symbol pro obrázek snímku 1"/>
+          <p:cNvSpPr>
+            <a:spLocks noGrp="1" noRot="1" noChangeAspect="1"/>
+          </p:cNvSpPr>
+          <p:nvPr>
+            <p:ph type="sldImg"/>
+          </p:nvPr>
+        </p:nvSpPr>
+        <p:spPr/>
+      </p:sp>
+      <p:sp>
+        <p:nvSpPr>
+          <p:cNvPr id="3" name="Zástupný symbol pro poznámky 2"/>
+          <p:cNvSpPr>
+            <a:spLocks noGrp="1"/>
+          </p:cNvSpPr>
+          <p:nvPr>
+            <p:ph type="body" idx="1"/>
+          </p:nvPr>
+        </p:nvSpPr>
+        <p:spPr/>
+        <p:txBody>
+          <a:bodyPr/>
+          <a:lstStyle/>
+          <a:p>
+            <a:r>
+              <a:rPr lang="cs-CZ" dirty="0" smtClean="0"/>
+              <a:t>Podrobněji se podíváme na samotný algoritmus</a:t>
+            </a:r>
+            <a:endParaRPr lang="cs-CZ" dirty="0"/>
+          </a:p>
+        </p:txBody>
+      </p:sp>
+      <p:sp>
+        <p:nvSpPr>
+          <p:cNvPr id="4" name="Zástupný symbol pro číslo snímku 3"/>
+          <p:cNvSpPr>
+            <a:spLocks noGrp="1"/>
+          </p:cNvSpPr>
+          <p:nvPr>
+            <p:ph type="sldNum" sz="quarter" idx="10"/>
+          </p:nvPr>
+        </p:nvSpPr>
+        <p:spPr/>
+        <p:txBody>
+          <a:bodyPr/>
+          <a:lstStyle/>
+          <a:p>
+            <a:fld id="{FD9D58AD-6389-4BE8-9750-33B383CC1FA5}" type="slidenum">
+              <a:rPr lang="en-US" smtClean="0"/>
+              <a:t>15</a:t>
+            </a:fld>
+            <a:endParaRPr lang="en-US"/>
+          </a:p>
+        </p:txBody>
+      </p:sp>
+    </p:spTree>
+    <p:extLst>
+      <p:ext uri="{BB962C8B-B14F-4D97-AF65-F5344CB8AC3E}">
+        <p14:creationId xmlns:p14="http://schemas.microsoft.com/office/powerpoint/2010/main" val="3859641528"/>
+      </p:ext>
+    </p:extLst>
+  </p:cSld>
+  <p:clrMapOvr>
+    <a:masterClrMapping/>
+  </p:clrMapOvr>
+</p:notes>
+</file>
+
+<file path=ppt/notesSlides/notesSlide16.xml><?xml version="1.0" encoding="utf-8"?>
+<p:notes xmlns:a="http://schemas.openxmlformats.org/drawingml/2006/main" xmlns:r="http://schemas.openxmlformats.org/officeDocument/2006/relationships" xmlns:p="http://schemas.openxmlformats.org/presentationml/2006/main">
+  <p:cSld>
+    <p:spTree>
+      <p:nvGrpSpPr>
+        <p:cNvPr id="1" name=""/>
+        <p:cNvGrpSpPr/>
+        <p:nvPr/>
+      </p:nvGrpSpPr>
+      <p:grpSpPr>
+        <a:xfrm>
+          <a:off x="0" y="0"/>
+          <a:ext cx="0" cy="0"/>
+          <a:chOff x="0" y="0"/>
+          <a:chExt cx="0" cy="0"/>
+        </a:xfrm>
+      </p:grpSpPr>
+      <p:sp>
+        <p:nvSpPr>
+          <p:cNvPr id="2" name="Zástupný symbol pro obrázek snímku 1"/>
+          <p:cNvSpPr>
+            <a:spLocks noGrp="1" noRot="1" noChangeAspect="1"/>
+          </p:cNvSpPr>
+          <p:nvPr>
+            <p:ph type="sldImg"/>
+          </p:nvPr>
+        </p:nvSpPr>
+        <p:spPr/>
+      </p:sp>
+      <p:sp>
+        <p:nvSpPr>
+          <p:cNvPr id="3" name="Zástupný symbol pro poznámky 2"/>
+          <p:cNvSpPr>
+            <a:spLocks noGrp="1"/>
+          </p:cNvSpPr>
+          <p:nvPr>
+            <p:ph type="body" idx="1"/>
+          </p:nvPr>
+        </p:nvSpPr>
+        <p:spPr/>
+        <p:txBody>
+          <a:bodyPr/>
+          <a:lstStyle/>
+          <a:p>
+            <a:r>
+              <a:rPr lang="cs-CZ" dirty="0" smtClean="0"/>
+              <a:t>Popíši stručně algoritmus</a:t>
+            </a:r>
+            <a:endParaRPr lang="cs-CZ" dirty="0"/>
+          </a:p>
+        </p:txBody>
+      </p:sp>
+      <p:sp>
+        <p:nvSpPr>
+          <p:cNvPr id="4" name="Zástupný symbol pro číslo snímku 3"/>
+          <p:cNvSpPr>
+            <a:spLocks noGrp="1"/>
+          </p:cNvSpPr>
+          <p:nvPr>
+            <p:ph type="sldNum" sz="quarter" idx="10"/>
+          </p:nvPr>
+        </p:nvSpPr>
+        <p:spPr/>
+        <p:txBody>
+          <a:bodyPr/>
+          <a:lstStyle/>
+          <a:p>
+            <a:fld id="{FD9D58AD-6389-4BE8-9750-33B383CC1FA5}" type="slidenum">
+              <a:rPr lang="en-US" smtClean="0"/>
+              <a:t>16</a:t>
+            </a:fld>
+            <a:endParaRPr lang="en-US"/>
+          </a:p>
+        </p:txBody>
+      </p:sp>
+    </p:spTree>
+    <p:extLst>
+      <p:ext uri="{BB962C8B-B14F-4D97-AF65-F5344CB8AC3E}">
+        <p14:creationId xmlns:p14="http://schemas.microsoft.com/office/powerpoint/2010/main" val="4043985594"/>
+      </p:ext>
+    </p:extLst>
+  </p:cSld>
+  <p:clrMapOvr>
+    <a:masterClrMapping/>
+  </p:clrMapOvr>
+</p:notes>
+</file>
+
+<file path=ppt/notesSlides/notesSlide17.xml><?xml version="1.0" encoding="utf-8"?>
+<p:notes xmlns:a="http://schemas.openxmlformats.org/drawingml/2006/main" xmlns:r="http://schemas.openxmlformats.org/officeDocument/2006/relationships" xmlns:p="http://schemas.openxmlformats.org/presentationml/2006/main">
+  <p:cSld>
+    <p:spTree>
+      <p:nvGrpSpPr>
+        <p:cNvPr id="1" name=""/>
+        <p:cNvGrpSpPr/>
+        <p:nvPr/>
+      </p:nvGrpSpPr>
+      <p:grpSpPr>
+        <a:xfrm>
+          <a:off x="0" y="0"/>
+          <a:ext cx="0" cy="0"/>
+          <a:chOff x="0" y="0"/>
+          <a:chExt cx="0" cy="0"/>
+        </a:xfrm>
+      </p:grpSpPr>
+      <p:sp>
+        <p:nvSpPr>
+          <p:cNvPr id="2" name="Zástupný symbol pro obrázek snímku 1"/>
+          <p:cNvSpPr>
+            <a:spLocks noGrp="1" noRot="1" noChangeAspect="1"/>
+          </p:cNvSpPr>
+          <p:nvPr>
+            <p:ph type="sldImg"/>
+          </p:nvPr>
+        </p:nvSpPr>
+        <p:spPr/>
+      </p:sp>
+      <p:sp>
+        <p:nvSpPr>
+          <p:cNvPr id="3" name="Zástupný symbol pro poznámky 2"/>
+          <p:cNvSpPr>
+            <a:spLocks noGrp="1"/>
+          </p:cNvSpPr>
+          <p:nvPr>
+            <p:ph type="body" idx="1"/>
+          </p:nvPr>
+        </p:nvSpPr>
+        <p:spPr/>
+        <p:txBody>
+          <a:bodyPr/>
+          <a:lstStyle/>
+          <a:p>
+            <a:r>
+              <a:rPr lang="cs-CZ" dirty="0" smtClean="0"/>
+              <a:t>Takto se zobrazí vyhledaná data podle zadaných</a:t>
+            </a:r>
+            <a:r>
+              <a:rPr lang="cs-CZ" baseline="0" dirty="0" smtClean="0"/>
+              <a:t> kritérií</a:t>
+            </a:r>
+            <a:endParaRPr lang="cs-CZ" dirty="0"/>
+          </a:p>
+        </p:txBody>
+      </p:sp>
+      <p:sp>
+        <p:nvSpPr>
+          <p:cNvPr id="4" name="Zástupný symbol pro číslo snímku 3"/>
+          <p:cNvSpPr>
+            <a:spLocks noGrp="1"/>
+          </p:cNvSpPr>
+          <p:nvPr>
+            <p:ph type="sldNum" sz="quarter" idx="10"/>
+          </p:nvPr>
+        </p:nvSpPr>
+        <p:spPr/>
+        <p:txBody>
+          <a:bodyPr/>
+          <a:lstStyle/>
+          <a:p>
+            <a:fld id="{FD9D58AD-6389-4BE8-9750-33B383CC1FA5}" type="slidenum">
+              <a:rPr lang="en-US" smtClean="0"/>
+              <a:t>17</a:t>
+            </a:fld>
+            <a:endParaRPr lang="en-US"/>
+          </a:p>
+        </p:txBody>
+      </p:sp>
+    </p:spTree>
+    <p:extLst>
+      <p:ext uri="{BB962C8B-B14F-4D97-AF65-F5344CB8AC3E}">
+        <p14:creationId xmlns:p14="http://schemas.microsoft.com/office/powerpoint/2010/main" val="2426714376"/>
+      </p:ext>
+    </p:extLst>
+  </p:cSld>
+  <p:clrMapOvr>
+    <a:masterClrMapping/>
+  </p:clrMapOvr>
+</p:notes>
+</file>
+
+<file path=ppt/notesSlides/notesSlide18.xml><?xml version="1.0" encoding="utf-8"?>
+<p:notes xmlns:a="http://schemas.openxmlformats.org/drawingml/2006/main" xmlns:r="http://schemas.openxmlformats.org/officeDocument/2006/relationships" xmlns:p="http://schemas.openxmlformats.org/presentationml/2006/main">
+  <p:cSld>
+    <p:spTree>
+      <p:nvGrpSpPr>
+        <p:cNvPr id="1" name=""/>
+        <p:cNvGrpSpPr/>
+        <p:nvPr/>
+      </p:nvGrpSpPr>
+      <p:grpSpPr>
+        <a:xfrm>
+          <a:off x="0" y="0"/>
+          <a:ext cx="0" cy="0"/>
+          <a:chOff x="0" y="0"/>
+          <a:chExt cx="0" cy="0"/>
+        </a:xfrm>
+      </p:grpSpPr>
+      <p:sp>
+        <p:nvSpPr>
+          <p:cNvPr id="2" name="Zástupný symbol pro obrázek snímku 1"/>
+          <p:cNvSpPr>
+            <a:spLocks noGrp="1" noRot="1" noChangeAspect="1"/>
+          </p:cNvSpPr>
+          <p:nvPr>
+            <p:ph type="sldImg"/>
+          </p:nvPr>
+        </p:nvSpPr>
+        <p:spPr/>
+      </p:sp>
+      <p:sp>
+        <p:nvSpPr>
+          <p:cNvPr id="3" name="Zástupný symbol pro poznámky 2"/>
+          <p:cNvSpPr>
+            <a:spLocks noGrp="1"/>
+          </p:cNvSpPr>
+          <p:nvPr>
+            <p:ph type="body" idx="1"/>
+          </p:nvPr>
+        </p:nvSpPr>
+        <p:spPr/>
+        <p:txBody>
+          <a:bodyPr/>
+          <a:lstStyle/>
+          <a:p>
+            <a:r>
+              <a:rPr lang="cs-CZ" dirty="0" smtClean="0"/>
+              <a:t>Uživatel má možnost si jednotlivé dny prohlédnout v přehledovém grafu</a:t>
+            </a:r>
+            <a:endParaRPr lang="cs-CZ" dirty="0"/>
+          </a:p>
+        </p:txBody>
+      </p:sp>
+      <p:sp>
+        <p:nvSpPr>
+          <p:cNvPr id="4" name="Zástupný symbol pro číslo snímku 3"/>
+          <p:cNvSpPr>
+            <a:spLocks noGrp="1"/>
+          </p:cNvSpPr>
+          <p:nvPr>
+            <p:ph type="sldNum" sz="quarter" idx="10"/>
+          </p:nvPr>
+        </p:nvSpPr>
+        <p:spPr/>
+        <p:txBody>
+          <a:bodyPr/>
+          <a:lstStyle/>
+          <a:p>
+            <a:fld id="{FD9D58AD-6389-4BE8-9750-33B383CC1FA5}" type="slidenum">
+              <a:rPr lang="en-US" smtClean="0"/>
+              <a:t>18</a:t>
+            </a:fld>
+            <a:endParaRPr lang="en-US"/>
+          </a:p>
+        </p:txBody>
+      </p:sp>
+    </p:spTree>
+    <p:extLst>
+      <p:ext uri="{BB962C8B-B14F-4D97-AF65-F5344CB8AC3E}">
+        <p14:creationId xmlns:p14="http://schemas.microsoft.com/office/powerpoint/2010/main" val="2808037025"/>
+      </p:ext>
+    </p:extLst>
+  </p:cSld>
+  <p:clrMapOvr>
+    <a:masterClrMapping/>
+  </p:clrMapOvr>
+</p:notes>
+</file>
+
+<file path=ppt/notesSlides/notesSlide19.xml><?xml version="1.0" encoding="utf-8"?>
+<p:notes xmlns:a="http://schemas.openxmlformats.org/drawingml/2006/main" xmlns:r="http://schemas.openxmlformats.org/officeDocument/2006/relationships" xmlns:p="http://schemas.openxmlformats.org/presentationml/2006/main">
+  <p:cSld>
+    <p:spTree>
+      <p:nvGrpSpPr>
+        <p:cNvPr id="1" name=""/>
+        <p:cNvGrpSpPr/>
+        <p:nvPr/>
+      </p:nvGrpSpPr>
+      <p:grpSpPr>
+        <a:xfrm>
+          <a:off x="0" y="0"/>
+          <a:ext cx="0" cy="0"/>
+          <a:chOff x="0" y="0"/>
+          <a:chExt cx="0" cy="0"/>
+        </a:xfrm>
+      </p:grpSpPr>
+      <p:sp>
+        <p:nvSpPr>
+          <p:cNvPr id="2" name="Zástupný symbol pro obrázek snímku 1"/>
+          <p:cNvSpPr>
+            <a:spLocks noGrp="1" noRot="1" noChangeAspect="1"/>
+          </p:cNvSpPr>
+          <p:nvPr>
+            <p:ph type="sldImg"/>
+          </p:nvPr>
+        </p:nvSpPr>
+        <p:spPr/>
+      </p:sp>
+      <p:sp>
+        <p:nvSpPr>
+          <p:cNvPr id="3" name="Zástupný symbol pro poznámky 2"/>
+          <p:cNvSpPr>
+            <a:spLocks noGrp="1"/>
+          </p:cNvSpPr>
+          <p:nvPr>
+            <p:ph type="body" idx="1"/>
+          </p:nvPr>
+        </p:nvSpPr>
+        <p:spPr/>
+        <p:txBody>
+          <a:bodyPr/>
+          <a:lstStyle/>
+          <a:p>
+            <a:r>
+              <a:rPr lang="cs-CZ" dirty="0" smtClean="0"/>
+              <a:t>Kde vidí zvýrazněné zvolené segmenty</a:t>
+            </a:r>
+            <a:endParaRPr lang="cs-CZ" dirty="0"/>
+          </a:p>
+        </p:txBody>
+      </p:sp>
+      <p:sp>
+        <p:nvSpPr>
+          <p:cNvPr id="4" name="Zástupný symbol pro číslo snímku 3"/>
+          <p:cNvSpPr>
+            <a:spLocks noGrp="1"/>
+          </p:cNvSpPr>
+          <p:nvPr>
+            <p:ph type="sldNum" sz="quarter" idx="10"/>
+          </p:nvPr>
+        </p:nvSpPr>
+        <p:spPr/>
+        <p:txBody>
+          <a:bodyPr/>
+          <a:lstStyle/>
+          <a:p>
+            <a:fld id="{FD9D58AD-6389-4BE8-9750-33B383CC1FA5}" type="slidenum">
+              <a:rPr lang="en-US" smtClean="0"/>
+              <a:t>19</a:t>
+            </a:fld>
+            <a:endParaRPr lang="en-US"/>
+          </a:p>
+        </p:txBody>
+      </p:sp>
+    </p:spTree>
+    <p:extLst>
+      <p:ext uri="{BB962C8B-B14F-4D97-AF65-F5344CB8AC3E}">
+        <p14:creationId xmlns:p14="http://schemas.microsoft.com/office/powerpoint/2010/main" val="1181474363"/>
       </p:ext>
     </p:extLst>
   </p:cSld>
@@ -1234,6 +1689,392 @@
 </p:notes>
 </file>
 
+<file path=ppt/notesSlides/notesSlide20.xml><?xml version="1.0" encoding="utf-8"?>
+<p:notes xmlns:a="http://schemas.openxmlformats.org/drawingml/2006/main" xmlns:r="http://schemas.openxmlformats.org/officeDocument/2006/relationships" xmlns:p="http://schemas.openxmlformats.org/presentationml/2006/main">
+  <p:cSld>
+    <p:spTree>
+      <p:nvGrpSpPr>
+        <p:cNvPr id="1" name=""/>
+        <p:cNvGrpSpPr/>
+        <p:nvPr/>
+      </p:nvGrpSpPr>
+      <p:grpSpPr>
+        <a:xfrm>
+          <a:off x="0" y="0"/>
+          <a:ext cx="0" cy="0"/>
+          <a:chOff x="0" y="0"/>
+          <a:chExt cx="0" cy="0"/>
+        </a:xfrm>
+      </p:grpSpPr>
+      <p:sp>
+        <p:nvSpPr>
+          <p:cNvPr id="2" name="Zástupný symbol pro obrázek snímku 1"/>
+          <p:cNvSpPr>
+            <a:spLocks noGrp="1" noRot="1" noChangeAspect="1"/>
+          </p:cNvSpPr>
+          <p:nvPr>
+            <p:ph type="sldImg"/>
+          </p:nvPr>
+        </p:nvSpPr>
+        <p:spPr/>
+      </p:sp>
+      <p:sp>
+        <p:nvSpPr>
+          <p:cNvPr id="3" name="Zástupný symbol pro poznámky 2"/>
+          <p:cNvSpPr>
+            <a:spLocks noGrp="1"/>
+          </p:cNvSpPr>
+          <p:nvPr>
+            <p:ph type="body" idx="1"/>
+          </p:nvPr>
+        </p:nvSpPr>
+        <p:spPr/>
+        <p:txBody>
+          <a:bodyPr/>
+          <a:lstStyle/>
+          <a:p>
+            <a:r>
+              <a:rPr lang="cs-CZ" dirty="0" smtClean="0"/>
+              <a:t>V</a:t>
+            </a:r>
+            <a:r>
+              <a:rPr lang="cs-CZ" baseline="0" dirty="0" smtClean="0"/>
+              <a:t> rámci ročního sběru dat zpětné vazby jsem web postupem času optimalizoval i pro mobilní zařízení. Na obrázku vlevo si můžete všimnout upozornění pro uživatele aby zařízení použil v horizontálním položení. Z praktického důvodu lepšího zobrazení grafů. V Částech webu kde toto rozložení není třeba se tato informace při vertikálním použití nezobrazuje.</a:t>
+            </a:r>
+            <a:endParaRPr lang="cs-CZ" dirty="0"/>
+          </a:p>
+        </p:txBody>
+      </p:sp>
+      <p:sp>
+        <p:nvSpPr>
+          <p:cNvPr id="4" name="Zástupný symbol pro číslo snímku 3"/>
+          <p:cNvSpPr>
+            <a:spLocks noGrp="1"/>
+          </p:cNvSpPr>
+          <p:nvPr>
+            <p:ph type="sldNum" sz="quarter" idx="10"/>
+          </p:nvPr>
+        </p:nvSpPr>
+        <p:spPr/>
+        <p:txBody>
+          <a:bodyPr/>
+          <a:lstStyle/>
+          <a:p>
+            <a:fld id="{FD9D58AD-6389-4BE8-9750-33B383CC1FA5}" type="slidenum">
+              <a:rPr lang="en-US" smtClean="0"/>
+              <a:t>20</a:t>
+            </a:fld>
+            <a:endParaRPr lang="en-US"/>
+          </a:p>
+        </p:txBody>
+      </p:sp>
+    </p:spTree>
+    <p:extLst>
+      <p:ext uri="{BB962C8B-B14F-4D97-AF65-F5344CB8AC3E}">
+        <p14:creationId xmlns:p14="http://schemas.microsoft.com/office/powerpoint/2010/main" val="4152797229"/>
+      </p:ext>
+    </p:extLst>
+  </p:cSld>
+  <p:clrMapOvr>
+    <a:masterClrMapping/>
+  </p:clrMapOvr>
+</p:notes>
+</file>
+
+<file path=ppt/notesSlides/notesSlide21.xml><?xml version="1.0" encoding="utf-8"?>
+<p:notes xmlns:a="http://schemas.openxmlformats.org/drawingml/2006/main" xmlns:r="http://schemas.openxmlformats.org/officeDocument/2006/relationships" xmlns:p="http://schemas.openxmlformats.org/presentationml/2006/main">
+  <p:cSld>
+    <p:spTree>
+      <p:nvGrpSpPr>
+        <p:cNvPr id="1" name=""/>
+        <p:cNvGrpSpPr/>
+        <p:nvPr/>
+      </p:nvGrpSpPr>
+      <p:grpSpPr>
+        <a:xfrm>
+          <a:off x="0" y="0"/>
+          <a:ext cx="0" cy="0"/>
+          <a:chOff x="0" y="0"/>
+          <a:chExt cx="0" cy="0"/>
+        </a:xfrm>
+      </p:grpSpPr>
+      <p:sp>
+        <p:nvSpPr>
+          <p:cNvPr id="2" name="Zástupný symbol pro obrázek snímku 1"/>
+          <p:cNvSpPr>
+            <a:spLocks noGrp="1" noRot="1" noChangeAspect="1"/>
+          </p:cNvSpPr>
+          <p:nvPr>
+            <p:ph type="sldImg"/>
+          </p:nvPr>
+        </p:nvSpPr>
+        <p:spPr/>
+      </p:sp>
+      <p:sp>
+        <p:nvSpPr>
+          <p:cNvPr id="3" name="Zástupný symbol pro poznámky 2"/>
+          <p:cNvSpPr>
+            <a:spLocks noGrp="1"/>
+          </p:cNvSpPr>
+          <p:nvPr>
+            <p:ph type="body" idx="1"/>
+          </p:nvPr>
+        </p:nvSpPr>
+        <p:spPr/>
+        <p:txBody>
+          <a:bodyPr/>
+          <a:lstStyle/>
+          <a:p>
+            <a:r>
+              <a:rPr lang="cs-CZ" dirty="0" smtClean="0"/>
+              <a:t>V současné době je aplikace nasazena a</a:t>
+            </a:r>
+            <a:r>
+              <a:rPr lang="cs-CZ" baseline="0" dirty="0" smtClean="0"/>
+              <a:t> data jsou sbírána ve FN </a:t>
+            </a:r>
+            <a:r>
+              <a:rPr lang="cs-CZ" baseline="0" dirty="0" err="1" smtClean="0"/>
+              <a:t>motol</a:t>
+            </a:r>
+            <a:r>
+              <a:rPr lang="cs-CZ" baseline="0" dirty="0" smtClean="0"/>
+              <a:t>.</a:t>
+            </a:r>
+          </a:p>
+          <a:p>
+            <a:r>
+              <a:rPr lang="cs-CZ" baseline="0" dirty="0" smtClean="0"/>
+              <a:t>Pomocí této webové aplikace jsou data vyhodnocována a spravována v anonymizované formě.</a:t>
+            </a:r>
+          </a:p>
+          <a:p>
+            <a:r>
+              <a:rPr lang="cs-CZ" baseline="0" dirty="0" smtClean="0"/>
+              <a:t>Posledními novými funkcionalitami jsou moduly pro analýzu data (Hledání glykemických situací a jídelních situací), které jsou součástí výzkumné práce.</a:t>
+            </a:r>
+          </a:p>
+          <a:p>
+            <a:r>
+              <a:rPr lang="cs-CZ" baseline="0" dirty="0" smtClean="0"/>
+              <a:t>Ačkoliv je aplikace zejména orientována pro výzkumnou činnost v průběhu roku jsem žádal testovací uživatele aby vyplnili </a:t>
+            </a:r>
+            <a:r>
+              <a:rPr lang="cs-CZ" baseline="0" dirty="0" smtClean="0"/>
+              <a:t>dotazník </a:t>
+            </a:r>
+            <a:r>
+              <a:rPr lang="cs-CZ" baseline="0" dirty="0" smtClean="0"/>
+              <a:t>o vhodnosti aplikace.</a:t>
+            </a:r>
+          </a:p>
+          <a:p>
+            <a:r>
+              <a:rPr lang="cs-CZ" sz="1200" dirty="0" smtClean="0"/>
+              <a:t>Aplikace</a:t>
+            </a:r>
+            <a:r>
+              <a:rPr lang="cs-CZ" sz="1200" baseline="0" dirty="0" smtClean="0"/>
+              <a:t> je stabilní a střední doba bezporuchového provozu je cca 2100 hodin</a:t>
+            </a:r>
+            <a:endParaRPr lang="en-US" dirty="0"/>
+          </a:p>
+        </p:txBody>
+      </p:sp>
+      <p:sp>
+        <p:nvSpPr>
+          <p:cNvPr id="4" name="Zástupný symbol pro číslo snímku 3"/>
+          <p:cNvSpPr>
+            <a:spLocks noGrp="1"/>
+          </p:cNvSpPr>
+          <p:nvPr>
+            <p:ph type="sldNum" sz="quarter" idx="10"/>
+          </p:nvPr>
+        </p:nvSpPr>
+        <p:spPr/>
+        <p:txBody>
+          <a:bodyPr/>
+          <a:lstStyle/>
+          <a:p>
+            <a:fld id="{FD9D58AD-6389-4BE8-9750-33B383CC1FA5}" type="slidenum">
+              <a:rPr lang="en-US" smtClean="0"/>
+              <a:t>21</a:t>
+            </a:fld>
+            <a:endParaRPr lang="en-US"/>
+          </a:p>
+        </p:txBody>
+      </p:sp>
+    </p:spTree>
+    <p:extLst>
+      <p:ext uri="{BB962C8B-B14F-4D97-AF65-F5344CB8AC3E}">
+        <p14:creationId xmlns:p14="http://schemas.microsoft.com/office/powerpoint/2010/main" val="3699835620"/>
+      </p:ext>
+    </p:extLst>
+  </p:cSld>
+  <p:clrMapOvr>
+    <a:masterClrMapping/>
+  </p:clrMapOvr>
+</p:notes>
+</file>
+
+<file path=ppt/notesSlides/notesSlide22.xml><?xml version="1.0" encoding="utf-8"?>
+<p:notes xmlns:a="http://schemas.openxmlformats.org/drawingml/2006/main" xmlns:r="http://schemas.openxmlformats.org/officeDocument/2006/relationships" xmlns:p="http://schemas.openxmlformats.org/presentationml/2006/main">
+  <p:cSld>
+    <p:spTree>
+      <p:nvGrpSpPr>
+        <p:cNvPr id="1" name=""/>
+        <p:cNvGrpSpPr/>
+        <p:nvPr/>
+      </p:nvGrpSpPr>
+      <p:grpSpPr>
+        <a:xfrm>
+          <a:off x="0" y="0"/>
+          <a:ext cx="0" cy="0"/>
+          <a:chOff x="0" y="0"/>
+          <a:chExt cx="0" cy="0"/>
+        </a:xfrm>
+      </p:grpSpPr>
+      <p:sp>
+        <p:nvSpPr>
+          <p:cNvPr id="2" name="Zástupný symbol pro obrázek snímku 1"/>
+          <p:cNvSpPr>
+            <a:spLocks noGrp="1" noRot="1" noChangeAspect="1"/>
+          </p:cNvSpPr>
+          <p:nvPr>
+            <p:ph type="sldImg"/>
+          </p:nvPr>
+        </p:nvSpPr>
+        <p:spPr/>
+      </p:sp>
+      <p:sp>
+        <p:nvSpPr>
+          <p:cNvPr id="3" name="Zástupný symbol pro poznámky 2"/>
+          <p:cNvSpPr>
+            <a:spLocks noGrp="1"/>
+          </p:cNvSpPr>
+          <p:nvPr>
+            <p:ph type="body" idx="1"/>
+          </p:nvPr>
+        </p:nvSpPr>
+        <p:spPr/>
+        <p:txBody>
+          <a:bodyPr/>
+          <a:lstStyle/>
+          <a:p>
+            <a:r>
+              <a:rPr lang="cs-CZ" dirty="0" smtClean="0"/>
+              <a:t>Výsledky</a:t>
+            </a:r>
+            <a:r>
+              <a:rPr lang="cs-CZ" baseline="0" dirty="0" smtClean="0"/>
+              <a:t> práce jsem publikoval jako autor na Diabetologických dne v Luhačovicích</a:t>
+            </a:r>
+          </a:p>
+          <a:p>
+            <a:r>
+              <a:rPr lang="cs-CZ" baseline="0" dirty="0" smtClean="0"/>
+              <a:t>Na konferencích </a:t>
+            </a:r>
+            <a:r>
+              <a:rPr lang="cs-CZ" baseline="0" dirty="0" err="1" smtClean="0"/>
+              <a:t>Advanced</a:t>
+            </a:r>
+            <a:r>
+              <a:rPr lang="cs-CZ" baseline="0" dirty="0" smtClean="0"/>
+              <a:t> Technologies and </a:t>
+            </a:r>
+            <a:r>
+              <a:rPr lang="cs-CZ" baseline="0" dirty="0" err="1" smtClean="0"/>
+              <a:t>treatments</a:t>
+            </a:r>
+            <a:r>
+              <a:rPr lang="cs-CZ" baseline="0" dirty="0" smtClean="0"/>
+              <a:t> </a:t>
+            </a:r>
+            <a:r>
+              <a:rPr lang="cs-CZ" baseline="0" dirty="0" err="1" smtClean="0"/>
+              <a:t>for</a:t>
+            </a:r>
+            <a:r>
+              <a:rPr lang="cs-CZ" baseline="0" dirty="0" smtClean="0"/>
+              <a:t> diabetes jsem byl spoluautorem jako článku v </a:t>
+            </a:r>
+            <a:r>
+              <a:rPr lang="cs-CZ" baseline="0" dirty="0" err="1" smtClean="0"/>
+              <a:t>The</a:t>
+            </a:r>
+            <a:r>
+              <a:rPr lang="cs-CZ" baseline="0" dirty="0" smtClean="0"/>
+              <a:t> </a:t>
+            </a:r>
+            <a:r>
+              <a:rPr lang="cs-CZ" baseline="0" dirty="0" err="1" smtClean="0"/>
+              <a:t>Internation</a:t>
+            </a:r>
+            <a:r>
+              <a:rPr lang="cs-CZ" baseline="0" dirty="0" smtClean="0"/>
+              <a:t> </a:t>
+            </a:r>
+            <a:r>
+              <a:rPr lang="cs-CZ" baseline="0" dirty="0" err="1" smtClean="0"/>
+              <a:t>Journal</a:t>
+            </a:r>
+            <a:r>
+              <a:rPr lang="cs-CZ" baseline="0" dirty="0" smtClean="0"/>
+              <a:t> on </a:t>
+            </a:r>
+            <a:r>
+              <a:rPr lang="cs-CZ" baseline="0" dirty="0" err="1" smtClean="0"/>
+              <a:t>Biomedicine</a:t>
+            </a:r>
+            <a:r>
+              <a:rPr lang="cs-CZ" baseline="0" dirty="0" smtClean="0"/>
+              <a:t> and </a:t>
+            </a:r>
+            <a:r>
+              <a:rPr lang="cs-CZ" baseline="0" dirty="0" err="1" smtClean="0"/>
+              <a:t>Healthcare</a:t>
+            </a:r>
+            <a:endParaRPr lang="cs-CZ" dirty="0"/>
+          </a:p>
+        </p:txBody>
+      </p:sp>
+      <p:sp>
+        <p:nvSpPr>
+          <p:cNvPr id="4" name="Zástupný symbol pro číslo snímku 3"/>
+          <p:cNvSpPr>
+            <a:spLocks noGrp="1"/>
+          </p:cNvSpPr>
+          <p:nvPr>
+            <p:ph type="sldNum" sz="quarter" idx="10"/>
+          </p:nvPr>
+        </p:nvSpPr>
+        <p:spPr/>
+        <p:txBody>
+          <a:bodyPr/>
+          <a:lstStyle/>
+          <a:p>
+            <a:fld id="{FD9D58AD-6389-4BE8-9750-33B383CC1FA5}" type="slidenum">
+              <a:rPr lang="en-US" smtClean="0"/>
+              <a:t>22</a:t>
+            </a:fld>
+            <a:endParaRPr lang="en-US"/>
+          </a:p>
+        </p:txBody>
+      </p:sp>
+    </p:spTree>
+    <p:extLst>
+      <p:ext uri="{BB962C8B-B14F-4D97-AF65-F5344CB8AC3E}">
+        <p14:creationId xmlns:p14="http://schemas.microsoft.com/office/powerpoint/2010/main" val="1003222178"/>
+      </p:ext>
+    </p:extLst>
+  </p:cSld>
+  <p:clrMapOvr>
+    <a:masterClrMapping/>
+  </p:clrMapOvr>
+</p:notes>
+</file>
+
 <file path=ppt/notesSlides/notesSlide3.xml><?xml version="1.0" encoding="utf-8"?>
 <p:notes xmlns:a="http://schemas.openxmlformats.org/drawingml/2006/main" xmlns:r="http://schemas.openxmlformats.org/officeDocument/2006/relationships" xmlns:p="http://schemas.openxmlformats.org/presentationml/2006/main">
   <p:cSld>
@@ -1296,8 +2137,16 @@
               <a:defRPr/>
             </a:pPr>
             <a:r>
+              <a:rPr lang="cs-CZ" baseline="0" dirty="0" smtClean="0"/>
+              <a:t>Diabetes -&gt;</a:t>
+            </a:r>
+            <a:r>
               <a:rPr lang="cs-CZ" dirty="0" smtClean="0"/>
-              <a:t>Nekompatibilita přístrojů -&gt; co jedno zařízení to jeden SW pro vyhodnocení dat</a:t>
+              <a:t>Chronické</a:t>
+            </a:r>
+            <a:r>
+              <a:rPr lang="cs-CZ" baseline="0" dirty="0" smtClean="0"/>
+              <a:t> onemocnění , potřebují monitorovat mnoho parametrů, které mají vliv na výkyvy glykémie</a:t>
             </a:r>
           </a:p>
           <a:p>
@@ -1320,7 +2169,31 @@
             </a:pPr>
             <a:r>
               <a:rPr lang="cs-CZ" dirty="0" smtClean="0"/>
-              <a:t>Nedostatek standardů pro interpretaci dat - &gt; nevíme jaké závislosti sledovat, živý obor</a:t>
+              <a:t>Nekompatibilita </a:t>
+            </a:r>
+            <a:r>
+              <a:rPr lang="cs-CZ" dirty="0" smtClean="0"/>
+              <a:t>přístrojů </a:t>
+            </a:r>
+            <a:r>
+              <a:rPr lang="cs-CZ" dirty="0" smtClean="0"/>
+              <a:t>-&gt; </a:t>
+            </a:r>
+            <a:r>
+              <a:rPr lang="cs-CZ" sz="1200" dirty="0" smtClean="0"/>
+              <a:t>Jsme schopni měřit různé parametry, různými druhy zařízení. Stává</a:t>
+            </a:r>
+            <a:r>
+              <a:rPr lang="cs-CZ" sz="1200" baseline="0" dirty="0" smtClean="0"/>
+              <a:t> se</a:t>
+            </a:r>
+            <a:r>
+              <a:rPr lang="cs-CZ" dirty="0" smtClean="0"/>
+              <a:t> </a:t>
+            </a:r>
+            <a:r>
+              <a:rPr lang="cs-CZ" dirty="0" smtClean="0"/>
+              <a:t>co jedno zařízení to jeden SW pro vyhodnocení dat</a:t>
             </a:r>
           </a:p>
           <a:p>
@@ -1343,11 +2216,42 @@
             </a:pPr>
             <a:r>
               <a:rPr lang="cs-CZ" dirty="0" smtClean="0"/>
+              <a:t>Nedostatek standardů pro interpretaci dat - &gt; nevíme jaké závislosti sledovat, živý obor</a:t>
+            </a:r>
+          </a:p>
+          <a:p>
+            <a:pPr marL="0" marR="0" lvl="0" indent="0" algn="l" defTabSz="914400" rtl="0" eaLnBrk="1" fontAlgn="auto" latinLnBrk="0" hangingPunct="1">
+              <a:lnSpc>
+                <a:spcPct val="100000"/>
+              </a:lnSpc>
+              <a:spcBef>
+                <a:spcPts val="0"/>
+              </a:spcBef>
+              <a:spcAft>
+                <a:spcPts val="0"/>
+              </a:spcAft>
+              <a:buClrTx/>
+              <a:buSzTx/>
+              <a:buFontTx/>
+              <a:buNone/>
+              <a:tabLst/>
+              <a:defRPr/>
+            </a:pPr>
+            <a:r>
+              <a:rPr lang="cs-CZ" dirty="0" smtClean="0"/>
               <a:t>Špatná edukace -&gt; vidí se s ním doktor 4x za rok,</a:t>
             </a:r>
             <a:r>
               <a:rPr lang="cs-CZ" baseline="0" dirty="0" smtClean="0"/>
-              <a:t> krátký čas na vyšetření</a:t>
+              <a:t> krátký čas na </a:t>
+            </a:r>
+            <a:r>
+              <a:rPr lang="cs-CZ" baseline="0" dirty="0" smtClean="0"/>
+              <a:t>vyšetření; </a:t>
+            </a:r>
+            <a:r>
+              <a:rPr lang="cs-CZ" baseline="0" dirty="0" smtClean="0"/>
+              <a:t/>
             </a:r>
             <a:br>
               <a:rPr lang="cs-CZ" baseline="0" dirty="0" smtClean="0"/>
@@ -1462,6 +2366,22 @@
           <a:bodyPr/>
           <a:lstStyle/>
           <a:p>
+            <a:r>
+              <a:rPr lang="cs-CZ" dirty="0" smtClean="0"/>
+              <a:t>V</a:t>
+            </a:r>
+            <a:r>
+              <a:rPr lang="cs-CZ" baseline="0" dirty="0" smtClean="0"/>
+              <a:t> rámci </a:t>
+            </a:r>
+            <a:r>
+              <a:rPr lang="cs-CZ" baseline="0" dirty="0" err="1" smtClean="0"/>
+              <a:t>dipl</a:t>
+            </a:r>
+            <a:r>
+              <a:rPr lang="cs-CZ" baseline="0" dirty="0" smtClean="0"/>
+              <a:t>. Práce jsem udělal rešerši existující podobná řešení.</a:t>
+            </a:r>
             <a:endParaRPr lang="cs-CZ" dirty="0"/>
           </a:p>
         </p:txBody>
@@ -1483,7 +2403,7 @@
           <a:p>
             <a:fld id="{FD9D58AD-6389-4BE8-9750-33B383CC1FA5}" type="slidenum">
               <a:rPr lang="en-US" smtClean="0"/>
-              <a:t>7</a:t>
+              <a:t>4</a:t>
             </a:fld>
             <a:endParaRPr lang="en-US"/>
           </a:p>
@@ -1492,7 +2412,7 @@
     </p:spTree>
     <p:extLst>
       <p:ext uri="{BB962C8B-B14F-4D97-AF65-F5344CB8AC3E}">
-        <p14:creationId xmlns:p14="http://schemas.microsoft.com/office/powerpoint/2010/main" val="1028857145"/>
+        <p14:creationId xmlns:p14="http://schemas.microsoft.com/office/powerpoint/2010/main" val="3413800433"/>
       </p:ext>
     </p:extLst>
   </p:cSld>
@@ -1548,65 +2468,50 @@
           <a:p>
             <a:r>
               <a:rPr lang="cs-CZ" dirty="0" smtClean="0"/>
-              <a:t>určena pro dlouhodobou</a:t>
+              <a:t>Největším problém jsou tyto prvky a to málo sledovaných parametrů a nemožnost</a:t>
             </a:r>
             <a:r>
               <a:rPr lang="cs-CZ" baseline="0" dirty="0" smtClean="0"/>
-              <a:t> monitoraci pacientů; </a:t>
-            </a:r>
-            <a:endParaRPr lang="cs-CZ" baseline="0" dirty="0" smtClean="0"/>
-          </a:p>
-          <a:p>
+              <a:t> je zobrazit komparativně</a:t>
+            </a:r>
+          </a:p>
+          <a:p>
+            <a:pPr marL="0" marR="0" lvl="0" indent="0" algn="l" defTabSz="914400" rtl="0" eaLnBrk="1" fontAlgn="auto" latinLnBrk="0" hangingPunct="1">
+              <a:lnSpc>
+                <a:spcPct val="100000"/>
+              </a:lnSpc>
+              <a:spcBef>
+                <a:spcPts val="0"/>
+              </a:spcBef>
+              <a:spcAft>
+                <a:spcPts val="0"/>
+              </a:spcAft>
+              <a:buClrTx/>
+              <a:buSzTx/>
+              <a:buFontTx/>
+              <a:buNone/>
+              <a:tabLst/>
+              <a:defRPr/>
+            </a:pPr>
+            <a:r>
+              <a:rPr lang="cs-CZ" dirty="0" smtClean="0"/>
+              <a:t>Např. </a:t>
+            </a:r>
+            <a:r>
+              <a:rPr lang="cs-CZ" dirty="0" err="1" smtClean="0"/>
+              <a:t>Carelink</a:t>
+            </a:r>
+            <a:r>
+              <a:rPr lang="cs-CZ" dirty="0" smtClean="0"/>
+              <a:t> sice umožňuje v rámci exportu určité porovnání parametrů v tabulkovém zobrazení ale tato vizualizace</a:t>
+            </a:r>
             <a:r>
               <a:rPr lang="cs-CZ" baseline="0" dirty="0" smtClean="0"/>
-              <a:t>usnadnění </a:t>
-            </a:r>
-            <a:r>
-              <a:rPr lang="cs-CZ" baseline="0" dirty="0" smtClean="0"/>
-              <a:t>sběru a ukládání velkého množství dat</a:t>
-            </a:r>
-            <a:r>
-              <a:rPr lang="cs-CZ" baseline="0" dirty="0" smtClean="0"/>
-              <a:t>;</a:t>
-            </a:r>
-          </a:p>
-          <a:p>
-            <a:r>
-              <a:rPr lang="cs-CZ" baseline="0" dirty="0" smtClean="0"/>
-              <a:t>přehledná </a:t>
-            </a:r>
-            <a:r>
-              <a:rPr lang="cs-CZ" baseline="0" dirty="0" smtClean="0"/>
-              <a:t>interpretace </a:t>
-            </a:r>
-            <a:r>
-              <a:rPr lang="cs-CZ" baseline="0" dirty="0" smtClean="0"/>
-              <a:t>dat (nejen glykémie ale i aktivity, insulinu, sacharidů);</a:t>
-            </a:r>
-          </a:p>
-          <a:p>
-            <a:r>
-              <a:rPr lang="cs-CZ" baseline="0" dirty="0" smtClean="0"/>
-              <a:t>datová </a:t>
-            </a:r>
-            <a:r>
-              <a:rPr lang="cs-CZ" baseline="0" dirty="0" smtClean="0"/>
-              <a:t>analýza</a:t>
-            </a:r>
-            <a:r>
-              <a:rPr lang="cs-CZ" baseline="0" dirty="0" smtClean="0"/>
-              <a:t>;</a:t>
-            </a:r>
-          </a:p>
-          <a:p>
-            <a:r>
-              <a:rPr lang="cs-CZ" baseline="0" dirty="0" smtClean="0"/>
-              <a:t>edukace </a:t>
-            </a:r>
-            <a:r>
-              <a:rPr lang="cs-CZ" baseline="0" dirty="0" smtClean="0"/>
-              <a:t>pacientů</a:t>
-            </a:r>
+              <a:t> není přehledná.</a:t>
+            </a:r>
+          </a:p>
+          <a:p>
+            <a:endParaRPr lang="cs-CZ" dirty="0"/>
           </a:p>
         </p:txBody>
       </p:sp>
@@ -1627,7 +2532,7 @@
           <a:p>
             <a:fld id="{FD9D58AD-6389-4BE8-9750-33B383CC1FA5}" type="slidenum">
               <a:rPr lang="en-US" smtClean="0"/>
-              <a:t>8</a:t>
+              <a:t>5</a:t>
             </a:fld>
             <a:endParaRPr lang="en-US"/>
           </a:p>
@@ -1636,7 +2541,7 @@
     </p:spTree>
     <p:extLst>
       <p:ext uri="{BB962C8B-B14F-4D97-AF65-F5344CB8AC3E}">
-        <p14:creationId xmlns:p14="http://schemas.microsoft.com/office/powerpoint/2010/main" val="1601690827"/>
+        <p14:creationId xmlns:p14="http://schemas.microsoft.com/office/powerpoint/2010/main" val="141386225"/>
       </p:ext>
     </p:extLst>
   </p:cSld>
@@ -1692,18 +2597,13 @@
           <a:p>
             <a:r>
               <a:rPr lang="cs-CZ" dirty="0" smtClean="0"/>
-              <a:t>Aplikace je</a:t>
+              <a:t>Výchozí stav že chyběla webová aplikace již</a:t>
             </a:r>
             <a:r>
               <a:rPr lang="cs-CZ" baseline="0" dirty="0" smtClean="0"/>
-              <a:t> testována se souhlasem etické komise o sdílení anonymizovaných dat  v klinické studii ve fakultní nemocnici Motol pod vedením MUDr. (doktora) Brože.  </a:t>
-            </a:r>
-          </a:p>
-          <a:p>
-            <a:r>
-              <a:rPr lang="cs-CZ" baseline="0" dirty="0" smtClean="0"/>
-              <a:t>Za jeho supervize je vytvářena aplikace, která je v současné době určena převážně pro výzkumné účely, kterými jsou ověření algoritmů pro detekci specifických situací (jídelní incidenty, glykemické situace). Dále porovnávání trendů aktivity a glykémie, inzulínových jednotek a sacharidových dávek.</a:t>
-            </a:r>
+              <a:t> nad exitujícím monitorovacím systémem.</a:t>
+            </a:r>
+            <a:endParaRPr lang="cs-CZ" dirty="0"/>
           </a:p>
         </p:txBody>
       </p:sp>
@@ -1724,7 +2624,7 @@
           <a:p>
             <a:fld id="{FD9D58AD-6389-4BE8-9750-33B383CC1FA5}" type="slidenum">
               <a:rPr lang="en-US" smtClean="0"/>
-              <a:t>9</a:t>
+              <a:t>6</a:t>
             </a:fld>
             <a:endParaRPr lang="en-US"/>
           </a:p>
@@ -1733,7 +2633,7 @@
     </p:spTree>
     <p:extLst>
       <p:ext uri="{BB962C8B-B14F-4D97-AF65-F5344CB8AC3E}">
-        <p14:creationId xmlns:p14="http://schemas.microsoft.com/office/powerpoint/2010/main" val="140626771"/>
+        <p14:creationId xmlns:p14="http://schemas.microsoft.com/office/powerpoint/2010/main" val="2433884692"/>
       </p:ext>
     </p:extLst>
   </p:cSld>
@@ -1789,13 +2689,12 @@
           <a:p>
             <a:r>
               <a:rPr lang="cs-CZ" dirty="0" smtClean="0"/>
-              <a:t>Jak jsem zmínil dříve data byla průběžně sbírána</a:t>
+              <a:t>A</a:t>
             </a:r>
             <a:r>
               <a:rPr lang="cs-CZ" baseline="0" dirty="0" smtClean="0"/>
-              <a:t> a díky tomu lze s expertem na těchto datech testovat vytvořené analytické moduly.</a:t>
-            </a:r>
-            <a:endParaRPr lang="en-US" dirty="0"/>
+              <a:t> v rámci diplomové práce byla vyvinuta tato aplikace. Která doplnila již existující systém</a:t>
+            </a:r>
           </a:p>
         </p:txBody>
       </p:sp>
@@ -1816,7 +2715,7 @@
           <a:p>
             <a:fld id="{FD9D58AD-6389-4BE8-9750-33B383CC1FA5}" type="slidenum">
               <a:rPr lang="en-US" smtClean="0"/>
-              <a:t>10</a:t>
+              <a:t>7</a:t>
             </a:fld>
             <a:endParaRPr lang="en-US"/>
           </a:p>
@@ -1825,7 +2724,7 @@
     </p:spTree>
     <p:extLst>
       <p:ext uri="{BB962C8B-B14F-4D97-AF65-F5344CB8AC3E}">
-        <p14:creationId xmlns:p14="http://schemas.microsoft.com/office/powerpoint/2010/main" val="238694989"/>
+        <p14:creationId xmlns:p14="http://schemas.microsoft.com/office/powerpoint/2010/main" val="1028857145"/>
       </p:ext>
     </p:extLst>
   </p:cSld>
@@ -1881,16 +2780,36 @@
           <a:p>
             <a:r>
               <a:rPr lang="cs-CZ" dirty="0" smtClean="0"/>
-              <a:t>Do systému bylo implementováno</a:t>
-            </a:r>
-            <a:br>
-              <a:rPr lang="cs-CZ" dirty="0" smtClean="0"/>
-            </a:br>
-            <a:r>
-              <a:rPr lang="cs-CZ" dirty="0" smtClean="0"/>
-              <a:t>Položky na levé straně byli implementovány mnou</a:t>
-            </a:r>
-            <a:endParaRPr lang="cs-CZ" dirty="0"/>
+              <a:t>určena pro dlouhodobou</a:t>
+            </a:r>
+            <a:r>
+              <a:rPr lang="cs-CZ" baseline="0" dirty="0" smtClean="0"/>
+              <a:t> monitoraci pacientů; </a:t>
+            </a:r>
+          </a:p>
+          <a:p>
+            <a:r>
+              <a:rPr lang="cs-CZ" baseline="0" dirty="0" smtClean="0"/>
+              <a:t>usnadnění sběru a ukládání velkého množství dat;</a:t>
+            </a:r>
+          </a:p>
+          <a:p>
+            <a:r>
+              <a:rPr lang="cs-CZ" baseline="0" dirty="0" smtClean="0"/>
+              <a:t>přehledná interpretace dat (nejen glykémie ale i aktivity, insulinu, sacharidů);</a:t>
+            </a:r>
+          </a:p>
+          <a:p>
+            <a:r>
+              <a:rPr lang="cs-CZ" baseline="0" dirty="0" smtClean="0"/>
+              <a:t>datová analýza;</a:t>
+            </a:r>
+          </a:p>
+          <a:p>
+            <a:r>
+              <a:rPr lang="cs-CZ" baseline="0" dirty="0" smtClean="0"/>
+              <a:t>edukace pacientů</a:t>
+            </a:r>
           </a:p>
         </p:txBody>
       </p:sp>
@@ -1911,7 +2830,7 @@
           <a:p>
             <a:fld id="{FD9D58AD-6389-4BE8-9750-33B383CC1FA5}" type="slidenum">
               <a:rPr lang="en-US" smtClean="0"/>
-              <a:t>11</a:t>
+              <a:t>8</a:t>
             </a:fld>
             <a:endParaRPr lang="en-US"/>
           </a:p>
@@ -1920,7 +2839,7 @@
     </p:spTree>
     <p:extLst>
       <p:ext uri="{BB962C8B-B14F-4D97-AF65-F5344CB8AC3E}">
-        <p14:creationId xmlns:p14="http://schemas.microsoft.com/office/powerpoint/2010/main" val="1692056350"/>
+        <p14:creationId xmlns:p14="http://schemas.microsoft.com/office/powerpoint/2010/main" val="1601690827"/>
       </p:ext>
     </p:extLst>
   </p:cSld>
@@ -1976,34 +2895,18 @@
           <a:p>
             <a:r>
               <a:rPr lang="cs-CZ" dirty="0" smtClean="0"/>
-              <a:t>Na levé straně je vidět úvodní</a:t>
+              <a:t>Aplikace je</a:t>
             </a:r>
             <a:r>
               <a:rPr lang="cs-CZ" baseline="0" dirty="0" smtClean="0"/>
-              <a:t> stránka přehledových grafů. Hlavním přínosem je možnost porovnat glykemická data s aktivitou v přímé časové vazbě bez přepínání mezi okny.</a:t>
-            </a:r>
-            <a:br>
+              <a:t> testována se souhlasem etické komise o sdílení anonymizovaných dat  v klinické studii ve fakultní nemocnici Motol pod vedením MUDr. (doktora) Brože.  </a:t>
+            </a:r>
+          </a:p>
+          <a:p>
+            <a:r>
               <a:rPr lang="cs-CZ" baseline="0" dirty="0" smtClean="0"/>
-            </a:br>
-            <a:r>
-              <a:rPr lang="cs-CZ" baseline="0" dirty="0" smtClean="0"/>
-              <a:t>Na pravé straně jsou vidět glykemické profily, které jsou nedílnou součástí většiny systémů pro sledování glykémie.</a:t>
-            </a:r>
-          </a:p>
-          <a:p>
-            <a:r>
-              <a:rPr lang="cs-CZ" baseline="0" dirty="0" smtClean="0"/>
-              <a:t>Systém dovoluje krom zobrazení těchto grafů také správu zařízení (konkrétně </a:t>
-            </a:r>
-            <a:r>
-              <a:rPr lang="cs-CZ" baseline="0" dirty="0" err="1" smtClean="0"/>
-              <a:t>Fibit</a:t>
-            </a:r>
-            <a:r>
-              <a:rPr lang="cs-CZ" baseline="0" dirty="0" smtClean="0"/>
-              <a:t>), vedení karty pacienta, správu uživatelů analýzu specifických situací (o kterých se zmíním později)</a:t>
-            </a:r>
-            <a:endParaRPr lang="en-US" dirty="0"/>
+              <a:t>Za jeho supervize je vytvářena aplikace, která je v současné době určena převážně pro výzkumné účely, kterými jsou ověření algoritmů pro detekci specifických situací (jídelní incidenty, glykemické situace). Dále porovnávání trendů aktivity a glykémie, inzulínových jednotek a sacharidových dávek.</a:t>
+            </a:r>
           </a:p>
         </p:txBody>
       </p:sp>
@@ -2024,7 +2927,7 @@
           <a:p>
             <a:fld id="{FD9D58AD-6389-4BE8-9750-33B383CC1FA5}" type="slidenum">
               <a:rPr lang="en-US" smtClean="0"/>
-              <a:t>12</a:t>
+              <a:t>9</a:t>
             </a:fld>
             <a:endParaRPr lang="en-US"/>
           </a:p>
@@ -2033,7 +2936,7 @@
     </p:spTree>
     <p:extLst>
       <p:ext uri="{BB962C8B-B14F-4D97-AF65-F5344CB8AC3E}">
-        <p14:creationId xmlns:p14="http://schemas.microsoft.com/office/powerpoint/2010/main" val="1932669746"/>
+        <p14:creationId xmlns:p14="http://schemas.microsoft.com/office/powerpoint/2010/main" val="140626771"/>
       </p:ext>
     </p:extLst>
   </p:cSld>
@@ -8278,11 +9181,11 @@
   <p:clrMapOvr>
     <a:masterClrMapping/>
   </p:clrMapOvr>
-  <mc:AlternateContent xmlns:mc="http://schemas.openxmlformats.org/markup-compatibility/2006" xmlns:p14="http://schemas.microsoft.com/office/powerpoint/2010/main">
-    <mc:Choice Requires="p14">
+  <mc:AlternateContent xmlns:mc="http://schemas.openxmlformats.org/markup-compatibility/2006">
+    <mc:Choice xmlns:p14="http://schemas.microsoft.com/office/powerpoint/2010/main" Requires="p14">
       <p:transition p14:dur="0"/>
     </mc:Choice>
-    <mc:Fallback xmlns="">
+    <mc:Fallback>
       <p:transition/>
     </mc:Fallback>
   </mc:AlternateContent>
@@ -8330,7 +9233,7 @@
           <a:p>
             <a:r>
               <a:rPr lang="cs-CZ" dirty="0" smtClean="0"/>
-              <a:t>Sběr dat</a:t>
+              <a:t>Implementace</a:t>
             </a:r>
             <a:endParaRPr lang="cs-CZ" dirty="0"/>
           </a:p>
@@ -8338,137 +9241,144 @@
       </p:sp>
       <p:sp>
         <p:nvSpPr>
-          <p:cNvPr id="5" name="Zástupný symbol pro obsah 4"/>
+          <p:cNvPr id="4" name="Zástupný symbol pro obsah 3"/>
           <p:cNvSpPr>
             <a:spLocks noGrp="1"/>
           </p:cNvSpPr>
           <p:nvPr>
-            <p:ph idx="1"/>
+            <p:ph sz="half" idx="1"/>
           </p:nvPr>
         </p:nvSpPr>
         <p:spPr>
           <a:xfrm>
-            <a:off x="1103312" y="1241660"/>
-            <a:ext cx="8946541" cy="5006740"/>
+            <a:off x="646111" y="1163783"/>
+            <a:ext cx="6716590" cy="5248891"/>
           </a:xfrm>
         </p:spPr>
         <p:txBody>
           <a:bodyPr>
-            <a:normAutofit lnSpcReduction="10000"/>
+            <a:noAutofit/>
           </a:bodyPr>
           <a:lstStyle/>
           <a:p>
-            <a:pPr>
-              <a:lnSpc>
-                <a:spcPct val="150000"/>
-              </a:lnSpc>
-            </a:pPr>
-            <a:r>
-              <a:rPr lang="cs-CZ" sz="2400" dirty="0" smtClean="0"/>
-              <a:t>95 pacientů z FN Motol</a:t>
-            </a:r>
-          </a:p>
-          <a:p>
-            <a:pPr lvl="2">
-              <a:lnSpc>
-                <a:spcPct val="150000"/>
-              </a:lnSpc>
-            </a:pPr>
-            <a:r>
-              <a:rPr lang="cs-CZ" sz="1800" dirty="0" smtClean="0"/>
-              <a:t>CGM</a:t>
-            </a:r>
-          </a:p>
-          <a:p>
-            <a:pPr lvl="2">
-              <a:lnSpc>
-                <a:spcPct val="150000"/>
-              </a:lnSpc>
-            </a:pPr>
-            <a:r>
-              <a:rPr lang="cs-CZ" sz="1800" dirty="0" smtClean="0"/>
-              <a:t> </a:t>
-            </a:r>
-            <a:r>
-              <a:rPr lang="cs-CZ" sz="1800" dirty="0" err="1" smtClean="0"/>
-              <a:t>Fitbit</a:t>
-            </a:r>
-            <a:r>
-              <a:rPr lang="cs-CZ" sz="1800" dirty="0" smtClean="0"/>
-              <a:t>– fyzická aktivita</a:t>
-            </a:r>
-          </a:p>
-          <a:p>
-            <a:pPr lvl="2">
-              <a:lnSpc>
-                <a:spcPct val="150000"/>
-              </a:lnSpc>
-            </a:pPr>
-            <a:r>
-              <a:rPr lang="cs-CZ" sz="1800" dirty="0" smtClean="0"/>
-              <a:t> papírové deníky</a:t>
-            </a:r>
-          </a:p>
-          <a:p>
-            <a:pPr>
-              <a:lnSpc>
-                <a:spcPct val="150000"/>
-              </a:lnSpc>
-            </a:pPr>
-            <a:r>
-              <a:rPr lang="cs-CZ" sz="2400" dirty="0" smtClean="0"/>
-              <a:t>8 dlouhodobě monitorovaných pacientů</a:t>
-            </a:r>
-          </a:p>
-          <a:p>
-            <a:pPr lvl="2">
-              <a:lnSpc>
-                <a:spcPct val="150000"/>
-              </a:lnSpc>
-            </a:pPr>
-            <a:r>
-              <a:rPr lang="cs-CZ" sz="1800" dirty="0" smtClean="0"/>
-              <a:t>Glukometr</a:t>
-            </a:r>
-          </a:p>
-          <a:p>
-            <a:pPr lvl="2">
-              <a:lnSpc>
-                <a:spcPct val="150000"/>
-              </a:lnSpc>
-            </a:pPr>
-            <a:r>
-              <a:rPr lang="cs-CZ" sz="1800" dirty="0" smtClean="0"/>
-              <a:t>Mobilní aplikace – insulin, sacharidy, glykémie, fyzická aktivita</a:t>
-            </a:r>
-          </a:p>
-          <a:p>
-            <a:pPr lvl="2">
-              <a:lnSpc>
-                <a:spcPct val="150000"/>
-              </a:lnSpc>
-            </a:pPr>
-            <a:r>
-              <a:rPr lang="cs-CZ" sz="1800" dirty="0" err="1" smtClean="0"/>
-              <a:t>Fitbit</a:t>
-            </a:r>
-            <a:r>
-              <a:rPr lang="cs-CZ" sz="1800" dirty="0" smtClean="0"/>
-              <a:t> – fyzická aktivita</a:t>
-            </a:r>
-          </a:p>
-          <a:p>
-            <a:pPr lvl="2">
-              <a:lnSpc>
-                <a:spcPct val="150000"/>
-              </a:lnSpc>
-            </a:pPr>
-            <a:r>
-              <a:rPr lang="cs-CZ" sz="1800" dirty="0" smtClean="0"/>
-              <a:t>CGM</a:t>
-            </a:r>
-          </a:p>
-          <a:p>
+            <a:r>
+              <a:rPr lang="cs-CZ" dirty="0" smtClean="0"/>
+              <a:t>Přihlašovací a registrační rozhraní</a:t>
+            </a:r>
+          </a:p>
+          <a:p>
+            <a:r>
+              <a:rPr lang="cs-CZ" dirty="0" smtClean="0"/>
+              <a:t>Přehledový graf</a:t>
+            </a:r>
+          </a:p>
+          <a:p>
+            <a:r>
+              <a:rPr lang="cs-CZ" dirty="0" smtClean="0"/>
+              <a:t>Glykemické profily</a:t>
+            </a:r>
+          </a:p>
+          <a:p>
+            <a:r>
+              <a:rPr lang="cs-CZ" dirty="0" smtClean="0"/>
+              <a:t>Správa uživatelského účtu</a:t>
+            </a:r>
+          </a:p>
+          <a:p>
+            <a:r>
+              <a:rPr lang="cs-CZ" dirty="0" smtClean="0"/>
+              <a:t>Propojování zařízení se systémem</a:t>
+            </a:r>
+          </a:p>
+          <a:p>
+            <a:r>
+              <a:rPr lang="cs-CZ" dirty="0" smtClean="0"/>
+              <a:t>Glykemické profily</a:t>
+            </a:r>
+          </a:p>
+          <a:p>
+            <a:r>
+              <a:rPr lang="cs-CZ" dirty="0" smtClean="0"/>
+              <a:t>Import dat ze zařízení</a:t>
+            </a:r>
+          </a:p>
+          <a:p>
+            <a:r>
+              <a:rPr lang="cs-CZ" dirty="0" smtClean="0"/>
+              <a:t>Export dat</a:t>
+            </a:r>
+          </a:p>
+          <a:p>
+            <a:r>
+              <a:rPr lang="cs-CZ" dirty="0" smtClean="0"/>
+              <a:t>Správa pacientů a pacientských karet</a:t>
+            </a:r>
+          </a:p>
+          <a:p>
+            <a:r>
+              <a:rPr lang="cs-CZ" dirty="0" smtClean="0"/>
+              <a:t>Přiřazování a další správa zařízení s pacientem</a:t>
+            </a:r>
+          </a:p>
+          <a:p>
+            <a:r>
+              <a:rPr lang="cs-CZ" dirty="0" smtClean="0"/>
+              <a:t>Vytváření pacientských skupin</a:t>
+            </a:r>
+          </a:p>
+          <a:p>
+            <a:r>
+              <a:rPr lang="cs-CZ" dirty="0" smtClean="0"/>
+              <a:t>Analytické moduly Jídelních a Glykemických situací </a:t>
+            </a:r>
+          </a:p>
+          <a:p>
+            <a:r>
+              <a:rPr lang="cs-CZ" dirty="0" smtClean="0"/>
+              <a:t>Správa uživatelských účtů</a:t>
+            </a:r>
+            <a:endParaRPr lang="cs-CZ" dirty="0"/>
+          </a:p>
+        </p:txBody>
+      </p:sp>
+      <p:sp>
+        <p:nvSpPr>
+          <p:cNvPr id="5" name="Zástupný symbol pro obsah 4"/>
+          <p:cNvSpPr>
+            <a:spLocks noGrp="1"/>
+          </p:cNvSpPr>
+          <p:nvPr>
+            <p:ph sz="half" idx="2"/>
+          </p:nvPr>
+        </p:nvSpPr>
+        <p:spPr>
+          <a:xfrm>
+            <a:off x="7362701" y="1306291"/>
+            <a:ext cx="3728851" cy="4843172"/>
+          </a:xfrm>
+        </p:spPr>
+        <p:txBody>
+          <a:bodyPr>
+            <a:normAutofit/>
+          </a:bodyPr>
+          <a:lstStyle/>
+          <a:p>
+            <a:r>
+              <a:rPr lang="cs-CZ" dirty="0" smtClean="0"/>
+              <a:t>Správa diabetického deníku</a:t>
+            </a:r>
+          </a:p>
+          <a:p>
+            <a:r>
+              <a:rPr lang="cs-CZ" dirty="0" smtClean="0"/>
+              <a:t>Osobnostní dotazník</a:t>
+            </a:r>
+          </a:p>
+          <a:p>
+            <a:r>
+              <a:rPr lang="cs-CZ" dirty="0" smtClean="0"/>
+              <a:t>Záznam krevního tlaku</a:t>
+            </a:r>
             <a:endParaRPr lang="cs-CZ" dirty="0"/>
           </a:p>
         </p:txBody>
@@ -8476,18 +9386,18 @@
     </p:spTree>
     <p:extLst>
       <p:ext uri="{BB962C8B-B14F-4D97-AF65-F5344CB8AC3E}">
-        <p14:creationId xmlns:p14="http://schemas.microsoft.com/office/powerpoint/2010/main" val="402476074"/>
+        <p14:creationId xmlns:p14="http://schemas.microsoft.com/office/powerpoint/2010/main" val="862727701"/>
       </p:ext>
     </p:extLst>
   </p:cSld>
   <p:clrMapOvr>
     <a:masterClrMapping/>
   </p:clrMapOvr>
-  <mc:AlternateContent xmlns:mc="http://schemas.openxmlformats.org/markup-compatibility/2006" xmlns:p14="http://schemas.microsoft.com/office/powerpoint/2010/main">
-    <mc:Choice Requires="p14">
+  <mc:AlternateContent xmlns:mc="http://schemas.openxmlformats.org/markup-compatibility/2006">
+    <mc:Choice xmlns:p14="http://schemas.microsoft.com/office/powerpoint/2010/main" Requires="p14">
       <p:transition p14:dur="0"/>
     </mc:Choice>
-    <mc:Fallback xmlns="">
+    <mc:Fallback>
       <p:transition/>
     </mc:Fallback>
   </mc:AlternateContent>
@@ -8535,220 +9445,7 @@
           <a:p>
             <a:r>
               <a:rPr lang="cs-CZ" dirty="0" smtClean="0"/>
-              <a:t>Implementace</a:t>
-            </a:r>
-            <a:endParaRPr lang="cs-CZ" dirty="0"/>
-          </a:p>
-        </p:txBody>
-      </p:sp>
-      <p:sp>
-        <p:nvSpPr>
-          <p:cNvPr id="4" name="Zástupný symbol pro obsah 3"/>
-          <p:cNvSpPr>
-            <a:spLocks noGrp="1"/>
-          </p:cNvSpPr>
-          <p:nvPr>
-            <p:ph sz="half" idx="1"/>
-          </p:nvPr>
-        </p:nvSpPr>
-        <p:spPr>
-          <a:xfrm>
-            <a:off x="646111" y="1163783"/>
-            <a:ext cx="6716590" cy="5248891"/>
-          </a:xfrm>
-        </p:spPr>
-        <p:txBody>
-          <a:bodyPr>
-            <a:noAutofit/>
-          </a:bodyPr>
-          <a:lstStyle/>
-          <a:p>
-            <a:r>
-              <a:rPr lang="cs-CZ" dirty="0" smtClean="0"/>
-              <a:t>Přihlašovací a registrační rozhraní</a:t>
-            </a:r>
-          </a:p>
-          <a:p>
-            <a:r>
-              <a:rPr lang="cs-CZ" dirty="0" smtClean="0"/>
-              <a:t>Přehledový graf</a:t>
-            </a:r>
-          </a:p>
-          <a:p>
-            <a:r>
-              <a:rPr lang="cs-CZ" dirty="0" smtClean="0"/>
-              <a:t>Glykemické profily</a:t>
-            </a:r>
-          </a:p>
-          <a:p>
-            <a:r>
-              <a:rPr lang="cs-CZ" dirty="0" smtClean="0"/>
-              <a:t>Správa uživatelského účtu</a:t>
-            </a:r>
-          </a:p>
-          <a:p>
-            <a:r>
-              <a:rPr lang="cs-CZ" dirty="0" smtClean="0"/>
-              <a:t>Propojování zařízení se systémem</a:t>
-            </a:r>
-          </a:p>
-          <a:p>
-            <a:r>
-              <a:rPr lang="cs-CZ" dirty="0" smtClean="0"/>
-              <a:t>Glykemické profily</a:t>
-            </a:r>
-          </a:p>
-          <a:p>
-            <a:r>
-              <a:rPr lang="cs-CZ" dirty="0" smtClean="0"/>
-              <a:t>Import dat ze zařízení</a:t>
-            </a:r>
-          </a:p>
-          <a:p>
-            <a:r>
-              <a:rPr lang="cs-CZ" dirty="0" smtClean="0"/>
-              <a:t>Export dat</a:t>
-            </a:r>
-          </a:p>
-          <a:p>
-            <a:r>
-              <a:rPr lang="cs-CZ" dirty="0" smtClean="0"/>
-              <a:t>Správa pacientů a pacientských karet</a:t>
-            </a:r>
-          </a:p>
-          <a:p>
-            <a:r>
-              <a:rPr lang="cs-CZ" dirty="0" smtClean="0"/>
-              <a:t>Přiřazování a další správa zařízení s pacientem</a:t>
-            </a:r>
-          </a:p>
-          <a:p>
-            <a:r>
-              <a:rPr lang="cs-CZ" dirty="0" smtClean="0"/>
-              <a:t>Vytváření pacientských skupin</a:t>
-            </a:r>
-          </a:p>
-          <a:p>
-            <a:r>
-              <a:rPr lang="cs-CZ" dirty="0" smtClean="0"/>
-              <a:t>Analytické moduly Jídelních a Glykemických situací </a:t>
-            </a:r>
-          </a:p>
-          <a:p>
-            <a:r>
-              <a:rPr lang="cs-CZ" dirty="0" smtClean="0"/>
-              <a:t>Správa uživatelských účtů</a:t>
-            </a:r>
-            <a:endParaRPr lang="cs-CZ" dirty="0"/>
-          </a:p>
-        </p:txBody>
-      </p:sp>
-      <p:sp>
-        <p:nvSpPr>
-          <p:cNvPr id="5" name="Zástupný symbol pro obsah 4"/>
-          <p:cNvSpPr>
-            <a:spLocks noGrp="1"/>
-          </p:cNvSpPr>
-          <p:nvPr>
-            <p:ph sz="half" idx="2"/>
-          </p:nvPr>
-        </p:nvSpPr>
-        <p:spPr>
-          <a:xfrm>
-            <a:off x="7362701" y="1306291"/>
-            <a:ext cx="3728851" cy="4843172"/>
-          </a:xfrm>
-        </p:spPr>
-        <p:txBody>
-          <a:bodyPr>
-            <a:normAutofit/>
-          </a:bodyPr>
-          <a:lstStyle/>
-          <a:p>
-            <a:r>
-              <a:rPr lang="cs-CZ" dirty="0" smtClean="0"/>
-              <a:t>Správa diabetického deníku</a:t>
-            </a:r>
-          </a:p>
-          <a:p>
-            <a:r>
-              <a:rPr lang="cs-CZ" dirty="0" smtClean="0"/>
-              <a:t>Osobnostní dotazník</a:t>
-            </a:r>
-          </a:p>
-          <a:p>
-            <a:r>
-              <a:rPr lang="cs-CZ" dirty="0" smtClean="0"/>
-              <a:t>Záznam krevního tlaku</a:t>
-            </a:r>
-            <a:endParaRPr lang="cs-CZ" dirty="0"/>
-          </a:p>
-        </p:txBody>
-      </p:sp>
-    </p:spTree>
-    <p:extLst>
-      <p:ext uri="{BB962C8B-B14F-4D97-AF65-F5344CB8AC3E}">
-        <p14:creationId xmlns:p14="http://schemas.microsoft.com/office/powerpoint/2010/main" val="862727701"/>
-      </p:ext>
-    </p:extLst>
-  </p:cSld>
-  <p:clrMapOvr>
-    <a:masterClrMapping/>
-  </p:clrMapOvr>
-  <mc:AlternateContent xmlns:mc="http://schemas.openxmlformats.org/markup-compatibility/2006" xmlns:p14="http://schemas.microsoft.com/office/powerpoint/2010/main">
-    <mc:Choice Requires="p14">
-      <p:transition spd="slow" p14:dur="1250">
-        <p:pull/>
-      </p:transition>
-    </mc:Choice>
-    <mc:Fallback xmlns="">
-      <p:transition spd="slow">
-        <p:pull/>
-      </p:transition>
-    </mc:Fallback>
-  </mc:AlternateContent>
-</p:sld>
-</file>
-
-<file path=ppt/slides/slide12.xml><?xml version="1.0" encoding="utf-8"?>
-<p:sld xmlns:a="http://schemas.openxmlformats.org/drawingml/2006/main" xmlns:r="http://schemas.openxmlformats.org/officeDocument/2006/relationships" xmlns:p="http://schemas.openxmlformats.org/presentationml/2006/main">
-  <p:cSld>
-    <p:spTree>
-      <p:nvGrpSpPr>
-        <p:cNvPr id="1" name=""/>
-        <p:cNvGrpSpPr/>
-        <p:nvPr/>
-      </p:nvGrpSpPr>
-      <p:grpSpPr>
-        <a:xfrm>
-          <a:off x="0" y="0"/>
-          <a:ext cx="0" cy="0"/>
-          <a:chOff x="0" y="0"/>
-          <a:chExt cx="0" cy="0"/>
-        </a:xfrm>
-      </p:grpSpPr>
-      <p:sp>
-        <p:nvSpPr>
-          <p:cNvPr id="2" name="Nadpis 1"/>
-          <p:cNvSpPr>
-            <a:spLocks noGrp="1"/>
-          </p:cNvSpPr>
-          <p:nvPr>
-            <p:ph type="title"/>
-          </p:nvPr>
-        </p:nvSpPr>
-        <p:spPr/>
-        <p:txBody>
-          <a:bodyPr/>
-          <a:lstStyle/>
-          <a:p>
-            <a:r>
-              <a:rPr lang="cs-CZ" dirty="0" smtClean="0"/>
-              <a:t>Návrh pro </a:t>
-            </a:r>
-            <a:r>
-              <a:rPr lang="cs-CZ" dirty="0" smtClean="0"/>
-              <a:t>počítače - grafy</a:t>
+              <a:t>Návrh pro počítače - grafy</a:t>
             </a:r>
             <a:endParaRPr lang="cs-CZ" dirty="0"/>
           </a:p>
@@ -8821,11 +9518,11 @@
   <p:clrMapOvr>
     <a:masterClrMapping/>
   </p:clrMapOvr>
-  <mc:AlternateContent xmlns:mc="http://schemas.openxmlformats.org/markup-compatibility/2006" xmlns:p14="http://schemas.microsoft.com/office/powerpoint/2010/main">
-    <mc:Choice Requires="p14">
+  <mc:AlternateContent xmlns:mc="http://schemas.openxmlformats.org/markup-compatibility/2006">
+    <mc:Choice xmlns:p14="http://schemas.microsoft.com/office/powerpoint/2010/main" Requires="p14">
       <p:transition p14:dur="0"/>
     </mc:Choice>
-    <mc:Fallback xmlns="">
+    <mc:Fallback>
       <p:transition/>
     </mc:Fallback>
   </mc:AlternateContent>
@@ -8839,7 +9536,7 @@
 </p:sld>
 </file>
 
-<file path=ppt/slides/slide13.xml><?xml version="1.0" encoding="utf-8"?>
+<file path=ppt/slides/slide12.xml><?xml version="1.0" encoding="utf-8"?>
 <p:sld xmlns:a="http://schemas.openxmlformats.org/drawingml/2006/main" xmlns:r="http://schemas.openxmlformats.org/officeDocument/2006/relationships" xmlns:p="http://schemas.openxmlformats.org/presentationml/2006/main">
   <p:cSld>
     <p:spTree>
@@ -8890,7 +9587,7 @@
           </p:nvPr>
         </p:nvPicPr>
         <p:blipFill>
-          <a:blip r:embed="rId2">
+          <a:blip r:embed="rId3">
             <a:extLst>
               <a:ext uri="{28A0092B-C50C-407E-A947-70E740481C1C}">
                 <a14:useLocalDpi xmlns:a14="http://schemas.microsoft.com/office/drawing/2010/main" val="0"/>
@@ -8918,22 +9615,25 @@
   <p:clrMapOvr>
     <a:masterClrMapping/>
   </p:clrMapOvr>
-  <mc:AlternateContent xmlns:mc="http://schemas.openxmlformats.org/markup-compatibility/2006" xmlns:p14="http://schemas.microsoft.com/office/powerpoint/2010/main">
-    <mc:Choice Requires="p14">
-      <p:transition spd="slow" p14:dur="1250">
-        <p:pull/>
-      </p:transition>
+  <mc:AlternateContent xmlns:mc="http://schemas.openxmlformats.org/markup-compatibility/2006">
+    <mc:Choice xmlns:p14="http://schemas.microsoft.com/office/powerpoint/2010/main" Requires="p14">
+      <p:transition p14:dur="0"/>
     </mc:Choice>
-    <mc:Fallback xmlns="">
-      <p:transition spd="slow">
-        <p:pull/>
-      </p:transition>
+    <mc:Fallback>
+      <p:transition/>
     </mc:Fallback>
   </mc:AlternateContent>
+  <p:timing>
+    <p:tnLst>
+      <p:par>
+        <p:cTn id="1" dur="indefinite" restart="never" nodeType="tmRoot"/>
+      </p:par>
+    </p:tnLst>
+  </p:timing>
 </p:sld>
 </file>
 
-<file path=ppt/slides/slide14.xml><?xml version="1.0" encoding="utf-8"?>
+<file path=ppt/slides/slide13.xml><?xml version="1.0" encoding="utf-8"?>
 <p:sld xmlns:a="http://schemas.openxmlformats.org/drawingml/2006/main" xmlns:r="http://schemas.openxmlformats.org/officeDocument/2006/relationships" xmlns:p="http://schemas.openxmlformats.org/presentationml/2006/main">
   <p:cSld>
     <p:spTree>
@@ -9135,14 +9835,117 @@
   <p:clrMapOvr>
     <a:masterClrMapping/>
   </p:clrMapOvr>
-  <mc:AlternateContent xmlns:mc="http://schemas.openxmlformats.org/markup-compatibility/2006" xmlns:p14="http://schemas.microsoft.com/office/powerpoint/2010/main">
-    <mc:Choice Requires="p14">
+  <mc:AlternateContent xmlns:mc="http://schemas.openxmlformats.org/markup-compatibility/2006">
+    <mc:Choice xmlns:p14="http://schemas.microsoft.com/office/powerpoint/2010/main" Requires="p14">
       <p:transition p14:dur="0"/>
     </mc:Choice>
-    <mc:Fallback xmlns="">
+    <mc:Fallback>
       <p:transition/>
     </mc:Fallback>
   </mc:AlternateContent>
+  <p:timing>
+    <p:tnLst>
+      <p:par>
+        <p:cTn id="1" dur="indefinite" restart="never" nodeType="tmRoot"/>
+      </p:par>
+    </p:tnLst>
+  </p:timing>
+</p:sld>
+</file>
+
+<file path=ppt/slides/slide14.xml><?xml version="1.0" encoding="utf-8"?>
+<p:sld xmlns:a="http://schemas.openxmlformats.org/drawingml/2006/main" xmlns:r="http://schemas.openxmlformats.org/officeDocument/2006/relationships" xmlns:p="http://schemas.openxmlformats.org/presentationml/2006/main">
+  <p:cSld>
+    <p:spTree>
+      <p:nvGrpSpPr>
+        <p:cNvPr id="1" name=""/>
+        <p:cNvGrpSpPr/>
+        <p:nvPr/>
+      </p:nvGrpSpPr>
+      <p:grpSpPr>
+        <a:xfrm>
+          <a:off x="0" y="0"/>
+          <a:ext cx="0" cy="0"/>
+          <a:chOff x="0" y="0"/>
+          <a:chExt cx="0" cy="0"/>
+        </a:xfrm>
+      </p:grpSpPr>
+      <p:sp>
+        <p:nvSpPr>
+          <p:cNvPr id="2" name="Nadpis 1"/>
+          <p:cNvSpPr>
+            <a:spLocks noGrp="1"/>
+          </p:cNvSpPr>
+          <p:nvPr>
+            <p:ph type="title"/>
+          </p:nvPr>
+        </p:nvSpPr>
+        <p:spPr/>
+        <p:txBody>
+          <a:bodyPr/>
+          <a:lstStyle/>
+          <a:p>
+            <a:r>
+              <a:rPr lang="cs-CZ" dirty="0"/>
+              <a:t>Jídelní situace</a:t>
+            </a:r>
+          </a:p>
+        </p:txBody>
+      </p:sp>
+      <p:pic>
+        <p:nvPicPr>
+          <p:cNvPr id="4" name="Zástupný symbol pro obsah 3"/>
+          <p:cNvPicPr>
+            <a:picLocks noGrp="1" noChangeAspect="1"/>
+          </p:cNvPicPr>
+          <p:nvPr>
+            <p:ph idx="1"/>
+          </p:nvPr>
+        </p:nvPicPr>
+        <p:blipFill>
+          <a:blip r:embed="rId3"/>
+          <a:stretch>
+            <a:fillRect/>
+          </a:stretch>
+        </p:blipFill>
+        <p:spPr>
+          <a:xfrm>
+            <a:off x="-22606" y="2588821"/>
+            <a:ext cx="12214605" cy="2464210"/>
+          </a:xfrm>
+          <a:prstGeom prst="rect">
+            <a:avLst/>
+          </a:prstGeom>
+          <a:solidFill>
+            <a:schemeClr val="tx1"/>
+          </a:solidFill>
+        </p:spPr>
+      </p:pic>
+    </p:spTree>
+    <p:extLst>
+      <p:ext uri="{BB962C8B-B14F-4D97-AF65-F5344CB8AC3E}">
+        <p14:creationId xmlns:p14="http://schemas.microsoft.com/office/powerpoint/2010/main" val="2573221461"/>
+      </p:ext>
+    </p:extLst>
+  </p:cSld>
+  <p:clrMapOvr>
+    <a:masterClrMapping/>
+  </p:clrMapOvr>
+  <mc:AlternateContent xmlns:mc="http://schemas.openxmlformats.org/markup-compatibility/2006">
+    <mc:Choice xmlns:p14="http://schemas.microsoft.com/office/powerpoint/2010/main" Requires="p14">
+      <p:transition p14:dur="0"/>
+    </mc:Choice>
+    <mc:Fallback>
+      <p:transition/>
+    </mc:Fallback>
+  </mc:AlternateContent>
+  <p:timing>
+    <p:tnLst>
+      <p:par>
+        <p:cTn id="1" dur="indefinite" restart="never" nodeType="tmRoot"/>
+      </p:par>
+    </p:tnLst>
+  </p:timing>
 </p:sld>
 </file>
 
@@ -9179,16 +9982,15 @@
           <a:lstStyle/>
           <a:p>
             <a:r>
-              <a:rPr lang="cs-CZ" dirty="0" smtClean="0"/>
+              <a:rPr lang="cs-CZ" dirty="0"/>
               <a:t>Jídelní situace</a:t>
             </a:r>
-            <a:endParaRPr lang="cs-CZ" dirty="0"/>
           </a:p>
         </p:txBody>
       </p:sp>
       <p:pic>
         <p:nvPicPr>
-          <p:cNvPr id="6" name="Zástupný symbol pro obsah 5"/>
+          <p:cNvPr id="4" name="Zástupný symbol pro obsah 3"/>
           <p:cNvPicPr>
             <a:picLocks noGrp="1" noChangeAspect="1"/>
           </p:cNvPicPr>
@@ -9197,108 +9999,15 @@
           </p:nvPr>
         </p:nvPicPr>
         <p:blipFill>
-          <a:blip r:embed="rId2"/>
+          <a:blip r:embed="rId3"/>
           <a:stretch>
             <a:fillRect/>
           </a:stretch>
         </p:blipFill>
         <p:spPr>
           <a:xfrm>
-            <a:off x="0" y="2731008"/>
-            <a:ext cx="12174580" cy="2456135"/>
-          </a:xfrm>
-          <a:prstGeom prst="rect">
-            <a:avLst/>
-          </a:prstGeom>
-          <a:solidFill>
-            <a:schemeClr val="tx1"/>
-          </a:solidFill>
-        </p:spPr>
-      </p:pic>
-    </p:spTree>
-    <p:extLst>
-      <p:ext uri="{BB962C8B-B14F-4D97-AF65-F5344CB8AC3E}">
-        <p14:creationId xmlns:p14="http://schemas.microsoft.com/office/powerpoint/2010/main" val="748895258"/>
-      </p:ext>
-    </p:extLst>
-  </p:cSld>
-  <p:clrMapOvr>
-    <a:masterClrMapping/>
-  </p:clrMapOvr>
-  <mc:AlternateContent xmlns:mc="http://schemas.openxmlformats.org/markup-compatibility/2006" xmlns:p14="http://schemas.microsoft.com/office/powerpoint/2010/main">
-    <mc:Choice Requires="p14">
-      <p:transition spd="slow" p14:dur="1250">
-        <p:pull/>
-      </p:transition>
-    </mc:Choice>
-    <mc:Fallback xmlns="">
-      <p:transition spd="slow">
-        <p:pull/>
-      </p:transition>
-    </mc:Fallback>
-  </mc:AlternateContent>
-</p:sld>
-</file>
-
-<file path=ppt/slides/slide16.xml><?xml version="1.0" encoding="utf-8"?>
-<p:sld xmlns:a="http://schemas.openxmlformats.org/drawingml/2006/main" xmlns:r="http://schemas.openxmlformats.org/officeDocument/2006/relationships" xmlns:p="http://schemas.openxmlformats.org/presentationml/2006/main">
-  <p:cSld>
-    <p:spTree>
-      <p:nvGrpSpPr>
-        <p:cNvPr id="1" name=""/>
-        <p:cNvGrpSpPr/>
-        <p:nvPr/>
-      </p:nvGrpSpPr>
-      <p:grpSpPr>
-        <a:xfrm>
-          <a:off x="0" y="0"/>
-          <a:ext cx="0" cy="0"/>
-          <a:chOff x="0" y="0"/>
-          <a:chExt cx="0" cy="0"/>
-        </a:xfrm>
-      </p:grpSpPr>
-      <p:sp>
-        <p:nvSpPr>
-          <p:cNvPr id="2" name="Nadpis 1"/>
-          <p:cNvSpPr>
-            <a:spLocks noGrp="1"/>
-          </p:cNvSpPr>
-          <p:nvPr>
-            <p:ph type="title"/>
-          </p:nvPr>
-        </p:nvSpPr>
-        <p:spPr/>
-        <p:txBody>
-          <a:bodyPr/>
-          <a:lstStyle/>
-          <a:p>
-            <a:r>
-              <a:rPr lang="cs-CZ" dirty="0"/>
-              <a:t>Jídelní situace</a:t>
-            </a:r>
-          </a:p>
-        </p:txBody>
-      </p:sp>
-      <p:pic>
-        <p:nvPicPr>
-          <p:cNvPr id="6" name="Zástupný symbol pro obsah 5"/>
-          <p:cNvPicPr>
-            <a:picLocks noGrp="1" noChangeAspect="1"/>
-          </p:cNvPicPr>
-          <p:nvPr>
-            <p:ph idx="1"/>
-          </p:nvPr>
-        </p:nvPicPr>
-        <p:blipFill>
-          <a:blip r:embed="rId2"/>
-          <a:stretch>
-            <a:fillRect/>
-          </a:stretch>
-        </p:blipFill>
-        <p:spPr>
-          <a:xfrm>
-            <a:off x="0" y="2731008"/>
-            <a:ext cx="12174580" cy="2456135"/>
+            <a:off x="-22606" y="2588821"/>
+            <a:ext cx="12214605" cy="2464210"/>
           </a:xfrm>
           <a:prstGeom prst="rect">
             <a:avLst/>
@@ -9316,7 +10025,7 @@
         </p:nvGrpSpPr>
         <p:grpSpPr>
           <a:xfrm>
-            <a:off x="8485632" y="3560064"/>
+            <a:off x="8225517" y="3085051"/>
             <a:ext cx="3389376" cy="2828544"/>
             <a:chOff x="8485632" y="3560064"/>
             <a:chExt cx="3389376" cy="2828544"/>
@@ -9403,25 +10112,124 @@
     </p:spTree>
     <p:extLst>
       <p:ext uri="{BB962C8B-B14F-4D97-AF65-F5344CB8AC3E}">
-        <p14:creationId xmlns:p14="http://schemas.microsoft.com/office/powerpoint/2010/main" val="2573221461"/>
+        <p14:creationId xmlns:p14="http://schemas.microsoft.com/office/powerpoint/2010/main" val="1799665361"/>
       </p:ext>
     </p:extLst>
   </p:cSld>
   <p:clrMapOvr>
     <a:masterClrMapping/>
   </p:clrMapOvr>
-  <mc:AlternateContent xmlns:mc="http://schemas.openxmlformats.org/markup-compatibility/2006" xmlns:p14="http://schemas.microsoft.com/office/powerpoint/2010/main">
-    <mc:Choice Requires="p14">
-      <p:transition spd="slow" p14:dur="1250">
-        <p:pull/>
-      </p:transition>
+  <mc:AlternateContent xmlns:mc="http://schemas.openxmlformats.org/markup-compatibility/2006">
+    <mc:Choice xmlns:p14="http://schemas.microsoft.com/office/powerpoint/2010/main" Requires="p14">
+      <p:transition p14:dur="0"/>
     </mc:Choice>
-    <mc:Fallback xmlns="">
-      <p:transition spd="slow">
-        <p:pull/>
-      </p:transition>
+    <mc:Fallback>
+      <p:transition/>
     </mc:Fallback>
   </mc:AlternateContent>
+  <p:timing>
+    <p:tnLst>
+      <p:par>
+        <p:cTn id="1" dur="indefinite" restart="never" nodeType="tmRoot"/>
+      </p:par>
+    </p:tnLst>
+  </p:timing>
+</p:sld>
+</file>
+
+<file path=ppt/slides/slide16.xml><?xml version="1.0" encoding="utf-8"?>
+<p:sld xmlns:a="http://schemas.openxmlformats.org/drawingml/2006/main" xmlns:r="http://schemas.openxmlformats.org/officeDocument/2006/relationships" xmlns:p="http://schemas.openxmlformats.org/presentationml/2006/main">
+  <p:cSld>
+    <p:spTree>
+      <p:nvGrpSpPr>
+        <p:cNvPr id="1" name=""/>
+        <p:cNvGrpSpPr/>
+        <p:nvPr/>
+      </p:nvGrpSpPr>
+      <p:grpSpPr>
+        <a:xfrm>
+          <a:off x="0" y="0"/>
+          <a:ext cx="0" cy="0"/>
+          <a:chOff x="0" y="0"/>
+          <a:chExt cx="0" cy="0"/>
+        </a:xfrm>
+      </p:grpSpPr>
+      <p:sp>
+        <p:nvSpPr>
+          <p:cNvPr id="2" name="Nadpis 1"/>
+          <p:cNvSpPr>
+            <a:spLocks noGrp="1"/>
+          </p:cNvSpPr>
+          <p:nvPr>
+            <p:ph type="title"/>
+          </p:nvPr>
+        </p:nvSpPr>
+        <p:spPr/>
+        <p:txBody>
+          <a:bodyPr/>
+          <a:lstStyle/>
+          <a:p>
+            <a:r>
+              <a:rPr lang="cs-CZ" dirty="0"/>
+              <a:t>Jídelní situace</a:t>
+            </a:r>
+          </a:p>
+        </p:txBody>
+      </p:sp>
+      <p:pic>
+        <p:nvPicPr>
+          <p:cNvPr id="6" name="Zástupný symbol pro obsah 5"/>
+          <p:cNvPicPr>
+            <a:picLocks noGrp="1" noChangeAspect="1"/>
+          </p:cNvPicPr>
+          <p:nvPr>
+            <p:ph idx="1"/>
+          </p:nvPr>
+        </p:nvPicPr>
+        <p:blipFill>
+          <a:blip r:embed="rId3"/>
+          <a:stretch>
+            <a:fillRect/>
+          </a:stretch>
+        </p:blipFill>
+        <p:spPr>
+          <a:xfrm>
+            <a:off x="14063" y="1769423"/>
+            <a:ext cx="12166062" cy="4479515"/>
+          </a:xfrm>
+          <a:prstGeom prst="rect">
+            <a:avLst/>
+          </a:prstGeom>
+          <a:solidFill>
+            <a:schemeClr val="tx1"/>
+          </a:solidFill>
+        </p:spPr>
+      </p:pic>
+    </p:spTree>
+    <p:extLst>
+      <p:ext uri="{BB962C8B-B14F-4D97-AF65-F5344CB8AC3E}">
+        <p14:creationId xmlns:p14="http://schemas.microsoft.com/office/powerpoint/2010/main" val="2862639247"/>
+      </p:ext>
+    </p:extLst>
+  </p:cSld>
+  <p:clrMapOvr>
+    <a:masterClrMapping/>
+  </p:clrMapOvr>
+  <mc:AlternateContent xmlns:mc="http://schemas.openxmlformats.org/markup-compatibility/2006">
+    <mc:Choice xmlns:p14="http://schemas.microsoft.com/office/powerpoint/2010/main" Requires="p14">
+      <p:transition p14:dur="0"/>
+    </mc:Choice>
+    <mc:Fallback>
+      <p:transition/>
+    </mc:Fallback>
+  </mc:AlternateContent>
+  <p:timing>
+    <p:tnLst>
+      <p:par>
+        <p:cTn id="1" dur="indefinite" restart="never" nodeType="tmRoot"/>
+      </p:par>
+    </p:tnLst>
+  </p:timing>
 </p:sld>
 </file>
 
@@ -9458,9 +10266,10 @@
           <a:lstStyle/>
           <a:p>
             <a:r>
-              <a:rPr lang="cs-CZ" dirty="0"/>
-              <a:t>Jídelní situace</a:t>
-            </a:r>
+              <a:rPr lang="cs-CZ" dirty="0" smtClean="0"/>
+              <a:t>Nalezené segmenty</a:t>
+            </a:r>
+            <a:endParaRPr lang="cs-CZ" dirty="0"/>
           </a:p>
         </p:txBody>
       </p:sp>
@@ -9474,102 +10283,8 @@
             <p:ph idx="1"/>
           </p:nvPr>
         </p:nvPicPr>
-        <p:blipFill>
-          <a:blip r:embed="rId2"/>
-          <a:stretch>
-            <a:fillRect/>
-          </a:stretch>
-        </p:blipFill>
-        <p:spPr>
-          <a:xfrm>
-            <a:off x="201880" y="2171454"/>
-            <a:ext cx="11649693" cy="4289389"/>
-          </a:xfrm>
-          <a:prstGeom prst="rect">
-            <a:avLst/>
-          </a:prstGeom>
-          <a:solidFill>
-            <a:schemeClr val="tx1"/>
-          </a:solidFill>
-        </p:spPr>
-      </p:pic>
-    </p:spTree>
-    <p:extLst>
-      <p:ext uri="{BB962C8B-B14F-4D97-AF65-F5344CB8AC3E}">
-        <p14:creationId xmlns:p14="http://schemas.microsoft.com/office/powerpoint/2010/main" val="2862639247"/>
-      </p:ext>
-    </p:extLst>
-  </p:cSld>
-  <p:clrMapOvr>
-    <a:masterClrMapping/>
-  </p:clrMapOvr>
-  <mc:AlternateContent xmlns:mc="http://schemas.openxmlformats.org/markup-compatibility/2006" xmlns:p14="http://schemas.microsoft.com/office/powerpoint/2010/main">
-    <mc:Choice Requires="p14">
-      <p:transition spd="slow" p14:dur="1250">
-        <p:pull/>
-      </p:transition>
-    </mc:Choice>
-    <mc:Fallback xmlns="">
-      <p:transition spd="slow">
-        <p:pull/>
-      </p:transition>
-    </mc:Fallback>
-  </mc:AlternateContent>
-</p:sld>
-</file>
-
-<file path=ppt/slides/slide18.xml><?xml version="1.0" encoding="utf-8"?>
-<p:sld xmlns:a="http://schemas.openxmlformats.org/drawingml/2006/main" xmlns:r="http://schemas.openxmlformats.org/officeDocument/2006/relationships" xmlns:p="http://schemas.openxmlformats.org/presentationml/2006/main">
-  <p:cSld>
-    <p:spTree>
-      <p:nvGrpSpPr>
-        <p:cNvPr id="1" name=""/>
-        <p:cNvGrpSpPr/>
-        <p:nvPr/>
-      </p:nvGrpSpPr>
-      <p:grpSpPr>
-        <a:xfrm>
-          <a:off x="0" y="0"/>
-          <a:ext cx="0" cy="0"/>
-          <a:chOff x="0" y="0"/>
-          <a:chExt cx="0" cy="0"/>
-        </a:xfrm>
-      </p:grpSpPr>
-      <p:sp>
-        <p:nvSpPr>
-          <p:cNvPr id="2" name="Nadpis 1"/>
-          <p:cNvSpPr>
-            <a:spLocks noGrp="1"/>
-          </p:cNvSpPr>
-          <p:nvPr>
-            <p:ph type="title"/>
-          </p:nvPr>
-        </p:nvSpPr>
-        <p:spPr/>
-        <p:txBody>
-          <a:bodyPr/>
-          <a:lstStyle/>
-          <a:p>
-            <a:r>
-              <a:rPr lang="cs-CZ" dirty="0" smtClean="0"/>
-              <a:t>Nalezené segmenty</a:t>
-            </a:r>
-            <a:endParaRPr lang="cs-CZ" dirty="0"/>
-          </a:p>
-        </p:txBody>
-      </p:sp>
-      <p:pic>
-        <p:nvPicPr>
-          <p:cNvPr id="4" name="Zástupný symbol pro obsah 3"/>
-          <p:cNvPicPr>
-            <a:picLocks noGrp="1" noChangeAspect="1"/>
-          </p:cNvPicPr>
-          <p:nvPr>
-            <p:ph idx="1"/>
-          </p:nvPr>
-        </p:nvPicPr>
         <p:blipFill rotWithShape="1">
-          <a:blip r:embed="rId2">
+          <a:blip r:embed="rId3">
             <a:extLst>
               <a:ext uri="{28A0092B-C50C-407E-A947-70E740481C1C}">
                 <a14:useLocalDpi xmlns:a14="http://schemas.microsoft.com/office/drawing/2010/main" val="0"/>
@@ -9596,22 +10311,25 @@
   <p:clrMapOvr>
     <a:masterClrMapping/>
   </p:clrMapOvr>
-  <mc:AlternateContent xmlns:mc="http://schemas.openxmlformats.org/markup-compatibility/2006" xmlns:p14="http://schemas.microsoft.com/office/powerpoint/2010/main">
-    <mc:Choice Requires="p14">
-      <p:transition spd="slow" p14:dur="1250">
-        <p:pull/>
-      </p:transition>
+  <mc:AlternateContent xmlns:mc="http://schemas.openxmlformats.org/markup-compatibility/2006">
+    <mc:Choice xmlns:p14="http://schemas.microsoft.com/office/powerpoint/2010/main" Requires="p14">
+      <p:transition p14:dur="0"/>
     </mc:Choice>
-    <mc:Fallback xmlns="">
-      <p:transition spd="slow">
-        <p:pull/>
-      </p:transition>
+    <mc:Fallback>
+      <p:transition/>
     </mc:Fallback>
   </mc:AlternateContent>
+  <p:timing>
+    <p:tnLst>
+      <p:par>
+        <p:cTn id="1" dur="indefinite" restart="never" nodeType="tmRoot"/>
+      </p:par>
+    </p:tnLst>
+  </p:timing>
 </p:sld>
 </file>
 
-<file path=ppt/slides/slide19.xml><?xml version="1.0" encoding="utf-8"?>
+<file path=ppt/slides/slide18.xml><?xml version="1.0" encoding="utf-8"?>
 <p:sld xmlns:a="http://schemas.openxmlformats.org/drawingml/2006/main" xmlns:r="http://schemas.openxmlformats.org/officeDocument/2006/relationships" xmlns:p="http://schemas.openxmlformats.org/presentationml/2006/main">
   <p:cSld>
     <p:spTree>
@@ -9662,7 +10380,7 @@
           </p:nvPr>
         </p:nvPicPr>
         <p:blipFill rotWithShape="1">
-          <a:blip r:embed="rId2">
+          <a:blip r:embed="rId3">
             <a:extLst>
               <a:ext uri="{28A0092B-C50C-407E-A947-70E740481C1C}">
                 <a14:useLocalDpi xmlns:a14="http://schemas.microsoft.com/office/drawing/2010/main" val="0"/>
@@ -9781,22 +10499,25 @@
   <p:clrMapOvr>
     <a:masterClrMapping/>
   </p:clrMapOvr>
-  <mc:AlternateContent xmlns:mc="http://schemas.openxmlformats.org/markup-compatibility/2006" xmlns:p14="http://schemas.microsoft.com/office/powerpoint/2010/main">
-    <mc:Choice Requires="p14">
-      <p:transition spd="slow" p14:dur="1250">
-        <p:pull/>
-      </p:transition>
+  <mc:AlternateContent xmlns:mc="http://schemas.openxmlformats.org/markup-compatibility/2006">
+    <mc:Choice xmlns:p14="http://schemas.microsoft.com/office/powerpoint/2010/main" Requires="p14">
+      <p:transition p14:dur="0"/>
     </mc:Choice>
-    <mc:Fallback xmlns="">
-      <p:transition spd="slow">
-        <p:pull/>
-      </p:transition>
+    <mc:Fallback>
+      <p:transition/>
     </mc:Fallback>
   </mc:AlternateContent>
+  <p:timing>
+    <p:tnLst>
+      <p:par>
+        <p:cTn id="1" dur="indefinite" restart="never" nodeType="tmRoot"/>
+      </p:par>
+    </p:tnLst>
+  </p:timing>
 </p:sld>
 </file>
 
-<file path=ppt/slides/slide2.xml><?xml version="1.0" encoding="utf-8"?>
+<file path=ppt/slides/slide19.xml><?xml version="1.0" encoding="utf-8"?>
 <p:sld xmlns:a="http://schemas.openxmlformats.org/drawingml/2006/main" xmlns:r="http://schemas.openxmlformats.org/officeDocument/2006/relationships" xmlns:p="http://schemas.openxmlformats.org/presentationml/2006/main">
   <p:cSld>
     <p:spTree>
@@ -9830,149 +10551,6 @@
           <a:p>
             <a:r>
               <a:rPr lang="cs-CZ" dirty="0" smtClean="0"/>
-              <a:t>Zadání práce</a:t>
-            </a:r>
-            <a:endParaRPr lang="cs-CZ" dirty="0"/>
-          </a:p>
-        </p:txBody>
-      </p:sp>
-      <p:sp>
-        <p:nvSpPr>
-          <p:cNvPr id="3" name="Zástupný symbol pro obsah 2"/>
-          <p:cNvSpPr>
-            <a:spLocks noGrp="1"/>
-          </p:cNvSpPr>
-          <p:nvPr>
-            <p:ph idx="1"/>
-          </p:nvPr>
-        </p:nvSpPr>
-        <p:spPr/>
-        <p:txBody>
-          <a:bodyPr/>
-          <a:lstStyle/>
-          <a:p>
-            <a:pPr>
-              <a:lnSpc>
-                <a:spcPct val="150000"/>
-              </a:lnSpc>
-            </a:pPr>
-            <a:r>
-              <a:rPr lang="cs-CZ" sz="2400" dirty="0" smtClean="0"/>
-              <a:t>Navrhnout a implementovat webovou </a:t>
-            </a:r>
-            <a:r>
-              <a:rPr lang="cs-CZ" sz="2400" dirty="0" smtClean="0"/>
-              <a:t>aplikaci</a:t>
-            </a:r>
-          </a:p>
-          <a:p>
-            <a:pPr>
-              <a:lnSpc>
-                <a:spcPct val="150000"/>
-              </a:lnSpc>
-            </a:pPr>
-            <a:r>
-              <a:rPr lang="cs-CZ" sz="2400" dirty="0" smtClean="0"/>
-              <a:t>Využití prostředků nad existující databází MS SQL</a:t>
-            </a:r>
-            <a:endParaRPr lang="cs-CZ" sz="2400" dirty="0" smtClean="0"/>
-          </a:p>
-          <a:p>
-            <a:pPr>
-              <a:lnSpc>
-                <a:spcPct val="150000"/>
-              </a:lnSpc>
-            </a:pPr>
-            <a:r>
-              <a:rPr lang="cs-CZ" sz="2400" dirty="0" smtClean="0"/>
-              <a:t>Umožnění vzdálené sledování lékařem</a:t>
-            </a:r>
-          </a:p>
-          <a:p>
-            <a:pPr>
-              <a:lnSpc>
-                <a:spcPct val="150000"/>
-              </a:lnSpc>
-            </a:pPr>
-            <a:r>
-              <a:rPr lang="cs-CZ" sz="2400" dirty="0" smtClean="0"/>
-              <a:t>Využití pro klinické studie</a:t>
-            </a:r>
-          </a:p>
-          <a:p>
-            <a:r>
-              <a:rPr lang="cs-CZ" sz="2400" dirty="0" smtClean="0"/>
-              <a:t>Využití technologie ASP.NET MVC</a:t>
-            </a:r>
-            <a:endParaRPr lang="cs-CZ" sz="2400" dirty="0" smtClean="0"/>
-          </a:p>
-          <a:p>
-            <a:endParaRPr lang="cs-CZ" dirty="0"/>
-          </a:p>
-        </p:txBody>
-      </p:sp>
-    </p:spTree>
-    <p:extLst>
-      <p:ext uri="{BB962C8B-B14F-4D97-AF65-F5344CB8AC3E}">
-        <p14:creationId xmlns:p14="http://schemas.microsoft.com/office/powerpoint/2010/main" val="610636057"/>
-      </p:ext>
-    </p:extLst>
-  </p:cSld>
-  <p:clrMapOvr>
-    <a:masterClrMapping/>
-  </p:clrMapOvr>
-  <mc:AlternateContent xmlns:mc="http://schemas.openxmlformats.org/markup-compatibility/2006" xmlns:p14="http://schemas.microsoft.com/office/powerpoint/2010/main">
-    <mc:Choice Requires="p14">
-      <p:transition p14:dur="0"/>
-    </mc:Choice>
-    <mc:Fallback xmlns="">
-      <p:transition/>
-    </mc:Fallback>
-  </mc:AlternateContent>
-  <p:timing>
-    <p:tnLst>
-      <p:par>
-        <p:cTn id="1" dur="indefinite" restart="never" nodeType="tmRoot"/>
-      </p:par>
-    </p:tnLst>
-  </p:timing>
-</p:sld>
-</file>
-
-<file path=ppt/slides/slide20.xml><?xml version="1.0" encoding="utf-8"?>
-<p:sld xmlns:a="http://schemas.openxmlformats.org/drawingml/2006/main" xmlns:r="http://schemas.openxmlformats.org/officeDocument/2006/relationships" xmlns:p="http://schemas.openxmlformats.org/presentationml/2006/main">
-  <p:cSld>
-    <p:spTree>
-      <p:nvGrpSpPr>
-        <p:cNvPr id="1" name=""/>
-        <p:cNvGrpSpPr/>
-        <p:nvPr/>
-      </p:nvGrpSpPr>
-      <p:grpSpPr>
-        <a:xfrm>
-          <a:off x="0" y="0"/>
-          <a:ext cx="0" cy="0"/>
-          <a:chOff x="0" y="0"/>
-          <a:chExt cx="0" cy="0"/>
-        </a:xfrm>
-      </p:grpSpPr>
-      <p:sp>
-        <p:nvSpPr>
-          <p:cNvPr id="2" name="Nadpis 1"/>
-          <p:cNvSpPr>
-            <a:spLocks noGrp="1"/>
-          </p:cNvSpPr>
-          <p:nvPr>
-            <p:ph type="title"/>
-          </p:nvPr>
-        </p:nvSpPr>
-        <p:spPr/>
-        <p:txBody>
-          <a:bodyPr/>
-          <a:lstStyle/>
-          <a:p>
-            <a:r>
-              <a:rPr lang="cs-CZ" dirty="0" smtClean="0"/>
               <a:t>Nalezené segmenty</a:t>
             </a:r>
             <a:endParaRPr lang="cs-CZ" dirty="0"/>
@@ -9990,7 +10568,7 @@
           </p:nvPr>
         </p:nvPicPr>
         <p:blipFill rotWithShape="1">
-          <a:blip r:embed="rId2">
+          <a:blip r:embed="rId3">
             <a:extLst>
               <a:ext uri="{28A0092B-C50C-407E-A947-70E740481C1C}">
                 <a14:useLocalDpi xmlns:a14="http://schemas.microsoft.com/office/drawing/2010/main" val="0"/>
@@ -10020,22 +10598,179 @@
   <p:clrMapOvr>
     <a:masterClrMapping/>
   </p:clrMapOvr>
-  <mc:AlternateContent xmlns:mc="http://schemas.openxmlformats.org/markup-compatibility/2006" xmlns:p14="http://schemas.microsoft.com/office/powerpoint/2010/main">
-    <mc:Choice Requires="p14">
-      <p:transition spd="slow" p14:dur="1250">
-        <p:pull/>
-      </p:transition>
+  <mc:AlternateContent xmlns:mc="http://schemas.openxmlformats.org/markup-compatibility/2006">
+    <mc:Choice xmlns:p14="http://schemas.microsoft.com/office/powerpoint/2010/main" Requires="p14">
+      <p:transition p14:dur="0"/>
     </mc:Choice>
-    <mc:Fallback xmlns="">
-      <p:transition spd="slow">
-        <p:pull/>
-      </p:transition>
+    <mc:Fallback>
+      <p:transition/>
     </mc:Fallback>
   </mc:AlternateContent>
+  <p:timing>
+    <p:tnLst>
+      <p:par>
+        <p:cTn id="1" dur="indefinite" restart="never" nodeType="tmRoot"/>
+      </p:par>
+    </p:tnLst>
+  </p:timing>
 </p:sld>
 </file>
 
-<file path=ppt/slides/slide21.xml><?xml version="1.0" encoding="utf-8"?>
+<file path=ppt/slides/slide2.xml><?xml version="1.0" encoding="utf-8"?>
+<p:sld xmlns:a="http://schemas.openxmlformats.org/drawingml/2006/main" xmlns:r="http://schemas.openxmlformats.org/officeDocument/2006/relationships" xmlns:p="http://schemas.openxmlformats.org/presentationml/2006/main">
+  <p:cSld>
+    <p:spTree>
+      <p:nvGrpSpPr>
+        <p:cNvPr id="1" name=""/>
+        <p:cNvGrpSpPr/>
+        <p:nvPr/>
+      </p:nvGrpSpPr>
+      <p:grpSpPr>
+        <a:xfrm>
+          <a:off x="0" y="0"/>
+          <a:ext cx="0" cy="0"/>
+          <a:chOff x="0" y="0"/>
+          <a:chExt cx="0" cy="0"/>
+        </a:xfrm>
+      </p:grpSpPr>
+      <p:sp>
+        <p:nvSpPr>
+          <p:cNvPr id="2" name="Nadpis 1"/>
+          <p:cNvSpPr>
+            <a:spLocks noGrp="1"/>
+          </p:cNvSpPr>
+          <p:nvPr>
+            <p:ph type="title"/>
+          </p:nvPr>
+        </p:nvSpPr>
+        <p:spPr/>
+        <p:txBody>
+          <a:bodyPr/>
+          <a:lstStyle/>
+          <a:p>
+            <a:r>
+              <a:rPr lang="cs-CZ" dirty="0" smtClean="0"/>
+              <a:t>Zadání práce</a:t>
+            </a:r>
+            <a:endParaRPr lang="cs-CZ" dirty="0"/>
+          </a:p>
+        </p:txBody>
+      </p:sp>
+      <p:sp>
+        <p:nvSpPr>
+          <p:cNvPr id="3" name="Zástupný symbol pro obsah 2"/>
+          <p:cNvSpPr>
+            <a:spLocks noGrp="1"/>
+          </p:cNvSpPr>
+          <p:nvPr>
+            <p:ph idx="1"/>
+          </p:nvPr>
+        </p:nvSpPr>
+        <p:spPr/>
+        <p:txBody>
+          <a:bodyPr/>
+          <a:lstStyle/>
+          <a:p>
+            <a:pPr>
+              <a:lnSpc>
+                <a:spcPct val="150000"/>
+              </a:lnSpc>
+            </a:pPr>
+            <a:r>
+              <a:rPr lang="cs-CZ" sz="2400" dirty="0" smtClean="0"/>
+              <a:t>Navrhnout a implementovat webovou aplikaci</a:t>
+            </a:r>
+          </a:p>
+          <a:p>
+            <a:pPr>
+              <a:lnSpc>
+                <a:spcPct val="150000"/>
+              </a:lnSpc>
+            </a:pPr>
+            <a:r>
+              <a:rPr lang="cs-CZ" sz="2400" dirty="0" smtClean="0"/>
+              <a:t>Využít prostředky </a:t>
+            </a:r>
+            <a:r>
+              <a:rPr lang="cs-CZ" sz="2400" dirty="0" smtClean="0"/>
+              <a:t>nad existující databází MS SQL</a:t>
+            </a:r>
+          </a:p>
+          <a:p>
+            <a:pPr>
+              <a:lnSpc>
+                <a:spcPct val="150000"/>
+              </a:lnSpc>
+            </a:pPr>
+            <a:r>
+              <a:rPr lang="cs-CZ" sz="2400" dirty="0" smtClean="0"/>
+              <a:t>Umožnit </a:t>
+            </a:r>
+            <a:r>
+              <a:rPr lang="cs-CZ" sz="2400" dirty="0" smtClean="0"/>
+              <a:t>vzdálené sledování lékařem</a:t>
+            </a:r>
+          </a:p>
+          <a:p>
+            <a:pPr>
+              <a:lnSpc>
+                <a:spcPct val="150000"/>
+              </a:lnSpc>
+            </a:pPr>
+            <a:r>
+              <a:rPr lang="cs-CZ" sz="2400" dirty="0" smtClean="0"/>
+              <a:t>Využití pro klinické studie</a:t>
+            </a:r>
+          </a:p>
+          <a:p>
+            <a:pPr>
+              <a:lnSpc>
+                <a:spcPct val="150000"/>
+              </a:lnSpc>
+            </a:pPr>
+            <a:r>
+              <a:rPr lang="cs-CZ" sz="2400" dirty="0" smtClean="0"/>
+              <a:t>Využít </a:t>
+            </a:r>
+            <a:r>
+              <a:rPr lang="cs-CZ" sz="2400" dirty="0" smtClean="0"/>
+              <a:t>technologie ASP.NET MVC</a:t>
+            </a:r>
+          </a:p>
+          <a:p>
+            <a:endParaRPr lang="cs-CZ" dirty="0"/>
+          </a:p>
+        </p:txBody>
+      </p:sp>
+    </p:spTree>
+    <p:extLst>
+      <p:ext uri="{BB962C8B-B14F-4D97-AF65-F5344CB8AC3E}">
+        <p14:creationId xmlns:p14="http://schemas.microsoft.com/office/powerpoint/2010/main" val="610636057"/>
+      </p:ext>
+    </p:extLst>
+  </p:cSld>
+  <p:clrMapOvr>
+    <a:masterClrMapping/>
+  </p:clrMapOvr>
+  <mc:AlternateContent xmlns:mc="http://schemas.openxmlformats.org/markup-compatibility/2006">
+    <mc:Choice xmlns:p14="http://schemas.microsoft.com/office/powerpoint/2010/main" Requires="p14">
+      <p:transition p14:dur="0"/>
+    </mc:Choice>
+    <mc:Fallback>
+      <p:transition/>
+    </mc:Fallback>
+  </mc:AlternateContent>
+  <p:timing>
+    <p:tnLst>
+      <p:par>
+        <p:cTn id="1" dur="indefinite" restart="never" nodeType="tmRoot"/>
+      </p:par>
+    </p:tnLst>
+  </p:timing>
+</p:sld>
+</file>
+
+<file path=ppt/slides/slide20.xml><?xml version="1.0" encoding="utf-8"?>
 <p:sld xmlns:a="http://schemas.openxmlformats.org/drawingml/2006/main" xmlns:r="http://schemas.openxmlformats.org/officeDocument/2006/relationships" xmlns:p="http://schemas.openxmlformats.org/presentationml/2006/main">
   <p:cSld>
     <p:spTree>
@@ -10174,11 +10909,153 @@
   <p:clrMapOvr>
     <a:masterClrMapping/>
   </p:clrMapOvr>
-  <mc:AlternateContent xmlns:mc="http://schemas.openxmlformats.org/markup-compatibility/2006" xmlns:p14="http://schemas.microsoft.com/office/powerpoint/2010/main">
-    <mc:Choice Requires="p14">
+  <mc:AlternateContent xmlns:mc="http://schemas.openxmlformats.org/markup-compatibility/2006">
+    <mc:Choice xmlns:p14="http://schemas.microsoft.com/office/powerpoint/2010/main" Requires="p14">
       <p:transition p14:dur="0"/>
     </mc:Choice>
-    <mc:Fallback xmlns="">
+    <mc:Fallback>
+      <p:transition/>
+    </mc:Fallback>
+  </mc:AlternateContent>
+  <p:timing>
+    <p:tnLst>
+      <p:par>
+        <p:cTn id="1" dur="indefinite" restart="never" nodeType="tmRoot"/>
+      </p:par>
+    </p:tnLst>
+  </p:timing>
+</p:sld>
+</file>
+
+<file path=ppt/slides/slide21.xml><?xml version="1.0" encoding="utf-8"?>
+<p:sld xmlns:a="http://schemas.openxmlformats.org/drawingml/2006/main" xmlns:r="http://schemas.openxmlformats.org/officeDocument/2006/relationships" xmlns:p="http://schemas.openxmlformats.org/presentationml/2006/main">
+  <p:cSld>
+    <p:spTree>
+      <p:nvGrpSpPr>
+        <p:cNvPr id="1" name=""/>
+        <p:cNvGrpSpPr/>
+        <p:nvPr/>
+      </p:nvGrpSpPr>
+      <p:grpSpPr>
+        <a:xfrm>
+          <a:off x="0" y="0"/>
+          <a:ext cx="0" cy="0"/>
+          <a:chOff x="0" y="0"/>
+          <a:chExt cx="0" cy="0"/>
+        </a:xfrm>
+      </p:grpSpPr>
+      <p:sp>
+        <p:nvSpPr>
+          <p:cNvPr id="2" name="Nadpis 1"/>
+          <p:cNvSpPr>
+            <a:spLocks noGrp="1"/>
+          </p:cNvSpPr>
+          <p:nvPr>
+            <p:ph type="title"/>
+          </p:nvPr>
+        </p:nvSpPr>
+        <p:spPr/>
+        <p:txBody>
+          <a:bodyPr/>
+          <a:lstStyle/>
+          <a:p>
+            <a:r>
+              <a:rPr lang="cs-CZ" dirty="0" smtClean="0"/>
+              <a:t>Závěr</a:t>
+            </a:r>
+            <a:endParaRPr lang="cs-CZ" dirty="0"/>
+          </a:p>
+        </p:txBody>
+      </p:sp>
+      <p:sp>
+        <p:nvSpPr>
+          <p:cNvPr id="3" name="Zástupný symbol pro obsah 2"/>
+          <p:cNvSpPr>
+            <a:spLocks noGrp="1"/>
+          </p:cNvSpPr>
+          <p:nvPr>
+            <p:ph idx="1"/>
+          </p:nvPr>
+        </p:nvSpPr>
+        <p:spPr/>
+        <p:txBody>
+          <a:bodyPr>
+            <a:normAutofit/>
+          </a:bodyPr>
+          <a:lstStyle/>
+          <a:p>
+            <a:pPr>
+              <a:lnSpc>
+                <a:spcPct val="150000"/>
+              </a:lnSpc>
+            </a:pPr>
+            <a:r>
+              <a:rPr lang="cs-CZ" sz="2400" dirty="0" smtClean="0"/>
+              <a:t>Vytvořena aplikace pro intepretaci dat</a:t>
+            </a:r>
+          </a:p>
+          <a:p>
+            <a:pPr>
+              <a:lnSpc>
+                <a:spcPct val="150000"/>
+              </a:lnSpc>
+            </a:pPr>
+            <a:r>
+              <a:rPr lang="cs-CZ" sz="2400" dirty="0" smtClean="0"/>
+              <a:t>Aplikace umožňuje importovat data z různých zařízení</a:t>
+            </a:r>
+          </a:p>
+          <a:p>
+            <a:pPr>
+              <a:lnSpc>
+                <a:spcPct val="150000"/>
+              </a:lnSpc>
+            </a:pPr>
+            <a:r>
+              <a:rPr lang="cs-CZ" sz="2400" dirty="0" smtClean="0"/>
+              <a:t>Moduly pro analýzu</a:t>
+            </a:r>
+          </a:p>
+          <a:p>
+            <a:pPr>
+              <a:lnSpc>
+                <a:spcPct val="150000"/>
+              </a:lnSpc>
+            </a:pPr>
+            <a:r>
+              <a:rPr lang="cs-CZ" sz="2400" dirty="0" smtClean="0"/>
+              <a:t>Funkční návrh hodnocen 8 respondenty</a:t>
+            </a:r>
+          </a:p>
+          <a:p>
+            <a:pPr>
+              <a:lnSpc>
+                <a:spcPct val="150000"/>
+              </a:lnSpc>
+            </a:pPr>
+            <a:r>
+              <a:rPr lang="cs-CZ" sz="2400" dirty="0" smtClean="0"/>
+              <a:t>Aplikace je nasazena v provozu </a:t>
+            </a:r>
+            <a:endParaRPr lang="cs-CZ" sz="2400" dirty="0"/>
+          </a:p>
+        </p:txBody>
+      </p:sp>
+    </p:spTree>
+    <p:extLst>
+      <p:ext uri="{BB962C8B-B14F-4D97-AF65-F5344CB8AC3E}">
+        <p14:creationId xmlns:p14="http://schemas.microsoft.com/office/powerpoint/2010/main" val="1947264434"/>
+      </p:ext>
+    </p:extLst>
+  </p:cSld>
+  <p:clrMapOvr>
+    <a:masterClrMapping/>
+  </p:clrMapOvr>
+  <mc:AlternateContent xmlns:mc="http://schemas.openxmlformats.org/markup-compatibility/2006">
+    <mc:Choice xmlns:p14="http://schemas.microsoft.com/office/powerpoint/2010/main" Requires="p14">
+      <p:transition p14:dur="0"/>
+    </mc:Choice>
+    <mc:Fallback>
       <p:transition/>
     </mc:Fallback>
   </mc:AlternateContent>
@@ -10226,7 +11103,7 @@
           <a:p>
             <a:r>
               <a:rPr lang="cs-CZ" dirty="0" smtClean="0"/>
-              <a:t>Závěr</a:t>
+              <a:t>Publikace</a:t>
             </a:r>
             <a:endParaRPr lang="cs-CZ" dirty="0"/>
           </a:p>
@@ -10242,85 +11119,155 @@
             <p:ph idx="1"/>
           </p:nvPr>
         </p:nvSpPr>
-        <p:spPr/>
+        <p:spPr>
+          <a:xfrm>
+            <a:off x="646112" y="1246910"/>
+            <a:ext cx="11241088" cy="5001490"/>
+          </a:xfrm>
+        </p:spPr>
         <p:txBody>
           <a:bodyPr>
-            <a:normAutofit/>
+            <a:noAutofit/>
           </a:bodyPr>
           <a:lstStyle/>
           <a:p>
-            <a:pPr>
-              <a:lnSpc>
-                <a:spcPct val="150000"/>
-              </a:lnSpc>
+            <a:r>
+              <a:rPr lang="cs-CZ" dirty="0"/>
+              <a:t>POLÁČEK, Milan, Anna HOLUBOVÁ, Jan MUŽÍK, Karel HÁNA, Pavel SMRČKA, Milan KVAPIL a Jan BROŽ. Aplikace pro automatické vyhledávání situací zvýšené fyzické aktivity v datech získaných z krokoměru a jejich komparace s hodnotami glykémie ze CGM u pacientů s diabetes mellitus.</a:t>
+            </a:r>
+            <a:r>
+              <a:rPr lang="cs-CZ" i="1" dirty="0"/>
+              <a:t> Diabetologie - Metabolismus - Endokrinologie - Výživa: </a:t>
+            </a:r>
+            <a:r>
+              <a:rPr lang="cs-CZ" i="1" dirty="0" err="1"/>
+              <a:t>magazine</a:t>
+            </a:r>
+            <a:r>
+              <a:rPr lang="cs-CZ" i="1" dirty="0"/>
+              <a:t> </a:t>
+            </a:r>
+            <a:r>
+              <a:rPr lang="cs-CZ" i="1" dirty="0" err="1"/>
+              <a:t>for</a:t>
+            </a:r>
+            <a:r>
+              <a:rPr lang="cs-CZ" i="1" dirty="0"/>
+              <a:t> </a:t>
+            </a:r>
+            <a:r>
+              <a:rPr lang="cs-CZ" i="1" dirty="0" err="1"/>
+              <a:t>postgradual</a:t>
+            </a:r>
+            <a:r>
+              <a:rPr lang="cs-CZ" i="1" dirty="0"/>
+              <a:t> </a:t>
+            </a:r>
+            <a:r>
+              <a:rPr lang="cs-CZ" i="1" dirty="0" err="1"/>
+              <a:t>education</a:t>
+            </a:r>
+            <a:r>
+              <a:rPr lang="cs-CZ" dirty="0"/>
+              <a:t>. Praha: Tigris, spol., 2017, </a:t>
+            </a:r>
+            <a:r>
+              <a:rPr lang="cs-CZ" b="1" dirty="0"/>
+              <a:t>20</a:t>
+            </a:r>
+            <a:r>
+              <a:rPr lang="cs-CZ" dirty="0"/>
+              <a:t>(S1), 52. ISSN 1211-9326</a:t>
+            </a:r>
+            <a:r>
+              <a:rPr lang="cs-CZ" dirty="0" smtClean="0"/>
+              <a:t>.</a:t>
+            </a:r>
+          </a:p>
+          <a:p>
+            <a:r>
+              <a:rPr lang="cs-CZ" dirty="0"/>
+              <a:t>POLÁČEK, Milan, Jan MUŽÍK, Marek DOKSANSKÝ, Anna HOLUBOVÁ, Jan BROŽ, Dominik FIALA, Miroslav MUŽNÝ, Karel HÁNA, Jan KAŠPAR, et al. Webový portál pro ukládání, správu, zobrazování a vyhodnocování dat pacientů s diabetes mellitus 1. typu.</a:t>
+            </a:r>
+            <a:r>
+              <a:rPr lang="cs-CZ" i="1" dirty="0"/>
+              <a:t> Diabetologie - Metabolismus - Endokrinologie - Výživa: </a:t>
+            </a:r>
+            <a:r>
+              <a:rPr lang="cs-CZ" i="1" dirty="0" err="1"/>
+              <a:t>magazine</a:t>
+            </a:r>
+            <a:r>
+              <a:rPr lang="cs-CZ" i="1" dirty="0"/>
+              <a:t> </a:t>
+            </a:r>
+            <a:r>
+              <a:rPr lang="cs-CZ" i="1" dirty="0" err="1"/>
+              <a:t>for</a:t>
+            </a:r>
+            <a:r>
+              <a:rPr lang="cs-CZ" i="1" dirty="0"/>
+              <a:t> </a:t>
+            </a:r>
+            <a:r>
+              <a:rPr lang="cs-CZ" i="1" dirty="0" err="1"/>
+              <a:t>postgradual</a:t>
+            </a:r>
+            <a:r>
+              <a:rPr lang="cs-CZ" i="1" dirty="0"/>
+              <a:t> </a:t>
+            </a:r>
+            <a:r>
+              <a:rPr lang="cs-CZ" i="1" dirty="0" err="1"/>
+              <a:t>education</a:t>
+            </a:r>
+            <a:r>
+              <a:rPr lang="cs-CZ" dirty="0"/>
+              <a:t>. Praha: Tigris, spol., 2016, </a:t>
+            </a:r>
+            <a:r>
+              <a:rPr lang="cs-CZ" b="1" dirty="0"/>
+              <a:t>19</a:t>
+            </a:r>
+            <a:r>
+              <a:rPr lang="cs-CZ" dirty="0"/>
+              <a:t>(1), 59. ISSN 1221-9326</a:t>
+            </a:r>
+            <a:r>
+              <a:rPr lang="cs-CZ" dirty="0" smtClean="0"/>
+              <a:t>.</a:t>
+            </a:r>
+          </a:p>
+          <a:p>
+            <a:r>
+              <a:rPr lang="cs-CZ" dirty="0" smtClean="0"/>
+              <a:t>V další 14 publikacích jsem spoluautorem</a:t>
+            </a:r>
+            <a:endParaRPr lang="cs-CZ" dirty="0"/>
+          </a:p>
+          <a:p>
+            <a:pPr marL="0" indent="0">
+              <a:buNone/>
             </a:pPr>
-            <a:r>
-              <a:rPr lang="cs-CZ" sz="2400" dirty="0" smtClean="0"/>
-              <a:t>Vytvořena aplikace pro intepretaci dat</a:t>
-            </a:r>
-          </a:p>
-          <a:p>
-            <a:pPr>
-              <a:lnSpc>
-                <a:spcPct val="150000"/>
-              </a:lnSpc>
-            </a:pPr>
-            <a:r>
-              <a:rPr lang="cs-CZ" sz="2400" dirty="0" smtClean="0"/>
-              <a:t>Aplikace umožňuje importovat data z různých zařízení</a:t>
-            </a:r>
-          </a:p>
-          <a:p>
-            <a:pPr>
-              <a:lnSpc>
-                <a:spcPct val="150000"/>
-              </a:lnSpc>
-            </a:pPr>
-            <a:r>
-              <a:rPr lang="cs-CZ" sz="2400" dirty="0" smtClean="0"/>
-              <a:t>Moduly pro analýzu</a:t>
-            </a:r>
-          </a:p>
-          <a:p>
-            <a:pPr>
-              <a:lnSpc>
-                <a:spcPct val="150000"/>
-              </a:lnSpc>
-            </a:pPr>
-            <a:r>
-              <a:rPr lang="cs-CZ" sz="2400" dirty="0" smtClean="0"/>
-              <a:t>Funkční návrh hodnocen 8 respondenty</a:t>
-            </a:r>
-          </a:p>
-          <a:p>
-            <a:pPr>
-              <a:lnSpc>
-                <a:spcPct val="150000"/>
-              </a:lnSpc>
-            </a:pPr>
-            <a:r>
-              <a:rPr lang="cs-CZ" sz="2400" dirty="0" smtClean="0"/>
-              <a:t>Aplikace je nasazena v provozu </a:t>
-            </a:r>
-            <a:endParaRPr lang="cs-CZ" sz="2400" dirty="0"/>
+            <a:endParaRPr lang="cs-CZ" sz="1100" dirty="0"/>
           </a:p>
         </p:txBody>
       </p:sp>
     </p:spTree>
     <p:extLst>
       <p:ext uri="{BB962C8B-B14F-4D97-AF65-F5344CB8AC3E}">
-        <p14:creationId xmlns:p14="http://schemas.microsoft.com/office/powerpoint/2010/main" val="1947264434"/>
+        <p14:creationId xmlns:p14="http://schemas.microsoft.com/office/powerpoint/2010/main" val="2768531885"/>
       </p:ext>
     </p:extLst>
   </p:cSld>
   <p:clrMapOvr>
     <a:masterClrMapping/>
   </p:clrMapOvr>
-  <mc:AlternateContent xmlns:mc="http://schemas.openxmlformats.org/markup-compatibility/2006" xmlns:p14="http://schemas.microsoft.com/office/powerpoint/2010/main">
-    <mc:Choice Requires="p14">
+  <mc:AlternateContent xmlns:mc="http://schemas.openxmlformats.org/markup-compatibility/2006">
+    <mc:Choice xmlns:p14="http://schemas.microsoft.com/office/powerpoint/2010/main" Requires="p14">
       <p:transition p14:dur="0"/>
     </mc:Choice>
-    <mc:Fallback xmlns="">
+    <mc:Fallback>
       <p:transition/>
     </mc:Fallback>
   </mc:AlternateContent>
@@ -10353,215 +11300,6 @@
       </p:grpSpPr>
       <p:sp>
         <p:nvSpPr>
-          <p:cNvPr id="2" name="Nadpis 1"/>
-          <p:cNvSpPr>
-            <a:spLocks noGrp="1"/>
-          </p:cNvSpPr>
-          <p:nvPr>
-            <p:ph type="title"/>
-          </p:nvPr>
-        </p:nvSpPr>
-        <p:spPr/>
-        <p:txBody>
-          <a:bodyPr/>
-          <a:lstStyle/>
-          <a:p>
-            <a:r>
-              <a:rPr lang="cs-CZ" dirty="0" smtClean="0"/>
-              <a:t>Publikace</a:t>
-            </a:r>
-            <a:endParaRPr lang="cs-CZ" dirty="0"/>
-          </a:p>
-        </p:txBody>
-      </p:sp>
-      <p:sp>
-        <p:nvSpPr>
-          <p:cNvPr id="3" name="Zástupný symbol pro obsah 2"/>
-          <p:cNvSpPr>
-            <a:spLocks noGrp="1"/>
-          </p:cNvSpPr>
-          <p:nvPr>
-            <p:ph idx="1"/>
-          </p:nvPr>
-        </p:nvSpPr>
-        <p:spPr>
-          <a:xfrm>
-            <a:off x="646112" y="1246910"/>
-            <a:ext cx="11241088" cy="5001490"/>
-          </a:xfrm>
-        </p:spPr>
-        <p:txBody>
-          <a:bodyPr>
-            <a:noAutofit/>
-          </a:bodyPr>
-          <a:lstStyle/>
-          <a:p>
-            <a:r>
-              <a:rPr lang="cs-CZ" dirty="0"/>
-              <a:t>POLÁČEK, Milan, Anna HOLUBOVÁ, Jan MUŽÍK, Karel HÁNA, Pavel SMRČKA, Milan KVAPIL a Jan BROŽ. Aplikace pro automatické vyhledávání situací zvýšené fyzické aktivity v datech získaných z krokoměru a jejich komparace s hodnotami glykémie ze CGM u pacientů s diabetes mellitus.</a:t>
-            </a:r>
-            <a:r>
-              <a:rPr lang="cs-CZ" i="1" dirty="0"/>
-              <a:t> Diabetologie - Metabolismus - Endokrinologie - Výživa: </a:t>
-            </a:r>
-            <a:r>
-              <a:rPr lang="cs-CZ" i="1" dirty="0" err="1"/>
-              <a:t>magazine</a:t>
-            </a:r>
-            <a:r>
-              <a:rPr lang="cs-CZ" i="1" dirty="0"/>
-              <a:t> </a:t>
-            </a:r>
-            <a:r>
-              <a:rPr lang="cs-CZ" i="1" dirty="0" err="1"/>
-              <a:t>for</a:t>
-            </a:r>
-            <a:r>
-              <a:rPr lang="cs-CZ" i="1" dirty="0"/>
-              <a:t> </a:t>
-            </a:r>
-            <a:r>
-              <a:rPr lang="cs-CZ" i="1" dirty="0" err="1"/>
-              <a:t>postgradual</a:t>
-            </a:r>
-            <a:r>
-              <a:rPr lang="cs-CZ" i="1" dirty="0"/>
-              <a:t> </a:t>
-            </a:r>
-            <a:r>
-              <a:rPr lang="cs-CZ" i="1" dirty="0" err="1"/>
-              <a:t>education</a:t>
-            </a:r>
-            <a:r>
-              <a:rPr lang="cs-CZ" dirty="0"/>
-              <a:t>. Praha: Tigris, spol., 2017, </a:t>
-            </a:r>
-            <a:r>
-              <a:rPr lang="cs-CZ" b="1" dirty="0"/>
-              <a:t>20</a:t>
-            </a:r>
-            <a:r>
-              <a:rPr lang="cs-CZ" dirty="0"/>
-              <a:t>(S1), 52. ISSN 1211-9326</a:t>
-            </a:r>
-            <a:r>
-              <a:rPr lang="cs-CZ" dirty="0" smtClean="0"/>
-              <a:t>.</a:t>
-            </a:r>
-          </a:p>
-          <a:p>
-            <a:r>
-              <a:rPr lang="cs-CZ" dirty="0"/>
-              <a:t>POLÁČEK, Milan, Jan MUŽÍK, Marek DOKSANSKÝ, Anna HOLUBOVÁ, Jan BROŽ, Dominik FIALA, Miroslav MUŽNÝ, Karel HÁNA, Jan KAŠPAR, et al. Webový portál pro ukládání, správu, zobrazování a vyhodnocování dat pacientů s diabetes mellitus 1. typu.</a:t>
-            </a:r>
-            <a:r>
-              <a:rPr lang="cs-CZ" i="1" dirty="0"/>
-              <a:t> Diabetologie - Metabolismus - Endokrinologie - Výživa: </a:t>
-            </a:r>
-            <a:r>
-              <a:rPr lang="cs-CZ" i="1" dirty="0" err="1"/>
-              <a:t>magazine</a:t>
-            </a:r>
-            <a:r>
-              <a:rPr lang="cs-CZ" i="1" dirty="0"/>
-              <a:t> </a:t>
-            </a:r>
-            <a:r>
-              <a:rPr lang="cs-CZ" i="1" dirty="0" err="1"/>
-              <a:t>for</a:t>
-            </a:r>
-            <a:r>
-              <a:rPr lang="cs-CZ" i="1" dirty="0"/>
-              <a:t> </a:t>
-            </a:r>
-            <a:r>
-              <a:rPr lang="cs-CZ" i="1" dirty="0" err="1"/>
-              <a:t>postgradual</a:t>
-            </a:r>
-            <a:r>
-              <a:rPr lang="cs-CZ" i="1" dirty="0"/>
-              <a:t> </a:t>
-            </a:r>
-            <a:r>
-              <a:rPr lang="cs-CZ" i="1" dirty="0" err="1"/>
-              <a:t>education</a:t>
-            </a:r>
-            <a:r>
-              <a:rPr lang="cs-CZ" dirty="0"/>
-              <a:t>. Praha: Tigris, spol., 2016, </a:t>
-            </a:r>
-            <a:r>
-              <a:rPr lang="cs-CZ" b="1" dirty="0"/>
-              <a:t>19</a:t>
-            </a:r>
-            <a:r>
-              <a:rPr lang="cs-CZ" dirty="0"/>
-              <a:t>(1), 59. ISSN 1221-9326</a:t>
-            </a:r>
-            <a:r>
-              <a:rPr lang="cs-CZ" dirty="0" smtClean="0"/>
-              <a:t>.</a:t>
-            </a:r>
-          </a:p>
-          <a:p>
-            <a:r>
-              <a:rPr lang="cs-CZ" dirty="0" smtClean="0"/>
-              <a:t>V další 14 publikacích jsem spoluautorem</a:t>
-            </a:r>
-            <a:endParaRPr lang="cs-CZ" dirty="0"/>
-          </a:p>
-          <a:p>
-            <a:pPr marL="0" indent="0">
-              <a:buNone/>
-            </a:pPr>
-            <a:endParaRPr lang="cs-CZ" sz="1100" dirty="0"/>
-          </a:p>
-        </p:txBody>
-      </p:sp>
-    </p:spTree>
-    <p:extLst>
-      <p:ext uri="{BB962C8B-B14F-4D97-AF65-F5344CB8AC3E}">
-        <p14:creationId xmlns:p14="http://schemas.microsoft.com/office/powerpoint/2010/main" val="2768531885"/>
-      </p:ext>
-    </p:extLst>
-  </p:cSld>
-  <p:clrMapOvr>
-    <a:masterClrMapping/>
-  </p:clrMapOvr>
-  <mc:AlternateContent xmlns:mc="http://schemas.openxmlformats.org/markup-compatibility/2006" xmlns:p14="http://schemas.microsoft.com/office/powerpoint/2010/main">
-    <mc:Choice Requires="p14">
-      <p:transition spd="slow" p14:dur="1250">
-        <p:pull/>
-      </p:transition>
-    </mc:Choice>
-    <mc:Fallback xmlns="">
-      <p:transition spd="slow">
-        <p:pull/>
-      </p:transition>
-    </mc:Fallback>
-  </mc:AlternateContent>
-</p:sld>
-</file>
-
-<file path=ppt/slides/slide24.xml><?xml version="1.0" encoding="utf-8"?>
-<p:sld xmlns:a="http://schemas.openxmlformats.org/drawingml/2006/main" xmlns:r="http://schemas.openxmlformats.org/officeDocument/2006/relationships" xmlns:p="http://schemas.openxmlformats.org/presentationml/2006/main">
-  <p:cSld>
-    <p:spTree>
-      <p:nvGrpSpPr>
-        <p:cNvPr id="1" name=""/>
-        <p:cNvGrpSpPr/>
-        <p:nvPr/>
-      </p:nvGrpSpPr>
-      <p:grpSpPr>
-        <a:xfrm>
-          <a:off x="0" y="0"/>
-          <a:ext cx="0" cy="0"/>
-          <a:chOff x="0" y="0"/>
-          <a:chExt cx="0" cy="0"/>
-        </a:xfrm>
-      </p:grpSpPr>
-      <p:sp>
-        <p:nvSpPr>
           <p:cNvPr id="4" name="Nadpis 3"/>
           <p:cNvSpPr>
             <a:spLocks noGrp="1"/>
@@ -10671,11 +11409,11 @@
   <p:clrMapOvr>
     <a:masterClrMapping/>
   </p:clrMapOvr>
-  <mc:AlternateContent xmlns:mc="http://schemas.openxmlformats.org/markup-compatibility/2006" xmlns:p14="http://schemas.microsoft.com/office/powerpoint/2010/main">
-    <mc:Choice Requires="p14">
+  <mc:AlternateContent xmlns:mc="http://schemas.openxmlformats.org/markup-compatibility/2006">
+    <mc:Choice xmlns:p14="http://schemas.microsoft.com/office/powerpoint/2010/main" Requires="p14">
       <p:transition p14:dur="0"/>
     </mc:Choice>
-    <mc:Fallback xmlns="">
+    <mc:Fallback>
       <p:transition/>
     </mc:Fallback>
   </mc:AlternateContent>
@@ -10753,7 +11491,7 @@
             </a:pPr>
             <a:r>
               <a:rPr lang="cs-CZ" sz="2400" dirty="0" smtClean="0"/>
-              <a:t>Nekompatibilita přístrojů</a:t>
+              <a:t>Diabetes</a:t>
             </a:r>
           </a:p>
           <a:p>
@@ -10764,7 +11502,11 @@
             </a:pPr>
             <a:r>
               <a:rPr lang="cs-CZ" sz="2400" dirty="0" smtClean="0"/>
-              <a:t>Nedostatek standardů pro intepretaci dat</a:t>
+              <a:t>Nekompatibilita </a:t>
+            </a:r>
+            <a:r>
+              <a:rPr lang="cs-CZ" sz="2400" dirty="0" smtClean="0"/>
+              <a:t>přístrojů</a:t>
             </a:r>
           </a:p>
           <a:p>
@@ -10775,8 +11517,24 @@
             </a:pPr>
             <a:r>
               <a:rPr lang="cs-CZ" sz="2400" dirty="0" smtClean="0"/>
-              <a:t>Špatná edukace pacienta</a:t>
-            </a:r>
+              <a:t>Nedostatek standardů pro intepretaci dat</a:t>
+            </a:r>
+          </a:p>
+          <a:p>
+            <a:pPr>
+              <a:lnSpc>
+                <a:spcPct val="150000"/>
+              </a:lnSpc>
+            </a:pPr>
+            <a:r>
+              <a:rPr lang="cs-CZ" sz="2400" dirty="0" smtClean="0"/>
+              <a:t>Špatná edukace </a:t>
+            </a:r>
+            <a:r>
+              <a:rPr lang="cs-CZ" sz="2400" dirty="0" smtClean="0"/>
+              <a:t>pacienta </a:t>
+            </a:r>
+            <a:endParaRPr lang="cs-CZ" sz="2400" dirty="0" smtClean="0"/>
           </a:p>
           <a:p>
             <a:pPr>
@@ -10817,11 +11575,11 @@
   <p:clrMapOvr>
     <a:masterClrMapping/>
   </p:clrMapOvr>
-  <mc:AlternateContent xmlns:mc="http://schemas.openxmlformats.org/markup-compatibility/2006" xmlns:p14="http://schemas.microsoft.com/office/powerpoint/2010/main">
-    <mc:Choice Requires="p14">
+  <mc:AlternateContent xmlns:mc="http://schemas.openxmlformats.org/markup-compatibility/2006">
+    <mc:Choice xmlns:p14="http://schemas.microsoft.com/office/powerpoint/2010/main" Requires="p14">
       <p:transition p14:dur="0"/>
     </mc:Choice>
-    <mc:Fallback xmlns="">
+    <mc:Fallback>
       <p:transition/>
     </mc:Fallback>
   </mc:AlternateContent>
@@ -14436,18 +15194,21 @@
   <p:clrMapOvr>
     <a:masterClrMapping/>
   </p:clrMapOvr>
-  <mc:AlternateContent xmlns:mc="http://schemas.openxmlformats.org/markup-compatibility/2006" xmlns:p14="http://schemas.microsoft.com/office/powerpoint/2010/main">
-    <mc:Choice Requires="p14">
-      <p:transition spd="slow" p14:dur="1250">
-        <p:pull/>
-      </p:transition>
+  <mc:AlternateContent xmlns:mc="http://schemas.openxmlformats.org/markup-compatibility/2006">
+    <mc:Choice xmlns:p14="http://schemas.microsoft.com/office/powerpoint/2010/main" Requires="p14">
+      <p:transition p14:dur="0"/>
     </mc:Choice>
-    <mc:Fallback xmlns="">
-      <p:transition spd="slow">
-        <p:pull/>
-      </p:transition>
+    <mc:Fallback>
+      <p:transition/>
     </mc:Fallback>
   </mc:AlternateContent>
+  <p:timing>
+    <p:tnLst>
+      <p:par>
+        <p:cTn id="1" dur="indefinite" restart="never" nodeType="tmRoot"/>
+      </p:par>
+    </p:tnLst>
+  </p:timing>
 </p:sld>
 </file>
 
@@ -18124,18 +18885,21 @@
   <p:clrMapOvr>
     <a:masterClrMapping/>
   </p:clrMapOvr>
-  <mc:AlternateContent xmlns:mc="http://schemas.openxmlformats.org/markup-compatibility/2006" xmlns:p14="http://schemas.microsoft.com/office/powerpoint/2010/main">
-    <mc:Choice Requires="p14">
-      <p:transition spd="slow" p14:dur="1250">
-        <p:pull/>
-      </p:transition>
+  <mc:AlternateContent xmlns:mc="http://schemas.openxmlformats.org/markup-compatibility/2006">
+    <mc:Choice xmlns:p14="http://schemas.microsoft.com/office/powerpoint/2010/main" Requires="p14">
+      <p:transition p14:dur="0"/>
     </mc:Choice>
-    <mc:Fallback xmlns="">
-      <p:transition spd="slow">
-        <p:pull/>
-      </p:transition>
+    <mc:Fallback>
+      <p:transition/>
     </mc:Fallback>
   </mc:AlternateContent>
+  <p:timing>
+    <p:tnLst>
+      <p:par>
+        <p:cTn id="1" dur="indefinite" restart="never" nodeType="tmRoot"/>
+      </p:par>
+    </p:tnLst>
+  </p:timing>
 </p:sld>
 </file>
 
@@ -18190,15 +18954,15 @@
           </p:nvPr>
         </p:nvPicPr>
         <p:blipFill>
-          <a:blip r:embed="rId2"/>
+          <a:blip r:embed="rId3"/>
           <a:stretch>
             <a:fillRect/>
           </a:stretch>
         </p:blipFill>
         <p:spPr>
           <a:xfrm>
-            <a:off x="729872" y="1392597"/>
-            <a:ext cx="10444807" cy="4998308"/>
+            <a:off x="729872" y="1318719"/>
+            <a:ext cx="10599188" cy="5072186"/>
           </a:xfrm>
           <a:prstGeom prst="rect">
             <a:avLst/>
@@ -18218,18 +18982,21 @@
   <p:clrMapOvr>
     <a:masterClrMapping/>
   </p:clrMapOvr>
-  <mc:AlternateContent xmlns:mc="http://schemas.openxmlformats.org/markup-compatibility/2006" xmlns:p14="http://schemas.microsoft.com/office/powerpoint/2010/main">
-    <mc:Choice Requires="p14">
-      <p:transition spd="slow" p14:dur="1250">
-        <p:pull/>
-      </p:transition>
+  <mc:AlternateContent xmlns:mc="http://schemas.openxmlformats.org/markup-compatibility/2006">
+    <mc:Choice xmlns:p14="http://schemas.microsoft.com/office/powerpoint/2010/main" Requires="p14">
+      <p:transition p14:dur="0"/>
     </mc:Choice>
-    <mc:Fallback xmlns="">
-      <p:transition spd="slow">
-        <p:pull/>
-      </p:transition>
+    <mc:Fallback>
+      <p:transition/>
     </mc:Fallback>
   </mc:AlternateContent>
+  <p:timing>
+    <p:tnLst>
+      <p:par>
+        <p:cTn id="1" dur="indefinite" restart="never" nodeType="tmRoot"/>
+      </p:par>
+    </p:tnLst>
+  </p:timing>
 </p:sld>
 </file>
 
@@ -18312,18 +19079,21 @@
   <p:clrMapOvr>
     <a:masterClrMapping/>
   </p:clrMapOvr>
-  <mc:AlternateContent xmlns:mc="http://schemas.openxmlformats.org/markup-compatibility/2006" xmlns:p14="http://schemas.microsoft.com/office/powerpoint/2010/main">
-    <mc:Choice Requires="p14">
-      <p:transition spd="slow" p14:dur="1250">
-        <p:pull/>
-      </p:transition>
+  <mc:AlternateContent xmlns:mc="http://schemas.openxmlformats.org/markup-compatibility/2006">
+    <mc:Choice xmlns:p14="http://schemas.microsoft.com/office/powerpoint/2010/main" Requires="p14">
+      <p:transition p14:dur="0"/>
     </mc:Choice>
-    <mc:Fallback xmlns="">
-      <p:transition spd="slow">
-        <p:pull/>
-      </p:transition>
+    <mc:Fallback>
+      <p:transition/>
     </mc:Fallback>
   </mc:AlternateContent>
+  <p:timing>
+    <p:tnLst>
+      <p:par>
+        <p:cTn id="1" dur="indefinite" restart="never" nodeType="tmRoot"/>
+      </p:par>
+    </p:tnLst>
+  </p:timing>
 </p:sld>
 </file>
 
@@ -18391,15 +19161,7 @@
             </a:pPr>
             <a:r>
               <a:rPr lang="cs-CZ" sz="2400" dirty="0" smtClean="0"/>
-              <a:t>Dlouhodobá </a:t>
-            </a:r>
-            <a:r>
-              <a:rPr lang="cs-CZ" sz="2400" dirty="0" smtClean="0"/>
-              <a:t>monitoraci </a:t>
-            </a:r>
-            <a:r>
-              <a:rPr lang="cs-CZ" sz="2400" dirty="0" smtClean="0"/>
-              <a:t>pacientů</a:t>
+              <a:t>Dlouhodobá monitoraci pacientů</a:t>
             </a:r>
           </a:p>
           <a:p>
@@ -18412,7 +19174,6 @@
               <a:rPr lang="cs-CZ" sz="2400" dirty="0" smtClean="0"/>
               <a:t>Nezávislost na platformě a zařízení (PC)</a:t>
             </a:r>
-            <a:endParaRPr lang="cs-CZ" sz="2400" dirty="0" smtClean="0"/>
           </a:p>
           <a:p>
             <a:pPr>
@@ -18452,18 +19213,11 @@
             </a:pPr>
             <a:r>
               <a:rPr lang="cs-CZ" sz="2400" dirty="0" smtClean="0"/>
-              <a:t>Datová analýza</a:t>
-            </a:r>
-          </a:p>
-          <a:p>
-            <a:pPr>
-              <a:lnSpc>
-                <a:spcPct val="150000"/>
-              </a:lnSpc>
-            </a:pPr>
+              <a:t>Edukace </a:t>
+            </a:r>
             <a:r>
               <a:rPr lang="cs-CZ" sz="2400" dirty="0" smtClean="0"/>
-              <a:t>Edukace pacientů</a:t>
+              <a:t>pacientů</a:t>
             </a:r>
           </a:p>
           <a:p>
@@ -18486,11 +19240,11 @@
   <p:clrMapOvr>
     <a:masterClrMapping/>
   </p:clrMapOvr>
-  <mc:AlternateContent xmlns:mc="http://schemas.openxmlformats.org/markup-compatibility/2006" xmlns:p14="http://schemas.microsoft.com/office/powerpoint/2010/main">
-    <mc:Choice Requires="p14">
+  <mc:AlternateContent xmlns:mc="http://schemas.openxmlformats.org/markup-compatibility/2006">
+    <mc:Choice xmlns:p14="http://schemas.microsoft.com/office/powerpoint/2010/main" Requires="p14">
       <p:transition p14:dur="0"/>
     </mc:Choice>
-    <mc:Fallback xmlns="">
+    <mc:Fallback>
       <p:transition/>
     </mc:Fallback>
   </mc:AlternateContent>
@@ -18570,7 +19324,7 @@
             </a:pPr>
             <a:r>
               <a:rPr lang="cs-CZ" sz="2400" dirty="0" smtClean="0"/>
-              <a:t>Určení metod, které lze využít pro tvorbu algoritmů</a:t>
+              <a:t>Vytvoření webové aplikace</a:t>
             </a:r>
           </a:p>
           <a:p>
@@ -18583,7 +19337,7 @@
             </a:pPr>
             <a:r>
               <a:rPr lang="cs-CZ" sz="2400" dirty="0" smtClean="0"/>
-              <a:t>Návrh algoritmů pro automatickou detekci problematických situací</a:t>
+              <a:t>Návrh a implementace pro vizualizaci sbíraných dat</a:t>
             </a:r>
           </a:p>
           <a:p>
@@ -18596,10 +19350,29 @@
             </a:pPr>
             <a:r>
               <a:rPr lang="cs-CZ" sz="2400" dirty="0" smtClean="0"/>
-              <a:t>Testování algoritmů a porovnání výsledků s manuálním hodnocením experta</a:t>
-            </a:r>
-          </a:p>
-          <a:p>
+              <a:t>Návrh </a:t>
+            </a:r>
+            <a:r>
+              <a:rPr lang="cs-CZ" sz="2400" dirty="0" smtClean="0"/>
+              <a:t>algoritmů pro automatickou detekci problematických </a:t>
+            </a:r>
+            <a:r>
+              <a:rPr lang="cs-CZ" sz="2400" dirty="0" smtClean="0"/>
+              <a:t>situací</a:t>
+            </a:r>
+          </a:p>
+          <a:p>
+            <a:pPr marL="491490" indent="-457200">
+              <a:lnSpc>
+                <a:spcPct val="150000"/>
+              </a:lnSpc>
+              <a:buFont typeface="+mj-lt"/>
+              <a:buAutoNum type="arabicPeriod"/>
+            </a:pPr>
+            <a:r>
+              <a:rPr lang="cs-CZ" sz="2400" dirty="0" smtClean="0"/>
+              <a:t>Testování aplikace a modulů pro analýzu dat</a:t>
+            </a:r>
             <a:endParaRPr lang="cs-CZ" dirty="0"/>
           </a:p>
         </p:txBody>
@@ -18614,11 +19387,11 @@
   <p:clrMapOvr>
     <a:masterClrMapping/>
   </p:clrMapOvr>
-  <mc:AlternateContent xmlns:mc="http://schemas.openxmlformats.org/markup-compatibility/2006" xmlns:p14="http://schemas.microsoft.com/office/powerpoint/2010/main">
-    <mc:Choice Requires="p14">
+  <mc:AlternateContent xmlns:mc="http://schemas.openxmlformats.org/markup-compatibility/2006">
+    <mc:Choice xmlns:p14="http://schemas.microsoft.com/office/powerpoint/2010/main" Requires="p14">
       <p:transition p14:dur="0"/>
     </mc:Choice>
-    <mc:Fallback xmlns="">
+    <mc:Fallback>
       <p:transition/>
     </mc:Fallback>
   </mc:AlternateContent>

--- a/prezentace diplomka/DP_Diani.pptx
+++ b/prezentace diplomka/DP_Diani.pptx
@@ -5,7 +5,7 @@
     <p:sldMasterId id="2147483648" r:id="rId1"/>
   </p:sldMasterIdLst>
   <p:notesMasterIdLst>
-    <p:notesMasterId r:id="rId25"/>
+    <p:notesMasterId r:id="rId29"/>
   </p:notesMasterIdLst>
   <p:sldIdLst>
     <p:sldId id="256" r:id="rId2"/>
@@ -18,19 +18,23 @@
     <p:sldId id="258" r:id="rId9"/>
     <p:sldId id="268" r:id="rId10"/>
     <p:sldId id="281" r:id="rId11"/>
-    <p:sldId id="259" r:id="rId12"/>
-    <p:sldId id="282" r:id="rId13"/>
-    <p:sldId id="269" r:id="rId14"/>
-    <p:sldId id="279" r:id="rId15"/>
-    <p:sldId id="286" r:id="rId16"/>
-    <p:sldId id="280" r:id="rId17"/>
-    <p:sldId id="283" r:id="rId18"/>
-    <p:sldId id="285" r:id="rId19"/>
-    <p:sldId id="284" r:id="rId20"/>
-    <p:sldId id="264" r:id="rId21"/>
-    <p:sldId id="262" r:id="rId22"/>
-    <p:sldId id="270" r:id="rId23"/>
-    <p:sldId id="265" r:id="rId24"/>
+    <p:sldId id="287" r:id="rId12"/>
+    <p:sldId id="288" r:id="rId13"/>
+    <p:sldId id="259" r:id="rId14"/>
+    <p:sldId id="289" r:id="rId15"/>
+    <p:sldId id="282" r:id="rId16"/>
+    <p:sldId id="269" r:id="rId17"/>
+    <p:sldId id="279" r:id="rId18"/>
+    <p:sldId id="286" r:id="rId19"/>
+    <p:sldId id="280" r:id="rId20"/>
+    <p:sldId id="283" r:id="rId21"/>
+    <p:sldId id="285" r:id="rId22"/>
+    <p:sldId id="284" r:id="rId23"/>
+    <p:sldId id="264" r:id="rId24"/>
+    <p:sldId id="290" r:id="rId25"/>
+    <p:sldId id="262" r:id="rId26"/>
+    <p:sldId id="270" r:id="rId27"/>
+    <p:sldId id="265" r:id="rId28"/>
   </p:sldIdLst>
   <p:sldSz cx="12192000" cy="6858000"/>
   <p:notesSz cx="6858000" cy="9144000"/>
@@ -747,44 +751,26 @@
           <a:p>
             <a:r>
               <a:rPr lang="cs-CZ" dirty="0" smtClean="0"/>
-              <a:t>Na levé straně je vidět úvodní</a:t>
-            </a:r>
-            <a:r>
-              <a:rPr lang="cs-CZ" baseline="0" dirty="0" smtClean="0"/>
-              <a:t> stránka přehledových grafů. Hlavním přínosem je možnost porovnat glykemická data s aktivitou v přímé časové vazbě bez přepínání mezi okny.</a:t>
+              <a:t>Do systému bylo implementováno</a:t>
             </a:r>
             <a:br>
-              <a:rPr lang="cs-CZ" baseline="0" dirty="0" smtClean="0"/>
+              <a:rPr lang="cs-CZ" dirty="0" smtClean="0"/>
             </a:br>
             <a:r>
-              <a:rPr lang="cs-CZ" baseline="0" dirty="0" smtClean="0"/>
-              <a:t>Na pravé straně jsou vidět glykemické profily, které jsou nedílnou součástí většiny systémů pro sledování glykémie.</a:t>
-            </a:r>
-          </a:p>
-          <a:p>
-            <a:r>
-              <a:rPr lang="cs-CZ" baseline="0" dirty="0" smtClean="0"/>
-              <a:t>Systém dovoluje krom zobrazení těchto grafů také správu zařízení (konkrétně </a:t>
-            </a:r>
-            <a:r>
-              <a:rPr lang="cs-CZ" baseline="0" dirty="0" err="1" smtClean="0"/>
-              <a:t>Fibit</a:t>
-            </a:r>
-            <a:r>
-              <a:rPr lang="cs-CZ" baseline="0" dirty="0" smtClean="0"/>
-              <a:t>), vedení karty pacienta, správu uživatelů analýzu specifických situací (o kterých se zmíním později</a:t>
-            </a:r>
-            <a:r>
-              <a:rPr lang="cs-CZ" baseline="0" dirty="0" smtClean="0"/>
-              <a:t>).</a:t>
-            </a:r>
-          </a:p>
-          <a:p>
-            <a:r>
-              <a:rPr lang="cs-CZ" baseline="0" dirty="0" smtClean="0"/>
-              <a:t>Aplikace jak jsem zmínil umožňuje správu zařízení, pacientů a jejich propojení dále správu uživatelů import dat a export.</a:t>
-            </a:r>
-            <a:endParaRPr lang="en-US" dirty="0"/>
+              <a:rPr lang="cs-CZ" dirty="0" smtClean="0"/>
+              <a:t>Položky na levé straně byli implementovány </a:t>
+            </a:r>
+            <a:r>
+              <a:rPr lang="cs-CZ" dirty="0" smtClean="0"/>
+              <a:t>mnou</a:t>
+            </a:r>
+          </a:p>
+          <a:p>
+            <a:r>
+              <a:rPr lang="cs-CZ" dirty="0" smtClean="0"/>
+              <a:t>(náplň diplomové práce)</a:t>
+            </a:r>
+            <a:endParaRPr lang="cs-CZ" dirty="0"/>
           </a:p>
         </p:txBody>
       </p:sp>
@@ -814,7 +800,7 @@
     </p:spTree>
     <p:extLst>
       <p:ext uri="{BB962C8B-B14F-4D97-AF65-F5344CB8AC3E}">
-        <p14:creationId xmlns:p14="http://schemas.microsoft.com/office/powerpoint/2010/main" val="1932669746"/>
+        <p14:creationId xmlns:p14="http://schemas.microsoft.com/office/powerpoint/2010/main" val="182196143"/>
       </p:ext>
     </p:extLst>
   </p:cSld>
@@ -870,13 +856,40 @@
           <a:p>
             <a:r>
               <a:rPr lang="cs-CZ" dirty="0" smtClean="0"/>
-              <a:t>Zde</a:t>
+              <a:t>Na levé straně je vidět úvodní</a:t>
             </a:r>
             <a:r>
               <a:rPr lang="cs-CZ" baseline="0" dirty="0" smtClean="0"/>
-              <a:t> je vidět karta pacienta která obsahuje krom klasických rubrik jako je jméno, přímení, datum narození a pohlaví zobrazuje kromě propojených zařízení, také naměřené veličiny jako např. glykovaný hemoglobin, hmotnost….</a:t>
-            </a:r>
-            <a:endParaRPr lang="cs-CZ" dirty="0"/>
+              <a:t> stránka přehledových grafů. Hlavním přínosem je možnost porovnat glykemická data s aktivitou v přímé časové vazbě bez přepínání mezi okny.</a:t>
+            </a:r>
+            <a:br>
+              <a:rPr lang="cs-CZ" baseline="0" dirty="0" smtClean="0"/>
+            </a:br>
+            <a:r>
+              <a:rPr lang="cs-CZ" baseline="0" dirty="0" smtClean="0"/>
+              <a:t>Na pravé straně jsou vidět glykemické profily, které jsou nedílnou součástí většiny systémů pro sledování glykémie.</a:t>
+            </a:r>
+          </a:p>
+          <a:p>
+            <a:r>
+              <a:rPr lang="cs-CZ" baseline="0" dirty="0" smtClean="0"/>
+              <a:t>Systém dovoluje krom zobrazení těchto grafů také správu zařízení (konkrétně </a:t>
+            </a:r>
+            <a:r>
+              <a:rPr lang="cs-CZ" baseline="0" dirty="0" err="1" smtClean="0"/>
+              <a:t>Fibit</a:t>
+            </a:r>
+            <a:r>
+              <a:rPr lang="cs-CZ" baseline="0" dirty="0" smtClean="0"/>
+              <a:t>), vedení karty pacienta, správu uživatelů analýzu specifických situací (o kterých se zmíním později).</a:t>
+            </a:r>
+          </a:p>
+          <a:p>
+            <a:r>
+              <a:rPr lang="cs-CZ" baseline="0" dirty="0" smtClean="0"/>
+              <a:t>Aplikace jak jsem zmínil umožňuje správu zařízení, pacientů a jejich propojení dále správu uživatelů import dat a export.</a:t>
+            </a:r>
+            <a:endParaRPr lang="en-US" dirty="0"/>
           </a:p>
         </p:txBody>
       </p:sp>
@@ -897,7 +910,7 @@
           <a:p>
             <a:fld id="{FD9D58AD-6389-4BE8-9750-33B383CC1FA5}" type="slidenum">
               <a:rPr lang="en-US" smtClean="0"/>
-              <a:t>12</a:t>
+              <a:t>13</a:t>
             </a:fld>
             <a:endParaRPr lang="en-US"/>
           </a:p>
@@ -906,7 +919,7 @@
     </p:spTree>
     <p:extLst>
       <p:ext uri="{BB962C8B-B14F-4D97-AF65-F5344CB8AC3E}">
-        <p14:creationId xmlns:p14="http://schemas.microsoft.com/office/powerpoint/2010/main" val="4126041753"/>
+        <p14:creationId xmlns:p14="http://schemas.microsoft.com/office/powerpoint/2010/main" val="1932669746"/>
       </p:ext>
     </p:extLst>
   </p:cSld>
@@ -962,33 +975,11 @@
           <a:p>
             <a:r>
               <a:rPr lang="cs-CZ" dirty="0" smtClean="0"/>
-              <a:t>Jako zatím</a:t>
+              <a:t>Zde</a:t>
             </a:r>
             <a:r>
               <a:rPr lang="cs-CZ" baseline="0" dirty="0" smtClean="0"/>
-              <a:t> poslední inovací je doplnění systém o analytické moduly. Snahou těchto modulů je pomoci při práci lékaři a popř. navést zkušenějšího pacienta k hledání  specifických situací.</a:t>
-            </a:r>
-          </a:p>
-          <a:p>
-            <a:r>
-              <a:rPr lang="cs-CZ" dirty="0" smtClean="0"/>
-              <a:t>Modul pro hledání glykemických situací má pomoci</a:t>
-            </a:r>
-            <a:r>
-              <a:rPr lang="cs-CZ" baseline="0" dirty="0" smtClean="0"/>
-              <a:t> nalézt prudké poklesy glykémie při specifické výši aktivity. Kdy zadavatel může vyhledávat nejenom podle horního resp. dolního prahu aktivity ale i podle délky nalezeného segmentu a velikost poklesu glykémie v daném segmentu.</a:t>
-            </a:r>
-          </a:p>
-          <a:p>
-            <a:r>
-              <a:rPr lang="cs-CZ" baseline="0" dirty="0" smtClean="0"/>
-              <a:t>Modul pro vyhledávání jídelní situací umožňuje nalézt situace kdy pacient přijmu sacharidy za daných kritérií glykémie a aktivity před a po jídle.</a:t>
-            </a:r>
-          </a:p>
-          <a:p>
-            <a:r>
-              <a:rPr lang="cs-CZ" baseline="0" dirty="0" smtClean="0"/>
-              <a:t>Oba dva tyto moduly jsou v současné době jsou součástí výzkumu pro další využití.</a:t>
+              <a:t> je vidět karta pacienta která obsahuje krom klasických rubrik jako je jméno, přímení, datum narození a pohlaví zobrazuje kromě propojených zařízení, také naměřené veličiny jako např. glykovaný hemoglobin, hmotnost….</a:t>
             </a:r>
             <a:endParaRPr lang="cs-CZ" dirty="0"/>
           </a:p>
@@ -1011,7 +1002,7 @@
           <a:p>
             <a:fld id="{FD9D58AD-6389-4BE8-9750-33B383CC1FA5}" type="slidenum">
               <a:rPr lang="en-US" smtClean="0"/>
-              <a:t>13</a:t>
+              <a:t>15</a:t>
             </a:fld>
             <a:endParaRPr lang="en-US"/>
           </a:p>
@@ -1020,7 +1011,7 @@
     </p:spTree>
     <p:extLst>
       <p:ext uri="{BB962C8B-B14F-4D97-AF65-F5344CB8AC3E}">
-        <p14:creationId xmlns:p14="http://schemas.microsoft.com/office/powerpoint/2010/main" val="2577638144"/>
+        <p14:creationId xmlns:p14="http://schemas.microsoft.com/office/powerpoint/2010/main" val="4126041753"/>
       </p:ext>
     </p:extLst>
   </p:cSld>
@@ -1076,7 +1067,33 @@
           <a:p>
             <a:r>
               <a:rPr lang="cs-CZ" dirty="0" smtClean="0"/>
-              <a:t>Zde je vidět zjednodušený diagram  modulu pro hledání jídelních situací</a:t>
+              <a:t>Jako zatím</a:t>
+            </a:r>
+            <a:r>
+              <a:rPr lang="cs-CZ" baseline="0" dirty="0" smtClean="0"/>
+              <a:t> poslední inovací je doplnění systém o analytické moduly. Snahou těchto modulů je pomoci při práci lékaři a popř. navést zkušenějšího pacienta k hledání  specifických situací.</a:t>
+            </a:r>
+          </a:p>
+          <a:p>
+            <a:r>
+              <a:rPr lang="cs-CZ" dirty="0" smtClean="0"/>
+              <a:t>Modul pro hledání glykemických situací má pomoci</a:t>
+            </a:r>
+            <a:r>
+              <a:rPr lang="cs-CZ" baseline="0" dirty="0" smtClean="0"/>
+              <a:t> nalézt prudké poklesy glykémie při specifické výši aktivity. Kdy zadavatel může vyhledávat nejenom podle horního resp. dolního prahu aktivity ale i podle délky nalezeného segmentu a velikost poklesu glykémie v daném segmentu.</a:t>
+            </a:r>
+          </a:p>
+          <a:p>
+            <a:r>
+              <a:rPr lang="cs-CZ" baseline="0" dirty="0" smtClean="0"/>
+              <a:t>Modul pro vyhledávání jídelní situací umožňuje nalézt situace kdy pacient přijmu sacharidy za daných kritérií glykémie a aktivity před a po jídle.</a:t>
+            </a:r>
+          </a:p>
+          <a:p>
+            <a:r>
+              <a:rPr lang="cs-CZ" baseline="0" dirty="0" smtClean="0"/>
+              <a:t>Oba dva tyto moduly jsou v současné době jsou součástí výzkumu pro další využití.</a:t>
             </a:r>
             <a:endParaRPr lang="cs-CZ" dirty="0"/>
           </a:p>
@@ -1099,7 +1116,7 @@
           <a:p>
             <a:fld id="{FD9D58AD-6389-4BE8-9750-33B383CC1FA5}" type="slidenum">
               <a:rPr lang="en-US" smtClean="0"/>
-              <a:t>14</a:t>
+              <a:t>16</a:t>
             </a:fld>
             <a:endParaRPr lang="en-US"/>
           </a:p>
@@ -1108,7 +1125,7 @@
     </p:spTree>
     <p:extLst>
       <p:ext uri="{BB962C8B-B14F-4D97-AF65-F5344CB8AC3E}">
-        <p14:creationId xmlns:p14="http://schemas.microsoft.com/office/powerpoint/2010/main" val="2181000521"/>
+        <p14:creationId xmlns:p14="http://schemas.microsoft.com/office/powerpoint/2010/main" val="2577638144"/>
       </p:ext>
     </p:extLst>
   </p:cSld>
@@ -1164,7 +1181,7 @@
           <a:p>
             <a:r>
               <a:rPr lang="cs-CZ" dirty="0" smtClean="0"/>
-              <a:t>Podrobněji se podíváme na samotný algoritmus</a:t>
+              <a:t>Zde je vidět zjednodušený diagram  modulu pro hledání jídelních situací</a:t>
             </a:r>
             <a:endParaRPr lang="cs-CZ" dirty="0"/>
           </a:p>
@@ -1187,7 +1204,7 @@
           <a:p>
             <a:fld id="{FD9D58AD-6389-4BE8-9750-33B383CC1FA5}" type="slidenum">
               <a:rPr lang="en-US" smtClean="0"/>
-              <a:t>15</a:t>
+              <a:t>17</a:t>
             </a:fld>
             <a:endParaRPr lang="en-US"/>
           </a:p>
@@ -1196,7 +1213,7 @@
     </p:spTree>
     <p:extLst>
       <p:ext uri="{BB962C8B-B14F-4D97-AF65-F5344CB8AC3E}">
-        <p14:creationId xmlns:p14="http://schemas.microsoft.com/office/powerpoint/2010/main" val="3859641528"/>
+        <p14:creationId xmlns:p14="http://schemas.microsoft.com/office/powerpoint/2010/main" val="2181000521"/>
       </p:ext>
     </p:extLst>
   </p:cSld>
@@ -1252,7 +1269,7 @@
           <a:p>
             <a:r>
               <a:rPr lang="cs-CZ" dirty="0" smtClean="0"/>
-              <a:t>Popíši stručně algoritmus</a:t>
+              <a:t>Podrobněji se podíváme na samotný algoritmus</a:t>
             </a:r>
             <a:endParaRPr lang="cs-CZ" dirty="0"/>
           </a:p>
@@ -1275,7 +1292,7 @@
           <a:p>
             <a:fld id="{FD9D58AD-6389-4BE8-9750-33B383CC1FA5}" type="slidenum">
               <a:rPr lang="en-US" smtClean="0"/>
-              <a:t>16</a:t>
+              <a:t>18</a:t>
             </a:fld>
             <a:endParaRPr lang="en-US"/>
           </a:p>
@@ -1284,7 +1301,7 @@
     </p:spTree>
     <p:extLst>
       <p:ext uri="{BB962C8B-B14F-4D97-AF65-F5344CB8AC3E}">
-        <p14:creationId xmlns:p14="http://schemas.microsoft.com/office/powerpoint/2010/main" val="4043985594"/>
+        <p14:creationId xmlns:p14="http://schemas.microsoft.com/office/powerpoint/2010/main" val="3859641528"/>
       </p:ext>
     </p:extLst>
   </p:cSld>
@@ -1340,11 +1357,7 @@
           <a:p>
             <a:r>
               <a:rPr lang="cs-CZ" dirty="0" smtClean="0"/>
-              <a:t>Takto se zobrazí vyhledaná data podle zadaných</a:t>
-            </a:r>
-            <a:r>
-              <a:rPr lang="cs-CZ" baseline="0" dirty="0" smtClean="0"/>
-              <a:t> kritérií</a:t>
+              <a:t>Popíši stručně algoritmus</a:t>
             </a:r>
             <a:endParaRPr lang="cs-CZ" dirty="0"/>
           </a:p>
@@ -1367,7 +1380,7 @@
           <a:p>
             <a:fld id="{FD9D58AD-6389-4BE8-9750-33B383CC1FA5}" type="slidenum">
               <a:rPr lang="en-US" smtClean="0"/>
-              <a:t>17</a:t>
+              <a:t>19</a:t>
             </a:fld>
             <a:endParaRPr lang="en-US"/>
           </a:p>
@@ -1376,7 +1389,7 @@
     </p:spTree>
     <p:extLst>
       <p:ext uri="{BB962C8B-B14F-4D97-AF65-F5344CB8AC3E}">
-        <p14:creationId xmlns:p14="http://schemas.microsoft.com/office/powerpoint/2010/main" val="2426714376"/>
+        <p14:creationId xmlns:p14="http://schemas.microsoft.com/office/powerpoint/2010/main" val="4043985594"/>
       </p:ext>
     </p:extLst>
   </p:cSld>
@@ -1432,7 +1445,11 @@
           <a:p>
             <a:r>
               <a:rPr lang="cs-CZ" dirty="0" smtClean="0"/>
-              <a:t>Uživatel má možnost si jednotlivé dny prohlédnout v přehledovém grafu</a:t>
+              <a:t>Takto se zobrazí vyhledaná data podle zadaných</a:t>
+            </a:r>
+            <a:r>
+              <a:rPr lang="cs-CZ" baseline="0" dirty="0" smtClean="0"/>
+              <a:t> kritérií</a:t>
             </a:r>
             <a:endParaRPr lang="cs-CZ" dirty="0"/>
           </a:p>
@@ -1455,7 +1472,7 @@
           <a:p>
             <a:fld id="{FD9D58AD-6389-4BE8-9750-33B383CC1FA5}" type="slidenum">
               <a:rPr lang="en-US" smtClean="0"/>
-              <a:t>18</a:t>
+              <a:t>20</a:t>
             </a:fld>
             <a:endParaRPr lang="en-US"/>
           </a:p>
@@ -1464,7 +1481,7 @@
     </p:spTree>
     <p:extLst>
       <p:ext uri="{BB962C8B-B14F-4D97-AF65-F5344CB8AC3E}">
-        <p14:creationId xmlns:p14="http://schemas.microsoft.com/office/powerpoint/2010/main" val="2808037025"/>
+        <p14:creationId xmlns:p14="http://schemas.microsoft.com/office/powerpoint/2010/main" val="2426714376"/>
       </p:ext>
     </p:extLst>
   </p:cSld>
@@ -1520,7 +1537,7 @@
           <a:p>
             <a:r>
               <a:rPr lang="cs-CZ" dirty="0" smtClean="0"/>
-              <a:t>Kde vidí zvýrazněné zvolené segmenty</a:t>
+              <a:t>Uživatel má možnost si jednotlivé dny prohlédnout v přehledovém grafu</a:t>
             </a:r>
             <a:endParaRPr lang="cs-CZ" dirty="0"/>
           </a:p>
@@ -1543,7 +1560,7 @@
           <a:p>
             <a:fld id="{FD9D58AD-6389-4BE8-9750-33B383CC1FA5}" type="slidenum">
               <a:rPr lang="en-US" smtClean="0"/>
-              <a:t>19</a:t>
+              <a:t>21</a:t>
             </a:fld>
             <a:endParaRPr lang="en-US"/>
           </a:p>
@@ -1552,7 +1569,7 @@
     </p:spTree>
     <p:extLst>
       <p:ext uri="{BB962C8B-B14F-4D97-AF65-F5344CB8AC3E}">
-        <p14:creationId xmlns:p14="http://schemas.microsoft.com/office/powerpoint/2010/main" val="1181474363"/>
+        <p14:creationId xmlns:p14="http://schemas.microsoft.com/office/powerpoint/2010/main" val="2808037025"/>
       </p:ext>
     </p:extLst>
   </p:cSld>
@@ -1735,11 +1752,7 @@
           <a:p>
             <a:r>
               <a:rPr lang="cs-CZ" dirty="0" smtClean="0"/>
-              <a:t>V</a:t>
-            </a:r>
-            <a:r>
-              <a:rPr lang="cs-CZ" baseline="0" dirty="0" smtClean="0"/>
-              <a:t> rámci ročního sběru dat zpětné vazby jsem web postupem času optimalizoval i pro mobilní zařízení. Na obrázku vlevo si můžete všimnout upozornění pro uživatele aby zařízení použil v horizontálním položení. Z praktického důvodu lepšího zobrazení grafů. V Částech webu kde toto rozložení není třeba se tato informace při vertikálním použití nezobrazuje.</a:t>
+              <a:t>Kde vidí zvýrazněné zvolené segmenty</a:t>
             </a:r>
             <a:endParaRPr lang="cs-CZ" dirty="0"/>
           </a:p>
@@ -1762,7 +1775,7 @@
           <a:p>
             <a:fld id="{FD9D58AD-6389-4BE8-9750-33B383CC1FA5}" type="slidenum">
               <a:rPr lang="en-US" smtClean="0"/>
-              <a:t>20</a:t>
+              <a:t>22</a:t>
             </a:fld>
             <a:endParaRPr lang="en-US"/>
           </a:p>
@@ -1771,7 +1784,7 @@
     </p:spTree>
     <p:extLst>
       <p:ext uri="{BB962C8B-B14F-4D97-AF65-F5344CB8AC3E}">
-        <p14:creationId xmlns:p14="http://schemas.microsoft.com/office/powerpoint/2010/main" val="4152797229"/>
+        <p14:creationId xmlns:p14="http://schemas.microsoft.com/office/powerpoint/2010/main" val="1181474363"/>
       </p:ext>
     </p:extLst>
   </p:cSld>
@@ -1827,57 +1840,13 @@
           <a:p>
             <a:r>
               <a:rPr lang="cs-CZ" dirty="0" smtClean="0"/>
-              <a:t>V současné době je aplikace nasazena a</a:t>
+              <a:t>V</a:t>
             </a:r>
             <a:r>
               <a:rPr lang="cs-CZ" baseline="0" dirty="0" smtClean="0"/>
-              <a:t> data jsou sbírána ve FN </a:t>
-            </a:r>
-            <a:r>
-              <a:rPr lang="cs-CZ" baseline="0" dirty="0" err="1" smtClean="0"/>
-              <a:t>motol</a:t>
-            </a:r>
-            <a:r>
-              <a:rPr lang="cs-CZ" baseline="0" dirty="0" smtClean="0"/>
-              <a:t>.</a:t>
-            </a:r>
-          </a:p>
-          <a:p>
-            <a:r>
-              <a:rPr lang="cs-CZ" baseline="0" dirty="0" smtClean="0"/>
-              <a:t>Pomocí této webové aplikace jsou data vyhodnocována a spravována v anonymizované formě.</a:t>
-            </a:r>
-          </a:p>
-          <a:p>
-            <a:r>
-              <a:rPr lang="cs-CZ" baseline="0" dirty="0" smtClean="0"/>
-              <a:t>Posledními novými funkcionalitami jsou moduly pro analýzu data (Hledání glykemických situací a jídelních situací), které jsou součástí výzkumné práce.</a:t>
-            </a:r>
-          </a:p>
-          <a:p>
-            <a:r>
-              <a:rPr lang="cs-CZ" baseline="0" dirty="0" smtClean="0"/>
-              <a:t>Ačkoliv je aplikace zejména orientována pro výzkumnou činnost v průběhu roku jsem žádal testovací uživatele aby vyplnili </a:t>
-            </a:r>
-            <a:r>
-              <a:rPr lang="cs-CZ" baseline="0" dirty="0" smtClean="0"/>
-              <a:t>dotazník </a:t>
-            </a:r>
-            <a:r>
-              <a:rPr lang="cs-CZ" baseline="0" dirty="0" smtClean="0"/>
-              <a:t>o vhodnosti aplikace.</a:t>
-            </a:r>
-          </a:p>
-          <a:p>
-            <a:r>
-              <a:rPr lang="cs-CZ" sz="1200" dirty="0" smtClean="0"/>
-              <a:t>Aplikace</a:t>
-            </a:r>
-            <a:r>
-              <a:rPr lang="cs-CZ" sz="1200" baseline="0" dirty="0" smtClean="0"/>
-              <a:t> je stabilní a střední doba bezporuchového provozu je cca 2100 hodin</a:t>
-            </a:r>
-            <a:endParaRPr lang="en-US" dirty="0"/>
+              <a:t> rámci ročního sběru dat zpětné vazby jsem web postupem času optimalizoval i pro mobilní zařízení. Na obrázku vlevo si můžete všimnout upozornění pro uživatele aby zařízení použil v horizontálním položení. Z praktického důvodu lepšího zobrazení grafů. V Částech webu kde toto rozložení není třeba se tato informace při vertikálním použití nezobrazuje.</a:t>
+            </a:r>
+            <a:endParaRPr lang="cs-CZ" dirty="0"/>
           </a:p>
         </p:txBody>
       </p:sp>
@@ -1898,7 +1867,7 @@
           <a:p>
             <a:fld id="{FD9D58AD-6389-4BE8-9750-33B383CC1FA5}" type="slidenum">
               <a:rPr lang="en-US" smtClean="0"/>
-              <a:t>21</a:t>
+              <a:t>23</a:t>
             </a:fld>
             <a:endParaRPr lang="en-US"/>
           </a:p>
@@ -1907,7 +1876,7 @@
     </p:spTree>
     <p:extLst>
       <p:ext uri="{BB962C8B-B14F-4D97-AF65-F5344CB8AC3E}">
-        <p14:creationId xmlns:p14="http://schemas.microsoft.com/office/powerpoint/2010/main" val="3699835620"/>
+        <p14:creationId xmlns:p14="http://schemas.microsoft.com/office/powerpoint/2010/main" val="4152797229"/>
       </p:ext>
     </p:extLst>
   </p:cSld>
@@ -1963,79 +1932,49 @@
           <a:p>
             <a:r>
               <a:rPr lang="cs-CZ" dirty="0" smtClean="0"/>
-              <a:t>Výsledky</a:t>
+              <a:t>V současné době je aplikace nasazena a</a:t>
             </a:r>
             <a:r>
               <a:rPr lang="cs-CZ" baseline="0" dirty="0" smtClean="0"/>
-              <a:t> práce jsem publikoval jako autor na Diabetologických dne v Luhačovicích</a:t>
-            </a:r>
-          </a:p>
-          <a:p>
+              <a:t> data jsou sbírána ve FN </a:t>
+            </a:r>
+            <a:r>
+              <a:rPr lang="cs-CZ" baseline="0" dirty="0" err="1" smtClean="0"/>
+              <a:t>motol</a:t>
+            </a:r>
             <a:r>
               <a:rPr lang="cs-CZ" baseline="0" dirty="0" smtClean="0"/>
-              <a:t>Na konferencích </a:t>
-            </a:r>
-            <a:r>
-              <a:rPr lang="cs-CZ" baseline="0" dirty="0" err="1" smtClean="0"/>
-              <a:t>Advanced</a:t>
-            </a:r>
+              <a:t>.</a:t>
+            </a:r>
+          </a:p>
+          <a:p>
             <a:r>
               <a:rPr lang="cs-CZ" baseline="0" dirty="0" smtClean="0"/>
-              <a:t> Technologies and </a:t>
-            </a:r>
-            <a:r>
-              <a:rPr lang="cs-CZ" baseline="0" dirty="0" err="1" smtClean="0"/>
-              <a:t>treatments</a:t>
-            </a:r>
+              <a:t>Pomocí této webové aplikace jsou data vyhodnocována a spravována v anonymizované formě.</a:t>
+            </a:r>
+          </a:p>
+          <a:p>
             <a:r>
               <a:rPr lang="cs-CZ" baseline="0" dirty="0" smtClean="0"/>
-              <a:t> </a:t>
-            </a:r>
-            <a:r>
-              <a:rPr lang="cs-CZ" baseline="0" dirty="0" err="1" smtClean="0"/>
-              <a:t>for</a:t>
-            </a:r>
+              <a:t>Posledními novými funkcionalitami jsou moduly pro analýzu data (Hledání glykemických situací a jídelních situací), které jsou součástí výzkumné práce.</a:t>
+            </a:r>
+          </a:p>
+          <a:p>
             <a:r>
               <a:rPr lang="cs-CZ" baseline="0" dirty="0" smtClean="0"/>
-              <a:t> diabetes jsem byl spoluautorem jako článku v </a:t>
-            </a:r>
-            <a:r>
-              <a:rPr lang="cs-CZ" baseline="0" dirty="0" err="1" smtClean="0"/>
-              <a:t>The</a:t>
-            </a:r>
-            <a:r>
-              <a:rPr lang="cs-CZ" baseline="0" dirty="0" smtClean="0"/>
-              <a:t> </a:t>
-            </a:r>
-            <a:r>
-              <a:rPr lang="cs-CZ" baseline="0" dirty="0" err="1" smtClean="0"/>
-              <a:t>Internation</a:t>
-            </a:r>
-            <a:r>
-              <a:rPr lang="cs-CZ" baseline="0" dirty="0" smtClean="0"/>
-              <a:t> </a:t>
-            </a:r>
-            <a:r>
-              <a:rPr lang="cs-CZ" baseline="0" dirty="0" err="1" smtClean="0"/>
-              <a:t>Journal</a:t>
-            </a:r>
-            <a:r>
-              <a:rPr lang="cs-CZ" baseline="0" dirty="0" smtClean="0"/>
-              <a:t> on </a:t>
-            </a:r>
-            <a:r>
-              <a:rPr lang="cs-CZ" baseline="0" dirty="0" err="1" smtClean="0"/>
-              <a:t>Biomedicine</a:t>
-            </a:r>
-            <a:r>
-              <a:rPr lang="cs-CZ" baseline="0" dirty="0" smtClean="0"/>
-              <a:t> and </a:t>
-            </a:r>
-            <a:r>
-              <a:rPr lang="cs-CZ" baseline="0" dirty="0" err="1" smtClean="0"/>
-              <a:t>Healthcare</a:t>
-            </a:r>
-            <a:endParaRPr lang="cs-CZ" dirty="0"/>
+              <a:t>Ačkoliv je aplikace zejména orientována pro výzkumnou činnost v průběhu roku jsem žádal testovací uživatele aby vyplnili dotazník o vhodnosti aplikace.</a:t>
+            </a:r>
+          </a:p>
+          <a:p>
+            <a:r>
+              <a:rPr lang="cs-CZ" sz="1200" dirty="0" smtClean="0"/>
+              <a:t>Aplikace</a:t>
+            </a:r>
+            <a:r>
+              <a:rPr lang="cs-CZ" sz="1200" baseline="0" dirty="0" smtClean="0"/>
+              <a:t> je stabilní a střední doba bezporuchového provozu je cca 2100 hodin</a:t>
+            </a:r>
+            <a:endParaRPr lang="en-US" dirty="0"/>
           </a:p>
         </p:txBody>
       </p:sp>
@@ -2056,7 +1995,165 @@
           <a:p>
             <a:fld id="{FD9D58AD-6389-4BE8-9750-33B383CC1FA5}" type="slidenum">
               <a:rPr lang="en-US" smtClean="0"/>
-              <a:t>22</a:t>
+              <a:t>25</a:t>
+            </a:fld>
+            <a:endParaRPr lang="en-US"/>
+          </a:p>
+        </p:txBody>
+      </p:sp>
+    </p:spTree>
+    <p:extLst>
+      <p:ext uri="{BB962C8B-B14F-4D97-AF65-F5344CB8AC3E}">
+        <p14:creationId xmlns:p14="http://schemas.microsoft.com/office/powerpoint/2010/main" val="3699835620"/>
+      </p:ext>
+    </p:extLst>
+  </p:cSld>
+  <p:clrMapOvr>
+    <a:masterClrMapping/>
+  </p:clrMapOvr>
+</p:notes>
+</file>
+
+<file path=ppt/notesSlides/notesSlide23.xml><?xml version="1.0" encoding="utf-8"?>
+<p:notes xmlns:a="http://schemas.openxmlformats.org/drawingml/2006/main" xmlns:r="http://schemas.openxmlformats.org/officeDocument/2006/relationships" xmlns:p="http://schemas.openxmlformats.org/presentationml/2006/main">
+  <p:cSld>
+    <p:spTree>
+      <p:nvGrpSpPr>
+        <p:cNvPr id="1" name=""/>
+        <p:cNvGrpSpPr/>
+        <p:nvPr/>
+      </p:nvGrpSpPr>
+      <p:grpSpPr>
+        <a:xfrm>
+          <a:off x="0" y="0"/>
+          <a:ext cx="0" cy="0"/>
+          <a:chOff x="0" y="0"/>
+          <a:chExt cx="0" cy="0"/>
+        </a:xfrm>
+      </p:grpSpPr>
+      <p:sp>
+        <p:nvSpPr>
+          <p:cNvPr id="2" name="Zástupný symbol pro obrázek snímku 1"/>
+          <p:cNvSpPr>
+            <a:spLocks noGrp="1" noRot="1" noChangeAspect="1"/>
+          </p:cNvSpPr>
+          <p:nvPr>
+            <p:ph type="sldImg"/>
+          </p:nvPr>
+        </p:nvSpPr>
+        <p:spPr/>
+      </p:sp>
+      <p:sp>
+        <p:nvSpPr>
+          <p:cNvPr id="3" name="Zástupný symbol pro poznámky 2"/>
+          <p:cNvSpPr>
+            <a:spLocks noGrp="1"/>
+          </p:cNvSpPr>
+          <p:nvPr>
+            <p:ph type="body" idx="1"/>
+          </p:nvPr>
+        </p:nvSpPr>
+        <p:spPr/>
+        <p:txBody>
+          <a:bodyPr/>
+          <a:lstStyle/>
+          <a:p>
+            <a:r>
+              <a:rPr lang="cs-CZ" dirty="0" smtClean="0"/>
+              <a:t>Výsledky</a:t>
+            </a:r>
+            <a:r>
+              <a:rPr lang="cs-CZ" baseline="0" dirty="0" smtClean="0"/>
+              <a:t> práce jsem publikoval jako autor na Diabetologických dne v Luhačovicích</a:t>
+            </a:r>
+          </a:p>
+          <a:p>
+            <a:r>
+              <a:rPr lang="cs-CZ" baseline="0" dirty="0" smtClean="0"/>
+              <a:t>Na konferencích </a:t>
+            </a:r>
+            <a:r>
+              <a:rPr lang="cs-CZ" baseline="0" dirty="0" err="1" smtClean="0"/>
+              <a:t>Advanced</a:t>
+            </a:r>
+            <a:r>
+              <a:rPr lang="cs-CZ" baseline="0" dirty="0" smtClean="0"/>
+              <a:t> Technologies and </a:t>
+            </a:r>
+            <a:r>
+              <a:rPr lang="cs-CZ" baseline="0" dirty="0" err="1" smtClean="0"/>
+              <a:t>treatments</a:t>
+            </a:r>
+            <a:r>
+              <a:rPr lang="cs-CZ" baseline="0" dirty="0" smtClean="0"/>
+              <a:t> </a:t>
+            </a:r>
+            <a:r>
+              <a:rPr lang="cs-CZ" baseline="0" dirty="0" err="1" smtClean="0"/>
+              <a:t>for</a:t>
+            </a:r>
+            <a:r>
+              <a:rPr lang="cs-CZ" baseline="0" dirty="0" smtClean="0"/>
+              <a:t> diabetes jsem byl spoluautorem jako článku v </a:t>
+            </a:r>
+            <a:r>
+              <a:rPr lang="cs-CZ" baseline="0" dirty="0" err="1" smtClean="0"/>
+              <a:t>The</a:t>
+            </a:r>
+            <a:r>
+              <a:rPr lang="cs-CZ" baseline="0" dirty="0" smtClean="0"/>
+              <a:t> </a:t>
+            </a:r>
+            <a:r>
+              <a:rPr lang="cs-CZ" baseline="0" dirty="0" err="1" smtClean="0"/>
+              <a:t>Internation</a:t>
+            </a:r>
+            <a:r>
+              <a:rPr lang="cs-CZ" baseline="0" dirty="0" smtClean="0"/>
+              <a:t> </a:t>
+            </a:r>
+            <a:r>
+              <a:rPr lang="cs-CZ" baseline="0" dirty="0" err="1" smtClean="0"/>
+              <a:t>Journal</a:t>
+            </a:r>
+            <a:r>
+              <a:rPr lang="cs-CZ" baseline="0" dirty="0" smtClean="0"/>
+              <a:t> on </a:t>
+            </a:r>
+            <a:r>
+              <a:rPr lang="cs-CZ" baseline="0" dirty="0" err="1" smtClean="0"/>
+              <a:t>Biomedicine</a:t>
+            </a:r>
+            <a:r>
+              <a:rPr lang="cs-CZ" baseline="0" dirty="0" smtClean="0"/>
+              <a:t> and </a:t>
+            </a:r>
+            <a:r>
+              <a:rPr lang="cs-CZ" baseline="0" dirty="0" err="1" smtClean="0"/>
+              <a:t>Healthcare</a:t>
+            </a:r>
+            <a:endParaRPr lang="cs-CZ" dirty="0"/>
+          </a:p>
+        </p:txBody>
+      </p:sp>
+      <p:sp>
+        <p:nvSpPr>
+          <p:cNvPr id="4" name="Zástupný symbol pro číslo snímku 3"/>
+          <p:cNvSpPr>
+            <a:spLocks noGrp="1"/>
+          </p:cNvSpPr>
+          <p:nvPr>
+            <p:ph type="sldNum" sz="quarter" idx="10"/>
+          </p:nvPr>
+        </p:nvSpPr>
+        <p:spPr/>
+        <p:txBody>
+          <a:bodyPr/>
+          <a:lstStyle/>
+          <a:p>
+            <a:fld id="{FD9D58AD-6389-4BE8-9750-33B383CC1FA5}" type="slidenum">
+              <a:rPr lang="en-US" smtClean="0"/>
+              <a:t>26</a:t>
             </a:fld>
             <a:endParaRPr lang="en-US"/>
           </a:p>
@@ -2169,15 +2266,7 @@
             </a:pPr>
             <a:r>
               <a:rPr lang="cs-CZ" dirty="0" smtClean="0"/>
-              <a:t>Nekompatibilita </a:t>
-            </a:r>
-            <a:r>
-              <a:rPr lang="cs-CZ" dirty="0" smtClean="0"/>
-              <a:t>přístrojů </a:t>
-            </a:r>
-            <a:r>
-              <a:rPr lang="cs-CZ" dirty="0" smtClean="0"/>
-              <a:t>-&gt; </a:t>
+              <a:t>Nekompatibilita přístrojů -&gt; </a:t>
             </a:r>
             <a:r>
               <a:rPr lang="cs-CZ" sz="1200" dirty="0" smtClean="0"/>
@@ -2189,11 +2278,7 @@
             </a:r>
             <a:r>
               <a:rPr lang="cs-CZ" dirty="0" smtClean="0"/>
-              <a:t> </a:t>
-            </a:r>
-            <a:r>
-              <a:rPr lang="cs-CZ" dirty="0" smtClean="0"/>
-              <a:t>co jedno zařízení to jeden SW pro vyhodnocení dat</a:t>
+              <a:t> co jedno zařízení to jeden SW pro vyhodnocení dat</a:t>
             </a:r>
           </a:p>
           <a:p>
@@ -2243,15 +2328,7 @@
             </a:r>
             <a:r>
               <a:rPr lang="cs-CZ" baseline="0" dirty="0" smtClean="0"/>
-              <a:t> krátký čas na </a:t>
-            </a:r>
-            <a:r>
-              <a:rPr lang="cs-CZ" baseline="0" dirty="0" smtClean="0"/>
-              <a:t>vyšetření; </a:t>
-            </a:r>
-            <a:r>
-              <a:rPr lang="cs-CZ" baseline="0" dirty="0" smtClean="0"/>
-              <a:t/>
+              <a:t> krátký čas na vyšetření; </a:t>
             </a:r>
             <a:br>
               <a:rPr lang="cs-CZ" baseline="0" dirty="0" smtClean="0"/>
@@ -9181,11 +9258,11 @@
   <p:clrMapOvr>
     <a:masterClrMapping/>
   </p:clrMapOvr>
-  <mc:AlternateContent xmlns:mc="http://schemas.openxmlformats.org/markup-compatibility/2006">
-    <mc:Choice xmlns:p14="http://schemas.microsoft.com/office/powerpoint/2010/main" Requires="p14">
+  <mc:AlternateContent xmlns:mc="http://schemas.openxmlformats.org/markup-compatibility/2006" xmlns:p14="http://schemas.microsoft.com/office/powerpoint/2010/main">
+    <mc:Choice Requires="p14">
       <p:transition p14:dur="0"/>
     </mc:Choice>
-    <mc:Fallback>
+    <mc:Fallback xmlns="">
       <p:transition/>
     </mc:Fallback>
   </mc:AlternateContent>
@@ -9293,13 +9370,11 @@
           <a:p>
             <a:r>
               <a:rPr lang="cs-CZ" dirty="0" smtClean="0"/>
-              <a:t>Glykemické profily</a:t>
-            </a:r>
-          </a:p>
-          <a:p>
+              <a:t>Import </a:t>
+            </a:r>
             <a:r>
               <a:rPr lang="cs-CZ" dirty="0" smtClean="0"/>
-              <a:t>Import dat ze zařízení</a:t>
+              <a:t>dat ze zařízení</a:t>
             </a:r>
           </a:p>
           <a:p>
@@ -9393,11 +9468,11 @@
   <p:clrMapOvr>
     <a:masterClrMapping/>
   </p:clrMapOvr>
-  <mc:AlternateContent xmlns:mc="http://schemas.openxmlformats.org/markup-compatibility/2006">
-    <mc:Choice xmlns:p14="http://schemas.microsoft.com/office/powerpoint/2010/main" Requires="p14">
+  <mc:AlternateContent xmlns:mc="http://schemas.openxmlformats.org/markup-compatibility/2006" xmlns:p14="http://schemas.microsoft.com/office/powerpoint/2010/main">
+    <mc:Choice Requires="p14">
       <p:transition p14:dur="0"/>
     </mc:Choice>
-    <mc:Fallback>
+    <mc:Fallback xmlns="">
       <p:transition/>
     </mc:Fallback>
   </mc:AlternateContent>
@@ -9412,6 +9487,448 @@
 </file>
 
 <file path=ppt/slides/slide11.xml><?xml version="1.0" encoding="utf-8"?>
+<p:sld xmlns:a="http://schemas.openxmlformats.org/drawingml/2006/main" xmlns:r="http://schemas.openxmlformats.org/officeDocument/2006/relationships" xmlns:p="http://schemas.openxmlformats.org/presentationml/2006/main">
+  <p:cSld>
+    <p:spTree>
+      <p:nvGrpSpPr>
+        <p:cNvPr id="1" name=""/>
+        <p:cNvGrpSpPr/>
+        <p:nvPr/>
+      </p:nvGrpSpPr>
+      <p:grpSpPr>
+        <a:xfrm>
+          <a:off x="0" y="0"/>
+          <a:ext cx="0" cy="0"/>
+          <a:chOff x="0" y="0"/>
+          <a:chExt cx="0" cy="0"/>
+        </a:xfrm>
+      </p:grpSpPr>
+      <p:sp>
+        <p:nvSpPr>
+          <p:cNvPr id="2" name="Nadpis 1"/>
+          <p:cNvSpPr>
+            <a:spLocks noGrp="1"/>
+          </p:cNvSpPr>
+          <p:nvPr>
+            <p:ph type="title"/>
+          </p:nvPr>
+        </p:nvSpPr>
+        <p:spPr/>
+        <p:txBody>
+          <a:bodyPr/>
+          <a:lstStyle/>
+          <a:p>
+            <a:r>
+              <a:rPr lang="cs-CZ" dirty="0" smtClean="0"/>
+              <a:t>Implementace</a:t>
+            </a:r>
+            <a:endParaRPr lang="cs-CZ" dirty="0"/>
+          </a:p>
+        </p:txBody>
+      </p:sp>
+      <p:sp>
+        <p:nvSpPr>
+          <p:cNvPr id="4" name="Zástupný symbol pro obsah 3"/>
+          <p:cNvSpPr>
+            <a:spLocks noGrp="1"/>
+          </p:cNvSpPr>
+          <p:nvPr>
+            <p:ph sz="half" idx="1"/>
+          </p:nvPr>
+        </p:nvSpPr>
+        <p:spPr>
+          <a:xfrm>
+            <a:off x="646111" y="1163783"/>
+            <a:ext cx="6716590" cy="5248891"/>
+          </a:xfrm>
+        </p:spPr>
+        <p:txBody>
+          <a:bodyPr>
+            <a:noAutofit/>
+          </a:bodyPr>
+          <a:lstStyle/>
+          <a:p>
+            <a:r>
+              <a:rPr lang="cs-CZ" b="1" dirty="0" smtClean="0">
+                <a:solidFill>
+                  <a:schemeClr val="accent3">
+                    <a:lumMod val="60000"/>
+                    <a:lumOff val="40000"/>
+                  </a:schemeClr>
+                </a:solidFill>
+              </a:rPr>
+              <a:t>Přihlašovací a registrační rozhraní</a:t>
+            </a:r>
+          </a:p>
+          <a:p>
+            <a:r>
+              <a:rPr lang="cs-CZ" b="1" dirty="0" smtClean="0">
+                <a:solidFill>
+                  <a:schemeClr val="accent3">
+                    <a:lumMod val="60000"/>
+                    <a:lumOff val="40000"/>
+                  </a:schemeClr>
+                </a:solidFill>
+              </a:rPr>
+              <a:t>Přehledový graf</a:t>
+            </a:r>
+          </a:p>
+          <a:p>
+            <a:r>
+              <a:rPr lang="cs-CZ" b="1" dirty="0" smtClean="0">
+                <a:solidFill>
+                  <a:schemeClr val="accent3">
+                    <a:lumMod val="60000"/>
+                    <a:lumOff val="40000"/>
+                  </a:schemeClr>
+                </a:solidFill>
+              </a:rPr>
+              <a:t>Glykemické profily</a:t>
+            </a:r>
+          </a:p>
+          <a:p>
+            <a:r>
+              <a:rPr lang="cs-CZ" b="1" dirty="0" smtClean="0">
+                <a:solidFill>
+                  <a:schemeClr val="accent3">
+                    <a:lumMod val="60000"/>
+                    <a:lumOff val="40000"/>
+                  </a:schemeClr>
+                </a:solidFill>
+              </a:rPr>
+              <a:t>Správa uživatelského účtu</a:t>
+            </a:r>
+          </a:p>
+          <a:p>
+            <a:r>
+              <a:rPr lang="cs-CZ" b="1" dirty="0" smtClean="0">
+                <a:solidFill>
+                  <a:schemeClr val="accent3">
+                    <a:lumMod val="60000"/>
+                    <a:lumOff val="40000"/>
+                  </a:schemeClr>
+                </a:solidFill>
+              </a:rPr>
+              <a:t>Propojování zařízení se systémem</a:t>
+            </a:r>
+          </a:p>
+          <a:p>
+            <a:r>
+              <a:rPr lang="cs-CZ" b="1" dirty="0" smtClean="0">
+                <a:solidFill>
+                  <a:schemeClr val="accent3">
+                    <a:lumMod val="60000"/>
+                    <a:lumOff val="40000"/>
+                  </a:schemeClr>
+                </a:solidFill>
+              </a:rPr>
+              <a:t>Import </a:t>
+            </a:r>
+            <a:r>
+              <a:rPr lang="cs-CZ" b="1" dirty="0" smtClean="0">
+                <a:solidFill>
+                  <a:schemeClr val="accent3">
+                    <a:lumMod val="60000"/>
+                    <a:lumOff val="40000"/>
+                  </a:schemeClr>
+                </a:solidFill>
+              </a:rPr>
+              <a:t>dat ze zařízení</a:t>
+            </a:r>
+          </a:p>
+          <a:p>
+            <a:r>
+              <a:rPr lang="cs-CZ" b="1" dirty="0" smtClean="0">
+                <a:solidFill>
+                  <a:schemeClr val="accent3">
+                    <a:lumMod val="60000"/>
+                    <a:lumOff val="40000"/>
+                  </a:schemeClr>
+                </a:solidFill>
+              </a:rPr>
+              <a:t>Export dat</a:t>
+            </a:r>
+          </a:p>
+          <a:p>
+            <a:r>
+              <a:rPr lang="cs-CZ" b="1" dirty="0" smtClean="0">
+                <a:solidFill>
+                  <a:schemeClr val="accent3">
+                    <a:lumMod val="60000"/>
+                    <a:lumOff val="40000"/>
+                  </a:schemeClr>
+                </a:solidFill>
+              </a:rPr>
+              <a:t>Správa pacientů a pacientských karet</a:t>
+            </a:r>
+          </a:p>
+          <a:p>
+            <a:r>
+              <a:rPr lang="cs-CZ" b="1" dirty="0" smtClean="0">
+                <a:solidFill>
+                  <a:schemeClr val="accent3">
+                    <a:lumMod val="60000"/>
+                    <a:lumOff val="40000"/>
+                  </a:schemeClr>
+                </a:solidFill>
+              </a:rPr>
+              <a:t>Přiřazování a další správa zařízení s pacientem</a:t>
+            </a:r>
+          </a:p>
+          <a:p>
+            <a:r>
+              <a:rPr lang="cs-CZ" b="1" dirty="0" smtClean="0">
+                <a:solidFill>
+                  <a:schemeClr val="accent3">
+                    <a:lumMod val="60000"/>
+                    <a:lumOff val="40000"/>
+                  </a:schemeClr>
+                </a:solidFill>
+              </a:rPr>
+              <a:t>Vytváření pacientských skupin</a:t>
+            </a:r>
+          </a:p>
+          <a:p>
+            <a:r>
+              <a:rPr lang="cs-CZ" b="1" dirty="0" smtClean="0">
+                <a:solidFill>
+                  <a:schemeClr val="accent3">
+                    <a:lumMod val="60000"/>
+                    <a:lumOff val="40000"/>
+                  </a:schemeClr>
+                </a:solidFill>
+              </a:rPr>
+              <a:t>Analytické moduly Jídelních a Glykemických situací </a:t>
+            </a:r>
+          </a:p>
+          <a:p>
+            <a:r>
+              <a:rPr lang="cs-CZ" b="1" dirty="0" smtClean="0">
+                <a:solidFill>
+                  <a:schemeClr val="accent3">
+                    <a:lumMod val="60000"/>
+                    <a:lumOff val="40000"/>
+                  </a:schemeClr>
+                </a:solidFill>
+              </a:rPr>
+              <a:t>Správa uživatelských účtů</a:t>
+            </a:r>
+            <a:endParaRPr lang="cs-CZ" b="1" dirty="0">
+              <a:solidFill>
+                <a:schemeClr val="accent3">
+                  <a:lumMod val="60000"/>
+                  <a:lumOff val="40000"/>
+                </a:schemeClr>
+              </a:solidFill>
+            </a:endParaRPr>
+          </a:p>
+        </p:txBody>
+      </p:sp>
+      <p:sp>
+        <p:nvSpPr>
+          <p:cNvPr id="5" name="Zástupný symbol pro obsah 4"/>
+          <p:cNvSpPr>
+            <a:spLocks noGrp="1"/>
+          </p:cNvSpPr>
+          <p:nvPr>
+            <p:ph sz="half" idx="2"/>
+          </p:nvPr>
+        </p:nvSpPr>
+        <p:spPr>
+          <a:xfrm>
+            <a:off x="7362701" y="1306291"/>
+            <a:ext cx="3728851" cy="4843172"/>
+          </a:xfrm>
+        </p:spPr>
+        <p:txBody>
+          <a:bodyPr>
+            <a:normAutofit/>
+          </a:bodyPr>
+          <a:lstStyle/>
+          <a:p>
+            <a:r>
+              <a:rPr lang="cs-CZ" dirty="0" smtClean="0"/>
+              <a:t>Správa diabetického deníku</a:t>
+            </a:r>
+          </a:p>
+          <a:p>
+            <a:r>
+              <a:rPr lang="cs-CZ" dirty="0" smtClean="0"/>
+              <a:t>Osobnostní dotazník</a:t>
+            </a:r>
+          </a:p>
+          <a:p>
+            <a:r>
+              <a:rPr lang="cs-CZ" dirty="0" smtClean="0"/>
+              <a:t>Záznam krevního tlaku</a:t>
+            </a:r>
+            <a:endParaRPr lang="cs-CZ" dirty="0"/>
+          </a:p>
+        </p:txBody>
+      </p:sp>
+    </p:spTree>
+    <p:extLst>
+      <p:ext uri="{BB962C8B-B14F-4D97-AF65-F5344CB8AC3E}">
+        <p14:creationId xmlns:p14="http://schemas.microsoft.com/office/powerpoint/2010/main" val="910042424"/>
+      </p:ext>
+    </p:extLst>
+  </p:cSld>
+  <p:clrMapOvr>
+    <a:masterClrMapping/>
+  </p:clrMapOvr>
+  <mc:AlternateContent xmlns:mc="http://schemas.openxmlformats.org/markup-compatibility/2006" xmlns:p14="http://schemas.microsoft.com/office/powerpoint/2010/main">
+    <mc:Choice Requires="p14">
+      <p:transition p14:dur="0"/>
+    </mc:Choice>
+    <mc:Fallback xmlns="">
+      <p:transition/>
+    </mc:Fallback>
+  </mc:AlternateContent>
+  <p:timing>
+    <p:tnLst>
+      <p:par>
+        <p:cTn id="1" dur="indefinite" restart="never" nodeType="tmRoot"/>
+      </p:par>
+    </p:tnLst>
+  </p:timing>
+</p:sld>
+</file>
+
+<file path=ppt/slides/slide12.xml><?xml version="1.0" encoding="utf-8"?>
+<p:sld xmlns:a="http://schemas.openxmlformats.org/drawingml/2006/main" xmlns:r="http://schemas.openxmlformats.org/officeDocument/2006/relationships" xmlns:p="http://schemas.openxmlformats.org/presentationml/2006/main">
+  <p:cSld>
+    <p:spTree>
+      <p:nvGrpSpPr>
+        <p:cNvPr id="1" name=""/>
+        <p:cNvGrpSpPr/>
+        <p:nvPr/>
+      </p:nvGrpSpPr>
+      <p:grpSpPr>
+        <a:xfrm>
+          <a:off x="0" y="0"/>
+          <a:ext cx="0" cy="0"/>
+          <a:chOff x="0" y="0"/>
+          <a:chExt cx="0" cy="0"/>
+        </a:xfrm>
+      </p:grpSpPr>
+      <p:sp>
+        <p:nvSpPr>
+          <p:cNvPr id="5" name="Nadpis 4"/>
+          <p:cNvSpPr>
+            <a:spLocks noGrp="1"/>
+          </p:cNvSpPr>
+          <p:nvPr>
+            <p:ph type="title"/>
+          </p:nvPr>
+        </p:nvSpPr>
+        <p:spPr/>
+        <p:txBody>
+          <a:bodyPr/>
+          <a:lstStyle/>
+          <a:p>
+            <a:r>
+              <a:rPr lang="cs-CZ" dirty="0" smtClean="0"/>
+              <a:t>Vizualizace dat</a:t>
+            </a:r>
+            <a:endParaRPr lang="cs-CZ" dirty="0"/>
+          </a:p>
+        </p:txBody>
+      </p:sp>
+      <p:sp>
+        <p:nvSpPr>
+          <p:cNvPr id="6" name="Zástupný symbol pro obsah 5"/>
+          <p:cNvSpPr>
+            <a:spLocks noGrp="1"/>
+          </p:cNvSpPr>
+          <p:nvPr>
+            <p:ph idx="1"/>
+          </p:nvPr>
+        </p:nvSpPr>
+        <p:spPr/>
+        <p:txBody>
+          <a:bodyPr/>
+          <a:lstStyle/>
+          <a:p>
+            <a:r>
+              <a:rPr lang="cs-CZ" dirty="0" smtClean="0"/>
+              <a:t>Komplexní grafy </a:t>
+            </a:r>
+            <a:r>
+              <a:rPr lang="cs-CZ" dirty="0"/>
+              <a:t>a tabulky pro </a:t>
+            </a:r>
+            <a:r>
+              <a:rPr lang="cs-CZ" dirty="0" smtClean="0"/>
+              <a:t>porovnaní souvislostí </a:t>
+            </a:r>
+            <a:r>
+              <a:rPr lang="cs-CZ" dirty="0"/>
+              <a:t>mezi </a:t>
+            </a:r>
+            <a:r>
+              <a:rPr lang="cs-CZ" dirty="0" smtClean="0"/>
+              <a:t>sledovanými parametry </a:t>
+            </a:r>
+            <a:r>
+              <a:rPr lang="cs-CZ" dirty="0"/>
+              <a:t>v case</a:t>
+            </a:r>
+            <a:endParaRPr lang="cs-CZ" dirty="0"/>
+          </a:p>
+          <a:p>
+            <a:r>
+              <a:rPr lang="cs-CZ" dirty="0" smtClean="0"/>
+              <a:t>Glykemické profily</a:t>
+            </a:r>
+            <a:endParaRPr lang="cs-CZ" dirty="0"/>
+          </a:p>
+          <a:p>
+            <a:r>
+              <a:rPr lang="cs-CZ" dirty="0" smtClean="0"/>
+              <a:t>Import </a:t>
+            </a:r>
+            <a:r>
+              <a:rPr lang="cs-CZ" dirty="0"/>
+              <a:t>a export souboru </a:t>
+            </a:r>
+            <a:r>
+              <a:rPr lang="cs-CZ" dirty="0" smtClean="0"/>
+              <a:t>naměřených </a:t>
+            </a:r>
+            <a:r>
+              <a:rPr lang="cs-CZ" dirty="0"/>
+              <a:t>dat</a:t>
+            </a:r>
+            <a:endParaRPr lang="cs-CZ" dirty="0"/>
+          </a:p>
+        </p:txBody>
+      </p:sp>
+    </p:spTree>
+    <p:extLst>
+      <p:ext uri="{BB962C8B-B14F-4D97-AF65-F5344CB8AC3E}">
+        <p14:creationId xmlns:p14="http://schemas.microsoft.com/office/powerpoint/2010/main" val="4105965884"/>
+      </p:ext>
+    </p:extLst>
+  </p:cSld>
+  <p:clrMapOvr>
+    <a:masterClrMapping/>
+  </p:clrMapOvr>
+  <mc:AlternateContent xmlns:mc="http://schemas.openxmlformats.org/markup-compatibility/2006" xmlns:p14="http://schemas.microsoft.com/office/powerpoint/2010/main">
+    <mc:Choice Requires="p14">
+      <p:transition spd="slow" p14:dur="1250">
+        <p:pull/>
+      </p:transition>
+    </mc:Choice>
+    <mc:Fallback xmlns="">
+      <p:transition spd="slow">
+        <p:pull/>
+      </p:transition>
+    </mc:Fallback>
+  </mc:AlternateContent>
+</p:sld>
+</file>
+
+<file path=ppt/slides/slide13.xml><?xml version="1.0" encoding="utf-8"?>
 <p:sld xmlns:a="http://schemas.openxmlformats.org/drawingml/2006/main" xmlns:r="http://schemas.openxmlformats.org/officeDocument/2006/relationships" xmlns:p="http://schemas.openxmlformats.org/presentationml/2006/main">
   <p:cSld>
     <p:spTree>
@@ -9518,11 +10035,11 @@
   <p:clrMapOvr>
     <a:masterClrMapping/>
   </p:clrMapOvr>
-  <mc:AlternateContent xmlns:mc="http://schemas.openxmlformats.org/markup-compatibility/2006">
-    <mc:Choice xmlns:p14="http://schemas.microsoft.com/office/powerpoint/2010/main" Requires="p14">
+  <mc:AlternateContent xmlns:mc="http://schemas.openxmlformats.org/markup-compatibility/2006" xmlns:p14="http://schemas.microsoft.com/office/powerpoint/2010/main">
+    <mc:Choice Requires="p14">
       <p:transition p14:dur="0"/>
     </mc:Choice>
-    <mc:Fallback>
+    <mc:Fallback xmlns="">
       <p:transition/>
     </mc:Fallback>
   </mc:AlternateContent>
@@ -9536,7 +10053,115 @@
 </p:sld>
 </file>
 
-<file path=ppt/slides/slide12.xml><?xml version="1.0" encoding="utf-8"?>
+<file path=ppt/slides/slide14.xml><?xml version="1.0" encoding="utf-8"?>
+<p:sld xmlns:a="http://schemas.openxmlformats.org/drawingml/2006/main" xmlns:r="http://schemas.openxmlformats.org/officeDocument/2006/relationships" xmlns:p="http://schemas.openxmlformats.org/presentationml/2006/main">
+  <p:cSld>
+    <p:spTree>
+      <p:nvGrpSpPr>
+        <p:cNvPr id="1" name=""/>
+        <p:cNvGrpSpPr/>
+        <p:nvPr/>
+      </p:nvGrpSpPr>
+      <p:grpSpPr>
+        <a:xfrm>
+          <a:off x="0" y="0"/>
+          <a:ext cx="0" cy="0"/>
+          <a:chOff x="0" y="0"/>
+          <a:chExt cx="0" cy="0"/>
+        </a:xfrm>
+      </p:grpSpPr>
+      <p:sp>
+        <p:nvSpPr>
+          <p:cNvPr id="2" name="Nadpis 1"/>
+          <p:cNvSpPr>
+            <a:spLocks noGrp="1"/>
+          </p:cNvSpPr>
+          <p:nvPr>
+            <p:ph type="title"/>
+          </p:nvPr>
+        </p:nvSpPr>
+        <p:spPr/>
+        <p:txBody>
+          <a:bodyPr/>
+          <a:lstStyle/>
+          <a:p>
+            <a:r>
+              <a:rPr lang="cs-CZ" dirty="0" smtClean="0"/>
+              <a:t>Administrace </a:t>
+            </a:r>
+            <a:r>
+              <a:rPr lang="cs-CZ" dirty="0" err="1" smtClean="0"/>
+              <a:t>telemedicínského</a:t>
+            </a:r>
+            <a:r>
+              <a:rPr lang="cs-CZ" dirty="0" smtClean="0"/>
+              <a:t> systému</a:t>
+            </a:r>
+            <a:endParaRPr lang="cs-CZ" dirty="0"/>
+          </a:p>
+        </p:txBody>
+      </p:sp>
+      <p:sp>
+        <p:nvSpPr>
+          <p:cNvPr id="3" name="Zástupný symbol pro obsah 2"/>
+          <p:cNvSpPr>
+            <a:spLocks noGrp="1"/>
+          </p:cNvSpPr>
+          <p:nvPr>
+            <p:ph idx="1"/>
+          </p:nvPr>
+        </p:nvSpPr>
+        <p:spPr/>
+        <p:txBody>
+          <a:bodyPr/>
+          <a:lstStyle/>
+          <a:p>
+            <a:r>
+              <a:rPr lang="cs-CZ" dirty="0" smtClean="0"/>
+              <a:t>Správa pacientů a pacientských skupin</a:t>
+            </a:r>
+          </a:p>
+          <a:p>
+            <a:r>
+              <a:rPr lang="cs-CZ" dirty="0" smtClean="0"/>
+              <a:t>Správa uživatelů a přístupů</a:t>
+            </a:r>
+          </a:p>
+          <a:p>
+            <a:r>
+              <a:rPr lang="cs-CZ" dirty="0" smtClean="0"/>
+              <a:t>Správa a přiřazení zařízení</a:t>
+            </a:r>
+            <a:endParaRPr lang="cs-CZ" dirty="0"/>
+          </a:p>
+        </p:txBody>
+      </p:sp>
+    </p:spTree>
+    <p:extLst>
+      <p:ext uri="{BB962C8B-B14F-4D97-AF65-F5344CB8AC3E}">
+        <p14:creationId xmlns:p14="http://schemas.microsoft.com/office/powerpoint/2010/main" val="4254110561"/>
+      </p:ext>
+    </p:extLst>
+  </p:cSld>
+  <p:clrMapOvr>
+    <a:masterClrMapping/>
+  </p:clrMapOvr>
+  <mc:AlternateContent xmlns:mc="http://schemas.openxmlformats.org/markup-compatibility/2006" xmlns:p14="http://schemas.microsoft.com/office/powerpoint/2010/main">
+    <mc:Choice Requires="p14">
+      <p:transition spd="slow" p14:dur="1250">
+        <p:pull/>
+      </p:transition>
+    </mc:Choice>
+    <mc:Fallback xmlns="">
+      <p:transition spd="slow">
+        <p:pull/>
+      </p:transition>
+    </mc:Fallback>
+  </mc:AlternateContent>
+</p:sld>
+</file>
+
+<file path=ppt/slides/slide15.xml><?xml version="1.0" encoding="utf-8"?>
 <p:sld xmlns:a="http://schemas.openxmlformats.org/drawingml/2006/main" xmlns:r="http://schemas.openxmlformats.org/officeDocument/2006/relationships" xmlns:p="http://schemas.openxmlformats.org/presentationml/2006/main">
   <p:cSld>
     <p:spTree>
@@ -9615,11 +10240,11 @@
   <p:clrMapOvr>
     <a:masterClrMapping/>
   </p:clrMapOvr>
-  <mc:AlternateContent xmlns:mc="http://schemas.openxmlformats.org/markup-compatibility/2006">
-    <mc:Choice xmlns:p14="http://schemas.microsoft.com/office/powerpoint/2010/main" Requires="p14">
+  <mc:AlternateContent xmlns:mc="http://schemas.openxmlformats.org/markup-compatibility/2006" xmlns:p14="http://schemas.microsoft.com/office/powerpoint/2010/main">
+    <mc:Choice Requires="p14">
       <p:transition p14:dur="0"/>
     </mc:Choice>
-    <mc:Fallback>
+    <mc:Fallback xmlns="">
       <p:transition/>
     </mc:Fallback>
   </mc:AlternateContent>
@@ -9633,7 +10258,7 @@
 </p:sld>
 </file>
 
-<file path=ppt/slides/slide13.xml><?xml version="1.0" encoding="utf-8"?>
+<file path=ppt/slides/slide16.xml><?xml version="1.0" encoding="utf-8"?>
 <p:sld xmlns:a="http://schemas.openxmlformats.org/drawingml/2006/main" xmlns:r="http://schemas.openxmlformats.org/officeDocument/2006/relationships" xmlns:p="http://schemas.openxmlformats.org/presentationml/2006/main">
   <p:cSld>
     <p:spTree>
@@ -9835,11 +10460,11 @@
   <p:clrMapOvr>
     <a:masterClrMapping/>
   </p:clrMapOvr>
-  <mc:AlternateContent xmlns:mc="http://schemas.openxmlformats.org/markup-compatibility/2006">
-    <mc:Choice xmlns:p14="http://schemas.microsoft.com/office/powerpoint/2010/main" Requires="p14">
+  <mc:AlternateContent xmlns:mc="http://schemas.openxmlformats.org/markup-compatibility/2006" xmlns:p14="http://schemas.microsoft.com/office/powerpoint/2010/main">
+    <mc:Choice Requires="p14">
       <p:transition p14:dur="0"/>
     </mc:Choice>
-    <mc:Fallback>
+    <mc:Fallback xmlns="">
       <p:transition/>
     </mc:Fallback>
   </mc:AlternateContent>
@@ -9853,7 +10478,7 @@
 </p:sld>
 </file>
 
-<file path=ppt/slides/slide14.xml><?xml version="1.0" encoding="utf-8"?>
+<file path=ppt/slides/slide17.xml><?xml version="1.0" encoding="utf-8"?>
 <p:sld xmlns:a="http://schemas.openxmlformats.org/drawingml/2006/main" xmlns:r="http://schemas.openxmlformats.org/officeDocument/2006/relationships" xmlns:p="http://schemas.openxmlformats.org/presentationml/2006/main">
   <p:cSld>
     <p:spTree>
@@ -9931,11 +10556,11 @@
   <p:clrMapOvr>
     <a:masterClrMapping/>
   </p:clrMapOvr>
-  <mc:AlternateContent xmlns:mc="http://schemas.openxmlformats.org/markup-compatibility/2006">
-    <mc:Choice xmlns:p14="http://schemas.microsoft.com/office/powerpoint/2010/main" Requires="p14">
+  <mc:AlternateContent xmlns:mc="http://schemas.openxmlformats.org/markup-compatibility/2006" xmlns:p14="http://schemas.microsoft.com/office/powerpoint/2010/main">
+    <mc:Choice Requires="p14">
       <p:transition p14:dur="0"/>
     </mc:Choice>
-    <mc:Fallback>
+    <mc:Fallback xmlns="">
       <p:transition/>
     </mc:Fallback>
   </mc:AlternateContent>
@@ -9949,7 +10574,7 @@
 </p:sld>
 </file>
 
-<file path=ppt/slides/slide15.xml><?xml version="1.0" encoding="utf-8"?>
+<file path=ppt/slides/slide18.xml><?xml version="1.0" encoding="utf-8"?>
 <p:sld xmlns:a="http://schemas.openxmlformats.org/drawingml/2006/main" xmlns:r="http://schemas.openxmlformats.org/officeDocument/2006/relationships" xmlns:p="http://schemas.openxmlformats.org/presentationml/2006/main">
   <p:cSld>
     <p:spTree>
@@ -10119,11 +10744,11 @@
   <p:clrMapOvr>
     <a:masterClrMapping/>
   </p:clrMapOvr>
-  <mc:AlternateContent xmlns:mc="http://schemas.openxmlformats.org/markup-compatibility/2006">
-    <mc:Choice xmlns:p14="http://schemas.microsoft.com/office/powerpoint/2010/main" Requires="p14">
+  <mc:AlternateContent xmlns:mc="http://schemas.openxmlformats.org/markup-compatibility/2006" xmlns:p14="http://schemas.microsoft.com/office/powerpoint/2010/main">
+    <mc:Choice Requires="p14">
       <p:transition p14:dur="0"/>
     </mc:Choice>
-    <mc:Fallback>
+    <mc:Fallback xmlns="">
       <p:transition/>
     </mc:Fallback>
   </mc:AlternateContent>
@@ -10137,7 +10762,7 @@
 </p:sld>
 </file>
 
-<file path=ppt/slides/slide16.xml><?xml version="1.0" encoding="utf-8"?>
+<file path=ppt/slides/slide19.xml><?xml version="1.0" encoding="utf-8"?>
 <p:sld xmlns:a="http://schemas.openxmlformats.org/drawingml/2006/main" xmlns:r="http://schemas.openxmlformats.org/officeDocument/2006/relationships" xmlns:p="http://schemas.openxmlformats.org/presentationml/2006/main">
   <p:cSld>
     <p:spTree>
@@ -10215,11 +10840,11 @@
   <p:clrMapOvr>
     <a:masterClrMapping/>
   </p:clrMapOvr>
-  <mc:AlternateContent xmlns:mc="http://schemas.openxmlformats.org/markup-compatibility/2006">
-    <mc:Choice xmlns:p14="http://schemas.microsoft.com/office/powerpoint/2010/main" Requires="p14">
+  <mc:AlternateContent xmlns:mc="http://schemas.openxmlformats.org/markup-compatibility/2006" xmlns:p14="http://schemas.microsoft.com/office/powerpoint/2010/main">
+    <mc:Choice Requires="p14">
       <p:transition p14:dur="0"/>
     </mc:Choice>
-    <mc:Fallback>
+    <mc:Fallback xmlns="">
       <p:transition/>
     </mc:Fallback>
   </mc:AlternateContent>
@@ -10233,7 +10858,149 @@
 </p:sld>
 </file>
 
-<file path=ppt/slides/slide17.xml><?xml version="1.0" encoding="utf-8"?>
+<file path=ppt/slides/slide2.xml><?xml version="1.0" encoding="utf-8"?>
+<p:sld xmlns:a="http://schemas.openxmlformats.org/drawingml/2006/main" xmlns:r="http://schemas.openxmlformats.org/officeDocument/2006/relationships" xmlns:p="http://schemas.openxmlformats.org/presentationml/2006/main">
+  <p:cSld>
+    <p:spTree>
+      <p:nvGrpSpPr>
+        <p:cNvPr id="1" name=""/>
+        <p:cNvGrpSpPr/>
+        <p:nvPr/>
+      </p:nvGrpSpPr>
+      <p:grpSpPr>
+        <a:xfrm>
+          <a:off x="0" y="0"/>
+          <a:ext cx="0" cy="0"/>
+          <a:chOff x="0" y="0"/>
+          <a:chExt cx="0" cy="0"/>
+        </a:xfrm>
+      </p:grpSpPr>
+      <p:sp>
+        <p:nvSpPr>
+          <p:cNvPr id="2" name="Nadpis 1"/>
+          <p:cNvSpPr>
+            <a:spLocks noGrp="1"/>
+          </p:cNvSpPr>
+          <p:nvPr>
+            <p:ph type="title"/>
+          </p:nvPr>
+        </p:nvSpPr>
+        <p:spPr/>
+        <p:txBody>
+          <a:bodyPr/>
+          <a:lstStyle/>
+          <a:p>
+            <a:r>
+              <a:rPr lang="cs-CZ" dirty="0" smtClean="0"/>
+              <a:t>Zadání práce</a:t>
+            </a:r>
+            <a:endParaRPr lang="cs-CZ" dirty="0"/>
+          </a:p>
+        </p:txBody>
+      </p:sp>
+      <p:sp>
+        <p:nvSpPr>
+          <p:cNvPr id="3" name="Zástupný symbol pro obsah 2"/>
+          <p:cNvSpPr>
+            <a:spLocks noGrp="1"/>
+          </p:cNvSpPr>
+          <p:nvPr>
+            <p:ph idx="1"/>
+          </p:nvPr>
+        </p:nvSpPr>
+        <p:spPr/>
+        <p:txBody>
+          <a:bodyPr/>
+          <a:lstStyle/>
+          <a:p>
+            <a:pPr>
+              <a:lnSpc>
+                <a:spcPct val="150000"/>
+              </a:lnSpc>
+            </a:pPr>
+            <a:r>
+              <a:rPr lang="cs-CZ" sz="2400" dirty="0" smtClean="0"/>
+              <a:t>Navrhnout a implementovat webovou aplikaci</a:t>
+            </a:r>
+          </a:p>
+          <a:p>
+            <a:pPr>
+              <a:lnSpc>
+                <a:spcPct val="150000"/>
+              </a:lnSpc>
+            </a:pPr>
+            <a:r>
+              <a:rPr lang="cs-CZ" sz="2400" dirty="0" smtClean="0"/>
+              <a:t>Využít prostředky nad existující databází MS SQL</a:t>
+            </a:r>
+          </a:p>
+          <a:p>
+            <a:pPr>
+              <a:lnSpc>
+                <a:spcPct val="150000"/>
+              </a:lnSpc>
+            </a:pPr>
+            <a:r>
+              <a:rPr lang="cs-CZ" sz="2400" dirty="0" smtClean="0"/>
+              <a:t>Umožnit vzdálené sledování lékařem</a:t>
+            </a:r>
+          </a:p>
+          <a:p>
+            <a:pPr>
+              <a:lnSpc>
+                <a:spcPct val="150000"/>
+              </a:lnSpc>
+            </a:pPr>
+            <a:r>
+              <a:rPr lang="cs-CZ" sz="2400" dirty="0" smtClean="0"/>
+              <a:t>Využití pro klinické studie</a:t>
+            </a:r>
+          </a:p>
+          <a:p>
+            <a:pPr>
+              <a:lnSpc>
+                <a:spcPct val="150000"/>
+              </a:lnSpc>
+            </a:pPr>
+            <a:r>
+              <a:rPr lang="cs-CZ" sz="2400" dirty="0" smtClean="0"/>
+              <a:t>Využít technologie ASP.NET MVC</a:t>
+            </a:r>
+          </a:p>
+          <a:p>
+            <a:endParaRPr lang="cs-CZ" dirty="0"/>
+          </a:p>
+        </p:txBody>
+      </p:sp>
+    </p:spTree>
+    <p:extLst>
+      <p:ext uri="{BB962C8B-B14F-4D97-AF65-F5344CB8AC3E}">
+        <p14:creationId xmlns:p14="http://schemas.microsoft.com/office/powerpoint/2010/main" val="610636057"/>
+      </p:ext>
+    </p:extLst>
+  </p:cSld>
+  <p:clrMapOvr>
+    <a:masterClrMapping/>
+  </p:clrMapOvr>
+  <mc:AlternateContent xmlns:mc="http://schemas.openxmlformats.org/markup-compatibility/2006" xmlns:p14="http://schemas.microsoft.com/office/powerpoint/2010/main">
+    <mc:Choice Requires="p14">
+      <p:transition p14:dur="0"/>
+    </mc:Choice>
+    <mc:Fallback xmlns="">
+      <p:transition/>
+    </mc:Fallback>
+  </mc:AlternateContent>
+  <p:timing>
+    <p:tnLst>
+      <p:par>
+        <p:cTn id="1" dur="indefinite" restart="never" nodeType="tmRoot"/>
+      </p:par>
+    </p:tnLst>
+  </p:timing>
+</p:sld>
+</file>
+
+<file path=ppt/slides/slide20.xml><?xml version="1.0" encoding="utf-8"?>
 <p:sld xmlns:a="http://schemas.openxmlformats.org/drawingml/2006/main" xmlns:r="http://schemas.openxmlformats.org/officeDocument/2006/relationships" xmlns:p="http://schemas.openxmlformats.org/presentationml/2006/main">
   <p:cSld>
     <p:spTree>
@@ -10311,11 +11078,11 @@
   <p:clrMapOvr>
     <a:masterClrMapping/>
   </p:clrMapOvr>
-  <mc:AlternateContent xmlns:mc="http://schemas.openxmlformats.org/markup-compatibility/2006">
-    <mc:Choice xmlns:p14="http://schemas.microsoft.com/office/powerpoint/2010/main" Requires="p14">
+  <mc:AlternateContent xmlns:mc="http://schemas.openxmlformats.org/markup-compatibility/2006" xmlns:p14="http://schemas.microsoft.com/office/powerpoint/2010/main">
+    <mc:Choice Requires="p14">
       <p:transition p14:dur="0"/>
     </mc:Choice>
-    <mc:Fallback>
+    <mc:Fallback xmlns="">
       <p:transition/>
     </mc:Fallback>
   </mc:AlternateContent>
@@ -10329,7 +11096,7 @@
 </p:sld>
 </file>
 
-<file path=ppt/slides/slide18.xml><?xml version="1.0" encoding="utf-8"?>
+<file path=ppt/slides/slide21.xml><?xml version="1.0" encoding="utf-8"?>
 <p:sld xmlns:a="http://schemas.openxmlformats.org/drawingml/2006/main" xmlns:r="http://schemas.openxmlformats.org/officeDocument/2006/relationships" xmlns:p="http://schemas.openxmlformats.org/presentationml/2006/main">
   <p:cSld>
     <p:spTree>
@@ -10499,11 +11266,11 @@
   <p:clrMapOvr>
     <a:masterClrMapping/>
   </p:clrMapOvr>
-  <mc:AlternateContent xmlns:mc="http://schemas.openxmlformats.org/markup-compatibility/2006">
-    <mc:Choice xmlns:p14="http://schemas.microsoft.com/office/powerpoint/2010/main" Requires="p14">
+  <mc:AlternateContent xmlns:mc="http://schemas.openxmlformats.org/markup-compatibility/2006" xmlns:p14="http://schemas.microsoft.com/office/powerpoint/2010/main">
+    <mc:Choice Requires="p14">
       <p:transition p14:dur="0"/>
     </mc:Choice>
-    <mc:Fallback>
+    <mc:Fallback xmlns="">
       <p:transition/>
     </mc:Fallback>
   </mc:AlternateContent>
@@ -10517,7 +11284,7 @@
 </p:sld>
 </file>
 
-<file path=ppt/slides/slide19.xml><?xml version="1.0" encoding="utf-8"?>
+<file path=ppt/slides/slide22.xml><?xml version="1.0" encoding="utf-8"?>
 <p:sld xmlns:a="http://schemas.openxmlformats.org/drawingml/2006/main" xmlns:r="http://schemas.openxmlformats.org/officeDocument/2006/relationships" xmlns:p="http://schemas.openxmlformats.org/presentationml/2006/main">
   <p:cSld>
     <p:spTree>
@@ -10598,11 +11365,11 @@
   <p:clrMapOvr>
     <a:masterClrMapping/>
   </p:clrMapOvr>
-  <mc:AlternateContent xmlns:mc="http://schemas.openxmlformats.org/markup-compatibility/2006">
-    <mc:Choice xmlns:p14="http://schemas.microsoft.com/office/powerpoint/2010/main" Requires="p14">
+  <mc:AlternateContent xmlns:mc="http://schemas.openxmlformats.org/markup-compatibility/2006" xmlns:p14="http://schemas.microsoft.com/office/powerpoint/2010/main">
+    <mc:Choice Requires="p14">
       <p:transition p14:dur="0"/>
     </mc:Choice>
-    <mc:Fallback>
+    <mc:Fallback xmlns="">
       <p:transition/>
     </mc:Fallback>
   </mc:AlternateContent>
@@ -10616,161 +11383,7 @@
 </p:sld>
 </file>
 
-<file path=ppt/slides/slide2.xml><?xml version="1.0" encoding="utf-8"?>
-<p:sld xmlns:a="http://schemas.openxmlformats.org/drawingml/2006/main" xmlns:r="http://schemas.openxmlformats.org/officeDocument/2006/relationships" xmlns:p="http://schemas.openxmlformats.org/presentationml/2006/main">
-  <p:cSld>
-    <p:spTree>
-      <p:nvGrpSpPr>
-        <p:cNvPr id="1" name=""/>
-        <p:cNvGrpSpPr/>
-        <p:nvPr/>
-      </p:nvGrpSpPr>
-      <p:grpSpPr>
-        <a:xfrm>
-          <a:off x="0" y="0"/>
-          <a:ext cx="0" cy="0"/>
-          <a:chOff x="0" y="0"/>
-          <a:chExt cx="0" cy="0"/>
-        </a:xfrm>
-      </p:grpSpPr>
-      <p:sp>
-        <p:nvSpPr>
-          <p:cNvPr id="2" name="Nadpis 1"/>
-          <p:cNvSpPr>
-            <a:spLocks noGrp="1"/>
-          </p:cNvSpPr>
-          <p:nvPr>
-            <p:ph type="title"/>
-          </p:nvPr>
-        </p:nvSpPr>
-        <p:spPr/>
-        <p:txBody>
-          <a:bodyPr/>
-          <a:lstStyle/>
-          <a:p>
-            <a:r>
-              <a:rPr lang="cs-CZ" dirty="0" smtClean="0"/>
-              <a:t>Zadání práce</a:t>
-            </a:r>
-            <a:endParaRPr lang="cs-CZ" dirty="0"/>
-          </a:p>
-        </p:txBody>
-      </p:sp>
-      <p:sp>
-        <p:nvSpPr>
-          <p:cNvPr id="3" name="Zástupný symbol pro obsah 2"/>
-          <p:cNvSpPr>
-            <a:spLocks noGrp="1"/>
-          </p:cNvSpPr>
-          <p:nvPr>
-            <p:ph idx="1"/>
-          </p:nvPr>
-        </p:nvSpPr>
-        <p:spPr/>
-        <p:txBody>
-          <a:bodyPr/>
-          <a:lstStyle/>
-          <a:p>
-            <a:pPr>
-              <a:lnSpc>
-                <a:spcPct val="150000"/>
-              </a:lnSpc>
-            </a:pPr>
-            <a:r>
-              <a:rPr lang="cs-CZ" sz="2400" dirty="0" smtClean="0"/>
-              <a:t>Navrhnout a implementovat webovou aplikaci</a:t>
-            </a:r>
-          </a:p>
-          <a:p>
-            <a:pPr>
-              <a:lnSpc>
-                <a:spcPct val="150000"/>
-              </a:lnSpc>
-            </a:pPr>
-            <a:r>
-              <a:rPr lang="cs-CZ" sz="2400" dirty="0" smtClean="0"/>
-              <a:t>Využít prostředky </a:t>
-            </a:r>
-            <a:r>
-              <a:rPr lang="cs-CZ" sz="2400" dirty="0" smtClean="0"/>
-              <a:t>nad existující databází MS SQL</a:t>
-            </a:r>
-          </a:p>
-          <a:p>
-            <a:pPr>
-              <a:lnSpc>
-                <a:spcPct val="150000"/>
-              </a:lnSpc>
-            </a:pPr>
-            <a:r>
-              <a:rPr lang="cs-CZ" sz="2400" dirty="0" smtClean="0"/>
-              <a:t>Umožnit </a:t>
-            </a:r>
-            <a:r>
-              <a:rPr lang="cs-CZ" sz="2400" dirty="0" smtClean="0"/>
-              <a:t>vzdálené sledování lékařem</a:t>
-            </a:r>
-          </a:p>
-          <a:p>
-            <a:pPr>
-              <a:lnSpc>
-                <a:spcPct val="150000"/>
-              </a:lnSpc>
-            </a:pPr>
-            <a:r>
-              <a:rPr lang="cs-CZ" sz="2400" dirty="0" smtClean="0"/>
-              <a:t>Využití pro klinické studie</a:t>
-            </a:r>
-          </a:p>
-          <a:p>
-            <a:pPr>
-              <a:lnSpc>
-                <a:spcPct val="150000"/>
-              </a:lnSpc>
-            </a:pPr>
-            <a:r>
-              <a:rPr lang="cs-CZ" sz="2400" dirty="0" smtClean="0"/>
-              <a:t>Využít </a:t>
-            </a:r>
-            <a:r>
-              <a:rPr lang="cs-CZ" sz="2400" dirty="0" smtClean="0"/>
-              <a:t>technologie ASP.NET MVC</a:t>
-            </a:r>
-          </a:p>
-          <a:p>
-            <a:endParaRPr lang="cs-CZ" dirty="0"/>
-          </a:p>
-        </p:txBody>
-      </p:sp>
-    </p:spTree>
-    <p:extLst>
-      <p:ext uri="{BB962C8B-B14F-4D97-AF65-F5344CB8AC3E}">
-        <p14:creationId xmlns:p14="http://schemas.microsoft.com/office/powerpoint/2010/main" val="610636057"/>
-      </p:ext>
-    </p:extLst>
-  </p:cSld>
-  <p:clrMapOvr>
-    <a:masterClrMapping/>
-  </p:clrMapOvr>
-  <mc:AlternateContent xmlns:mc="http://schemas.openxmlformats.org/markup-compatibility/2006">
-    <mc:Choice xmlns:p14="http://schemas.microsoft.com/office/powerpoint/2010/main" Requires="p14">
-      <p:transition p14:dur="0"/>
-    </mc:Choice>
-    <mc:Fallback>
-      <p:transition/>
-    </mc:Fallback>
-  </mc:AlternateContent>
-  <p:timing>
-    <p:tnLst>
-      <p:par>
-        <p:cTn id="1" dur="indefinite" restart="never" nodeType="tmRoot"/>
-      </p:par>
-    </p:tnLst>
-  </p:timing>
-</p:sld>
-</file>
-
-<file path=ppt/slides/slide20.xml><?xml version="1.0" encoding="utf-8"?>
+<file path=ppt/slides/slide23.xml><?xml version="1.0" encoding="utf-8"?>
 <p:sld xmlns:a="http://schemas.openxmlformats.org/drawingml/2006/main" xmlns:r="http://schemas.openxmlformats.org/officeDocument/2006/relationships" xmlns:p="http://schemas.openxmlformats.org/presentationml/2006/main">
   <p:cSld>
     <p:spTree>
@@ -10909,11 +11522,11 @@
   <p:clrMapOvr>
     <a:masterClrMapping/>
   </p:clrMapOvr>
-  <mc:AlternateContent xmlns:mc="http://schemas.openxmlformats.org/markup-compatibility/2006">
-    <mc:Choice xmlns:p14="http://schemas.microsoft.com/office/powerpoint/2010/main" Requires="p14">
+  <mc:AlternateContent xmlns:mc="http://schemas.openxmlformats.org/markup-compatibility/2006" xmlns:p14="http://schemas.microsoft.com/office/powerpoint/2010/main">
+    <mc:Choice Requires="p14">
       <p:transition p14:dur="0"/>
     </mc:Choice>
-    <mc:Fallback>
+    <mc:Fallback xmlns="">
       <p:transition/>
     </mc:Fallback>
   </mc:AlternateContent>
@@ -10927,7 +11540,7 @@
 </p:sld>
 </file>
 
-<file path=ppt/slides/slide21.xml><?xml version="1.0" encoding="utf-8"?>
+<file path=ppt/slides/slide24.xml><?xml version="1.0" encoding="utf-8"?>
 <p:sld xmlns:a="http://schemas.openxmlformats.org/drawingml/2006/main" xmlns:r="http://schemas.openxmlformats.org/officeDocument/2006/relationships" xmlns:p="http://schemas.openxmlformats.org/presentationml/2006/main">
   <p:cSld>
     <p:spTree>
@@ -10961,7 +11574,7 @@
           <a:p>
             <a:r>
               <a:rPr lang="cs-CZ" dirty="0" smtClean="0"/>
-              <a:t>Závěr</a:t>
+              <a:t>Souhrn implementace</a:t>
             </a:r>
             <a:endParaRPr lang="cs-CZ" dirty="0"/>
           </a:p>
@@ -10979,97 +11592,74 @@
         </p:nvSpPr>
         <p:spPr/>
         <p:txBody>
-          <a:bodyPr>
-            <a:normAutofit/>
-          </a:bodyPr>
+          <a:bodyPr/>
           <a:lstStyle/>
           <a:p>
-            <a:pPr>
-              <a:lnSpc>
-                <a:spcPct val="150000"/>
-              </a:lnSpc>
-            </a:pPr>
-            <a:r>
-              <a:rPr lang="cs-CZ" sz="2400" dirty="0" smtClean="0"/>
-              <a:t>Vytvořena aplikace pro intepretaci dat</a:t>
-            </a:r>
-          </a:p>
-          <a:p>
-            <a:pPr>
-              <a:lnSpc>
-                <a:spcPct val="150000"/>
-              </a:lnSpc>
-            </a:pPr>
-            <a:r>
-              <a:rPr lang="cs-CZ" sz="2400" dirty="0" smtClean="0"/>
-              <a:t>Aplikace umožňuje importovat data z různých zařízení</a:t>
-            </a:r>
-          </a:p>
-          <a:p>
-            <a:pPr>
-              <a:lnSpc>
-                <a:spcPct val="150000"/>
-              </a:lnSpc>
-            </a:pPr>
-            <a:r>
-              <a:rPr lang="cs-CZ" sz="2400" dirty="0" smtClean="0"/>
-              <a:t>Moduly pro analýzu</a:t>
-            </a:r>
-          </a:p>
-          <a:p>
-            <a:pPr>
-              <a:lnSpc>
-                <a:spcPct val="150000"/>
-              </a:lnSpc>
-            </a:pPr>
-            <a:r>
-              <a:rPr lang="cs-CZ" sz="2400" dirty="0" smtClean="0"/>
-              <a:t>Funkční návrh hodnocen 8 respondenty</a:t>
-            </a:r>
-          </a:p>
-          <a:p>
-            <a:pPr>
-              <a:lnSpc>
-                <a:spcPct val="150000"/>
-              </a:lnSpc>
-            </a:pPr>
-            <a:r>
-              <a:rPr lang="cs-CZ" sz="2400" dirty="0" smtClean="0"/>
-              <a:t>Aplikace je nasazena v provozu </a:t>
-            </a:r>
-            <a:endParaRPr lang="cs-CZ" sz="2400" dirty="0"/>
+            <a:r>
+              <a:rPr lang="cs-CZ" dirty="0" smtClean="0"/>
+              <a:t>Samotná implementace má cca 8 000 řádků kódu</a:t>
+            </a:r>
+          </a:p>
+          <a:p>
+            <a:r>
+              <a:rPr lang="cs-CZ" dirty="0" smtClean="0"/>
+              <a:t>Jedná se cca 90 souborů</a:t>
+            </a:r>
+          </a:p>
+          <a:p>
+            <a:r>
+              <a:rPr lang="cs-CZ" dirty="0" smtClean="0"/>
+              <a:t>Bylo implementováno cca 500 tříd a metod</a:t>
+            </a:r>
+          </a:p>
+          <a:p>
+            <a:r>
+              <a:rPr lang="cs-CZ" dirty="0" smtClean="0"/>
+              <a:t>Bylo provedeno více než 200 </a:t>
+            </a:r>
+            <a:r>
+              <a:rPr lang="cs-CZ" dirty="0" err="1" smtClean="0"/>
+              <a:t>commitů</a:t>
+            </a:r>
+            <a:r>
+              <a:rPr lang="cs-CZ" dirty="0" smtClean="0"/>
+              <a:t> kódu</a:t>
+            </a:r>
+          </a:p>
+          <a:p>
+            <a:endParaRPr lang="cs-CZ" dirty="0" smtClean="0"/>
+          </a:p>
+          <a:p>
+            <a:endParaRPr lang="cs-CZ" dirty="0"/>
           </a:p>
         </p:txBody>
       </p:sp>
     </p:spTree>
     <p:extLst>
       <p:ext uri="{BB962C8B-B14F-4D97-AF65-F5344CB8AC3E}">
-        <p14:creationId xmlns:p14="http://schemas.microsoft.com/office/powerpoint/2010/main" val="1947264434"/>
+        <p14:creationId xmlns:p14="http://schemas.microsoft.com/office/powerpoint/2010/main" val="3540360629"/>
       </p:ext>
     </p:extLst>
   </p:cSld>
   <p:clrMapOvr>
     <a:masterClrMapping/>
   </p:clrMapOvr>
-  <mc:AlternateContent xmlns:mc="http://schemas.openxmlformats.org/markup-compatibility/2006">
-    <mc:Choice xmlns:p14="http://schemas.microsoft.com/office/powerpoint/2010/main" Requires="p14">
-      <p:transition p14:dur="0"/>
+  <mc:AlternateContent xmlns:mc="http://schemas.openxmlformats.org/markup-compatibility/2006" xmlns:p14="http://schemas.microsoft.com/office/powerpoint/2010/main">
+    <mc:Choice Requires="p14">
+      <p:transition spd="slow" p14:dur="1250">
+        <p:pull/>
+      </p:transition>
     </mc:Choice>
-    <mc:Fallback>
-      <p:transition/>
+    <mc:Fallback xmlns="">
+      <p:transition spd="slow">
+        <p:pull/>
+      </p:transition>
     </mc:Fallback>
   </mc:AlternateContent>
-  <p:timing>
-    <p:tnLst>
-      <p:par>
-        <p:cTn id="1" dur="indefinite" restart="never" nodeType="tmRoot"/>
-      </p:par>
-    </p:tnLst>
-  </p:timing>
 </p:sld>
 </file>
 
-<file path=ppt/slides/slide22.xml><?xml version="1.0" encoding="utf-8"?>
+<file path=ppt/slides/slide25.xml><?xml version="1.0" encoding="utf-8"?>
 <p:sld xmlns:a="http://schemas.openxmlformats.org/drawingml/2006/main" xmlns:r="http://schemas.openxmlformats.org/officeDocument/2006/relationships" xmlns:p="http://schemas.openxmlformats.org/presentationml/2006/main">
   <p:cSld>
     <p:spTree>
@@ -11103,7 +11693,7 @@
           <a:p>
             <a:r>
               <a:rPr lang="cs-CZ" dirty="0" smtClean="0"/>
-              <a:t>Publikace</a:t>
+              <a:t>Závěr</a:t>
             </a:r>
             <a:endParaRPr lang="cs-CZ" dirty="0"/>
           </a:p>
@@ -11119,155 +11709,85 @@
             <p:ph idx="1"/>
           </p:nvPr>
         </p:nvSpPr>
-        <p:spPr>
-          <a:xfrm>
-            <a:off x="646112" y="1246910"/>
-            <a:ext cx="11241088" cy="5001490"/>
-          </a:xfrm>
-        </p:spPr>
+        <p:spPr/>
         <p:txBody>
           <a:bodyPr>
-            <a:noAutofit/>
+            <a:normAutofit/>
           </a:bodyPr>
           <a:lstStyle/>
           <a:p>
-            <a:r>
-              <a:rPr lang="cs-CZ" dirty="0"/>
-              <a:t>POLÁČEK, Milan, Anna HOLUBOVÁ, Jan MUŽÍK, Karel HÁNA, Pavel SMRČKA, Milan KVAPIL a Jan BROŽ. Aplikace pro automatické vyhledávání situací zvýšené fyzické aktivity v datech získaných z krokoměru a jejich komparace s hodnotami glykémie ze CGM u pacientů s diabetes mellitus.</a:t>
-            </a:r>
-            <a:r>
-              <a:rPr lang="cs-CZ" i="1" dirty="0"/>
-              <a:t> Diabetologie - Metabolismus - Endokrinologie - Výživa: </a:t>
-            </a:r>
-            <a:r>
-              <a:rPr lang="cs-CZ" i="1" dirty="0" err="1"/>
-              <a:t>magazine</a:t>
-            </a:r>
-            <a:r>
-              <a:rPr lang="cs-CZ" i="1" dirty="0"/>
-              <a:t> </a:t>
-            </a:r>
-            <a:r>
-              <a:rPr lang="cs-CZ" i="1" dirty="0" err="1"/>
-              <a:t>for</a:t>
-            </a:r>
-            <a:r>
-              <a:rPr lang="cs-CZ" i="1" dirty="0"/>
-              <a:t> </a:t>
-            </a:r>
-            <a:r>
-              <a:rPr lang="cs-CZ" i="1" dirty="0" err="1"/>
-              <a:t>postgradual</a:t>
-            </a:r>
-            <a:r>
-              <a:rPr lang="cs-CZ" i="1" dirty="0"/>
-              <a:t> </a:t>
-            </a:r>
-            <a:r>
-              <a:rPr lang="cs-CZ" i="1" dirty="0" err="1"/>
-              <a:t>education</a:t>
-            </a:r>
-            <a:r>
-              <a:rPr lang="cs-CZ" dirty="0"/>
-              <a:t>. Praha: Tigris, spol., 2017, </a:t>
-            </a:r>
-            <a:r>
-              <a:rPr lang="cs-CZ" b="1" dirty="0"/>
-              <a:t>20</a:t>
-            </a:r>
-            <a:r>
-              <a:rPr lang="cs-CZ" dirty="0"/>
-              <a:t>(S1), 52. ISSN 1211-9326</a:t>
-            </a:r>
-            <a:r>
-              <a:rPr lang="cs-CZ" dirty="0" smtClean="0"/>
-              <a:t>.</a:t>
-            </a:r>
-          </a:p>
-          <a:p>
-            <a:r>
-              <a:rPr lang="cs-CZ" dirty="0"/>
-              <a:t>POLÁČEK, Milan, Jan MUŽÍK, Marek DOKSANSKÝ, Anna HOLUBOVÁ, Jan BROŽ, Dominik FIALA, Miroslav MUŽNÝ, Karel HÁNA, Jan KAŠPAR, et al. Webový portál pro ukládání, správu, zobrazování a vyhodnocování dat pacientů s diabetes mellitus 1. typu.</a:t>
-            </a:r>
-            <a:r>
-              <a:rPr lang="cs-CZ" i="1" dirty="0"/>
-              <a:t> Diabetologie - Metabolismus - Endokrinologie - Výživa: </a:t>
-            </a:r>
-            <a:r>
-              <a:rPr lang="cs-CZ" i="1" dirty="0" err="1"/>
-              <a:t>magazine</a:t>
-            </a:r>
-            <a:r>
-              <a:rPr lang="cs-CZ" i="1" dirty="0"/>
-              <a:t> </a:t>
-            </a:r>
-            <a:r>
-              <a:rPr lang="cs-CZ" i="1" dirty="0" err="1"/>
-              <a:t>for</a:t>
-            </a:r>
-            <a:r>
-              <a:rPr lang="cs-CZ" i="1" dirty="0"/>
-              <a:t> </a:t>
-            </a:r>
-            <a:r>
-              <a:rPr lang="cs-CZ" i="1" dirty="0" err="1"/>
-              <a:t>postgradual</a:t>
-            </a:r>
-            <a:r>
-              <a:rPr lang="cs-CZ" i="1" dirty="0"/>
-              <a:t> </a:t>
-            </a:r>
-            <a:r>
-              <a:rPr lang="cs-CZ" i="1" dirty="0" err="1"/>
-              <a:t>education</a:t>
-            </a:r>
-            <a:r>
-              <a:rPr lang="cs-CZ" dirty="0"/>
-              <a:t>. Praha: Tigris, spol., 2016, </a:t>
-            </a:r>
-            <a:r>
-              <a:rPr lang="cs-CZ" b="1" dirty="0"/>
-              <a:t>19</a:t>
-            </a:r>
-            <a:r>
-              <a:rPr lang="cs-CZ" dirty="0"/>
-              <a:t>(1), 59. ISSN 1221-9326</a:t>
-            </a:r>
-            <a:r>
-              <a:rPr lang="cs-CZ" dirty="0" smtClean="0"/>
-              <a:t>.</a:t>
-            </a:r>
-          </a:p>
-          <a:p>
-            <a:r>
-              <a:rPr lang="cs-CZ" dirty="0" smtClean="0"/>
-              <a:t>V další 14 publikacích jsem spoluautorem</a:t>
-            </a:r>
-            <a:endParaRPr lang="cs-CZ" dirty="0"/>
-          </a:p>
-          <a:p>
-            <a:pPr marL="0" indent="0">
-              <a:buNone/>
+            <a:pPr>
+              <a:lnSpc>
+                <a:spcPct val="150000"/>
+              </a:lnSpc>
             </a:pPr>
-            <a:endParaRPr lang="cs-CZ" sz="1100" dirty="0"/>
+            <a:r>
+              <a:rPr lang="cs-CZ" sz="2400" dirty="0" smtClean="0"/>
+              <a:t>Vytvořena aplikace pro intepretaci dat</a:t>
+            </a:r>
+          </a:p>
+          <a:p>
+            <a:pPr>
+              <a:lnSpc>
+                <a:spcPct val="150000"/>
+              </a:lnSpc>
+            </a:pPr>
+            <a:r>
+              <a:rPr lang="cs-CZ" sz="2400" dirty="0" smtClean="0"/>
+              <a:t>Aplikace umožňuje importovat data z různých zařízení</a:t>
+            </a:r>
+          </a:p>
+          <a:p>
+            <a:pPr>
+              <a:lnSpc>
+                <a:spcPct val="150000"/>
+              </a:lnSpc>
+            </a:pPr>
+            <a:r>
+              <a:rPr lang="cs-CZ" sz="2400" dirty="0" smtClean="0"/>
+              <a:t>Moduly pro analýzu</a:t>
+            </a:r>
+          </a:p>
+          <a:p>
+            <a:pPr>
+              <a:lnSpc>
+                <a:spcPct val="150000"/>
+              </a:lnSpc>
+            </a:pPr>
+            <a:r>
+              <a:rPr lang="cs-CZ" sz="2400" dirty="0" smtClean="0"/>
+              <a:t>Funkční návrh hodnocen 8 respondenty</a:t>
+            </a:r>
+          </a:p>
+          <a:p>
+            <a:pPr>
+              <a:lnSpc>
+                <a:spcPct val="150000"/>
+              </a:lnSpc>
+            </a:pPr>
+            <a:r>
+              <a:rPr lang="cs-CZ" sz="2400" dirty="0" smtClean="0"/>
+              <a:t>Aplikace je nasazena v provozu </a:t>
+            </a:r>
+            <a:endParaRPr lang="cs-CZ" sz="2400" dirty="0"/>
           </a:p>
         </p:txBody>
       </p:sp>
     </p:spTree>
     <p:extLst>
       <p:ext uri="{BB962C8B-B14F-4D97-AF65-F5344CB8AC3E}">
-        <p14:creationId xmlns:p14="http://schemas.microsoft.com/office/powerpoint/2010/main" val="2768531885"/>
+        <p14:creationId xmlns:p14="http://schemas.microsoft.com/office/powerpoint/2010/main" val="1947264434"/>
       </p:ext>
     </p:extLst>
   </p:cSld>
   <p:clrMapOvr>
     <a:masterClrMapping/>
   </p:clrMapOvr>
-  <mc:AlternateContent xmlns:mc="http://schemas.openxmlformats.org/markup-compatibility/2006">
-    <mc:Choice xmlns:p14="http://schemas.microsoft.com/office/powerpoint/2010/main" Requires="p14">
+  <mc:AlternateContent xmlns:mc="http://schemas.openxmlformats.org/markup-compatibility/2006" xmlns:p14="http://schemas.microsoft.com/office/powerpoint/2010/main">
+    <mc:Choice Requires="p14">
       <p:transition p14:dur="0"/>
     </mc:Choice>
-    <mc:Fallback>
+    <mc:Fallback xmlns="">
       <p:transition/>
     </mc:Fallback>
   </mc:AlternateContent>
@@ -11281,7 +11801,7 @@
 </p:sld>
 </file>
 
-<file path=ppt/slides/slide23.xml><?xml version="1.0" encoding="utf-8"?>
+<file path=ppt/slides/slide26.xml><?xml version="1.0" encoding="utf-8"?>
 <p:sld xmlns:a="http://schemas.openxmlformats.org/drawingml/2006/main" xmlns:r="http://schemas.openxmlformats.org/officeDocument/2006/relationships" xmlns:p="http://schemas.openxmlformats.org/presentationml/2006/main">
   <p:cSld>
     <p:spTree>
@@ -11300,6 +11820,218 @@
       </p:grpSpPr>
       <p:sp>
         <p:nvSpPr>
+          <p:cNvPr id="2" name="Nadpis 1"/>
+          <p:cNvSpPr>
+            <a:spLocks noGrp="1"/>
+          </p:cNvSpPr>
+          <p:nvPr>
+            <p:ph type="title"/>
+          </p:nvPr>
+        </p:nvSpPr>
+        <p:spPr/>
+        <p:txBody>
+          <a:bodyPr/>
+          <a:lstStyle/>
+          <a:p>
+            <a:r>
+              <a:rPr lang="cs-CZ" dirty="0" smtClean="0"/>
+              <a:t>Publikace</a:t>
+            </a:r>
+            <a:endParaRPr lang="cs-CZ" dirty="0"/>
+          </a:p>
+        </p:txBody>
+      </p:sp>
+      <p:sp>
+        <p:nvSpPr>
+          <p:cNvPr id="3" name="Zástupný symbol pro obsah 2"/>
+          <p:cNvSpPr>
+            <a:spLocks noGrp="1"/>
+          </p:cNvSpPr>
+          <p:nvPr>
+            <p:ph idx="1"/>
+          </p:nvPr>
+        </p:nvSpPr>
+        <p:spPr>
+          <a:xfrm>
+            <a:off x="646112" y="1246910"/>
+            <a:ext cx="11241088" cy="5001490"/>
+          </a:xfrm>
+        </p:spPr>
+        <p:txBody>
+          <a:bodyPr>
+            <a:noAutofit/>
+          </a:bodyPr>
+          <a:lstStyle/>
+          <a:p>
+            <a:r>
+              <a:rPr lang="cs-CZ" dirty="0"/>
+              <a:t>POLÁČEK, Milan, Anna HOLUBOVÁ, Jan MUŽÍK, Karel HÁNA, Pavel SMRČKA, Milan KVAPIL a Jan BROŽ. Aplikace pro automatické vyhledávání situací zvýšené fyzické aktivity v datech získaných z krokoměru a jejich komparace s hodnotami glykémie ze CGM u pacientů s diabetes mellitus.</a:t>
+            </a:r>
+            <a:r>
+              <a:rPr lang="cs-CZ" i="1" dirty="0"/>
+              <a:t> Diabetologie - Metabolismus - Endokrinologie - Výživa: </a:t>
+            </a:r>
+            <a:r>
+              <a:rPr lang="cs-CZ" i="1" dirty="0" err="1"/>
+              <a:t>magazine</a:t>
+            </a:r>
+            <a:r>
+              <a:rPr lang="cs-CZ" i="1" dirty="0"/>
+              <a:t> </a:t>
+            </a:r>
+            <a:r>
+              <a:rPr lang="cs-CZ" i="1" dirty="0" err="1"/>
+              <a:t>for</a:t>
+            </a:r>
+            <a:r>
+              <a:rPr lang="cs-CZ" i="1" dirty="0"/>
+              <a:t> </a:t>
+            </a:r>
+            <a:r>
+              <a:rPr lang="cs-CZ" i="1" dirty="0" err="1"/>
+              <a:t>postgradual</a:t>
+            </a:r>
+            <a:r>
+              <a:rPr lang="cs-CZ" i="1" dirty="0"/>
+              <a:t> </a:t>
+            </a:r>
+            <a:r>
+              <a:rPr lang="cs-CZ" i="1" dirty="0" err="1"/>
+              <a:t>education</a:t>
+            </a:r>
+            <a:r>
+              <a:rPr lang="cs-CZ" dirty="0"/>
+              <a:t>. Praha: Tigris, spol., 2017, </a:t>
+            </a:r>
+            <a:r>
+              <a:rPr lang="cs-CZ" b="1" dirty="0"/>
+              <a:t>20</a:t>
+            </a:r>
+            <a:r>
+              <a:rPr lang="cs-CZ" dirty="0"/>
+              <a:t>(S1), 52. ISSN 1211-9326</a:t>
+            </a:r>
+            <a:r>
+              <a:rPr lang="cs-CZ" dirty="0" smtClean="0"/>
+              <a:t>.</a:t>
+            </a:r>
+          </a:p>
+          <a:p>
+            <a:r>
+              <a:rPr lang="cs-CZ" dirty="0"/>
+              <a:t>POLÁČEK, Milan, Jan MUŽÍK, Marek DOKSANSKÝ, Anna HOLUBOVÁ, Jan BROŽ, Dominik FIALA, Miroslav MUŽNÝ, Karel HÁNA, Jan KAŠPAR, et al. Webový portál pro ukládání, správu, zobrazování a vyhodnocování dat pacientů s diabetes mellitus 1. typu.</a:t>
+            </a:r>
+            <a:r>
+              <a:rPr lang="cs-CZ" i="1" dirty="0"/>
+              <a:t> Diabetologie - Metabolismus - Endokrinologie - Výživa: </a:t>
+            </a:r>
+            <a:r>
+              <a:rPr lang="cs-CZ" i="1" dirty="0" err="1"/>
+              <a:t>magazine</a:t>
+            </a:r>
+            <a:r>
+              <a:rPr lang="cs-CZ" i="1" dirty="0"/>
+              <a:t> </a:t>
+            </a:r>
+            <a:r>
+              <a:rPr lang="cs-CZ" i="1" dirty="0" err="1"/>
+              <a:t>for</a:t>
+            </a:r>
+            <a:r>
+              <a:rPr lang="cs-CZ" i="1" dirty="0"/>
+              <a:t> </a:t>
+            </a:r>
+            <a:r>
+              <a:rPr lang="cs-CZ" i="1" dirty="0" err="1"/>
+              <a:t>postgradual</a:t>
+            </a:r>
+            <a:r>
+              <a:rPr lang="cs-CZ" i="1" dirty="0"/>
+              <a:t> </a:t>
+            </a:r>
+            <a:r>
+              <a:rPr lang="cs-CZ" i="1" dirty="0" err="1"/>
+              <a:t>education</a:t>
+            </a:r>
+            <a:r>
+              <a:rPr lang="cs-CZ" dirty="0"/>
+              <a:t>. Praha: Tigris, spol., 2016, </a:t>
+            </a:r>
+            <a:r>
+              <a:rPr lang="cs-CZ" b="1" dirty="0"/>
+              <a:t>19</a:t>
+            </a:r>
+            <a:r>
+              <a:rPr lang="cs-CZ" dirty="0"/>
+              <a:t>(1), 59. ISSN 1221-9326</a:t>
+            </a:r>
+            <a:r>
+              <a:rPr lang="cs-CZ" dirty="0" smtClean="0"/>
+              <a:t>.</a:t>
+            </a:r>
+          </a:p>
+          <a:p>
+            <a:r>
+              <a:rPr lang="cs-CZ" dirty="0" smtClean="0"/>
+              <a:t>V další 14 publikacích jsem spoluautorem</a:t>
+            </a:r>
+            <a:endParaRPr lang="cs-CZ" dirty="0"/>
+          </a:p>
+          <a:p>
+            <a:pPr marL="0" indent="0">
+              <a:buNone/>
+            </a:pPr>
+            <a:endParaRPr lang="cs-CZ" sz="1100" dirty="0"/>
+          </a:p>
+        </p:txBody>
+      </p:sp>
+    </p:spTree>
+    <p:extLst>
+      <p:ext uri="{BB962C8B-B14F-4D97-AF65-F5344CB8AC3E}">
+        <p14:creationId xmlns:p14="http://schemas.microsoft.com/office/powerpoint/2010/main" val="2768531885"/>
+      </p:ext>
+    </p:extLst>
+  </p:cSld>
+  <p:clrMapOvr>
+    <a:masterClrMapping/>
+  </p:clrMapOvr>
+  <mc:AlternateContent xmlns:mc="http://schemas.openxmlformats.org/markup-compatibility/2006" xmlns:p14="http://schemas.microsoft.com/office/powerpoint/2010/main">
+    <mc:Choice Requires="p14">
+      <p:transition p14:dur="0"/>
+    </mc:Choice>
+    <mc:Fallback xmlns="">
+      <p:transition/>
+    </mc:Fallback>
+  </mc:AlternateContent>
+  <p:timing>
+    <p:tnLst>
+      <p:par>
+        <p:cTn id="1" dur="indefinite" restart="never" nodeType="tmRoot"/>
+      </p:par>
+    </p:tnLst>
+  </p:timing>
+</p:sld>
+</file>
+
+<file path=ppt/slides/slide27.xml><?xml version="1.0" encoding="utf-8"?>
+<p:sld xmlns:a="http://schemas.openxmlformats.org/drawingml/2006/main" xmlns:r="http://schemas.openxmlformats.org/officeDocument/2006/relationships" xmlns:p="http://schemas.openxmlformats.org/presentationml/2006/main">
+  <p:cSld>
+    <p:spTree>
+      <p:nvGrpSpPr>
+        <p:cNvPr id="1" name=""/>
+        <p:cNvGrpSpPr/>
+        <p:nvPr/>
+      </p:nvGrpSpPr>
+      <p:grpSpPr>
+        <a:xfrm>
+          <a:off x="0" y="0"/>
+          <a:ext cx="0" cy="0"/>
+          <a:chOff x="0" y="0"/>
+          <a:chExt cx="0" cy="0"/>
+        </a:xfrm>
+      </p:grpSpPr>
+      <p:sp>
+        <p:nvSpPr>
           <p:cNvPr id="4" name="Nadpis 3"/>
           <p:cNvSpPr>
             <a:spLocks noGrp="1"/>
@@ -11409,11 +12141,11 @@
   <p:clrMapOvr>
     <a:masterClrMapping/>
   </p:clrMapOvr>
-  <mc:AlternateContent xmlns:mc="http://schemas.openxmlformats.org/markup-compatibility/2006">
-    <mc:Choice xmlns:p14="http://schemas.microsoft.com/office/powerpoint/2010/main" Requires="p14">
+  <mc:AlternateContent xmlns:mc="http://schemas.openxmlformats.org/markup-compatibility/2006" xmlns:p14="http://schemas.microsoft.com/office/powerpoint/2010/main">
+    <mc:Choice Requires="p14">
       <p:transition p14:dur="0"/>
     </mc:Choice>
-    <mc:Fallback>
+    <mc:Fallback xmlns="">
       <p:transition/>
     </mc:Fallback>
   </mc:AlternateContent>
@@ -11502,11 +12234,7 @@
             </a:pPr>
             <a:r>
               <a:rPr lang="cs-CZ" sz="2400" dirty="0" smtClean="0"/>
-              <a:t>Nekompatibilita </a:t>
-            </a:r>
-            <a:r>
-              <a:rPr lang="cs-CZ" sz="2400" dirty="0" smtClean="0"/>
-              <a:t>přístrojů</a:t>
+              <a:t>Nekompatibilita přístrojů</a:t>
             </a:r>
           </a:p>
           <a:p>
@@ -11528,13 +12256,8 @@
             </a:pPr>
             <a:r>
               <a:rPr lang="cs-CZ" sz="2400" dirty="0" smtClean="0"/>
-              <a:t>Špatná edukace </a:t>
-            </a:r>
-            <a:r>
-              <a:rPr lang="cs-CZ" sz="2400" dirty="0" smtClean="0"/>
-              <a:t>pacienta </a:t>
-            </a:r>
-            <a:endParaRPr lang="cs-CZ" sz="2400" dirty="0" smtClean="0"/>
+              <a:t>Špatná edukace pacienta </a:t>
+            </a:r>
           </a:p>
           <a:p>
             <a:pPr>
@@ -11575,11 +12298,11 @@
   <p:clrMapOvr>
     <a:masterClrMapping/>
   </p:clrMapOvr>
-  <mc:AlternateContent xmlns:mc="http://schemas.openxmlformats.org/markup-compatibility/2006">
-    <mc:Choice xmlns:p14="http://schemas.microsoft.com/office/powerpoint/2010/main" Requires="p14">
+  <mc:AlternateContent xmlns:mc="http://schemas.openxmlformats.org/markup-compatibility/2006" xmlns:p14="http://schemas.microsoft.com/office/powerpoint/2010/main">
+    <mc:Choice Requires="p14">
       <p:transition p14:dur="0"/>
     </mc:Choice>
-    <mc:Fallback>
+    <mc:Fallback xmlns="">
       <p:transition/>
     </mc:Fallback>
   </mc:AlternateContent>
@@ -15194,11 +15917,11 @@
   <p:clrMapOvr>
     <a:masterClrMapping/>
   </p:clrMapOvr>
-  <mc:AlternateContent xmlns:mc="http://schemas.openxmlformats.org/markup-compatibility/2006">
-    <mc:Choice xmlns:p14="http://schemas.microsoft.com/office/powerpoint/2010/main" Requires="p14">
+  <mc:AlternateContent xmlns:mc="http://schemas.openxmlformats.org/markup-compatibility/2006" xmlns:p14="http://schemas.microsoft.com/office/powerpoint/2010/main">
+    <mc:Choice Requires="p14">
       <p:transition p14:dur="0"/>
     </mc:Choice>
-    <mc:Fallback>
+    <mc:Fallback xmlns="">
       <p:transition/>
     </mc:Fallback>
   </mc:AlternateContent>
@@ -18885,11 +19608,11 @@
   <p:clrMapOvr>
     <a:masterClrMapping/>
   </p:clrMapOvr>
-  <mc:AlternateContent xmlns:mc="http://schemas.openxmlformats.org/markup-compatibility/2006">
-    <mc:Choice xmlns:p14="http://schemas.microsoft.com/office/powerpoint/2010/main" Requires="p14">
+  <mc:AlternateContent xmlns:mc="http://schemas.openxmlformats.org/markup-compatibility/2006" xmlns:p14="http://schemas.microsoft.com/office/powerpoint/2010/main">
+    <mc:Choice Requires="p14">
       <p:transition p14:dur="0"/>
     </mc:Choice>
-    <mc:Fallback>
+    <mc:Fallback xmlns="">
       <p:transition/>
     </mc:Fallback>
   </mc:AlternateContent>
@@ -18982,11 +19705,11 @@
   <p:clrMapOvr>
     <a:masterClrMapping/>
   </p:clrMapOvr>
-  <mc:AlternateContent xmlns:mc="http://schemas.openxmlformats.org/markup-compatibility/2006">
-    <mc:Choice xmlns:p14="http://schemas.microsoft.com/office/powerpoint/2010/main" Requires="p14">
+  <mc:AlternateContent xmlns:mc="http://schemas.openxmlformats.org/markup-compatibility/2006" xmlns:p14="http://schemas.microsoft.com/office/powerpoint/2010/main">
+    <mc:Choice Requires="p14">
       <p:transition p14:dur="0"/>
     </mc:Choice>
-    <mc:Fallback>
+    <mc:Fallback xmlns="">
       <p:transition/>
     </mc:Fallback>
   </mc:AlternateContent>
@@ -19079,11 +19802,11 @@
   <p:clrMapOvr>
     <a:masterClrMapping/>
   </p:clrMapOvr>
-  <mc:AlternateContent xmlns:mc="http://schemas.openxmlformats.org/markup-compatibility/2006">
-    <mc:Choice xmlns:p14="http://schemas.microsoft.com/office/powerpoint/2010/main" Requires="p14">
+  <mc:AlternateContent xmlns:mc="http://schemas.openxmlformats.org/markup-compatibility/2006" xmlns:p14="http://schemas.microsoft.com/office/powerpoint/2010/main">
+    <mc:Choice Requires="p14">
       <p:transition p14:dur="0"/>
     </mc:Choice>
-    <mc:Fallback>
+    <mc:Fallback xmlns="">
       <p:transition/>
     </mc:Fallback>
   </mc:AlternateContent>
@@ -19213,11 +19936,7 @@
             </a:pPr>
             <a:r>
               <a:rPr lang="cs-CZ" sz="2400" dirty="0" smtClean="0"/>
-              <a:t>Edukace </a:t>
-            </a:r>
-            <a:r>
-              <a:rPr lang="cs-CZ" sz="2400" dirty="0" smtClean="0"/>
-              <a:t>pacientů</a:t>
+              <a:t>Edukace pacientů</a:t>
             </a:r>
           </a:p>
           <a:p>
@@ -19240,11 +19959,11 @@
   <p:clrMapOvr>
     <a:masterClrMapping/>
   </p:clrMapOvr>
-  <mc:AlternateContent xmlns:mc="http://schemas.openxmlformats.org/markup-compatibility/2006">
-    <mc:Choice xmlns:p14="http://schemas.microsoft.com/office/powerpoint/2010/main" Requires="p14">
+  <mc:AlternateContent xmlns:mc="http://schemas.openxmlformats.org/markup-compatibility/2006" xmlns:p14="http://schemas.microsoft.com/office/powerpoint/2010/main">
+    <mc:Choice Requires="p14">
       <p:transition p14:dur="0"/>
     </mc:Choice>
-    <mc:Fallback>
+    <mc:Fallback xmlns="">
       <p:transition/>
     </mc:Fallback>
   </mc:AlternateContent>
@@ -19350,15 +20069,7 @@
             </a:pPr>
             <a:r>
               <a:rPr lang="cs-CZ" sz="2400" dirty="0" smtClean="0"/>
-              <a:t>Návrh </a:t>
-            </a:r>
-            <a:r>
-              <a:rPr lang="cs-CZ" sz="2400" dirty="0" smtClean="0"/>
-              <a:t>algoritmů pro automatickou detekci problematických </a:t>
-            </a:r>
-            <a:r>
-              <a:rPr lang="cs-CZ" sz="2400" dirty="0" smtClean="0"/>
-              <a:t>situací</a:t>
+              <a:t>Návrh algoritmů pro automatickou detekci problematických situací</a:t>
             </a:r>
           </a:p>
           <a:p>
@@ -19387,11 +20098,11 @@
   <p:clrMapOvr>
     <a:masterClrMapping/>
   </p:clrMapOvr>
-  <mc:AlternateContent xmlns:mc="http://schemas.openxmlformats.org/markup-compatibility/2006">
-    <mc:Choice xmlns:p14="http://schemas.microsoft.com/office/powerpoint/2010/main" Requires="p14">
+  <mc:AlternateContent xmlns:mc="http://schemas.openxmlformats.org/markup-compatibility/2006" xmlns:p14="http://schemas.microsoft.com/office/powerpoint/2010/main">
+    <mc:Choice Requires="p14">
       <p:transition p14:dur="0"/>
     </mc:Choice>
-    <mc:Fallback>
+    <mc:Fallback xmlns="">
       <p:transition/>
     </mc:Fallback>
   </mc:AlternateContent>

--- a/prezentace diplomka/DP_Diani.pptx
+++ b/prezentace diplomka/DP_Diani.pptx
@@ -5,7 +5,7 @@
     <p:sldMasterId id="2147483648" r:id="rId1"/>
   </p:sldMasterIdLst>
   <p:notesMasterIdLst>
-    <p:notesMasterId r:id="rId29"/>
+    <p:notesMasterId r:id="rId32"/>
   </p:notesMasterIdLst>
   <p:sldIdLst>
     <p:sldId id="256" r:id="rId2"/>
@@ -24,8 +24,8 @@
     <p:sldId id="289" r:id="rId15"/>
     <p:sldId id="282" r:id="rId16"/>
     <p:sldId id="269" r:id="rId17"/>
-    <p:sldId id="279" r:id="rId18"/>
-    <p:sldId id="286" r:id="rId19"/>
+    <p:sldId id="286" r:id="rId18"/>
+    <p:sldId id="294" r:id="rId19"/>
     <p:sldId id="280" r:id="rId20"/>
     <p:sldId id="283" r:id="rId21"/>
     <p:sldId id="285" r:id="rId22"/>
@@ -35,6 +35,9 @@
     <p:sldId id="262" r:id="rId26"/>
     <p:sldId id="270" r:id="rId27"/>
     <p:sldId id="265" r:id="rId28"/>
+    <p:sldId id="291" r:id="rId29"/>
+    <p:sldId id="292" r:id="rId30"/>
+    <p:sldId id="293" r:id="rId31"/>
   </p:sldIdLst>
   <p:sldSz cx="12192000" cy="6858000"/>
   <p:notesSz cx="6858000" cy="9144000"/>
@@ -242,7 +245,7 @@
           <a:p>
             <a:fld id="{95C8B843-1916-423D-A1DA-BF80B31ADF72}" type="datetimeFigureOut">
               <a:rPr lang="en-US" smtClean="0"/>
-              <a:t>6/9/2017</a:t>
+              <a:t>6/10/2017</a:t>
             </a:fld>
             <a:endParaRPr lang="en-US"/>
           </a:p>
@@ -758,11 +761,7 @@
             </a:br>
             <a:r>
               <a:rPr lang="cs-CZ" dirty="0" smtClean="0"/>
-              <a:t>Položky na levé straně byli implementovány </a:t>
-            </a:r>
-            <a:r>
-              <a:rPr lang="cs-CZ" dirty="0" smtClean="0"/>
-              <a:t>mnou</a:t>
+              <a:t>Položky na levé straně byli implementovány mnou</a:t>
             </a:r>
           </a:p>
           <a:p>
@@ -1181,7 +1180,7 @@
           <a:p>
             <a:r>
               <a:rPr lang="cs-CZ" dirty="0" smtClean="0"/>
-              <a:t>Zde je vidět zjednodušený diagram  modulu pro hledání jídelních situací</a:t>
+              <a:t>Podrobněji se podíváme na samotný algoritmus</a:t>
             </a:r>
             <a:endParaRPr lang="cs-CZ" dirty="0"/>
           </a:p>
@@ -1213,7 +1212,7 @@
     </p:spTree>
     <p:extLst>
       <p:ext uri="{BB962C8B-B14F-4D97-AF65-F5344CB8AC3E}">
-        <p14:creationId xmlns:p14="http://schemas.microsoft.com/office/powerpoint/2010/main" val="2181000521"/>
+        <p14:creationId xmlns:p14="http://schemas.microsoft.com/office/powerpoint/2010/main" val="3859641528"/>
       </p:ext>
     </p:extLst>
   </p:cSld>
@@ -1301,7 +1300,7 @@
     </p:spTree>
     <p:extLst>
       <p:ext uri="{BB962C8B-B14F-4D97-AF65-F5344CB8AC3E}">
-        <p14:creationId xmlns:p14="http://schemas.microsoft.com/office/powerpoint/2010/main" val="3859641528"/>
+        <p14:creationId xmlns:p14="http://schemas.microsoft.com/office/powerpoint/2010/main" val="1221048222"/>
       </p:ext>
     </p:extLst>
   </p:cSld>
@@ -2172,6 +2171,403 @@
 </p:notes>
 </file>
 
+<file path=ppt/notesSlides/notesSlide24.xml><?xml version="1.0" encoding="utf-8"?>
+<p:notes xmlns:a="http://schemas.openxmlformats.org/drawingml/2006/main" xmlns:r="http://schemas.openxmlformats.org/officeDocument/2006/relationships" xmlns:p="http://schemas.openxmlformats.org/presentationml/2006/main">
+  <p:cSld>
+    <p:spTree>
+      <p:nvGrpSpPr>
+        <p:cNvPr id="1" name=""/>
+        <p:cNvGrpSpPr/>
+        <p:nvPr/>
+      </p:nvGrpSpPr>
+      <p:grpSpPr>
+        <a:xfrm>
+          <a:off x="0" y="0"/>
+          <a:ext cx="0" cy="0"/>
+          <a:chOff x="0" y="0"/>
+          <a:chExt cx="0" cy="0"/>
+        </a:xfrm>
+      </p:grpSpPr>
+      <p:sp>
+        <p:nvSpPr>
+          <p:cNvPr id="2" name="Zástupný symbol pro obrázek snímku 1"/>
+          <p:cNvSpPr>
+            <a:spLocks noGrp="1" noRot="1" noChangeAspect="1"/>
+          </p:cNvSpPr>
+          <p:nvPr>
+            <p:ph type="sldImg"/>
+          </p:nvPr>
+        </p:nvSpPr>
+        <p:spPr/>
+      </p:sp>
+      <p:sp>
+        <p:nvSpPr>
+          <p:cNvPr id="3" name="Zástupný symbol pro poznámky 2"/>
+          <p:cNvSpPr>
+            <a:spLocks noGrp="1"/>
+          </p:cNvSpPr>
+          <p:nvPr>
+            <p:ph type="body" idx="1"/>
+          </p:nvPr>
+        </p:nvSpPr>
+        <p:spPr/>
+        <p:txBody>
+          <a:bodyPr/>
+          <a:lstStyle/>
+          <a:p>
+            <a:r>
+              <a:rPr lang="cs-CZ" dirty="0" smtClean="0"/>
+              <a:t>Hesla nejsou uložena</a:t>
+            </a:r>
+            <a:r>
+              <a:rPr lang="cs-CZ" baseline="0" dirty="0" smtClean="0"/>
+              <a:t> přímo do databáze, ale jsou nejprve </a:t>
+            </a:r>
+            <a:r>
+              <a:rPr lang="cs-CZ" baseline="0" dirty="0" err="1" smtClean="0"/>
+              <a:t>Hashována</a:t>
+            </a:r>
+            <a:r>
+              <a:rPr lang="cs-CZ" baseline="0" dirty="0" smtClean="0"/>
+              <a:t>.</a:t>
+            </a:r>
+          </a:p>
+          <a:p>
+            <a:r>
+              <a:rPr lang="cs-CZ" baseline="0" dirty="0" smtClean="0"/>
+              <a:t>Pro zajištění proti statistickým útoků a kolizním útokům </a:t>
+            </a:r>
+            <a:r>
+              <a:rPr lang="cs-CZ" baseline="0" dirty="0" err="1" smtClean="0"/>
+              <a:t>hashovacích</a:t>
+            </a:r>
+            <a:r>
+              <a:rPr lang="cs-CZ" baseline="0" dirty="0" smtClean="0"/>
+              <a:t> funkcí je </a:t>
+            </a:r>
+            <a:r>
+              <a:rPr lang="cs-CZ" baseline="0" dirty="0" err="1" smtClean="0"/>
+              <a:t>hashování</a:t>
+            </a:r>
+            <a:r>
+              <a:rPr lang="cs-CZ" baseline="0" dirty="0" smtClean="0"/>
+              <a:t> hesel kombinováno s tzv. solí (saltem).</a:t>
+            </a:r>
+          </a:p>
+          <a:p>
+            <a:r>
+              <a:rPr lang="cs-CZ" baseline="0" dirty="0" smtClean="0"/>
+              <a:t>Sůl je generována náhodným způsobem</a:t>
+            </a:r>
+          </a:p>
+          <a:p>
+            <a:r>
+              <a:rPr lang="cs-CZ" baseline="0" dirty="0" smtClean="0"/>
+              <a:t>A způsob a postup </a:t>
+            </a:r>
+            <a:r>
+              <a:rPr lang="cs-CZ" baseline="0" dirty="0" err="1" smtClean="0"/>
+              <a:t>Hashování</a:t>
+            </a:r>
+            <a:r>
+              <a:rPr lang="cs-CZ" baseline="0" dirty="0" smtClean="0"/>
+              <a:t> resp. šifrování hesla je tajný (lze využívat různé iterace a další operace).</a:t>
+            </a:r>
+          </a:p>
+          <a:p>
+            <a:endParaRPr lang="cs-CZ" dirty="0"/>
+          </a:p>
+        </p:txBody>
+      </p:sp>
+      <p:sp>
+        <p:nvSpPr>
+          <p:cNvPr id="4" name="Zástupný symbol pro číslo snímku 3"/>
+          <p:cNvSpPr>
+            <a:spLocks noGrp="1"/>
+          </p:cNvSpPr>
+          <p:nvPr>
+            <p:ph type="sldNum" sz="quarter" idx="10"/>
+          </p:nvPr>
+        </p:nvSpPr>
+        <p:spPr/>
+        <p:txBody>
+          <a:bodyPr/>
+          <a:lstStyle/>
+          <a:p>
+            <a:fld id="{FD9D58AD-6389-4BE8-9750-33B383CC1FA5}" type="slidenum">
+              <a:rPr lang="en-US" smtClean="0"/>
+              <a:t>28</a:t>
+            </a:fld>
+            <a:endParaRPr lang="en-US"/>
+          </a:p>
+        </p:txBody>
+      </p:sp>
+    </p:spTree>
+    <p:extLst>
+      <p:ext uri="{BB962C8B-B14F-4D97-AF65-F5344CB8AC3E}">
+        <p14:creationId xmlns:p14="http://schemas.microsoft.com/office/powerpoint/2010/main" val="2369570913"/>
+      </p:ext>
+    </p:extLst>
+  </p:cSld>
+  <p:clrMapOvr>
+    <a:masterClrMapping/>
+  </p:clrMapOvr>
+</p:notes>
+</file>
+
+<file path=ppt/notesSlides/notesSlide25.xml><?xml version="1.0" encoding="utf-8"?>
+<p:notes xmlns:a="http://schemas.openxmlformats.org/drawingml/2006/main" xmlns:r="http://schemas.openxmlformats.org/officeDocument/2006/relationships" xmlns:p="http://schemas.openxmlformats.org/presentationml/2006/main">
+  <p:cSld>
+    <p:spTree>
+      <p:nvGrpSpPr>
+        <p:cNvPr id="1" name=""/>
+        <p:cNvGrpSpPr/>
+        <p:nvPr/>
+      </p:nvGrpSpPr>
+      <p:grpSpPr>
+        <a:xfrm>
+          <a:off x="0" y="0"/>
+          <a:ext cx="0" cy="0"/>
+          <a:chOff x="0" y="0"/>
+          <a:chExt cx="0" cy="0"/>
+        </a:xfrm>
+      </p:grpSpPr>
+      <p:sp>
+        <p:nvSpPr>
+          <p:cNvPr id="2" name="Zástupný symbol pro obrázek snímku 1"/>
+          <p:cNvSpPr>
+            <a:spLocks noGrp="1" noRot="1" noChangeAspect="1"/>
+          </p:cNvSpPr>
+          <p:nvPr>
+            <p:ph type="sldImg"/>
+          </p:nvPr>
+        </p:nvSpPr>
+        <p:spPr/>
+      </p:sp>
+      <p:sp>
+        <p:nvSpPr>
+          <p:cNvPr id="3" name="Zástupný symbol pro poznámky 2"/>
+          <p:cNvSpPr>
+            <a:spLocks noGrp="1"/>
+          </p:cNvSpPr>
+          <p:nvPr>
+            <p:ph type="body" idx="1"/>
+          </p:nvPr>
+        </p:nvSpPr>
+        <p:spPr/>
+        <p:txBody>
+          <a:bodyPr/>
+          <a:lstStyle/>
+          <a:p>
+            <a:r>
+              <a:rPr lang="cs-CZ" dirty="0" smtClean="0"/>
+              <a:t>Zadáním bylo vytvořit webovou aplikaci nad existujícím monitorovacím systémem. Tedy využít existující prostředků nad databází MS</a:t>
+            </a:r>
+            <a:r>
+              <a:rPr lang="cs-CZ" baseline="0" dirty="0" smtClean="0"/>
+              <a:t> SQL.</a:t>
+            </a:r>
+          </a:p>
+          <a:p>
+            <a:r>
+              <a:rPr lang="cs-CZ" baseline="0" dirty="0" smtClean="0"/>
+              <a:t>Vytváření REST API  pro celou aplikaci by bylo tedy kontraproduktivní s ohledem na zadání, které se zaměřovalo na vytvoření webové aplikace.</a:t>
+            </a:r>
+          </a:p>
+          <a:p>
+            <a:r>
+              <a:rPr lang="cs-CZ" baseline="0" dirty="0" smtClean="0"/>
+              <a:t>Tento návrhový vzor je užitečný v případě chcete-li vytvořit komunikační mezivrstvu kterou bude využívat více aplikací (krom webové, např. mobilní)</a:t>
+            </a:r>
+          </a:p>
+          <a:p>
+            <a:r>
+              <a:rPr lang="cs-CZ" baseline="0" dirty="0" smtClean="0"/>
+              <a:t>V aplikaci jsem ji, ale částečně implementoval jako například pro vyhledávání v seznamu zobrazených pacientů, výběru dat pro graf při přesunu na časové ose.</a:t>
+            </a:r>
+          </a:p>
+        </p:txBody>
+      </p:sp>
+      <p:sp>
+        <p:nvSpPr>
+          <p:cNvPr id="4" name="Zástupný symbol pro číslo snímku 3"/>
+          <p:cNvSpPr>
+            <a:spLocks noGrp="1"/>
+          </p:cNvSpPr>
+          <p:nvPr>
+            <p:ph type="sldNum" sz="quarter" idx="10"/>
+          </p:nvPr>
+        </p:nvSpPr>
+        <p:spPr/>
+        <p:txBody>
+          <a:bodyPr/>
+          <a:lstStyle/>
+          <a:p>
+            <a:fld id="{FD9D58AD-6389-4BE8-9750-33B383CC1FA5}" type="slidenum">
+              <a:rPr lang="en-US" smtClean="0"/>
+              <a:t>29</a:t>
+            </a:fld>
+            <a:endParaRPr lang="en-US"/>
+          </a:p>
+        </p:txBody>
+      </p:sp>
+    </p:spTree>
+    <p:extLst>
+      <p:ext uri="{BB962C8B-B14F-4D97-AF65-F5344CB8AC3E}">
+        <p14:creationId xmlns:p14="http://schemas.microsoft.com/office/powerpoint/2010/main" val="4007508152"/>
+      </p:ext>
+    </p:extLst>
+  </p:cSld>
+  <p:clrMapOvr>
+    <a:masterClrMapping/>
+  </p:clrMapOvr>
+</p:notes>
+</file>
+
+<file path=ppt/notesSlides/notesSlide26.xml><?xml version="1.0" encoding="utf-8"?>
+<p:notes xmlns:a="http://schemas.openxmlformats.org/drawingml/2006/main" xmlns:r="http://schemas.openxmlformats.org/officeDocument/2006/relationships" xmlns:p="http://schemas.openxmlformats.org/presentationml/2006/main">
+  <p:cSld>
+    <p:spTree>
+      <p:nvGrpSpPr>
+        <p:cNvPr id="1" name=""/>
+        <p:cNvGrpSpPr/>
+        <p:nvPr/>
+      </p:nvGrpSpPr>
+      <p:grpSpPr>
+        <a:xfrm>
+          <a:off x="0" y="0"/>
+          <a:ext cx="0" cy="0"/>
+          <a:chOff x="0" y="0"/>
+          <a:chExt cx="0" cy="0"/>
+        </a:xfrm>
+      </p:grpSpPr>
+      <p:sp>
+        <p:nvSpPr>
+          <p:cNvPr id="2" name="Zástupný symbol pro obrázek snímku 1"/>
+          <p:cNvSpPr>
+            <a:spLocks noGrp="1" noRot="1" noChangeAspect="1"/>
+          </p:cNvSpPr>
+          <p:nvPr>
+            <p:ph type="sldImg"/>
+          </p:nvPr>
+        </p:nvSpPr>
+        <p:spPr/>
+      </p:sp>
+      <p:sp>
+        <p:nvSpPr>
+          <p:cNvPr id="3" name="Zástupný symbol pro poznámky 2"/>
+          <p:cNvSpPr>
+            <a:spLocks noGrp="1"/>
+          </p:cNvSpPr>
+          <p:nvPr>
+            <p:ph type="body" idx="1"/>
+          </p:nvPr>
+        </p:nvSpPr>
+        <p:spPr/>
+        <p:txBody>
+          <a:bodyPr/>
+          <a:lstStyle/>
+          <a:p>
+            <a:r>
+              <a:rPr lang="cs-CZ" dirty="0" smtClean="0"/>
+              <a:t>Kdybych aplikaci měl vytvářet zcela od začátku. Zaměřil bych se na důslednější separaci databázové logiky,</a:t>
+            </a:r>
+            <a:r>
+              <a:rPr lang="cs-CZ" baseline="0" dirty="0" smtClean="0"/>
+              <a:t> které by umožnilo rychlejší testování kódu a kód značně zpřehlednilo.</a:t>
+            </a:r>
+          </a:p>
+          <a:p>
+            <a:r>
+              <a:rPr lang="cs-CZ" baseline="0" dirty="0" smtClean="0"/>
+              <a:t>Dále bych při vytváření řídících tříd podle návrhového vzoru </a:t>
+            </a:r>
+            <a:r>
+              <a:rPr lang="cs-CZ" baseline="0" dirty="0" err="1" smtClean="0"/>
+              <a:t>facade</a:t>
+            </a:r>
+            <a:r>
+              <a:rPr lang="cs-CZ" baseline="0" dirty="0" smtClean="0"/>
+              <a:t> implementoval transportovaná data do </a:t>
+            </a:r>
+            <a:r>
+              <a:rPr lang="cs-CZ" baseline="0" dirty="0" err="1" smtClean="0"/>
+              <a:t>view</a:t>
+            </a:r>
+            <a:r>
+              <a:rPr lang="cs-CZ" baseline="0" dirty="0" smtClean="0"/>
+              <a:t> do samostatných modelů.</a:t>
+            </a:r>
+          </a:p>
+          <a:p>
+            <a:r>
+              <a:rPr lang="cs-CZ" baseline="0" dirty="0" smtClean="0"/>
+              <a:t>Větší část </a:t>
+            </a:r>
+            <a:r>
+              <a:rPr lang="cs-CZ" baseline="0" dirty="0" err="1" smtClean="0"/>
+              <a:t>controlerů</a:t>
+            </a:r>
+            <a:r>
+              <a:rPr lang="cs-CZ" baseline="0" dirty="0" smtClean="0"/>
+              <a:t> bych implementoval jako REST API, které je nativně podporováno až od poslední verze ASP.NET MVC (6).</a:t>
+            </a:r>
+          </a:p>
+          <a:p>
+            <a:r>
+              <a:rPr lang="cs-CZ" dirty="0" smtClean="0"/>
+              <a:t>Většinu ovládacích prvků bych implementoval pomocí technologie AJAX,</a:t>
+            </a:r>
+            <a:r>
+              <a:rPr lang="cs-CZ" baseline="0" dirty="0" smtClean="0"/>
+              <a:t> která by umožnila větší uživatelský komfort.</a:t>
+            </a:r>
+          </a:p>
+          <a:p>
+            <a:r>
+              <a:rPr lang="cs-CZ" baseline="0" dirty="0" smtClean="0"/>
+              <a:t>Aplikaci bych designoval tak, aby podporovala nejen rozlišení pro mobilní a standartní rozlišení běžných monitorů, ale i pro zařízení s vysokým rozlišením (např. chytré televize).</a:t>
+            </a:r>
+            <a:endParaRPr lang="cs-CZ" dirty="0"/>
+          </a:p>
+        </p:txBody>
+      </p:sp>
+      <p:sp>
+        <p:nvSpPr>
+          <p:cNvPr id="4" name="Zástupný symbol pro číslo snímku 3"/>
+          <p:cNvSpPr>
+            <a:spLocks noGrp="1"/>
+          </p:cNvSpPr>
+          <p:nvPr>
+            <p:ph type="sldNum" sz="quarter" idx="10"/>
+          </p:nvPr>
+        </p:nvSpPr>
+        <p:spPr/>
+        <p:txBody>
+          <a:bodyPr/>
+          <a:lstStyle/>
+          <a:p>
+            <a:fld id="{FD9D58AD-6389-4BE8-9750-33B383CC1FA5}" type="slidenum">
+              <a:rPr lang="en-US" smtClean="0"/>
+              <a:t>30</a:t>
+            </a:fld>
+            <a:endParaRPr lang="en-US"/>
+          </a:p>
+        </p:txBody>
+      </p:sp>
+    </p:spTree>
+    <p:extLst>
+      <p:ext uri="{BB962C8B-B14F-4D97-AF65-F5344CB8AC3E}">
+        <p14:creationId xmlns:p14="http://schemas.microsoft.com/office/powerpoint/2010/main" val="3915461805"/>
+      </p:ext>
+    </p:extLst>
+  </p:cSld>
+  <p:clrMapOvr>
+    <a:masterClrMapping/>
+  </p:clrMapOvr>
+</p:notes>
+</file>
+
 <file path=ppt/notesSlides/notesSlide3.xml><?xml version="1.0" encoding="utf-8"?>
 <p:notes xmlns:a="http://schemas.openxmlformats.org/drawingml/2006/main" xmlns:r="http://schemas.openxmlformats.org/officeDocument/2006/relationships" xmlns:p="http://schemas.openxmlformats.org/presentationml/2006/main">
   <p:cSld>
@@ -2452,12 +2848,20 @@
               <a:t> rámci </a:t>
             </a:r>
             <a:r>
-              <a:rPr lang="cs-CZ" baseline="0" dirty="0" err="1" smtClean="0"/>
-              <a:t>dipl</a:t>
-            </a:r>
-            <a:r>
               <a:rPr lang="cs-CZ" baseline="0" dirty="0" smtClean="0"/>
-              <a:t>. Práce jsem udělal rešerši existující podobná řešení.</a:t>
+              <a:t>diplomové práce </a:t>
+            </a:r>
+            <a:r>
+              <a:rPr lang="cs-CZ" baseline="0" dirty="0" smtClean="0"/>
+              <a:t>jsem udělal rešerši existující </a:t>
+            </a:r>
+            <a:r>
+              <a:rPr lang="cs-CZ" baseline="0" dirty="0" smtClean="0"/>
+              <a:t>podobných </a:t>
+            </a:r>
+            <a:r>
+              <a:rPr lang="cs-CZ" baseline="0" dirty="0" smtClean="0"/>
+              <a:t>řešení.</a:t>
             </a:r>
             <a:endParaRPr lang="cs-CZ" dirty="0"/>
           </a:p>
@@ -2674,7 +3078,15 @@
           <a:p>
             <a:r>
               <a:rPr lang="cs-CZ" dirty="0" smtClean="0"/>
-              <a:t>Výchozí stav že chyběla webová aplikace již</a:t>
+              <a:t>Výchozí </a:t>
+            </a:r>
+            <a:r>
+              <a:rPr lang="cs-CZ" dirty="0" smtClean="0"/>
+              <a:t>stav bylo že </a:t>
+            </a:r>
+            <a:r>
+              <a:rPr lang="cs-CZ" dirty="0" smtClean="0"/>
+              <a:t>chyběla webová aplikace již</a:t>
             </a:r>
             <a:r>
               <a:rPr lang="cs-CZ" baseline="0" dirty="0" smtClean="0"/>
@@ -3209,7 +3621,7 @@
           <a:p>
             <a:fld id="{4AAD347D-5ACD-4C99-B74B-A9C85AD731AF}" type="datetimeFigureOut">
               <a:rPr lang="en-US" dirty="0"/>
-              <a:t>6/9/2017</a:t>
+              <a:t>6/10/2017</a:t>
             </a:fld>
             <a:endParaRPr lang="en-US" dirty="0"/>
           </a:p>
@@ -3491,7 +3903,7 @@
           <a:p>
             <a:fld id="{4509A250-FF31-4206-8172-F9D3106AACB1}" type="datetimeFigureOut">
               <a:rPr lang="en-US" dirty="0"/>
-              <a:t>6/9/2017</a:t>
+              <a:t>6/10/2017</a:t>
             </a:fld>
             <a:endParaRPr lang="en-US" dirty="0"/>
           </a:p>
@@ -3692,7 +4104,7 @@
           <a:p>
             <a:fld id="{4509A250-FF31-4206-8172-F9D3106AACB1}" type="datetimeFigureOut">
               <a:rPr lang="en-US" dirty="0"/>
-              <a:t>6/9/2017</a:t>
+              <a:t>6/10/2017</a:t>
             </a:fld>
             <a:endParaRPr lang="en-US" dirty="0"/>
           </a:p>
@@ -3972,7 +4384,7 @@
           <a:p>
             <a:fld id="{4509A250-FF31-4206-8172-F9D3106AACB1}" type="datetimeFigureOut">
               <a:rPr lang="en-US" dirty="0"/>
-              <a:t>6/9/2017</a:t>
+              <a:t>6/10/2017</a:t>
             </a:fld>
             <a:endParaRPr lang="en-US" dirty="0"/>
           </a:p>
@@ -4320,7 +4732,7 @@
           <a:p>
             <a:fld id="{4509A250-FF31-4206-8172-F9D3106AACB1}" type="datetimeFigureOut">
               <a:rPr lang="en-US" dirty="0"/>
-              <a:t>6/9/2017</a:t>
+              <a:t>6/10/2017</a:t>
             </a:fld>
             <a:endParaRPr lang="en-US" dirty="0"/>
           </a:p>
@@ -4950,7 +5362,7 @@
           <a:p>
             <a:fld id="{4509A250-FF31-4206-8172-F9D3106AACB1}" type="datetimeFigureOut">
               <a:rPr lang="en-US" dirty="0"/>
-              <a:t>6/9/2017</a:t>
+              <a:t>6/10/2017</a:t>
             </a:fld>
             <a:endParaRPr lang="en-US" dirty="0"/>
           </a:p>
@@ -5817,7 +6229,7 @@
           <a:p>
             <a:fld id="{4509A250-FF31-4206-8172-F9D3106AACB1}" type="datetimeFigureOut">
               <a:rPr lang="en-US" dirty="0"/>
-              <a:t>6/9/2017</a:t>
+              <a:t>6/10/2017</a:t>
             </a:fld>
             <a:endParaRPr lang="en-US" dirty="0"/>
           </a:p>
@@ -5994,7 +6406,7 @@
           <a:p>
             <a:fld id="{4509A250-FF31-4206-8172-F9D3106AACB1}" type="datetimeFigureOut">
               <a:rPr lang="en-US" dirty="0"/>
-              <a:t>6/9/2017</a:t>
+              <a:t>6/10/2017</a:t>
             </a:fld>
             <a:endParaRPr lang="en-US" dirty="0"/>
           </a:p>
@@ -6181,7 +6593,7 @@
           <a:p>
             <a:fld id="{4509A250-FF31-4206-8172-F9D3106AACB1}" type="datetimeFigureOut">
               <a:rPr lang="en-US" dirty="0"/>
-              <a:t>6/9/2017</a:t>
+              <a:t>6/10/2017</a:t>
             </a:fld>
             <a:endParaRPr lang="en-US" dirty="0"/>
           </a:p>
@@ -6358,7 +6770,7 @@
           <a:p>
             <a:fld id="{4509A250-FF31-4206-8172-F9D3106AACB1}" type="datetimeFigureOut">
               <a:rPr lang="en-US" dirty="0"/>
-              <a:t>6/9/2017</a:t>
+              <a:t>6/10/2017</a:t>
             </a:fld>
             <a:endParaRPr lang="en-US" dirty="0"/>
           </a:p>
@@ -6612,7 +7024,7 @@
           <a:p>
             <a:fld id="{9796027F-7875-4030-9381-8BD8C4F21935}" type="datetimeFigureOut">
               <a:rPr lang="en-US" dirty="0"/>
-              <a:t>6/9/2017</a:t>
+              <a:t>6/10/2017</a:t>
             </a:fld>
             <a:endParaRPr lang="en-US" dirty="0"/>
           </a:p>
@@ -6911,7 +7323,7 @@
           <a:p>
             <a:fld id="{9796027F-7875-4030-9381-8BD8C4F21935}" type="datetimeFigureOut">
               <a:rPr lang="en-US" dirty="0"/>
-              <a:t>6/9/2017</a:t>
+              <a:t>6/10/2017</a:t>
             </a:fld>
             <a:endParaRPr lang="en-US" dirty="0"/>
           </a:p>
@@ -7362,7 +7774,7 @@
           <a:p>
             <a:fld id="{9796027F-7875-4030-9381-8BD8C4F21935}" type="datetimeFigureOut">
               <a:rPr lang="en-US" dirty="0"/>
-              <a:t>6/9/2017</a:t>
+              <a:t>6/10/2017</a:t>
             </a:fld>
             <a:endParaRPr lang="en-US" dirty="0"/>
           </a:p>
@@ -7487,7 +7899,7 @@
           <a:p>
             <a:fld id="{4509A250-FF31-4206-8172-F9D3106AACB1}" type="datetimeFigureOut">
               <a:rPr lang="en-US" dirty="0"/>
-              <a:t>6/9/2017</a:t>
+              <a:t>6/10/2017</a:t>
             </a:fld>
             <a:endParaRPr lang="en-US" dirty="0"/>
           </a:p>
@@ -7589,7 +8001,7 @@
           <a:p>
             <a:fld id="{4509A250-FF31-4206-8172-F9D3106AACB1}" type="datetimeFigureOut">
               <a:rPr lang="en-US" dirty="0"/>
-              <a:t>6/9/2017</a:t>
+              <a:t>6/10/2017</a:t>
             </a:fld>
             <a:endParaRPr lang="en-US" dirty="0"/>
           </a:p>
@@ -7875,7 +8287,7 @@
           <a:p>
             <a:fld id="{4509A250-FF31-4206-8172-F9D3106AACB1}" type="datetimeFigureOut">
               <a:rPr lang="en-US" dirty="0"/>
-              <a:t>6/9/2017</a:t>
+              <a:t>6/10/2017</a:t>
             </a:fld>
             <a:endParaRPr lang="en-US" dirty="0"/>
           </a:p>
@@ -8157,7 +8569,7 @@
           <a:p>
             <a:fld id="{4509A250-FF31-4206-8172-F9D3106AACB1}" type="datetimeFigureOut">
               <a:rPr lang="en-US" dirty="0"/>
-              <a:t>6/9/2017</a:t>
+              <a:t>6/10/2017</a:t>
             </a:fld>
             <a:endParaRPr lang="en-US" dirty="0"/>
           </a:p>
@@ -8593,7 +9005,7 @@
           <a:p>
             <a:fld id="{4AAD347D-5ACD-4C99-B74B-A9C85AD731AF}" type="datetimeFigureOut">
               <a:rPr lang="en-US" dirty="0"/>
-              <a:t>6/9/2017</a:t>
+              <a:t>6/10/2017</a:t>
             </a:fld>
             <a:endParaRPr lang="en-US" dirty="0"/>
           </a:p>
@@ -9258,11 +9670,11 @@
   <p:clrMapOvr>
     <a:masterClrMapping/>
   </p:clrMapOvr>
-  <mc:AlternateContent xmlns:mc="http://schemas.openxmlformats.org/markup-compatibility/2006" xmlns:p14="http://schemas.microsoft.com/office/powerpoint/2010/main">
-    <mc:Choice Requires="p14">
+  <mc:AlternateContent xmlns:mc="http://schemas.openxmlformats.org/markup-compatibility/2006">
+    <mc:Choice xmlns:p14="http://schemas.microsoft.com/office/powerpoint/2010/main" Requires="p14">
       <p:transition p14:dur="0"/>
     </mc:Choice>
-    <mc:Fallback xmlns="">
+    <mc:Fallback>
       <p:transition/>
     </mc:Fallback>
   </mc:AlternateContent>
@@ -9370,11 +9782,7 @@
           <a:p>
             <a:r>
               <a:rPr lang="cs-CZ" dirty="0" smtClean="0"/>
-              <a:t>Import </a:t>
-            </a:r>
-            <a:r>
-              <a:rPr lang="cs-CZ" dirty="0" smtClean="0"/>
-              <a:t>dat ze zařízení</a:t>
+              <a:t>Import dat ze zařízení</a:t>
             </a:r>
           </a:p>
           <a:p>
@@ -9468,11 +9876,11 @@
   <p:clrMapOvr>
     <a:masterClrMapping/>
   </p:clrMapOvr>
-  <mc:AlternateContent xmlns:mc="http://schemas.openxmlformats.org/markup-compatibility/2006" xmlns:p14="http://schemas.microsoft.com/office/powerpoint/2010/main">
-    <mc:Choice Requires="p14">
+  <mc:AlternateContent xmlns:mc="http://schemas.openxmlformats.org/markup-compatibility/2006">
+    <mc:Choice xmlns:p14="http://schemas.microsoft.com/office/powerpoint/2010/main" Requires="p14">
       <p:transition p14:dur="0"/>
     </mc:Choice>
-    <mc:Fallback xmlns="">
+    <mc:Fallback>
       <p:transition/>
     </mc:Fallback>
   </mc:AlternateContent>
@@ -9622,18 +10030,7 @@
                   </a:schemeClr>
                 </a:solidFill>
               </a:rPr>
-              <a:t>Import </a:t>
-            </a:r>
-            <a:r>
-              <a:rPr lang="cs-CZ" b="1" dirty="0" smtClean="0">
-                <a:solidFill>
-                  <a:schemeClr val="accent3">
-                    <a:lumMod val="60000"/>
-                    <a:lumOff val="40000"/>
-                  </a:schemeClr>
-                </a:solidFill>
-              </a:rPr>
-              <a:t>dat ze zařízení</a:t>
+              <a:t>Import dat ze zařízení</a:t>
             </a:r>
           </a:p>
           <a:p>
@@ -9776,11 +10173,11 @@
   <p:clrMapOvr>
     <a:masterClrMapping/>
   </p:clrMapOvr>
-  <mc:AlternateContent xmlns:mc="http://schemas.openxmlformats.org/markup-compatibility/2006" xmlns:p14="http://schemas.microsoft.com/office/powerpoint/2010/main">
-    <mc:Choice Requires="p14">
+  <mc:AlternateContent xmlns:mc="http://schemas.openxmlformats.org/markup-compatibility/2006">
+    <mc:Choice xmlns:p14="http://schemas.microsoft.com/office/powerpoint/2010/main" Requires="p14">
       <p:transition p14:dur="0"/>
     </mc:Choice>
-    <mc:Fallback xmlns="">
+    <mc:Fallback>
       <p:transition/>
     </mc:Fallback>
   </mc:AlternateContent>
@@ -9846,60 +10243,80 @@
         </p:nvSpPr>
         <p:spPr/>
         <p:txBody>
-          <a:bodyPr/>
+          <a:bodyPr>
+            <a:normAutofit/>
+          </a:bodyPr>
           <a:lstStyle/>
           <a:p>
-            <a:r>
-              <a:rPr lang="cs-CZ" dirty="0" smtClean="0"/>
+            <a:pPr>
+              <a:lnSpc>
+                <a:spcPct val="150000"/>
+              </a:lnSpc>
+            </a:pPr>
+            <a:r>
+              <a:rPr lang="cs-CZ" sz="2400" dirty="0" smtClean="0"/>
               <a:t>Komplexní grafy </a:t>
             </a:r>
             <a:r>
-              <a:rPr lang="cs-CZ" dirty="0"/>
+              <a:rPr lang="cs-CZ" sz="2400" dirty="0"/>
               <a:t>a tabulky pro </a:t>
             </a:r>
             <a:r>
-              <a:rPr lang="cs-CZ" dirty="0" smtClean="0"/>
+              <a:rPr lang="cs-CZ" sz="2400" dirty="0" smtClean="0"/>
               <a:t>porovnaní souvislostí </a:t>
             </a:r>
             <a:r>
-              <a:rPr lang="cs-CZ" dirty="0"/>
+              <a:rPr lang="cs-CZ" sz="2400" dirty="0"/>
               <a:t>mezi </a:t>
             </a:r>
             <a:r>
-              <a:rPr lang="cs-CZ" dirty="0" smtClean="0"/>
+              <a:rPr lang="cs-CZ" sz="2400" dirty="0" smtClean="0"/>
               <a:t>sledovanými parametry </a:t>
             </a:r>
             <a:r>
-              <a:rPr lang="cs-CZ" dirty="0"/>
-              <a:t>v case</a:t>
-            </a:r>
-            <a:endParaRPr lang="cs-CZ" dirty="0"/>
-          </a:p>
-          <a:p>
-            <a:r>
-              <a:rPr lang="cs-CZ" dirty="0" smtClean="0"/>
+              <a:rPr lang="cs-CZ" sz="2400" dirty="0"/>
+              <a:t>v </a:t>
+            </a:r>
+            <a:r>
+              <a:rPr lang="cs-CZ" sz="2400" dirty="0" smtClean="0"/>
+              <a:t>čase</a:t>
+            </a:r>
+            <a:endParaRPr lang="cs-CZ" sz="2400" dirty="0"/>
+          </a:p>
+          <a:p>
+            <a:pPr>
+              <a:lnSpc>
+                <a:spcPct val="150000"/>
+              </a:lnSpc>
+            </a:pPr>
+            <a:r>
+              <a:rPr lang="cs-CZ" sz="2400" dirty="0" smtClean="0"/>
               <a:t>Glykemické profily</a:t>
             </a:r>
-            <a:endParaRPr lang="cs-CZ" dirty="0"/>
-          </a:p>
-          <a:p>
-            <a:r>
-              <a:rPr lang="cs-CZ" dirty="0" smtClean="0"/>
+            <a:endParaRPr lang="cs-CZ" sz="2400" dirty="0"/>
+          </a:p>
+          <a:p>
+            <a:pPr>
+              <a:lnSpc>
+                <a:spcPct val="150000"/>
+              </a:lnSpc>
+            </a:pPr>
+            <a:r>
+              <a:rPr lang="cs-CZ" sz="2400" dirty="0" smtClean="0"/>
               <a:t>Import </a:t>
             </a:r>
             <a:r>
-              <a:rPr lang="cs-CZ" dirty="0"/>
+              <a:rPr lang="cs-CZ" sz="2400" dirty="0"/>
               <a:t>a export souboru </a:t>
             </a:r>
             <a:r>
-              <a:rPr lang="cs-CZ" dirty="0" smtClean="0"/>
+              <a:rPr lang="cs-CZ" sz="2400" dirty="0" smtClean="0"/>
               <a:t>naměřených </a:t>
             </a:r>
             <a:r>
-              <a:rPr lang="cs-CZ" dirty="0"/>
+              <a:rPr lang="cs-CZ" sz="2400" dirty="0"/>
               <a:t>dat</a:t>
             </a:r>
-            <a:endParaRPr lang="cs-CZ" dirty="0"/>
           </a:p>
         </p:txBody>
       </p:sp>
@@ -9913,16 +10330,12 @@
   <p:clrMapOvr>
     <a:masterClrMapping/>
   </p:clrMapOvr>
-  <mc:AlternateContent xmlns:mc="http://schemas.openxmlformats.org/markup-compatibility/2006" xmlns:p14="http://schemas.microsoft.com/office/powerpoint/2010/main">
-    <mc:Choice Requires="p14">
-      <p:transition spd="slow" p14:dur="1250">
-        <p:pull/>
-      </p:transition>
+  <mc:AlternateContent xmlns:mc="http://schemas.openxmlformats.org/markup-compatibility/2006">
+    <mc:Choice xmlns:p14="http://schemas.microsoft.com/office/powerpoint/2010/main" Requires="p14">
+      <p:transition p14:dur="0"/>
     </mc:Choice>
-    <mc:Fallback xmlns="">
-      <p:transition spd="slow">
-        <p:pull/>
-      </p:transition>
+    <mc:Fallback>
+      <p:transition/>
     </mc:Fallback>
   </mc:AlternateContent>
 </p:sld>
@@ -10035,11 +10448,11 @@
   <p:clrMapOvr>
     <a:masterClrMapping/>
   </p:clrMapOvr>
-  <mc:AlternateContent xmlns:mc="http://schemas.openxmlformats.org/markup-compatibility/2006" xmlns:p14="http://schemas.microsoft.com/office/powerpoint/2010/main">
-    <mc:Choice Requires="p14">
+  <mc:AlternateContent xmlns:mc="http://schemas.openxmlformats.org/markup-compatibility/2006">
+    <mc:Choice xmlns:p14="http://schemas.microsoft.com/office/powerpoint/2010/main" Requires="p14">
       <p:transition p14:dur="0"/>
     </mc:Choice>
-    <mc:Fallback xmlns="">
+    <mc:Fallback>
       <p:transition/>
     </mc:Fallback>
   </mc:AlternateContent>
@@ -10113,26 +10526,43 @@
         </p:nvSpPr>
         <p:spPr/>
         <p:txBody>
-          <a:bodyPr/>
+          <a:bodyPr>
+            <a:normAutofit/>
+          </a:bodyPr>
           <a:lstStyle/>
           <a:p>
-            <a:r>
-              <a:rPr lang="cs-CZ" dirty="0" smtClean="0"/>
+            <a:pPr>
+              <a:lnSpc>
+                <a:spcPct val="150000"/>
+              </a:lnSpc>
+            </a:pPr>
+            <a:r>
+              <a:rPr lang="cs-CZ" sz="2400" dirty="0" smtClean="0"/>
               <a:t>Správa pacientů a pacientských skupin</a:t>
             </a:r>
           </a:p>
           <a:p>
-            <a:r>
-              <a:rPr lang="cs-CZ" dirty="0" smtClean="0"/>
+            <a:pPr>
+              <a:lnSpc>
+                <a:spcPct val="150000"/>
+              </a:lnSpc>
+            </a:pPr>
+            <a:r>
+              <a:rPr lang="cs-CZ" sz="2400" dirty="0" smtClean="0"/>
               <a:t>Správa uživatelů a přístupů</a:t>
             </a:r>
           </a:p>
           <a:p>
-            <a:r>
-              <a:rPr lang="cs-CZ" dirty="0" smtClean="0"/>
+            <a:pPr>
+              <a:lnSpc>
+                <a:spcPct val="150000"/>
+              </a:lnSpc>
+            </a:pPr>
+            <a:r>
+              <a:rPr lang="cs-CZ" sz="2400" dirty="0" smtClean="0"/>
               <a:t>Správa a přiřazení zařízení</a:t>
             </a:r>
-            <a:endParaRPr lang="cs-CZ" dirty="0"/>
+            <a:endParaRPr lang="cs-CZ" sz="2400" dirty="0"/>
           </a:p>
         </p:txBody>
       </p:sp>
@@ -10146,16 +10576,12 @@
   <p:clrMapOvr>
     <a:masterClrMapping/>
   </p:clrMapOvr>
-  <mc:AlternateContent xmlns:mc="http://schemas.openxmlformats.org/markup-compatibility/2006" xmlns:p14="http://schemas.microsoft.com/office/powerpoint/2010/main">
-    <mc:Choice Requires="p14">
-      <p:transition spd="slow" p14:dur="1250">
-        <p:pull/>
-      </p:transition>
+  <mc:AlternateContent xmlns:mc="http://schemas.openxmlformats.org/markup-compatibility/2006">
+    <mc:Choice xmlns:p14="http://schemas.microsoft.com/office/powerpoint/2010/main" Requires="p14">
+      <p:transition p14:dur="0"/>
     </mc:Choice>
-    <mc:Fallback xmlns="">
-      <p:transition spd="slow">
-        <p:pull/>
-      </p:transition>
+    <mc:Fallback>
+      <p:transition/>
     </mc:Fallback>
   </mc:AlternateContent>
 </p:sld>
@@ -10240,11 +10666,11 @@
   <p:clrMapOvr>
     <a:masterClrMapping/>
   </p:clrMapOvr>
-  <mc:AlternateContent xmlns:mc="http://schemas.openxmlformats.org/markup-compatibility/2006" xmlns:p14="http://schemas.microsoft.com/office/powerpoint/2010/main">
-    <mc:Choice Requires="p14">
+  <mc:AlternateContent xmlns:mc="http://schemas.openxmlformats.org/markup-compatibility/2006">
+    <mc:Choice xmlns:p14="http://schemas.microsoft.com/office/powerpoint/2010/main" Requires="p14">
       <p:transition p14:dur="0"/>
     </mc:Choice>
-    <mc:Fallback xmlns="">
+    <mc:Fallback>
       <p:transition/>
     </mc:Fallback>
   </mc:AlternateContent>
@@ -10460,11 +10886,11 @@
   <p:clrMapOvr>
     <a:masterClrMapping/>
   </p:clrMapOvr>
-  <mc:AlternateContent xmlns:mc="http://schemas.openxmlformats.org/markup-compatibility/2006" xmlns:p14="http://schemas.microsoft.com/office/powerpoint/2010/main">
-    <mc:Choice Requires="p14">
+  <mc:AlternateContent xmlns:mc="http://schemas.openxmlformats.org/markup-compatibility/2006">
+    <mc:Choice xmlns:p14="http://schemas.microsoft.com/office/powerpoint/2010/main" Requires="p14">
       <p:transition p14:dur="0"/>
     </mc:Choice>
-    <mc:Fallback xmlns="">
+    <mc:Fallback>
       <p:transition/>
     </mc:Fallback>
   </mc:AlternateContent>
@@ -10495,31 +10921,9 @@
           <a:chExt cx="0" cy="0"/>
         </a:xfrm>
       </p:grpSpPr>
-      <p:sp>
-        <p:nvSpPr>
-          <p:cNvPr id="2" name="Nadpis 1"/>
-          <p:cNvSpPr>
-            <a:spLocks noGrp="1"/>
-          </p:cNvSpPr>
-          <p:nvPr>
-            <p:ph type="title"/>
-          </p:nvPr>
-        </p:nvSpPr>
-        <p:spPr/>
-        <p:txBody>
-          <a:bodyPr/>
-          <a:lstStyle/>
-          <a:p>
-            <a:r>
-              <a:rPr lang="cs-CZ" dirty="0"/>
-              <a:t>Jídelní situace</a:t>
-            </a:r>
-          </a:p>
-        </p:txBody>
-      </p:sp>
       <p:pic>
         <p:nvPicPr>
-          <p:cNvPr id="4" name="Zástupný symbol pro obsah 3"/>
+          <p:cNvPr id="5" name="Zástupný symbol pro obsah 4"/>
           <p:cNvPicPr>
             <a:picLocks noGrp="1" noChangeAspect="1"/>
           </p:cNvPicPr>
@@ -10535,8 +10939,8 @@
         </p:blipFill>
         <p:spPr>
           <a:xfrm>
-            <a:off x="-22606" y="2588821"/>
-            <a:ext cx="12214605" cy="2464210"/>
+            <a:off x="0" y="2593382"/>
+            <a:ext cx="12191999" cy="2459649"/>
           </a:xfrm>
           <a:prstGeom prst="rect">
             <a:avLst/>
@@ -10546,21 +10950,43 @@
           </a:solidFill>
         </p:spPr>
       </p:pic>
+      <p:sp>
+        <p:nvSpPr>
+          <p:cNvPr id="2" name="Nadpis 1"/>
+          <p:cNvSpPr>
+            <a:spLocks noGrp="1"/>
+          </p:cNvSpPr>
+          <p:nvPr>
+            <p:ph type="title"/>
+          </p:nvPr>
+        </p:nvSpPr>
+        <p:spPr/>
+        <p:txBody>
+          <a:bodyPr/>
+          <a:lstStyle/>
+          <a:p>
+            <a:r>
+              <a:rPr lang="cs-CZ" dirty="0"/>
+              <a:t>Jídelní situace</a:t>
+            </a:r>
+          </a:p>
+        </p:txBody>
+      </p:sp>
     </p:spTree>
     <p:extLst>
       <p:ext uri="{BB962C8B-B14F-4D97-AF65-F5344CB8AC3E}">
-        <p14:creationId xmlns:p14="http://schemas.microsoft.com/office/powerpoint/2010/main" val="2573221461"/>
+        <p14:creationId xmlns:p14="http://schemas.microsoft.com/office/powerpoint/2010/main" val="1799665361"/>
       </p:ext>
     </p:extLst>
   </p:cSld>
   <p:clrMapOvr>
     <a:masterClrMapping/>
   </p:clrMapOvr>
-  <mc:AlternateContent xmlns:mc="http://schemas.openxmlformats.org/markup-compatibility/2006" xmlns:p14="http://schemas.microsoft.com/office/powerpoint/2010/main">
-    <mc:Choice Requires="p14">
+  <mc:AlternateContent xmlns:mc="http://schemas.openxmlformats.org/markup-compatibility/2006">
+    <mc:Choice xmlns:p14="http://schemas.microsoft.com/office/powerpoint/2010/main" Requires="p14">
       <p:transition p14:dur="0"/>
     </mc:Choice>
-    <mc:Fallback xmlns="">
+    <mc:Fallback>
       <p:transition/>
     </mc:Fallback>
   </mc:AlternateContent>
@@ -10591,31 +11017,9 @@
           <a:chExt cx="0" cy="0"/>
         </a:xfrm>
       </p:grpSpPr>
-      <p:sp>
-        <p:nvSpPr>
-          <p:cNvPr id="2" name="Nadpis 1"/>
-          <p:cNvSpPr>
-            <a:spLocks noGrp="1"/>
-          </p:cNvSpPr>
-          <p:nvPr>
-            <p:ph type="title"/>
-          </p:nvPr>
-        </p:nvSpPr>
-        <p:spPr/>
-        <p:txBody>
-          <a:bodyPr/>
-          <a:lstStyle/>
-          <a:p>
-            <a:r>
-              <a:rPr lang="cs-CZ" dirty="0"/>
-              <a:t>Jídelní situace</a:t>
-            </a:r>
-          </a:p>
-        </p:txBody>
-      </p:sp>
       <p:pic>
         <p:nvPicPr>
-          <p:cNvPr id="4" name="Zástupný symbol pro obsah 3"/>
+          <p:cNvPr id="5" name="Zástupný symbol pro obsah 4"/>
           <p:cNvPicPr>
             <a:picLocks noGrp="1" noChangeAspect="1"/>
           </p:cNvPicPr>
@@ -10631,8 +11035,8 @@
         </p:blipFill>
         <p:spPr>
           <a:xfrm>
-            <a:off x="-22606" y="2588821"/>
-            <a:ext cx="12214605" cy="2464210"/>
+            <a:off x="0" y="2593382"/>
+            <a:ext cx="12191999" cy="2459649"/>
           </a:xfrm>
           <a:prstGeom prst="rect">
             <a:avLst/>
@@ -10642,6 +11046,28 @@
           </a:solidFill>
         </p:spPr>
       </p:pic>
+      <p:sp>
+        <p:nvSpPr>
+          <p:cNvPr id="2" name="Nadpis 1"/>
+          <p:cNvSpPr>
+            <a:spLocks noGrp="1"/>
+          </p:cNvSpPr>
+          <p:nvPr>
+            <p:ph type="title"/>
+          </p:nvPr>
+        </p:nvSpPr>
+        <p:spPr/>
+        <p:txBody>
+          <a:bodyPr/>
+          <a:lstStyle/>
+          <a:p>
+            <a:r>
+              <a:rPr lang="cs-CZ" dirty="0"/>
+              <a:t>Jídelní situace</a:t>
+            </a:r>
+          </a:p>
+        </p:txBody>
+      </p:sp>
       <p:grpSp>
         <p:nvGrpSpPr>
           <p:cNvPr id="11" name="Skupina 10"/>
@@ -10737,18 +11163,18 @@
     </p:spTree>
     <p:extLst>
       <p:ext uri="{BB962C8B-B14F-4D97-AF65-F5344CB8AC3E}">
-        <p14:creationId xmlns:p14="http://schemas.microsoft.com/office/powerpoint/2010/main" val="1799665361"/>
+        <p14:creationId xmlns:p14="http://schemas.microsoft.com/office/powerpoint/2010/main" val="4294800151"/>
       </p:ext>
     </p:extLst>
   </p:cSld>
   <p:clrMapOvr>
     <a:masterClrMapping/>
   </p:clrMapOvr>
-  <mc:AlternateContent xmlns:mc="http://schemas.openxmlformats.org/markup-compatibility/2006" xmlns:p14="http://schemas.microsoft.com/office/powerpoint/2010/main">
-    <mc:Choice Requires="p14">
+  <mc:AlternateContent xmlns:mc="http://schemas.openxmlformats.org/markup-compatibility/2006">
+    <mc:Choice xmlns:p14="http://schemas.microsoft.com/office/powerpoint/2010/main" Requires="p14">
       <p:transition p14:dur="0"/>
     </mc:Choice>
-    <mc:Fallback xmlns="">
+    <mc:Fallback>
       <p:transition/>
     </mc:Fallback>
   </mc:AlternateContent>
@@ -10840,11 +11266,11 @@
   <p:clrMapOvr>
     <a:masterClrMapping/>
   </p:clrMapOvr>
-  <mc:AlternateContent xmlns:mc="http://schemas.openxmlformats.org/markup-compatibility/2006" xmlns:p14="http://schemas.microsoft.com/office/powerpoint/2010/main">
-    <mc:Choice Requires="p14">
+  <mc:AlternateContent xmlns:mc="http://schemas.openxmlformats.org/markup-compatibility/2006">
+    <mc:Choice xmlns:p14="http://schemas.microsoft.com/office/powerpoint/2010/main" Requires="p14">
       <p:transition p14:dur="0"/>
     </mc:Choice>
-    <mc:Fallback xmlns="">
+    <mc:Fallback>
       <p:transition/>
     </mc:Fallback>
   </mc:AlternateContent>
@@ -10982,11 +11408,11 @@
   <p:clrMapOvr>
     <a:masterClrMapping/>
   </p:clrMapOvr>
-  <mc:AlternateContent xmlns:mc="http://schemas.openxmlformats.org/markup-compatibility/2006" xmlns:p14="http://schemas.microsoft.com/office/powerpoint/2010/main">
-    <mc:Choice Requires="p14">
+  <mc:AlternateContent xmlns:mc="http://schemas.openxmlformats.org/markup-compatibility/2006">
+    <mc:Choice xmlns:p14="http://schemas.microsoft.com/office/powerpoint/2010/main" Requires="p14">
       <p:transition p14:dur="0"/>
     </mc:Choice>
-    <mc:Fallback xmlns="">
+    <mc:Fallback>
       <p:transition/>
     </mc:Fallback>
   </mc:AlternateContent>
@@ -11078,11 +11504,11 @@
   <p:clrMapOvr>
     <a:masterClrMapping/>
   </p:clrMapOvr>
-  <mc:AlternateContent xmlns:mc="http://schemas.openxmlformats.org/markup-compatibility/2006" xmlns:p14="http://schemas.microsoft.com/office/powerpoint/2010/main">
-    <mc:Choice Requires="p14">
+  <mc:AlternateContent xmlns:mc="http://schemas.openxmlformats.org/markup-compatibility/2006">
+    <mc:Choice xmlns:p14="http://schemas.microsoft.com/office/powerpoint/2010/main" Requires="p14">
       <p:transition p14:dur="0"/>
     </mc:Choice>
-    <mc:Fallback xmlns="">
+    <mc:Fallback>
       <p:transition/>
     </mc:Fallback>
   </mc:AlternateContent>
@@ -11266,11 +11692,11 @@
   <p:clrMapOvr>
     <a:masterClrMapping/>
   </p:clrMapOvr>
-  <mc:AlternateContent xmlns:mc="http://schemas.openxmlformats.org/markup-compatibility/2006" xmlns:p14="http://schemas.microsoft.com/office/powerpoint/2010/main">
-    <mc:Choice Requires="p14">
+  <mc:AlternateContent xmlns:mc="http://schemas.openxmlformats.org/markup-compatibility/2006">
+    <mc:Choice xmlns:p14="http://schemas.microsoft.com/office/powerpoint/2010/main" Requires="p14">
       <p:transition p14:dur="0"/>
     </mc:Choice>
-    <mc:Fallback xmlns="">
+    <mc:Fallback>
       <p:transition/>
     </mc:Fallback>
   </mc:AlternateContent>
@@ -11365,11 +11791,11 @@
   <p:clrMapOvr>
     <a:masterClrMapping/>
   </p:clrMapOvr>
-  <mc:AlternateContent xmlns:mc="http://schemas.openxmlformats.org/markup-compatibility/2006" xmlns:p14="http://schemas.microsoft.com/office/powerpoint/2010/main">
-    <mc:Choice Requires="p14">
+  <mc:AlternateContent xmlns:mc="http://schemas.openxmlformats.org/markup-compatibility/2006">
+    <mc:Choice xmlns:p14="http://schemas.microsoft.com/office/powerpoint/2010/main" Requires="p14">
       <p:transition p14:dur="0"/>
     </mc:Choice>
-    <mc:Fallback xmlns="">
+    <mc:Fallback>
       <p:transition/>
     </mc:Fallback>
   </mc:AlternateContent>
@@ -11522,11 +11948,11 @@
   <p:clrMapOvr>
     <a:masterClrMapping/>
   </p:clrMapOvr>
-  <mc:AlternateContent xmlns:mc="http://schemas.openxmlformats.org/markup-compatibility/2006" xmlns:p14="http://schemas.microsoft.com/office/powerpoint/2010/main">
-    <mc:Choice Requires="p14">
+  <mc:AlternateContent xmlns:mc="http://schemas.openxmlformats.org/markup-compatibility/2006">
+    <mc:Choice xmlns:p14="http://schemas.microsoft.com/office/powerpoint/2010/main" Requires="p14">
       <p:transition p14:dur="0"/>
     </mc:Choice>
-    <mc:Fallback xmlns="">
+    <mc:Fallback>
       <p:transition/>
     </mc:Fallback>
   </mc:AlternateContent>
@@ -11595,34 +12021,54 @@
           <a:bodyPr/>
           <a:lstStyle/>
           <a:p>
-            <a:r>
-              <a:rPr lang="cs-CZ" dirty="0" smtClean="0"/>
+            <a:pPr>
+              <a:lnSpc>
+                <a:spcPct val="150000"/>
+              </a:lnSpc>
+            </a:pPr>
+            <a:r>
+              <a:rPr lang="cs-CZ" sz="2400" dirty="0" smtClean="0"/>
               <a:t>Samotná implementace má cca 8 000 řádků kódu</a:t>
             </a:r>
           </a:p>
           <a:p>
-            <a:r>
-              <a:rPr lang="cs-CZ" dirty="0" smtClean="0"/>
+            <a:pPr>
+              <a:lnSpc>
+                <a:spcPct val="150000"/>
+              </a:lnSpc>
+            </a:pPr>
+            <a:r>
+              <a:rPr lang="cs-CZ" sz="2400" dirty="0" smtClean="0"/>
               <a:t>Jedná se cca 90 souborů</a:t>
             </a:r>
           </a:p>
           <a:p>
-            <a:r>
-              <a:rPr lang="cs-CZ" dirty="0" smtClean="0"/>
+            <a:pPr>
+              <a:lnSpc>
+                <a:spcPct val="150000"/>
+              </a:lnSpc>
+            </a:pPr>
+            <a:r>
+              <a:rPr lang="cs-CZ" sz="2400" dirty="0" smtClean="0"/>
               <a:t>Bylo implementováno cca 500 tříd a metod</a:t>
             </a:r>
           </a:p>
           <a:p>
-            <a:r>
-              <a:rPr lang="cs-CZ" dirty="0" smtClean="0"/>
+            <a:pPr>
+              <a:lnSpc>
+                <a:spcPct val="150000"/>
+              </a:lnSpc>
+            </a:pPr>
+            <a:r>
+              <a:rPr lang="cs-CZ" sz="2400" dirty="0" smtClean="0"/>
               <a:t>Bylo provedeno více než 200 </a:t>
             </a:r>
             <a:r>
-              <a:rPr lang="cs-CZ" dirty="0" err="1" smtClean="0"/>
+              <a:rPr lang="cs-CZ" sz="2400" dirty="0" err="1" smtClean="0"/>
               <a:t>commitů</a:t>
             </a:r>
             <a:r>
-              <a:rPr lang="cs-CZ" dirty="0" smtClean="0"/>
+              <a:rPr lang="cs-CZ" sz="2400" dirty="0" smtClean="0"/>
               <a:t> kódu</a:t>
             </a:r>
           </a:p>
@@ -11644,16 +12090,12 @@
   <p:clrMapOvr>
     <a:masterClrMapping/>
   </p:clrMapOvr>
-  <mc:AlternateContent xmlns:mc="http://schemas.openxmlformats.org/markup-compatibility/2006" xmlns:p14="http://schemas.microsoft.com/office/powerpoint/2010/main">
-    <mc:Choice Requires="p14">
-      <p:transition spd="slow" p14:dur="1250">
-        <p:pull/>
-      </p:transition>
+  <mc:AlternateContent xmlns:mc="http://schemas.openxmlformats.org/markup-compatibility/2006">
+    <mc:Choice xmlns:p14="http://schemas.microsoft.com/office/powerpoint/2010/main" Requires="p14">
+      <p:transition p14:dur="0"/>
     </mc:Choice>
-    <mc:Fallback xmlns="">
-      <p:transition spd="slow">
-        <p:pull/>
-      </p:transition>
+    <mc:Fallback>
+      <p:transition/>
     </mc:Fallback>
   </mc:AlternateContent>
 </p:sld>
@@ -11783,11 +12225,11 @@
   <p:clrMapOvr>
     <a:masterClrMapping/>
   </p:clrMapOvr>
-  <mc:AlternateContent xmlns:mc="http://schemas.openxmlformats.org/markup-compatibility/2006" xmlns:p14="http://schemas.microsoft.com/office/powerpoint/2010/main">
-    <mc:Choice Requires="p14">
+  <mc:AlternateContent xmlns:mc="http://schemas.openxmlformats.org/markup-compatibility/2006">
+    <mc:Choice xmlns:p14="http://schemas.microsoft.com/office/powerpoint/2010/main" Requires="p14">
       <p:transition p14:dur="0"/>
     </mc:Choice>
-    <mc:Fallback xmlns="">
+    <mc:Fallback>
       <p:transition/>
     </mc:Fallback>
   </mc:AlternateContent>
@@ -11995,11 +12437,11 @@
   <p:clrMapOvr>
     <a:masterClrMapping/>
   </p:clrMapOvr>
-  <mc:AlternateContent xmlns:mc="http://schemas.openxmlformats.org/markup-compatibility/2006" xmlns:p14="http://schemas.microsoft.com/office/powerpoint/2010/main">
-    <mc:Choice Requires="p14">
+  <mc:AlternateContent xmlns:mc="http://schemas.openxmlformats.org/markup-compatibility/2006">
+    <mc:Choice xmlns:p14="http://schemas.microsoft.com/office/powerpoint/2010/main" Requires="p14">
       <p:transition p14:dur="0"/>
     </mc:Choice>
-    <mc:Fallback xmlns="">
+    <mc:Fallback>
       <p:transition/>
     </mc:Fallback>
   </mc:AlternateContent>
@@ -12075,6 +12517,11 @@
           </a:bodyPr>
           <a:lstStyle/>
           <a:p>
+            <a:pPr>
+              <a:lnSpc>
+                <a:spcPct val="150000"/>
+              </a:lnSpc>
+            </a:pPr>
             <a:r>
               <a:rPr lang="cs-CZ" sz="2400" dirty="0"/>
               <a:t>Jakým způsobem je řešeno bezpečné ukládání hesel v DB? Jak jsou </a:t>
@@ -12089,6 +12536,11 @@
             </a:r>
           </a:p>
           <a:p>
+            <a:pPr>
+              <a:lnSpc>
+                <a:spcPct val="150000"/>
+              </a:lnSpc>
+            </a:pPr>
             <a:r>
               <a:rPr lang="cs-CZ" sz="2400" dirty="0" smtClean="0"/>
               <a:t>Proč </a:t>
@@ -12099,6 +12551,11 @@
             </a:r>
           </a:p>
           <a:p>
+            <a:pPr>
+              <a:lnSpc>
+                <a:spcPct val="150000"/>
+              </a:lnSpc>
+            </a:pPr>
             <a:r>
               <a:rPr lang="cs-CZ" sz="2400" dirty="0" smtClean="0"/>
               <a:t>Oproti původní </a:t>
@@ -12141,11 +12598,11 @@
   <p:clrMapOvr>
     <a:masterClrMapping/>
   </p:clrMapOvr>
-  <mc:AlternateContent xmlns:mc="http://schemas.openxmlformats.org/markup-compatibility/2006" xmlns:p14="http://schemas.microsoft.com/office/powerpoint/2010/main">
-    <mc:Choice Requires="p14">
+  <mc:AlternateContent xmlns:mc="http://schemas.openxmlformats.org/markup-compatibility/2006">
+    <mc:Choice xmlns:p14="http://schemas.microsoft.com/office/powerpoint/2010/main" Requires="p14">
       <p:transition p14:dur="0"/>
     </mc:Choice>
-    <mc:Fallback xmlns="">
+    <mc:Fallback>
       <p:transition/>
     </mc:Fallback>
   </mc:AlternateContent>
@@ -12156,6 +12613,258 @@
       </p:par>
     </p:tnLst>
   </p:timing>
+</p:sld>
+</file>
+
+<file path=ppt/slides/slide28.xml><?xml version="1.0" encoding="utf-8"?>
+<p:sld xmlns:a="http://schemas.openxmlformats.org/drawingml/2006/main" xmlns:r="http://schemas.openxmlformats.org/officeDocument/2006/relationships" xmlns:p="http://schemas.openxmlformats.org/presentationml/2006/main">
+  <p:cSld>
+    <p:spTree>
+      <p:nvGrpSpPr>
+        <p:cNvPr id="1" name=""/>
+        <p:cNvGrpSpPr/>
+        <p:nvPr/>
+      </p:nvGrpSpPr>
+      <p:grpSpPr>
+        <a:xfrm>
+          <a:off x="0" y="0"/>
+          <a:ext cx="0" cy="0"/>
+          <a:chOff x="0" y="0"/>
+          <a:chExt cx="0" cy="0"/>
+        </a:xfrm>
+      </p:grpSpPr>
+      <p:sp>
+        <p:nvSpPr>
+          <p:cNvPr id="2" name="Nadpis 1"/>
+          <p:cNvSpPr>
+            <a:spLocks noGrp="1"/>
+          </p:cNvSpPr>
+          <p:nvPr>
+            <p:ph type="title"/>
+          </p:nvPr>
+        </p:nvSpPr>
+        <p:spPr/>
+        <p:txBody>
+          <a:bodyPr/>
+          <a:lstStyle/>
+          <a:p>
+            <a:r>
+              <a:rPr lang="cs-CZ" dirty="0" smtClean="0"/>
+              <a:t>Bezpečné ukládání hesel</a:t>
+            </a:r>
+            <a:endParaRPr lang="cs-CZ" dirty="0"/>
+          </a:p>
+        </p:txBody>
+      </p:sp>
+      <p:sp>
+        <p:nvSpPr>
+          <p:cNvPr id="3" name="Zástupný symbol pro obsah 2"/>
+          <p:cNvSpPr>
+            <a:spLocks noGrp="1"/>
+          </p:cNvSpPr>
+          <p:nvPr>
+            <p:ph idx="1"/>
+          </p:nvPr>
+        </p:nvSpPr>
+        <p:spPr/>
+        <p:txBody>
+          <a:bodyPr>
+            <a:normAutofit/>
+          </a:bodyPr>
+          <a:lstStyle/>
+          <a:p>
+            <a:pPr>
+              <a:lnSpc>
+                <a:spcPct val="150000"/>
+              </a:lnSpc>
+            </a:pPr>
+            <a:r>
+              <a:rPr lang="cs-CZ" sz="2400" dirty="0" smtClean="0"/>
+              <a:t>Hesla nejsou ukládána v textové podobě</a:t>
+            </a:r>
+          </a:p>
+          <a:p>
+            <a:pPr>
+              <a:lnSpc>
+                <a:spcPct val="150000"/>
+              </a:lnSpc>
+            </a:pPr>
+            <a:r>
+              <a:rPr lang="cs-CZ" sz="2400" dirty="0" smtClean="0"/>
+              <a:t>Využití </a:t>
+            </a:r>
+            <a:r>
+              <a:rPr lang="cs-CZ" sz="2400" dirty="0" err="1" smtClean="0"/>
+              <a:t>Hashovací</a:t>
+            </a:r>
+            <a:r>
+              <a:rPr lang="cs-CZ" sz="2400" dirty="0" smtClean="0"/>
+              <a:t> funkce a tzv. soli (salt)</a:t>
+            </a:r>
+          </a:p>
+          <a:p>
+            <a:pPr>
+              <a:lnSpc>
+                <a:spcPct val="150000"/>
+              </a:lnSpc>
+            </a:pPr>
+            <a:r>
+              <a:rPr lang="cs-CZ" sz="2400" dirty="0" smtClean="0"/>
+              <a:t>Netriviální postup pro získávání soli</a:t>
+            </a:r>
+          </a:p>
+          <a:p>
+            <a:pPr>
+              <a:lnSpc>
+                <a:spcPct val="150000"/>
+              </a:lnSpc>
+            </a:pPr>
+            <a:r>
+              <a:rPr lang="cs-CZ" sz="2400" dirty="0" smtClean="0"/>
+              <a:t>Neznámý postup </a:t>
+            </a:r>
+            <a:r>
+              <a:rPr lang="cs-CZ" sz="2400" dirty="0" err="1" smtClean="0"/>
+              <a:t>Hashování</a:t>
+            </a:r>
+            <a:endParaRPr lang="cs-CZ" sz="2400" dirty="0" smtClean="0"/>
+          </a:p>
+          <a:p>
+            <a:endParaRPr lang="cs-CZ" sz="2400" dirty="0"/>
+          </a:p>
+        </p:txBody>
+      </p:sp>
+    </p:spTree>
+    <p:extLst>
+      <p:ext uri="{BB962C8B-B14F-4D97-AF65-F5344CB8AC3E}">
+        <p14:creationId xmlns:p14="http://schemas.microsoft.com/office/powerpoint/2010/main" val="2491289788"/>
+      </p:ext>
+    </p:extLst>
+  </p:cSld>
+  <p:clrMapOvr>
+    <a:masterClrMapping/>
+  </p:clrMapOvr>
+  <mc:AlternateContent xmlns:mc="http://schemas.openxmlformats.org/markup-compatibility/2006">
+    <mc:Choice xmlns:p14="http://schemas.microsoft.com/office/powerpoint/2010/main" Requires="p14">
+      <p:transition p14:dur="0"/>
+    </mc:Choice>
+    <mc:Fallback>
+      <p:transition/>
+    </mc:Fallback>
+  </mc:AlternateContent>
+</p:sld>
+</file>
+
+<file path=ppt/slides/slide29.xml><?xml version="1.0" encoding="utf-8"?>
+<p:sld xmlns:a="http://schemas.openxmlformats.org/drawingml/2006/main" xmlns:r="http://schemas.openxmlformats.org/officeDocument/2006/relationships" xmlns:p="http://schemas.openxmlformats.org/presentationml/2006/main">
+  <p:cSld>
+    <p:spTree>
+      <p:nvGrpSpPr>
+        <p:cNvPr id="1" name=""/>
+        <p:cNvGrpSpPr/>
+        <p:nvPr/>
+      </p:nvGrpSpPr>
+      <p:grpSpPr>
+        <a:xfrm>
+          <a:off x="0" y="0"/>
+          <a:ext cx="0" cy="0"/>
+          <a:chOff x="0" y="0"/>
+          <a:chExt cx="0" cy="0"/>
+        </a:xfrm>
+      </p:grpSpPr>
+      <p:sp>
+        <p:nvSpPr>
+          <p:cNvPr id="2" name="Nadpis 1"/>
+          <p:cNvSpPr>
+            <a:spLocks noGrp="1"/>
+          </p:cNvSpPr>
+          <p:nvPr>
+            <p:ph type="title"/>
+          </p:nvPr>
+        </p:nvSpPr>
+        <p:spPr/>
+        <p:txBody>
+          <a:bodyPr/>
+          <a:lstStyle/>
+          <a:p>
+            <a:r>
+              <a:rPr lang="cs-CZ" dirty="0" smtClean="0"/>
+              <a:t>Nezvolení REST API</a:t>
+            </a:r>
+            <a:endParaRPr lang="cs-CZ" dirty="0"/>
+          </a:p>
+        </p:txBody>
+      </p:sp>
+      <p:sp>
+        <p:nvSpPr>
+          <p:cNvPr id="3" name="Zástupný symbol pro obsah 2"/>
+          <p:cNvSpPr>
+            <a:spLocks noGrp="1"/>
+          </p:cNvSpPr>
+          <p:nvPr>
+            <p:ph idx="1"/>
+          </p:nvPr>
+        </p:nvSpPr>
+        <p:spPr/>
+        <p:txBody>
+          <a:bodyPr>
+            <a:normAutofit/>
+          </a:bodyPr>
+          <a:lstStyle/>
+          <a:p>
+            <a:pPr>
+              <a:lnSpc>
+                <a:spcPct val="150000"/>
+              </a:lnSpc>
+            </a:pPr>
+            <a:r>
+              <a:rPr lang="cs-CZ" sz="2400" dirty="0" smtClean="0"/>
+              <a:t>Existující monitorovací systém</a:t>
+            </a:r>
+          </a:p>
+          <a:p>
+            <a:pPr>
+              <a:lnSpc>
+                <a:spcPct val="150000"/>
+              </a:lnSpc>
+            </a:pPr>
+            <a:r>
+              <a:rPr lang="cs-CZ" sz="2400" dirty="0" smtClean="0"/>
+              <a:t>Zadáním webová aplikace</a:t>
+            </a:r>
+          </a:p>
+          <a:p>
+            <a:pPr>
+              <a:lnSpc>
+                <a:spcPct val="150000"/>
+              </a:lnSpc>
+            </a:pPr>
+            <a:r>
+              <a:rPr lang="cs-CZ" sz="2400" dirty="0" smtClean="0"/>
+              <a:t>Využití v některých modulech (metodách)</a:t>
+            </a:r>
+            <a:endParaRPr lang="cs-CZ" sz="2400" dirty="0"/>
+          </a:p>
+        </p:txBody>
+      </p:sp>
+    </p:spTree>
+    <p:extLst>
+      <p:ext uri="{BB962C8B-B14F-4D97-AF65-F5344CB8AC3E}">
+        <p14:creationId xmlns:p14="http://schemas.microsoft.com/office/powerpoint/2010/main" val="3416698712"/>
+      </p:ext>
+    </p:extLst>
+  </p:cSld>
+  <p:clrMapOvr>
+    <a:masterClrMapping/>
+  </p:clrMapOvr>
+  <mc:AlternateContent xmlns:mc="http://schemas.openxmlformats.org/markup-compatibility/2006">
+    <mc:Choice xmlns:p14="http://schemas.microsoft.com/office/powerpoint/2010/main" Requires="p14">
+      <p:transition p14:dur="0"/>
+    </mc:Choice>
+    <mc:Fallback>
+      <p:transition/>
+    </mc:Fallback>
+  </mc:AlternateContent>
 </p:sld>
 </file>
 
@@ -12298,11 +13007,11 @@
   <p:clrMapOvr>
     <a:masterClrMapping/>
   </p:clrMapOvr>
-  <mc:AlternateContent xmlns:mc="http://schemas.openxmlformats.org/markup-compatibility/2006" xmlns:p14="http://schemas.microsoft.com/office/powerpoint/2010/main">
-    <mc:Choice Requires="p14">
+  <mc:AlternateContent xmlns:mc="http://schemas.openxmlformats.org/markup-compatibility/2006">
+    <mc:Choice xmlns:p14="http://schemas.microsoft.com/office/powerpoint/2010/main" Requires="p14">
       <p:transition p14:dur="0"/>
     </mc:Choice>
-    <mc:Fallback xmlns="">
+    <mc:Fallback>
       <p:transition/>
     </mc:Fallback>
   </mc:AlternateContent>
@@ -12313,6 +13022,156 @@
       </p:par>
     </p:tnLst>
   </p:timing>
+</p:sld>
+</file>
+
+<file path=ppt/slides/slide30.xml><?xml version="1.0" encoding="utf-8"?>
+<p:sld xmlns:a="http://schemas.openxmlformats.org/drawingml/2006/main" xmlns:r="http://schemas.openxmlformats.org/officeDocument/2006/relationships" xmlns:p="http://schemas.openxmlformats.org/presentationml/2006/main">
+  <p:cSld>
+    <p:spTree>
+      <p:nvGrpSpPr>
+        <p:cNvPr id="1" name=""/>
+        <p:cNvGrpSpPr/>
+        <p:nvPr/>
+      </p:nvGrpSpPr>
+      <p:grpSpPr>
+        <a:xfrm>
+          <a:off x="0" y="0"/>
+          <a:ext cx="0" cy="0"/>
+          <a:chOff x="0" y="0"/>
+          <a:chExt cx="0" cy="0"/>
+        </a:xfrm>
+      </p:grpSpPr>
+      <p:sp>
+        <p:nvSpPr>
+          <p:cNvPr id="2" name="Nadpis 1"/>
+          <p:cNvSpPr>
+            <a:spLocks noGrp="1"/>
+          </p:cNvSpPr>
+          <p:nvPr>
+            <p:ph type="title"/>
+          </p:nvPr>
+        </p:nvSpPr>
+        <p:spPr/>
+        <p:txBody>
+          <a:bodyPr/>
+          <a:lstStyle/>
+          <a:p>
+            <a:r>
+              <a:rPr lang="cs-CZ" dirty="0" smtClean="0"/>
+              <a:t>Změny v návrhu</a:t>
+            </a:r>
+            <a:endParaRPr lang="cs-CZ" dirty="0"/>
+          </a:p>
+        </p:txBody>
+      </p:sp>
+      <p:sp>
+        <p:nvSpPr>
+          <p:cNvPr id="3" name="Zástupný symbol pro obsah 2"/>
+          <p:cNvSpPr>
+            <a:spLocks noGrp="1"/>
+          </p:cNvSpPr>
+          <p:nvPr>
+            <p:ph idx="1"/>
+          </p:nvPr>
+        </p:nvSpPr>
+        <p:spPr/>
+        <p:txBody>
+          <a:bodyPr>
+            <a:normAutofit/>
+          </a:bodyPr>
+          <a:lstStyle/>
+          <a:p>
+            <a:pPr>
+              <a:lnSpc>
+                <a:spcPct val="150000"/>
+              </a:lnSpc>
+            </a:pPr>
+            <a:r>
+              <a:rPr lang="cs-CZ" sz="2400" dirty="0" smtClean="0"/>
+              <a:t>Úplné oddělení databázové logiky</a:t>
+            </a:r>
+          </a:p>
+          <a:p>
+            <a:pPr>
+              <a:lnSpc>
+                <a:spcPct val="150000"/>
+              </a:lnSpc>
+            </a:pPr>
+            <a:r>
+              <a:rPr lang="cs-CZ" sz="2400" dirty="0" smtClean="0"/>
+              <a:t>Rozlišení </a:t>
+            </a:r>
+            <a:r>
+              <a:rPr lang="cs-CZ" sz="2400" dirty="0" err="1" smtClean="0"/>
+              <a:t>facade</a:t>
+            </a:r>
+            <a:r>
+              <a:rPr lang="cs-CZ" sz="2400" dirty="0" smtClean="0"/>
+              <a:t> od modelu</a:t>
+            </a:r>
+          </a:p>
+          <a:p>
+            <a:pPr>
+              <a:lnSpc>
+                <a:spcPct val="150000"/>
+              </a:lnSpc>
+            </a:pPr>
+            <a:r>
+              <a:rPr lang="cs-CZ" sz="2400" dirty="0" smtClean="0"/>
+              <a:t>Větší využití REST</a:t>
+            </a:r>
+          </a:p>
+          <a:p>
+            <a:pPr>
+              <a:lnSpc>
+                <a:spcPct val="150000"/>
+              </a:lnSpc>
+            </a:pPr>
+            <a:r>
+              <a:rPr lang="cs-CZ" sz="2400" dirty="0" smtClean="0"/>
+              <a:t>Větší využití AJAX</a:t>
+            </a:r>
+          </a:p>
+          <a:p>
+            <a:pPr>
+              <a:lnSpc>
+                <a:spcPct val="150000"/>
+              </a:lnSpc>
+            </a:pPr>
+            <a:r>
+              <a:rPr lang="cs-CZ" sz="2400" dirty="0" smtClean="0"/>
+              <a:t>Responsivní design aplikace</a:t>
+            </a:r>
+          </a:p>
+          <a:p>
+            <a:pPr>
+              <a:lnSpc>
+                <a:spcPct val="150000"/>
+              </a:lnSpc>
+            </a:pPr>
+            <a:endParaRPr lang="cs-CZ" sz="2400" dirty="0"/>
+          </a:p>
+        </p:txBody>
+      </p:sp>
+    </p:spTree>
+    <p:extLst>
+      <p:ext uri="{BB962C8B-B14F-4D97-AF65-F5344CB8AC3E}">
+        <p14:creationId xmlns:p14="http://schemas.microsoft.com/office/powerpoint/2010/main" val="2772485255"/>
+      </p:ext>
+    </p:extLst>
+  </p:cSld>
+  <p:clrMapOvr>
+    <a:masterClrMapping/>
+  </p:clrMapOvr>
+  <mc:AlternateContent xmlns:mc="http://schemas.openxmlformats.org/markup-compatibility/2006">
+    <mc:Choice xmlns:p14="http://schemas.microsoft.com/office/powerpoint/2010/main" Requires="p14">
+      <p:transition p14:dur="0"/>
+    </mc:Choice>
+    <mc:Fallback>
+      <p:transition/>
+    </mc:Fallback>
+  </mc:AlternateContent>
 </p:sld>
 </file>
 
@@ -15917,11 +16776,11 @@
   <p:clrMapOvr>
     <a:masterClrMapping/>
   </p:clrMapOvr>
-  <mc:AlternateContent xmlns:mc="http://schemas.openxmlformats.org/markup-compatibility/2006" xmlns:p14="http://schemas.microsoft.com/office/powerpoint/2010/main">
-    <mc:Choice Requires="p14">
+  <mc:AlternateContent xmlns:mc="http://schemas.openxmlformats.org/markup-compatibility/2006">
+    <mc:Choice xmlns:p14="http://schemas.microsoft.com/office/powerpoint/2010/main" Requires="p14">
       <p:transition p14:dur="0"/>
     </mc:Choice>
-    <mc:Fallback xmlns="">
+    <mc:Fallback>
       <p:transition/>
     </mc:Fallback>
   </mc:AlternateContent>
@@ -19608,11 +20467,11 @@
   <p:clrMapOvr>
     <a:masterClrMapping/>
   </p:clrMapOvr>
-  <mc:AlternateContent xmlns:mc="http://schemas.openxmlformats.org/markup-compatibility/2006" xmlns:p14="http://schemas.microsoft.com/office/powerpoint/2010/main">
-    <mc:Choice Requires="p14">
+  <mc:AlternateContent xmlns:mc="http://schemas.openxmlformats.org/markup-compatibility/2006">
+    <mc:Choice xmlns:p14="http://schemas.microsoft.com/office/powerpoint/2010/main" Requires="p14">
       <p:transition p14:dur="0"/>
     </mc:Choice>
-    <mc:Fallback xmlns="">
+    <mc:Fallback>
       <p:transition/>
     </mc:Fallback>
   </mc:AlternateContent>
@@ -19705,11 +20564,11 @@
   <p:clrMapOvr>
     <a:masterClrMapping/>
   </p:clrMapOvr>
-  <mc:AlternateContent xmlns:mc="http://schemas.openxmlformats.org/markup-compatibility/2006" xmlns:p14="http://schemas.microsoft.com/office/powerpoint/2010/main">
-    <mc:Choice Requires="p14">
+  <mc:AlternateContent xmlns:mc="http://schemas.openxmlformats.org/markup-compatibility/2006">
+    <mc:Choice xmlns:p14="http://schemas.microsoft.com/office/powerpoint/2010/main" Requires="p14">
       <p:transition p14:dur="0"/>
     </mc:Choice>
-    <mc:Fallback xmlns="">
+    <mc:Fallback>
       <p:transition/>
     </mc:Fallback>
   </mc:AlternateContent>
@@ -19802,11 +20661,11 @@
   <p:clrMapOvr>
     <a:masterClrMapping/>
   </p:clrMapOvr>
-  <mc:AlternateContent xmlns:mc="http://schemas.openxmlformats.org/markup-compatibility/2006" xmlns:p14="http://schemas.microsoft.com/office/powerpoint/2010/main">
-    <mc:Choice Requires="p14">
+  <mc:AlternateContent xmlns:mc="http://schemas.openxmlformats.org/markup-compatibility/2006">
+    <mc:Choice xmlns:p14="http://schemas.microsoft.com/office/powerpoint/2010/main" Requires="p14">
       <p:transition p14:dur="0"/>
     </mc:Choice>
-    <mc:Fallback xmlns="">
+    <mc:Fallback>
       <p:transition/>
     </mc:Fallback>
   </mc:AlternateContent>
@@ -19959,11 +20818,11 @@
   <p:clrMapOvr>
     <a:masterClrMapping/>
   </p:clrMapOvr>
-  <mc:AlternateContent xmlns:mc="http://schemas.openxmlformats.org/markup-compatibility/2006" xmlns:p14="http://schemas.microsoft.com/office/powerpoint/2010/main">
-    <mc:Choice Requires="p14">
+  <mc:AlternateContent xmlns:mc="http://schemas.openxmlformats.org/markup-compatibility/2006">
+    <mc:Choice xmlns:p14="http://schemas.microsoft.com/office/powerpoint/2010/main" Requires="p14">
       <p:transition p14:dur="0"/>
     </mc:Choice>
-    <mc:Fallback xmlns="">
+    <mc:Fallback>
       <p:transition/>
     </mc:Fallback>
   </mc:AlternateContent>
@@ -20098,11 +20957,11 @@
   <p:clrMapOvr>
     <a:masterClrMapping/>
   </p:clrMapOvr>
-  <mc:AlternateContent xmlns:mc="http://schemas.openxmlformats.org/markup-compatibility/2006" xmlns:p14="http://schemas.microsoft.com/office/powerpoint/2010/main">
-    <mc:Choice Requires="p14">
+  <mc:AlternateContent xmlns:mc="http://schemas.openxmlformats.org/markup-compatibility/2006">
+    <mc:Choice xmlns:p14="http://schemas.microsoft.com/office/powerpoint/2010/main" Requires="p14">
       <p:transition p14:dur="0"/>
     </mc:Choice>
-    <mc:Fallback xmlns="">
+    <mc:Fallback>
       <p:transition/>
     </mc:Fallback>
   </mc:AlternateContent>

--- a/prezentace diplomka/DP_Diani.pptx
+++ b/prezentace diplomka/DP_Diani.pptx
@@ -2845,23 +2845,7 @@
             </a:r>
             <a:r>
               <a:rPr lang="cs-CZ" baseline="0" dirty="0" smtClean="0"/>
-              <a:t> rámci </a:t>
-            </a:r>
-            <a:r>
-              <a:rPr lang="cs-CZ" baseline="0" dirty="0" smtClean="0"/>
-              <a:t>diplomové práce </a:t>
-            </a:r>
-            <a:r>
-              <a:rPr lang="cs-CZ" baseline="0" dirty="0" smtClean="0"/>
-              <a:t>jsem udělal rešerši existující </a:t>
-            </a:r>
-            <a:r>
-              <a:rPr lang="cs-CZ" baseline="0" dirty="0" smtClean="0"/>
-              <a:t>podobných </a:t>
-            </a:r>
-            <a:r>
-              <a:rPr lang="cs-CZ" baseline="0" dirty="0" smtClean="0"/>
-              <a:t>řešení.</a:t>
+              <a:t> rámci diplomové práce jsem udělal rešerši existující podobných řešení.</a:t>
             </a:r>
             <a:endParaRPr lang="cs-CZ" dirty="0"/>
           </a:p>
@@ -3078,15 +3062,7 @@
           <a:p>
             <a:r>
               <a:rPr lang="cs-CZ" dirty="0" smtClean="0"/>
-              <a:t>Výchozí </a:t>
-            </a:r>
-            <a:r>
-              <a:rPr lang="cs-CZ" dirty="0" smtClean="0"/>
-              <a:t>stav bylo že </a:t>
-            </a:r>
-            <a:r>
-              <a:rPr lang="cs-CZ" dirty="0" smtClean="0"/>
-              <a:t>chyběla webová aplikace již</a:t>
+              <a:t>Výchozí stav bylo že chyběla webová aplikace již</a:t>
             </a:r>
             <a:r>
               <a:rPr lang="cs-CZ" baseline="0" dirty="0" smtClean="0"/>
@@ -9670,11 +9646,11 @@
   <p:clrMapOvr>
     <a:masterClrMapping/>
   </p:clrMapOvr>
-  <mc:AlternateContent xmlns:mc="http://schemas.openxmlformats.org/markup-compatibility/2006">
-    <mc:Choice xmlns:p14="http://schemas.microsoft.com/office/powerpoint/2010/main" Requires="p14">
+  <mc:AlternateContent xmlns:mc="http://schemas.openxmlformats.org/markup-compatibility/2006" xmlns:p14="http://schemas.microsoft.com/office/powerpoint/2010/main">
+    <mc:Choice Requires="p14">
       <p:transition p14:dur="0"/>
     </mc:Choice>
-    <mc:Fallback>
+    <mc:Fallback xmlns="">
       <p:transition/>
     </mc:Fallback>
   </mc:AlternateContent>
@@ -9876,11 +9852,11 @@
   <p:clrMapOvr>
     <a:masterClrMapping/>
   </p:clrMapOvr>
-  <mc:AlternateContent xmlns:mc="http://schemas.openxmlformats.org/markup-compatibility/2006">
-    <mc:Choice xmlns:p14="http://schemas.microsoft.com/office/powerpoint/2010/main" Requires="p14">
+  <mc:AlternateContent xmlns:mc="http://schemas.openxmlformats.org/markup-compatibility/2006" xmlns:p14="http://schemas.microsoft.com/office/powerpoint/2010/main">
+    <mc:Choice Requires="p14">
       <p:transition p14:dur="0"/>
     </mc:Choice>
-    <mc:Fallback>
+    <mc:Fallback xmlns="">
       <p:transition/>
     </mc:Fallback>
   </mc:AlternateContent>
@@ -10173,11 +10149,11 @@
   <p:clrMapOvr>
     <a:masterClrMapping/>
   </p:clrMapOvr>
-  <mc:AlternateContent xmlns:mc="http://schemas.openxmlformats.org/markup-compatibility/2006">
-    <mc:Choice xmlns:p14="http://schemas.microsoft.com/office/powerpoint/2010/main" Requires="p14">
+  <mc:AlternateContent xmlns:mc="http://schemas.openxmlformats.org/markup-compatibility/2006" xmlns:p14="http://schemas.microsoft.com/office/powerpoint/2010/main">
+    <mc:Choice Requires="p14">
       <p:transition p14:dur="0"/>
     </mc:Choice>
-    <mc:Fallback>
+    <mc:Fallback xmlns="">
       <p:transition/>
     </mc:Fallback>
   </mc:AlternateContent>
@@ -10330,11 +10306,11 @@
   <p:clrMapOvr>
     <a:masterClrMapping/>
   </p:clrMapOvr>
-  <mc:AlternateContent xmlns:mc="http://schemas.openxmlformats.org/markup-compatibility/2006">
-    <mc:Choice xmlns:p14="http://schemas.microsoft.com/office/powerpoint/2010/main" Requires="p14">
+  <mc:AlternateContent xmlns:mc="http://schemas.openxmlformats.org/markup-compatibility/2006" xmlns:p14="http://schemas.microsoft.com/office/powerpoint/2010/main">
+    <mc:Choice Requires="p14">
       <p:transition p14:dur="0"/>
     </mc:Choice>
-    <mc:Fallback>
+    <mc:Fallback xmlns="">
       <p:transition/>
     </mc:Fallback>
   </mc:AlternateContent>
@@ -10448,11 +10424,11 @@
   <p:clrMapOvr>
     <a:masterClrMapping/>
   </p:clrMapOvr>
-  <mc:AlternateContent xmlns:mc="http://schemas.openxmlformats.org/markup-compatibility/2006">
-    <mc:Choice xmlns:p14="http://schemas.microsoft.com/office/powerpoint/2010/main" Requires="p14">
+  <mc:AlternateContent xmlns:mc="http://schemas.openxmlformats.org/markup-compatibility/2006" xmlns:p14="http://schemas.microsoft.com/office/powerpoint/2010/main">
+    <mc:Choice Requires="p14">
       <p:transition p14:dur="0"/>
     </mc:Choice>
-    <mc:Fallback>
+    <mc:Fallback xmlns="">
       <p:transition/>
     </mc:Fallback>
   </mc:AlternateContent>
@@ -10576,11 +10552,11 @@
   <p:clrMapOvr>
     <a:masterClrMapping/>
   </p:clrMapOvr>
-  <mc:AlternateContent xmlns:mc="http://schemas.openxmlformats.org/markup-compatibility/2006">
-    <mc:Choice xmlns:p14="http://schemas.microsoft.com/office/powerpoint/2010/main" Requires="p14">
+  <mc:AlternateContent xmlns:mc="http://schemas.openxmlformats.org/markup-compatibility/2006" xmlns:p14="http://schemas.microsoft.com/office/powerpoint/2010/main">
+    <mc:Choice Requires="p14">
       <p:transition p14:dur="0"/>
     </mc:Choice>
-    <mc:Fallback>
+    <mc:Fallback xmlns="">
       <p:transition/>
     </mc:Fallback>
   </mc:AlternateContent>
@@ -10666,11 +10642,11 @@
   <p:clrMapOvr>
     <a:masterClrMapping/>
   </p:clrMapOvr>
-  <mc:AlternateContent xmlns:mc="http://schemas.openxmlformats.org/markup-compatibility/2006">
-    <mc:Choice xmlns:p14="http://schemas.microsoft.com/office/powerpoint/2010/main" Requires="p14">
+  <mc:AlternateContent xmlns:mc="http://schemas.openxmlformats.org/markup-compatibility/2006" xmlns:p14="http://schemas.microsoft.com/office/powerpoint/2010/main">
+    <mc:Choice Requires="p14">
       <p:transition p14:dur="0"/>
     </mc:Choice>
-    <mc:Fallback>
+    <mc:Fallback xmlns="">
       <p:transition/>
     </mc:Fallback>
   </mc:AlternateContent>
@@ -10886,11 +10862,11 @@
   <p:clrMapOvr>
     <a:masterClrMapping/>
   </p:clrMapOvr>
-  <mc:AlternateContent xmlns:mc="http://schemas.openxmlformats.org/markup-compatibility/2006">
-    <mc:Choice xmlns:p14="http://schemas.microsoft.com/office/powerpoint/2010/main" Requires="p14">
+  <mc:AlternateContent xmlns:mc="http://schemas.openxmlformats.org/markup-compatibility/2006" xmlns:p14="http://schemas.microsoft.com/office/powerpoint/2010/main">
+    <mc:Choice Requires="p14">
       <p:transition p14:dur="0"/>
     </mc:Choice>
-    <mc:Fallback>
+    <mc:Fallback xmlns="">
       <p:transition/>
     </mc:Fallback>
   </mc:AlternateContent>
@@ -10982,11 +10958,11 @@
   <p:clrMapOvr>
     <a:masterClrMapping/>
   </p:clrMapOvr>
-  <mc:AlternateContent xmlns:mc="http://schemas.openxmlformats.org/markup-compatibility/2006">
-    <mc:Choice xmlns:p14="http://schemas.microsoft.com/office/powerpoint/2010/main" Requires="p14">
+  <mc:AlternateContent xmlns:mc="http://schemas.openxmlformats.org/markup-compatibility/2006" xmlns:p14="http://schemas.microsoft.com/office/powerpoint/2010/main">
+    <mc:Choice Requires="p14">
       <p:transition p14:dur="0"/>
     </mc:Choice>
-    <mc:Fallback>
+    <mc:Fallback xmlns="">
       <p:transition/>
     </mc:Fallback>
   </mc:AlternateContent>
@@ -11170,11 +11146,11 @@
   <p:clrMapOvr>
     <a:masterClrMapping/>
   </p:clrMapOvr>
-  <mc:AlternateContent xmlns:mc="http://schemas.openxmlformats.org/markup-compatibility/2006">
-    <mc:Choice xmlns:p14="http://schemas.microsoft.com/office/powerpoint/2010/main" Requires="p14">
+  <mc:AlternateContent xmlns:mc="http://schemas.openxmlformats.org/markup-compatibility/2006" xmlns:p14="http://schemas.microsoft.com/office/powerpoint/2010/main">
+    <mc:Choice Requires="p14">
       <p:transition p14:dur="0"/>
     </mc:Choice>
-    <mc:Fallback>
+    <mc:Fallback xmlns="">
       <p:transition/>
     </mc:Fallback>
   </mc:AlternateContent>
@@ -11266,11 +11242,11 @@
   <p:clrMapOvr>
     <a:masterClrMapping/>
   </p:clrMapOvr>
-  <mc:AlternateContent xmlns:mc="http://schemas.openxmlformats.org/markup-compatibility/2006">
-    <mc:Choice xmlns:p14="http://schemas.microsoft.com/office/powerpoint/2010/main" Requires="p14">
+  <mc:AlternateContent xmlns:mc="http://schemas.openxmlformats.org/markup-compatibility/2006" xmlns:p14="http://schemas.microsoft.com/office/powerpoint/2010/main">
+    <mc:Choice Requires="p14">
       <p:transition p14:dur="0"/>
     </mc:Choice>
-    <mc:Fallback>
+    <mc:Fallback xmlns="">
       <p:transition/>
     </mc:Fallback>
   </mc:AlternateContent>
@@ -11408,11 +11384,11 @@
   <p:clrMapOvr>
     <a:masterClrMapping/>
   </p:clrMapOvr>
-  <mc:AlternateContent xmlns:mc="http://schemas.openxmlformats.org/markup-compatibility/2006">
-    <mc:Choice xmlns:p14="http://schemas.microsoft.com/office/powerpoint/2010/main" Requires="p14">
+  <mc:AlternateContent xmlns:mc="http://schemas.openxmlformats.org/markup-compatibility/2006" xmlns:p14="http://schemas.microsoft.com/office/powerpoint/2010/main">
+    <mc:Choice Requires="p14">
       <p:transition p14:dur="0"/>
     </mc:Choice>
-    <mc:Fallback>
+    <mc:Fallback xmlns="">
       <p:transition/>
     </mc:Fallback>
   </mc:AlternateContent>
@@ -11504,11 +11480,11 @@
   <p:clrMapOvr>
     <a:masterClrMapping/>
   </p:clrMapOvr>
-  <mc:AlternateContent xmlns:mc="http://schemas.openxmlformats.org/markup-compatibility/2006">
-    <mc:Choice xmlns:p14="http://schemas.microsoft.com/office/powerpoint/2010/main" Requires="p14">
+  <mc:AlternateContent xmlns:mc="http://schemas.openxmlformats.org/markup-compatibility/2006" xmlns:p14="http://schemas.microsoft.com/office/powerpoint/2010/main">
+    <mc:Choice Requires="p14">
       <p:transition p14:dur="0"/>
     </mc:Choice>
-    <mc:Fallback>
+    <mc:Fallback xmlns="">
       <p:transition/>
     </mc:Fallback>
   </mc:AlternateContent>
@@ -11692,11 +11668,11 @@
   <p:clrMapOvr>
     <a:masterClrMapping/>
   </p:clrMapOvr>
-  <mc:AlternateContent xmlns:mc="http://schemas.openxmlformats.org/markup-compatibility/2006">
-    <mc:Choice xmlns:p14="http://schemas.microsoft.com/office/powerpoint/2010/main" Requires="p14">
+  <mc:AlternateContent xmlns:mc="http://schemas.openxmlformats.org/markup-compatibility/2006" xmlns:p14="http://schemas.microsoft.com/office/powerpoint/2010/main">
+    <mc:Choice Requires="p14">
       <p:transition p14:dur="0"/>
     </mc:Choice>
-    <mc:Fallback>
+    <mc:Fallback xmlns="">
       <p:transition/>
     </mc:Fallback>
   </mc:AlternateContent>
@@ -11791,11 +11767,11 @@
   <p:clrMapOvr>
     <a:masterClrMapping/>
   </p:clrMapOvr>
-  <mc:AlternateContent xmlns:mc="http://schemas.openxmlformats.org/markup-compatibility/2006">
-    <mc:Choice xmlns:p14="http://schemas.microsoft.com/office/powerpoint/2010/main" Requires="p14">
+  <mc:AlternateContent xmlns:mc="http://schemas.openxmlformats.org/markup-compatibility/2006" xmlns:p14="http://schemas.microsoft.com/office/powerpoint/2010/main">
+    <mc:Choice Requires="p14">
       <p:transition p14:dur="0"/>
     </mc:Choice>
-    <mc:Fallback>
+    <mc:Fallback xmlns="">
       <p:transition/>
     </mc:Fallback>
   </mc:AlternateContent>
@@ -11948,11 +11924,11 @@
   <p:clrMapOvr>
     <a:masterClrMapping/>
   </p:clrMapOvr>
-  <mc:AlternateContent xmlns:mc="http://schemas.openxmlformats.org/markup-compatibility/2006">
-    <mc:Choice xmlns:p14="http://schemas.microsoft.com/office/powerpoint/2010/main" Requires="p14">
+  <mc:AlternateContent xmlns:mc="http://schemas.openxmlformats.org/markup-compatibility/2006" xmlns:p14="http://schemas.microsoft.com/office/powerpoint/2010/main">
+    <mc:Choice Requires="p14">
       <p:transition p14:dur="0"/>
     </mc:Choice>
-    <mc:Fallback>
+    <mc:Fallback xmlns="">
       <p:transition/>
     </mc:Fallback>
   </mc:AlternateContent>
@@ -12090,11 +12066,11 @@
   <p:clrMapOvr>
     <a:masterClrMapping/>
   </p:clrMapOvr>
-  <mc:AlternateContent xmlns:mc="http://schemas.openxmlformats.org/markup-compatibility/2006">
-    <mc:Choice xmlns:p14="http://schemas.microsoft.com/office/powerpoint/2010/main" Requires="p14">
+  <mc:AlternateContent xmlns:mc="http://schemas.openxmlformats.org/markup-compatibility/2006" xmlns:p14="http://schemas.microsoft.com/office/powerpoint/2010/main">
+    <mc:Choice Requires="p14">
       <p:transition p14:dur="0"/>
     </mc:Choice>
-    <mc:Fallback>
+    <mc:Fallback xmlns="">
       <p:transition/>
     </mc:Fallback>
   </mc:AlternateContent>
@@ -12225,11 +12201,11 @@
   <p:clrMapOvr>
     <a:masterClrMapping/>
   </p:clrMapOvr>
-  <mc:AlternateContent xmlns:mc="http://schemas.openxmlformats.org/markup-compatibility/2006">
-    <mc:Choice xmlns:p14="http://schemas.microsoft.com/office/powerpoint/2010/main" Requires="p14">
+  <mc:AlternateContent xmlns:mc="http://schemas.openxmlformats.org/markup-compatibility/2006" xmlns:p14="http://schemas.microsoft.com/office/powerpoint/2010/main">
+    <mc:Choice Requires="p14">
       <p:transition p14:dur="0"/>
     </mc:Choice>
-    <mc:Fallback>
+    <mc:Fallback xmlns="">
       <p:transition/>
     </mc:Fallback>
   </mc:AlternateContent>
@@ -12437,11 +12413,11 @@
   <p:clrMapOvr>
     <a:masterClrMapping/>
   </p:clrMapOvr>
-  <mc:AlternateContent xmlns:mc="http://schemas.openxmlformats.org/markup-compatibility/2006">
-    <mc:Choice xmlns:p14="http://schemas.microsoft.com/office/powerpoint/2010/main" Requires="p14">
+  <mc:AlternateContent xmlns:mc="http://schemas.openxmlformats.org/markup-compatibility/2006" xmlns:p14="http://schemas.microsoft.com/office/powerpoint/2010/main">
+    <mc:Choice Requires="p14">
       <p:transition p14:dur="0"/>
     </mc:Choice>
-    <mc:Fallback>
+    <mc:Fallback xmlns="">
       <p:transition/>
     </mc:Fallback>
   </mc:AlternateContent>
@@ -12495,99 +12471,6 @@
           </a:p>
         </p:txBody>
       </p:sp>
-      <p:sp>
-        <p:nvSpPr>
-          <p:cNvPr id="2" name="Zástupný symbol pro obsah 1"/>
-          <p:cNvSpPr>
-            <a:spLocks noGrp="1"/>
-          </p:cNvSpPr>
-          <p:nvPr>
-            <p:ph idx="1"/>
-          </p:nvPr>
-        </p:nvSpPr>
-        <p:spPr>
-          <a:xfrm>
-            <a:off x="646112" y="2052918"/>
-            <a:ext cx="10979832" cy="4195481"/>
-          </a:xfrm>
-        </p:spPr>
-        <p:txBody>
-          <a:bodyPr>
-            <a:normAutofit/>
-          </a:bodyPr>
-          <a:lstStyle/>
-          <a:p>
-            <a:pPr>
-              <a:lnSpc>
-                <a:spcPct val="150000"/>
-              </a:lnSpc>
-            </a:pPr>
-            <a:r>
-              <a:rPr lang="cs-CZ" sz="2400" dirty="0"/>
-              <a:t>Jakým způsobem je řešeno bezpečné ukládání hesel v DB? Jak jsou </a:t>
-            </a:r>
-            <a:r>
-              <a:rPr lang="cs-CZ" sz="2400" dirty="0" smtClean="0"/>
-              <a:t>zabezpečena proti </a:t>
-            </a:r>
-            <a:r>
-              <a:rPr lang="cs-CZ" sz="2400" dirty="0"/>
-              <a:t>statistickým útokům nebo odcizení DB?</a:t>
-            </a:r>
-          </a:p>
-          <a:p>
-            <a:pPr>
-              <a:lnSpc>
-                <a:spcPct val="150000"/>
-              </a:lnSpc>
-            </a:pPr>
-            <a:r>
-              <a:rPr lang="cs-CZ" sz="2400" dirty="0" smtClean="0"/>
-              <a:t>Proč </a:t>
-            </a:r>
-            <a:r>
-              <a:rPr lang="cs-CZ" sz="2400" dirty="0"/>
-              <a:t>jste nezvolil řešení s REST API?</a:t>
-            </a:r>
-          </a:p>
-          <a:p>
-            <a:pPr>
-              <a:lnSpc>
-                <a:spcPct val="150000"/>
-              </a:lnSpc>
-            </a:pPr>
-            <a:r>
-              <a:rPr lang="cs-CZ" sz="2400" dirty="0" smtClean="0"/>
-              <a:t>Oproti původní </a:t>
-            </a:r>
-            <a:r>
-              <a:rPr lang="cs-CZ" sz="2400" dirty="0"/>
-              <a:t>implementaci z </a:t>
-            </a:r>
-            <a:r>
-              <a:rPr lang="cs-CZ" sz="2400" dirty="0" smtClean="0"/>
-              <a:t>roku </a:t>
-            </a:r>
-            <a:r>
-              <a:rPr lang="cs-CZ" sz="2400" dirty="0"/>
-              <a:t>2016, jaké změny v návrhu/technologiích </a:t>
-            </a:r>
-            <a:r>
-              <a:rPr lang="cs-CZ" sz="2400" dirty="0" smtClean="0"/>
-              <a:t>byste </a:t>
-            </a:r>
-            <a:r>
-              <a:rPr lang="pt-BR" sz="2400" dirty="0" smtClean="0"/>
-              <a:t>navrhoval </a:t>
-            </a:r>
-            <a:r>
-              <a:rPr lang="pt-BR" sz="2400" dirty="0"/>
-              <a:t>s ohledem na dnešní (a budoucí) vývoj?</a:t>
-            </a:r>
-            <a:endParaRPr lang="cs-CZ" sz="2400" dirty="0"/>
-          </a:p>
-        </p:txBody>
-      </p:sp>
     </p:spTree>
     <p:extLst>
       <p:ext uri="{BB962C8B-B14F-4D97-AF65-F5344CB8AC3E}">
@@ -12598,11 +12481,11 @@
   <p:clrMapOvr>
     <a:masterClrMapping/>
   </p:clrMapOvr>
-  <mc:AlternateContent xmlns:mc="http://schemas.openxmlformats.org/markup-compatibility/2006">
-    <mc:Choice xmlns:p14="http://schemas.microsoft.com/office/powerpoint/2010/main" Requires="p14">
+  <mc:AlternateContent xmlns:mc="http://schemas.openxmlformats.org/markup-compatibility/2006" xmlns:p14="http://schemas.microsoft.com/office/powerpoint/2010/main">
+    <mc:Choice Requires="p14">
       <p:transition p14:dur="0"/>
     </mc:Choice>
-    <mc:Fallback>
+    <mc:Fallback xmlns="">
       <p:transition/>
     </mc:Fallback>
   </mc:AlternateContent>
@@ -12650,7 +12533,7 @@
           <a:p>
             <a:r>
               <a:rPr lang="cs-CZ" dirty="0" smtClean="0"/>
-              <a:t>Bezpečné ukládání hesel</a:t>
+              <a:t>Otázka č. 1</a:t>
             </a:r>
             <a:endParaRPr lang="cs-CZ" dirty="0"/>
           </a:p>
@@ -12666,12 +12549,33 @@
             <p:ph idx="1"/>
           </p:nvPr>
         </p:nvSpPr>
-        <p:spPr/>
+        <p:spPr>
+          <a:xfrm>
+            <a:off x="646112" y="2052918"/>
+            <a:ext cx="10516694" cy="4195481"/>
+          </a:xfrm>
+        </p:spPr>
         <p:txBody>
           <a:bodyPr>
             <a:normAutofit/>
           </a:bodyPr>
           <a:lstStyle/>
+          <a:p>
+            <a:pPr marL="0" indent="0">
+              <a:lnSpc>
+                <a:spcPct val="150000"/>
+              </a:lnSpc>
+              <a:buNone/>
+            </a:pPr>
+            <a:r>
+              <a:rPr lang="cs-CZ" sz="2400" b="1" dirty="0"/>
+              <a:t>Jakým způsobem je řešeno bezpečné ukládání hesel v DB? Jak jsou zabezpečena proti statistickým útokům nebo odcizení DB</a:t>
+            </a:r>
+            <a:r>
+              <a:rPr lang="cs-CZ" sz="2400" b="1" dirty="0" smtClean="0"/>
+              <a:t>?</a:t>
+            </a:r>
+          </a:p>
           <a:p>
             <a:pPr>
               <a:lnSpc>
@@ -12744,11 +12648,11 @@
   <p:clrMapOvr>
     <a:masterClrMapping/>
   </p:clrMapOvr>
-  <mc:AlternateContent xmlns:mc="http://schemas.openxmlformats.org/markup-compatibility/2006">
-    <mc:Choice xmlns:p14="http://schemas.microsoft.com/office/powerpoint/2010/main" Requires="p14">
+  <mc:AlternateContent xmlns:mc="http://schemas.openxmlformats.org/markup-compatibility/2006" xmlns:p14="http://schemas.microsoft.com/office/powerpoint/2010/main">
+    <mc:Choice Requires="p14">
       <p:transition p14:dur="0"/>
     </mc:Choice>
-    <mc:Fallback>
+    <mc:Fallback xmlns="">
       <p:transition/>
     </mc:Fallback>
   </mc:AlternateContent>
@@ -12789,7 +12693,7 @@
           <a:p>
             <a:r>
               <a:rPr lang="cs-CZ" dirty="0" smtClean="0"/>
-              <a:t>Nezvolení REST API</a:t>
+              <a:t>Otázka č. 2</a:t>
             </a:r>
             <a:endParaRPr lang="cs-CZ" dirty="0"/>
           </a:p>
@@ -12805,12 +12709,29 @@
             <p:ph idx="1"/>
           </p:nvPr>
         </p:nvSpPr>
-        <p:spPr/>
+        <p:spPr>
+          <a:xfrm>
+            <a:off x="646112" y="2052918"/>
+            <a:ext cx="9403742" cy="4195481"/>
+          </a:xfrm>
+        </p:spPr>
         <p:txBody>
           <a:bodyPr>
             <a:normAutofit/>
           </a:bodyPr>
           <a:lstStyle/>
+          <a:p>
+            <a:pPr marL="0" indent="0">
+              <a:lnSpc>
+                <a:spcPct val="150000"/>
+              </a:lnSpc>
+              <a:buNone/>
+            </a:pPr>
+            <a:r>
+              <a:rPr lang="cs-CZ" sz="2400" b="1" dirty="0"/>
+              <a:t>Proč jste nezvolil řešení s REST API?</a:t>
+            </a:r>
+          </a:p>
           <a:p>
             <a:pPr>
               <a:lnSpc>
@@ -12857,11 +12778,11 @@
   <p:clrMapOvr>
     <a:masterClrMapping/>
   </p:clrMapOvr>
-  <mc:AlternateContent xmlns:mc="http://schemas.openxmlformats.org/markup-compatibility/2006">
-    <mc:Choice xmlns:p14="http://schemas.microsoft.com/office/powerpoint/2010/main" Requires="p14">
+  <mc:AlternateContent xmlns:mc="http://schemas.openxmlformats.org/markup-compatibility/2006" xmlns:p14="http://schemas.microsoft.com/office/powerpoint/2010/main">
+    <mc:Choice Requires="p14">
       <p:transition p14:dur="0"/>
     </mc:Choice>
-    <mc:Fallback>
+    <mc:Fallback xmlns="">
       <p:transition/>
     </mc:Fallback>
   </mc:AlternateContent>
@@ -13007,11 +12928,11 @@
   <p:clrMapOvr>
     <a:masterClrMapping/>
   </p:clrMapOvr>
-  <mc:AlternateContent xmlns:mc="http://schemas.openxmlformats.org/markup-compatibility/2006">
-    <mc:Choice xmlns:p14="http://schemas.microsoft.com/office/powerpoint/2010/main" Requires="p14">
+  <mc:AlternateContent xmlns:mc="http://schemas.openxmlformats.org/markup-compatibility/2006" xmlns:p14="http://schemas.microsoft.com/office/powerpoint/2010/main">
+    <mc:Choice Requires="p14">
       <p:transition p14:dur="0"/>
     </mc:Choice>
-    <mc:Fallback>
+    <mc:Fallback xmlns="">
       <p:transition/>
     </mc:Fallback>
   </mc:AlternateContent>
@@ -13059,7 +12980,7 @@
           <a:p>
             <a:r>
               <a:rPr lang="cs-CZ" dirty="0" smtClean="0"/>
-              <a:t>Změny v návrhu</a:t>
+              <a:t>Otázka č. 3</a:t>
             </a:r>
             <a:endParaRPr lang="cs-CZ" dirty="0"/>
           </a:p>
@@ -13075,12 +12996,34 @@
             <p:ph idx="1"/>
           </p:nvPr>
         </p:nvSpPr>
-        <p:spPr/>
+        <p:spPr>
+          <a:xfrm>
+            <a:off x="646112" y="2052918"/>
+            <a:ext cx="10540444" cy="4537887"/>
+          </a:xfrm>
+        </p:spPr>
         <p:txBody>
           <a:bodyPr>
-            <a:normAutofit/>
+            <a:normAutofit fontScale="85000" lnSpcReduction="20000"/>
           </a:bodyPr>
           <a:lstStyle/>
+          <a:p>
+            <a:pPr marL="0" indent="0">
+              <a:lnSpc>
+                <a:spcPct val="150000"/>
+              </a:lnSpc>
+              <a:buNone/>
+            </a:pPr>
+            <a:r>
+              <a:rPr lang="cs-CZ" sz="2800" b="1" dirty="0"/>
+              <a:t>Oproti původní implementaci z roku 2016, jaké změny v návrhu/technologiích byste </a:t>
+            </a:r>
+            <a:r>
+              <a:rPr lang="pt-BR" sz="2800" b="1" dirty="0"/>
+              <a:t>navrhoval s ohledem na dnešní (a budoucí) vývoj?</a:t>
+            </a:r>
+            <a:endParaRPr lang="cs-CZ" sz="2800" b="1" dirty="0"/>
+          </a:p>
           <a:p>
             <a:pPr>
               <a:lnSpc>
@@ -13088,7 +13031,7 @@
               </a:lnSpc>
             </a:pPr>
             <a:r>
-              <a:rPr lang="cs-CZ" sz="2400" dirty="0" smtClean="0"/>
+              <a:rPr lang="cs-CZ" sz="2800" dirty="0" smtClean="0"/>
               <a:t>Úplné oddělení databázové logiky</a:t>
             </a:r>
           </a:p>
@@ -13099,15 +13042,15 @@
               </a:lnSpc>
             </a:pPr>
             <a:r>
-              <a:rPr lang="cs-CZ" sz="2400" dirty="0" smtClean="0"/>
+              <a:rPr lang="cs-CZ" sz="2800" dirty="0" smtClean="0"/>
               <a:t>Rozlišení </a:t>
             </a:r>
             <a:r>
-              <a:rPr lang="cs-CZ" sz="2400" dirty="0" err="1" smtClean="0"/>
+              <a:rPr lang="cs-CZ" sz="2800" dirty="0" err="1" smtClean="0"/>
               <a:t>facade</a:t>
             </a:r>
             <a:r>
-              <a:rPr lang="cs-CZ" sz="2400" dirty="0" smtClean="0"/>
+              <a:rPr lang="cs-CZ" sz="2800" dirty="0" smtClean="0"/>
               <a:t> od modelu</a:t>
             </a:r>
           </a:p>
@@ -13118,7 +13061,7 @@
               </a:lnSpc>
             </a:pPr>
             <a:r>
-              <a:rPr lang="cs-CZ" sz="2400" dirty="0" smtClean="0"/>
+              <a:rPr lang="cs-CZ" sz="2800" dirty="0" smtClean="0"/>
               <a:t>Větší využití REST</a:t>
             </a:r>
           </a:p>
@@ -13129,7 +13072,7 @@
               </a:lnSpc>
             </a:pPr>
             <a:r>
-              <a:rPr lang="cs-CZ" sz="2400" dirty="0" smtClean="0"/>
+              <a:rPr lang="cs-CZ" sz="2800" dirty="0" smtClean="0"/>
               <a:t>Větší využití AJAX</a:t>
             </a:r>
           </a:p>
@@ -13140,7 +13083,7 @@
               </a:lnSpc>
             </a:pPr>
             <a:r>
-              <a:rPr lang="cs-CZ" sz="2400" dirty="0" smtClean="0"/>
+              <a:rPr lang="cs-CZ" sz="2800" dirty="0" smtClean="0"/>
               <a:t>Responsivní design aplikace</a:t>
             </a:r>
           </a:p>
@@ -13164,11 +13107,11 @@
   <p:clrMapOvr>
     <a:masterClrMapping/>
   </p:clrMapOvr>
-  <mc:AlternateContent xmlns:mc="http://schemas.openxmlformats.org/markup-compatibility/2006">
-    <mc:Choice xmlns:p14="http://schemas.microsoft.com/office/powerpoint/2010/main" Requires="p14">
+  <mc:AlternateContent xmlns:mc="http://schemas.openxmlformats.org/markup-compatibility/2006" xmlns:p14="http://schemas.microsoft.com/office/powerpoint/2010/main">
+    <mc:Choice Requires="p14">
       <p:transition p14:dur="0"/>
     </mc:Choice>
-    <mc:Fallback>
+    <mc:Fallback xmlns="">
       <p:transition/>
     </mc:Fallback>
   </mc:AlternateContent>
@@ -16776,11 +16719,11 @@
   <p:clrMapOvr>
     <a:masterClrMapping/>
   </p:clrMapOvr>
-  <mc:AlternateContent xmlns:mc="http://schemas.openxmlformats.org/markup-compatibility/2006">
-    <mc:Choice xmlns:p14="http://schemas.microsoft.com/office/powerpoint/2010/main" Requires="p14">
+  <mc:AlternateContent xmlns:mc="http://schemas.openxmlformats.org/markup-compatibility/2006" xmlns:p14="http://schemas.microsoft.com/office/powerpoint/2010/main">
+    <mc:Choice Requires="p14">
       <p:transition p14:dur="0"/>
     </mc:Choice>
-    <mc:Fallback>
+    <mc:Fallback xmlns="">
       <p:transition/>
     </mc:Fallback>
   </mc:AlternateContent>
@@ -20467,11 +20410,11 @@
   <p:clrMapOvr>
     <a:masterClrMapping/>
   </p:clrMapOvr>
-  <mc:AlternateContent xmlns:mc="http://schemas.openxmlformats.org/markup-compatibility/2006">
-    <mc:Choice xmlns:p14="http://schemas.microsoft.com/office/powerpoint/2010/main" Requires="p14">
+  <mc:AlternateContent xmlns:mc="http://schemas.openxmlformats.org/markup-compatibility/2006" xmlns:p14="http://schemas.microsoft.com/office/powerpoint/2010/main">
+    <mc:Choice Requires="p14">
       <p:transition p14:dur="0"/>
     </mc:Choice>
-    <mc:Fallback>
+    <mc:Fallback xmlns="">
       <p:transition/>
     </mc:Fallback>
   </mc:AlternateContent>
@@ -20564,11 +20507,11 @@
   <p:clrMapOvr>
     <a:masterClrMapping/>
   </p:clrMapOvr>
-  <mc:AlternateContent xmlns:mc="http://schemas.openxmlformats.org/markup-compatibility/2006">
-    <mc:Choice xmlns:p14="http://schemas.microsoft.com/office/powerpoint/2010/main" Requires="p14">
+  <mc:AlternateContent xmlns:mc="http://schemas.openxmlformats.org/markup-compatibility/2006" xmlns:p14="http://schemas.microsoft.com/office/powerpoint/2010/main">
+    <mc:Choice Requires="p14">
       <p:transition p14:dur="0"/>
     </mc:Choice>
-    <mc:Fallback>
+    <mc:Fallback xmlns="">
       <p:transition/>
     </mc:Fallback>
   </mc:AlternateContent>
@@ -20661,11 +20604,11 @@
   <p:clrMapOvr>
     <a:masterClrMapping/>
   </p:clrMapOvr>
-  <mc:AlternateContent xmlns:mc="http://schemas.openxmlformats.org/markup-compatibility/2006">
-    <mc:Choice xmlns:p14="http://schemas.microsoft.com/office/powerpoint/2010/main" Requires="p14">
+  <mc:AlternateContent xmlns:mc="http://schemas.openxmlformats.org/markup-compatibility/2006" xmlns:p14="http://schemas.microsoft.com/office/powerpoint/2010/main">
+    <mc:Choice Requires="p14">
       <p:transition p14:dur="0"/>
     </mc:Choice>
-    <mc:Fallback>
+    <mc:Fallback xmlns="">
       <p:transition/>
     </mc:Fallback>
   </mc:AlternateContent>
@@ -20818,11 +20761,11 @@
   <p:clrMapOvr>
     <a:masterClrMapping/>
   </p:clrMapOvr>
-  <mc:AlternateContent xmlns:mc="http://schemas.openxmlformats.org/markup-compatibility/2006">
-    <mc:Choice xmlns:p14="http://schemas.microsoft.com/office/powerpoint/2010/main" Requires="p14">
+  <mc:AlternateContent xmlns:mc="http://schemas.openxmlformats.org/markup-compatibility/2006" xmlns:p14="http://schemas.microsoft.com/office/powerpoint/2010/main">
+    <mc:Choice Requires="p14">
       <p:transition p14:dur="0"/>
     </mc:Choice>
-    <mc:Fallback>
+    <mc:Fallback xmlns="">
       <p:transition/>
     </mc:Fallback>
   </mc:AlternateContent>
@@ -20957,11 +20900,11 @@
   <p:clrMapOvr>
     <a:masterClrMapping/>
   </p:clrMapOvr>
-  <mc:AlternateContent xmlns:mc="http://schemas.openxmlformats.org/markup-compatibility/2006">
-    <mc:Choice xmlns:p14="http://schemas.microsoft.com/office/powerpoint/2010/main" Requires="p14">
+  <mc:AlternateContent xmlns:mc="http://schemas.openxmlformats.org/markup-compatibility/2006" xmlns:p14="http://schemas.microsoft.com/office/powerpoint/2010/main">
+    <mc:Choice Requires="p14">
       <p:transition p14:dur="0"/>
     </mc:Choice>
-    <mc:Fallback>
+    <mc:Fallback xmlns="">
       <p:transition/>
     </mc:Fallback>
   </mc:AlternateContent>

--- a/prezentace diplomka/DP_Diani.pptx
+++ b/prezentace diplomka/DP_Diani.pptx
@@ -24,8 +24,8 @@
     <p:sldId id="289" r:id="rId15"/>
     <p:sldId id="282" r:id="rId16"/>
     <p:sldId id="269" r:id="rId17"/>
-    <p:sldId id="286" r:id="rId18"/>
-    <p:sldId id="294" r:id="rId19"/>
+    <p:sldId id="294" r:id="rId18"/>
+    <p:sldId id="295" r:id="rId19"/>
     <p:sldId id="280" r:id="rId20"/>
     <p:sldId id="283" r:id="rId21"/>
     <p:sldId id="285" r:id="rId22"/>
@@ -245,7 +245,7 @@
           <a:p>
             <a:fld id="{95C8B843-1916-423D-A1DA-BF80B31ADF72}" type="datetimeFigureOut">
               <a:rPr lang="en-US" smtClean="0"/>
-              <a:t>6/10/2017</a:t>
+              <a:t>6/11/2017</a:t>
             </a:fld>
             <a:endParaRPr lang="en-US"/>
           </a:p>
@@ -1212,7 +1212,7 @@
     </p:spTree>
     <p:extLst>
       <p:ext uri="{BB962C8B-B14F-4D97-AF65-F5344CB8AC3E}">
-        <p14:creationId xmlns:p14="http://schemas.microsoft.com/office/powerpoint/2010/main" val="3859641528"/>
+        <p14:creationId xmlns:p14="http://schemas.microsoft.com/office/powerpoint/2010/main" val="1221048222"/>
       </p:ext>
     </p:extLst>
   </p:cSld>
@@ -1300,7 +1300,7 @@
     </p:spTree>
     <p:extLst>
       <p:ext uri="{BB962C8B-B14F-4D97-AF65-F5344CB8AC3E}">
-        <p14:creationId xmlns:p14="http://schemas.microsoft.com/office/powerpoint/2010/main" val="1221048222"/>
+        <p14:creationId xmlns:p14="http://schemas.microsoft.com/office/powerpoint/2010/main" val="988710057"/>
       </p:ext>
     </p:extLst>
   </p:cSld>
@@ -3597,7 +3597,7 @@
           <a:p>
             <a:fld id="{4AAD347D-5ACD-4C99-B74B-A9C85AD731AF}" type="datetimeFigureOut">
               <a:rPr lang="en-US" dirty="0"/>
-              <a:t>6/10/2017</a:t>
+              <a:t>6/11/2017</a:t>
             </a:fld>
             <a:endParaRPr lang="en-US" dirty="0"/>
           </a:p>
@@ -3879,7 +3879,7 @@
           <a:p>
             <a:fld id="{4509A250-FF31-4206-8172-F9D3106AACB1}" type="datetimeFigureOut">
               <a:rPr lang="en-US" dirty="0"/>
-              <a:t>6/10/2017</a:t>
+              <a:t>6/11/2017</a:t>
             </a:fld>
             <a:endParaRPr lang="en-US" dirty="0"/>
           </a:p>
@@ -4080,7 +4080,7 @@
           <a:p>
             <a:fld id="{4509A250-FF31-4206-8172-F9D3106AACB1}" type="datetimeFigureOut">
               <a:rPr lang="en-US" dirty="0"/>
-              <a:t>6/10/2017</a:t>
+              <a:t>6/11/2017</a:t>
             </a:fld>
             <a:endParaRPr lang="en-US" dirty="0"/>
           </a:p>
@@ -4360,7 +4360,7 @@
           <a:p>
             <a:fld id="{4509A250-FF31-4206-8172-F9D3106AACB1}" type="datetimeFigureOut">
               <a:rPr lang="en-US" dirty="0"/>
-              <a:t>6/10/2017</a:t>
+              <a:t>6/11/2017</a:t>
             </a:fld>
             <a:endParaRPr lang="en-US" dirty="0"/>
           </a:p>
@@ -4708,7 +4708,7 @@
           <a:p>
             <a:fld id="{4509A250-FF31-4206-8172-F9D3106AACB1}" type="datetimeFigureOut">
               <a:rPr lang="en-US" dirty="0"/>
-              <a:t>6/10/2017</a:t>
+              <a:t>6/11/2017</a:t>
             </a:fld>
             <a:endParaRPr lang="en-US" dirty="0"/>
           </a:p>
@@ -5338,7 +5338,7 @@
           <a:p>
             <a:fld id="{4509A250-FF31-4206-8172-F9D3106AACB1}" type="datetimeFigureOut">
               <a:rPr lang="en-US" dirty="0"/>
-              <a:t>6/10/2017</a:t>
+              <a:t>6/11/2017</a:t>
             </a:fld>
             <a:endParaRPr lang="en-US" dirty="0"/>
           </a:p>
@@ -6205,7 +6205,7 @@
           <a:p>
             <a:fld id="{4509A250-FF31-4206-8172-F9D3106AACB1}" type="datetimeFigureOut">
               <a:rPr lang="en-US" dirty="0"/>
-              <a:t>6/10/2017</a:t>
+              <a:t>6/11/2017</a:t>
             </a:fld>
             <a:endParaRPr lang="en-US" dirty="0"/>
           </a:p>
@@ -6382,7 +6382,7 @@
           <a:p>
             <a:fld id="{4509A250-FF31-4206-8172-F9D3106AACB1}" type="datetimeFigureOut">
               <a:rPr lang="en-US" dirty="0"/>
-              <a:t>6/10/2017</a:t>
+              <a:t>6/11/2017</a:t>
             </a:fld>
             <a:endParaRPr lang="en-US" dirty="0"/>
           </a:p>
@@ -6569,7 +6569,7 @@
           <a:p>
             <a:fld id="{4509A250-FF31-4206-8172-F9D3106AACB1}" type="datetimeFigureOut">
               <a:rPr lang="en-US" dirty="0"/>
-              <a:t>6/10/2017</a:t>
+              <a:t>6/11/2017</a:t>
             </a:fld>
             <a:endParaRPr lang="en-US" dirty="0"/>
           </a:p>
@@ -6746,7 +6746,7 @@
           <a:p>
             <a:fld id="{4509A250-FF31-4206-8172-F9D3106AACB1}" type="datetimeFigureOut">
               <a:rPr lang="en-US" dirty="0"/>
-              <a:t>6/10/2017</a:t>
+              <a:t>6/11/2017</a:t>
             </a:fld>
             <a:endParaRPr lang="en-US" dirty="0"/>
           </a:p>
@@ -7000,7 +7000,7 @@
           <a:p>
             <a:fld id="{9796027F-7875-4030-9381-8BD8C4F21935}" type="datetimeFigureOut">
               <a:rPr lang="en-US" dirty="0"/>
-              <a:t>6/10/2017</a:t>
+              <a:t>6/11/2017</a:t>
             </a:fld>
             <a:endParaRPr lang="en-US" dirty="0"/>
           </a:p>
@@ -7299,7 +7299,7 @@
           <a:p>
             <a:fld id="{9796027F-7875-4030-9381-8BD8C4F21935}" type="datetimeFigureOut">
               <a:rPr lang="en-US" dirty="0"/>
-              <a:t>6/10/2017</a:t>
+              <a:t>6/11/2017</a:t>
             </a:fld>
             <a:endParaRPr lang="en-US" dirty="0"/>
           </a:p>
@@ -7750,7 +7750,7 @@
           <a:p>
             <a:fld id="{9796027F-7875-4030-9381-8BD8C4F21935}" type="datetimeFigureOut">
               <a:rPr lang="en-US" dirty="0"/>
-              <a:t>6/10/2017</a:t>
+              <a:t>6/11/2017</a:t>
             </a:fld>
             <a:endParaRPr lang="en-US" dirty="0"/>
           </a:p>
@@ -7875,7 +7875,7 @@
           <a:p>
             <a:fld id="{4509A250-FF31-4206-8172-F9D3106AACB1}" type="datetimeFigureOut">
               <a:rPr lang="en-US" dirty="0"/>
-              <a:t>6/10/2017</a:t>
+              <a:t>6/11/2017</a:t>
             </a:fld>
             <a:endParaRPr lang="en-US" dirty="0"/>
           </a:p>
@@ -7977,7 +7977,7 @@
           <a:p>
             <a:fld id="{4509A250-FF31-4206-8172-F9D3106AACB1}" type="datetimeFigureOut">
               <a:rPr lang="en-US" dirty="0"/>
-              <a:t>6/10/2017</a:t>
+              <a:t>6/11/2017</a:t>
             </a:fld>
             <a:endParaRPr lang="en-US" dirty="0"/>
           </a:p>
@@ -8263,7 +8263,7 @@
           <a:p>
             <a:fld id="{4509A250-FF31-4206-8172-F9D3106AACB1}" type="datetimeFigureOut">
               <a:rPr lang="en-US" dirty="0"/>
-              <a:t>6/10/2017</a:t>
+              <a:t>6/11/2017</a:t>
             </a:fld>
             <a:endParaRPr lang="en-US" dirty="0"/>
           </a:p>
@@ -8545,7 +8545,7 @@
           <a:p>
             <a:fld id="{4509A250-FF31-4206-8172-F9D3106AACB1}" type="datetimeFigureOut">
               <a:rPr lang="en-US" dirty="0"/>
-              <a:t>6/10/2017</a:t>
+              <a:t>6/11/2017</a:t>
             </a:fld>
             <a:endParaRPr lang="en-US" dirty="0"/>
           </a:p>
@@ -8981,7 +8981,7 @@
           <a:p>
             <a:fld id="{4AAD347D-5ACD-4C99-B74B-A9C85AD731AF}" type="datetimeFigureOut">
               <a:rPr lang="en-US" dirty="0"/>
-              <a:t>6/10/2017</a:t>
+              <a:t>6/11/2017</a:t>
             </a:fld>
             <a:endParaRPr lang="en-US" dirty="0"/>
           </a:p>
@@ -10740,7 +10740,7 @@
             </a:pPr>
             <a:r>
               <a:rPr lang="cs-CZ" sz="2400" dirty="0" smtClean="0"/>
-              <a:t>Glykemické situace</a:t>
+              <a:t>Situace zvýšené aktivity</a:t>
             </a:r>
             <a:endParaRPr lang="cs-CZ" sz="2400" dirty="0"/>
           </a:p>
@@ -10899,7 +10899,7 @@
       </p:grpSpPr>
       <p:pic>
         <p:nvPicPr>
-          <p:cNvPr id="5" name="Zástupný symbol pro obsah 4"/>
+          <p:cNvPr id="10" name="Zástupný symbol pro obsah 9"/>
           <p:cNvPicPr>
             <a:picLocks noGrp="1" noChangeAspect="1"/>
           </p:cNvPicPr>
@@ -10915,8 +10915,8 @@
         </p:blipFill>
         <p:spPr>
           <a:xfrm>
-            <a:off x="0" y="2593382"/>
-            <a:ext cx="12191999" cy="2459649"/>
+            <a:off x="7621" y="2594919"/>
+            <a:ext cx="12184379" cy="2458112"/>
           </a:xfrm>
           <a:prstGeom prst="rect">
             <a:avLst/>
@@ -10951,7 +10951,7 @@
     </p:spTree>
     <p:extLst>
       <p:ext uri="{BB962C8B-B14F-4D97-AF65-F5344CB8AC3E}">
-        <p14:creationId xmlns:p14="http://schemas.microsoft.com/office/powerpoint/2010/main" val="1799665361"/>
+        <p14:creationId xmlns:p14="http://schemas.microsoft.com/office/powerpoint/2010/main" val="4294800151"/>
       </p:ext>
     </p:extLst>
   </p:cSld>
@@ -10995,7 +10995,7 @@
       </p:grpSpPr>
       <p:pic>
         <p:nvPicPr>
-          <p:cNvPr id="5" name="Zástupný symbol pro obsah 4"/>
+          <p:cNvPr id="10" name="Zástupný symbol pro obsah 9"/>
           <p:cNvPicPr>
             <a:picLocks noGrp="1" noChangeAspect="1"/>
           </p:cNvPicPr>
@@ -11011,8 +11011,8 @@
         </p:blipFill>
         <p:spPr>
           <a:xfrm>
-            <a:off x="0" y="2593382"/>
-            <a:ext cx="12191999" cy="2459649"/>
+            <a:off x="7621" y="2594919"/>
+            <a:ext cx="12184379" cy="2458112"/>
           </a:xfrm>
           <a:prstGeom prst="rect">
             <a:avLst/>
@@ -11139,7 +11139,7 @@
     </p:spTree>
     <p:extLst>
       <p:ext uri="{BB962C8B-B14F-4D97-AF65-F5344CB8AC3E}">
-        <p14:creationId xmlns:p14="http://schemas.microsoft.com/office/powerpoint/2010/main" val="4294800151"/>
+        <p14:creationId xmlns:p14="http://schemas.microsoft.com/office/powerpoint/2010/main" val="2742071844"/>
       </p:ext>
     </p:extLst>
   </p:cSld>
@@ -20686,7 +20686,15 @@
             </a:pPr>
             <a:r>
               <a:rPr lang="cs-CZ" sz="2400" dirty="0" smtClean="0"/>
-              <a:t>Dlouhodobá monitoraci pacientů</a:t>
+              <a:t>Dlouhodobá </a:t>
+            </a:r>
+            <a:r>
+              <a:rPr lang="cs-CZ" sz="2400" dirty="0" smtClean="0"/>
+              <a:t>monitorace </a:t>
+            </a:r>
+            <a:r>
+              <a:rPr lang="cs-CZ" sz="2400" dirty="0" smtClean="0"/>
+              <a:t>pacientů</a:t>
             </a:r>
           </a:p>
           <a:p>

--- a/prezentace diplomka/DP_Diani.pptx
+++ b/prezentace diplomka/DP_Diani.pptx
@@ -10739,8 +10739,12 @@
               </a:lnSpc>
             </a:pPr>
             <a:r>
+              <a:rPr lang="cs-CZ" sz="2400" smtClean="0"/>
+              <a:t>Glykemické </a:t>
+            </a:r>
+            <a:r>
               <a:rPr lang="cs-CZ" sz="2400" dirty="0" smtClean="0"/>
-              <a:t>Situace zvýšené aktivity</a:t>
+              <a:t>situace</a:t>
             </a:r>
             <a:endParaRPr lang="cs-CZ" sz="2400" dirty="0"/>
           </a:p>
@@ -20686,15 +20690,7 @@
             </a:pPr>
             <a:r>
               <a:rPr lang="cs-CZ" sz="2400" dirty="0" smtClean="0"/>
-              <a:t>Dlouhodobá </a:t>
-            </a:r>
-            <a:r>
-              <a:rPr lang="cs-CZ" sz="2400" dirty="0" smtClean="0"/>
-              <a:t>monitorace </a:t>
-            </a:r>
-            <a:r>
-              <a:rPr lang="cs-CZ" sz="2400" dirty="0" smtClean="0"/>
-              <a:t>pacientů</a:t>
+              <a:t>Dlouhodobá monitorace pacientů</a:t>
             </a:r>
           </a:p>
           <a:p>
